--- a/Arbeitsdokumente/190522_Workshop.pptx
+++ b/Arbeitsdokumente/190522_Workshop.pptx
@@ -219,7 +219,7 @@
           <a:p>
             <a:fld id="{05E02316-A3A9-40CE-8399-988D8D269502}" type="datetimeFigureOut">
               <a:rPr lang="de-AT" smtClean="0"/>
-              <a:t>22.05.2019</a:t>
+              <a:t>22.05.19</a:t>
             </a:fld>
             <a:endParaRPr lang="de-AT"/>
           </a:p>
@@ -384,7 +384,7 @@
           <a:p>
             <a:fld id="{F5E89DEF-C035-41A2-9AFE-A6026D4C04BE}" type="datetimeFigureOut">
               <a:rPr lang="de-AT" smtClean="0"/>
-              <a:t>22.05.2019</a:t>
+              <a:t>22.05.19</a:t>
             </a:fld>
             <a:endParaRPr lang="de-AT"/>
           </a:p>
@@ -10303,6 +10303,163 @@
           </a:p>
         </p:txBody>
       </p:sp>
+      <p:graphicFrame>
+        <p:nvGraphicFramePr>
+          <p:cNvPr id="8" name="Tabelle 7">
+            <a:extLst>
+              <a:ext uri="{FF2B5EF4-FFF2-40B4-BE49-F238E27FC236}">
+                <a16:creationId xmlns:a16="http://schemas.microsoft.com/office/drawing/2014/main" id="{331FEEE3-19CB-D743-9CAB-D460F7FC9EB0}"/>
+              </a:ext>
+            </a:extLst>
+          </p:cNvPr>
+          <p:cNvGraphicFramePr>
+            <a:graphicFrameLocks noGrp="1"/>
+          </p:cNvGraphicFramePr>
+          <p:nvPr>
+            <p:extLst>
+              <p:ext uri="{D42A27DB-BD31-4B8C-83A1-F6EECF244321}">
+                <p14:modId xmlns:p14="http://schemas.microsoft.com/office/powerpoint/2010/main" val="4145958121"/>
+              </p:ext>
+            </p:extLst>
+          </p:nvPr>
+        </p:nvGraphicFramePr>
+        <p:xfrm>
+          <a:off x="304006" y="2015725"/>
+          <a:ext cx="8183316" cy="1653734"/>
+        </p:xfrm>
+        <a:graphic>
+          <a:graphicData uri="http://schemas.openxmlformats.org/drawingml/2006/table">
+            <a:tbl>
+              <a:tblPr>
+                <a:tableStyleId>{5C22544A-7EE6-4342-B048-85BDC9FD1C3A}</a:tableStyleId>
+              </a:tblPr>
+              <a:tblGrid>
+                <a:gridCol w="8183316">
+                  <a:extLst>
+                    <a:ext uri="{9D8B030D-6E8A-4147-A177-3AD203B41FA5}">
+                      <a16:colId xmlns:a16="http://schemas.microsoft.com/office/drawing/2014/main" val="318561346"/>
+                    </a:ext>
+                  </a:extLst>
+                </a:gridCol>
+              </a:tblGrid>
+              <a:tr h="1623945">
+                <a:tc>
+                  <a:txBody>
+                    <a:bodyPr/>
+                    <a:lstStyle/>
+                    <a:p>
+                      <a:pPr algn="l" fontAlgn="t"/>
+                      <a:endParaRPr lang="de-AT" sz="800" u="none" strike="noStrike" dirty="0">
+                        <a:effectLst/>
+                      </a:endParaRPr>
+                    </a:p>
+                    <a:p>
+                      <a:pPr algn="l" fontAlgn="t"/>
+                      <a:endParaRPr lang="de-AT" sz="800" u="none" strike="noStrike" dirty="0">
+                        <a:effectLst/>
+                      </a:endParaRPr>
+                    </a:p>
+                    <a:p>
+                      <a:pPr algn="l" fontAlgn="t"/>
+                      <a:r>
+                        <a:rPr lang="de-AT" sz="1400" u="none" strike="noStrike" dirty="0">
+                          <a:effectLst/>
+                        </a:rPr>
+                        <a:t>Was wäre ein Knock-Out-Kriterium, bei dem Sie das CRM-System nicht nutzen würden?</a:t>
+                      </a:r>
+                    </a:p>
+                    <a:p>
+                      <a:pPr algn="l" fontAlgn="t"/>
+                      <a:endParaRPr lang="de-AT" sz="800" u="none" strike="noStrike" dirty="0">
+                        <a:effectLst/>
+                      </a:endParaRPr>
+                    </a:p>
+                    <a:p>
+                      <a:pPr algn="l" fontAlgn="t"/>
+                      <a:r>
+                        <a:rPr lang="de-AT" sz="1400" u="none" strike="noStrike" dirty="0">
+                          <a:effectLst/>
+                        </a:rPr>
+                        <a:t>Barbara: </a:t>
+                      </a:r>
+                    </a:p>
+                    <a:p>
+                      <a:pPr algn="l" fontAlgn="t"/>
+                      <a:r>
+                        <a:rPr lang="de-AT" sz="1400" u="none" strike="noStrike" dirty="0">
+                          <a:effectLst/>
+                        </a:rPr>
+                        <a:t>wenn es nicht auf Mobilgeräten gut funktioniert.. Es wäre sehr gut wenn es auf Mobilgeräten funktioniert wie auf Standrechnern.. Kein Cloudbasiertes </a:t>
+                      </a:r>
+                      <a:r>
+                        <a:rPr lang="de-AT" sz="1400" u="none" strike="noStrike" dirty="0" err="1">
+                          <a:effectLst/>
+                        </a:rPr>
+                        <a:t>CRMSystem</a:t>
+                      </a:r>
+                      <a:r>
+                        <a:rPr lang="de-AT" sz="1400" u="none" strike="noStrike" dirty="0">
+                          <a:effectLst/>
+                        </a:rPr>
+                        <a:t>, sonst bin ich anpassungsfähig..</a:t>
+                      </a:r>
+                    </a:p>
+                    <a:p>
+                      <a:pPr algn="l" fontAlgn="t"/>
+                      <a:endParaRPr lang="de-AT" sz="1400" b="0" i="0" u="none" strike="noStrike" dirty="0">
+                        <a:solidFill>
+                          <a:srgbClr val="000000"/>
+                        </a:solidFill>
+                        <a:effectLst/>
+                        <a:latin typeface="Arial" panose="020B0604020202020204" pitchFamily="34" charset="0"/>
+                      </a:endParaRPr>
+                    </a:p>
+                    <a:p>
+                      <a:pPr algn="l" fontAlgn="t"/>
+                      <a:r>
+                        <a:rPr lang="de-AT" sz="1400" b="0" i="0" u="none" strike="noStrike" dirty="0">
+                          <a:solidFill>
+                            <a:srgbClr val="000000"/>
+                          </a:solidFill>
+                          <a:effectLst/>
+                          <a:latin typeface="Arial" panose="020B0604020202020204" pitchFamily="34" charset="0"/>
+                        </a:rPr>
+                        <a:t>Frage: App installieren, oder über </a:t>
+                      </a:r>
+                      <a:r>
+                        <a:rPr lang="de-AT" sz="1400" b="0" i="0" u="none" strike="noStrike" dirty="0" err="1">
+                          <a:solidFill>
+                            <a:srgbClr val="000000"/>
+                          </a:solidFill>
+                          <a:effectLst/>
+                          <a:latin typeface="Arial" panose="020B0604020202020204" pitchFamily="34" charset="0"/>
+                        </a:rPr>
+                        <a:t>WebBrowser</a:t>
+                      </a:r>
+                      <a:r>
+                        <a:rPr lang="de-AT" sz="1400" b="0" i="0" u="none" strike="noStrike" dirty="0">
+                          <a:solidFill>
+                            <a:srgbClr val="000000"/>
+                          </a:solidFill>
+                          <a:effectLst/>
+                          <a:latin typeface="Arial" panose="020B0604020202020204" pitchFamily="34" charset="0"/>
+                        </a:rPr>
+                        <a:t> am Handy?</a:t>
+                      </a:r>
+                    </a:p>
+                  </a:txBody>
+                  <a:tcPr marL="7814" marR="7814" marT="7814" marB="0"/>
+                </a:tc>
+                <a:extLst>
+                  <a:ext uri="{0D108BD9-81ED-4DB2-BD59-A6C34878D82A}">
+                    <a16:rowId xmlns:a16="http://schemas.microsoft.com/office/drawing/2014/main" val="1853564704"/>
+                  </a:ext>
+                </a:extLst>
+              </a:tr>
+            </a:tbl>
+          </a:graphicData>
+        </a:graphic>
+      </p:graphicFrame>
     </p:spTree>
     <p:extLst>
       <p:ext uri="{BB962C8B-B14F-4D97-AF65-F5344CB8AC3E}">
@@ -10458,6 +10615,173 @@
           </a:p>
         </p:txBody>
       </p:sp>
+      <p:graphicFrame>
+        <p:nvGraphicFramePr>
+          <p:cNvPr id="8" name="Tabelle 7">
+            <a:extLst>
+              <a:ext uri="{FF2B5EF4-FFF2-40B4-BE49-F238E27FC236}">
+                <a16:creationId xmlns:a16="http://schemas.microsoft.com/office/drawing/2014/main" id="{2856C229-9853-A047-8E63-4F7F06CA6C40}"/>
+              </a:ext>
+            </a:extLst>
+          </p:cNvPr>
+          <p:cNvGraphicFramePr>
+            <a:graphicFrameLocks noGrp="1"/>
+          </p:cNvGraphicFramePr>
+          <p:nvPr>
+            <p:extLst>
+              <p:ext uri="{D42A27DB-BD31-4B8C-83A1-F6EECF244321}">
+                <p14:modId xmlns:p14="http://schemas.microsoft.com/office/powerpoint/2010/main" val="29630885"/>
+              </p:ext>
+            </p:extLst>
+          </p:nvPr>
+        </p:nvGraphicFramePr>
+        <p:xfrm>
+          <a:off x="340659" y="2008093"/>
+          <a:ext cx="6042212" cy="2097741"/>
+        </p:xfrm>
+        <a:graphic>
+          <a:graphicData uri="http://schemas.openxmlformats.org/drawingml/2006/table">
+            <a:tbl>
+              <a:tblPr>
+                <a:tableStyleId>{5C22544A-7EE6-4342-B048-85BDC9FD1C3A}</a:tableStyleId>
+              </a:tblPr>
+              <a:tblGrid>
+                <a:gridCol w="6042212">
+                  <a:extLst>
+                    <a:ext uri="{9D8B030D-6E8A-4147-A177-3AD203B41FA5}">
+                      <a16:colId xmlns:a16="http://schemas.microsoft.com/office/drawing/2014/main" val="1536547655"/>
+                    </a:ext>
+                  </a:extLst>
+                </a:gridCol>
+              </a:tblGrid>
+              <a:tr h="2097741">
+                <a:tc>
+                  <a:txBody>
+                    <a:bodyPr/>
+                    <a:lstStyle/>
+                    <a:p>
+                      <a:pPr algn="l" fontAlgn="t"/>
+                      <a:r>
+                        <a:rPr lang="de-AT" sz="1200" u="none" strike="noStrike" dirty="0">
+                          <a:effectLst/>
+                        </a:rPr>
+                        <a:t>Welche Arten ausgehender E-Mails werden unterstützt? (einzeln, </a:t>
+                      </a:r>
+                      <a:r>
+                        <a:rPr lang="de-AT" sz="1200" u="none" strike="noStrike" dirty="0" err="1">
+                          <a:effectLst/>
+                        </a:rPr>
+                        <a:t>massenmails</a:t>
+                      </a:r>
+                      <a:r>
+                        <a:rPr lang="de-AT" sz="1200" u="none" strike="noStrike" dirty="0">
+                          <a:effectLst/>
+                        </a:rPr>
+                        <a:t>?)</a:t>
+                      </a:r>
+                    </a:p>
+                    <a:p>
+                      <a:pPr algn="l" fontAlgn="t"/>
+                      <a:endParaRPr lang="de-AT" sz="1200" b="0" i="0" u="none" strike="noStrike" dirty="0">
+                        <a:solidFill>
+                          <a:srgbClr val="000000"/>
+                        </a:solidFill>
+                        <a:effectLst/>
+                        <a:latin typeface="Arial" panose="020B0604020202020204" pitchFamily="34" charset="0"/>
+                      </a:endParaRPr>
+                    </a:p>
+                    <a:p>
+                      <a:pPr algn="l" fontAlgn="t"/>
+                      <a:r>
+                        <a:rPr lang="de-AT" sz="1200" b="0" i="0" u="none" strike="noStrike" dirty="0">
+                          <a:solidFill>
+                            <a:srgbClr val="000000"/>
+                          </a:solidFill>
+                          <a:effectLst/>
+                          <a:latin typeface="Arial" panose="020B0604020202020204" pitchFamily="34" charset="0"/>
+                        </a:rPr>
+                        <a:t>Barbara: nur Einzelmails.. Und mit einem Trick macht Michael </a:t>
+                      </a:r>
+                      <a:r>
+                        <a:rPr lang="de-AT" sz="1200" b="0" i="0" u="none" strike="noStrike" dirty="0" err="1">
+                          <a:solidFill>
+                            <a:srgbClr val="000000"/>
+                          </a:solidFill>
+                          <a:effectLst/>
+                          <a:latin typeface="Arial" panose="020B0604020202020204" pitchFamily="34" charset="0"/>
+                        </a:rPr>
+                        <a:t>Holubek</a:t>
+                      </a:r>
+                      <a:r>
+                        <a:rPr lang="de-AT" sz="1200" b="0" i="0" u="none" strike="noStrike" dirty="0">
+                          <a:solidFill>
+                            <a:srgbClr val="000000"/>
+                          </a:solidFill>
+                          <a:effectLst/>
+                          <a:latin typeface="Arial" panose="020B0604020202020204" pitchFamily="34" charset="0"/>
+                        </a:rPr>
+                        <a:t> daraus Massenmails..</a:t>
+                      </a:r>
+                    </a:p>
+                    <a:p>
+                      <a:pPr algn="l" fontAlgn="t"/>
+                      <a:endParaRPr lang="de-AT" sz="1200" b="0" i="0" u="none" strike="noStrike" dirty="0">
+                        <a:solidFill>
+                          <a:srgbClr val="000000"/>
+                        </a:solidFill>
+                        <a:effectLst/>
+                        <a:latin typeface="Arial" panose="020B0604020202020204" pitchFamily="34" charset="0"/>
+                      </a:endParaRPr>
+                    </a:p>
+                    <a:p>
+                      <a:pPr algn="l" fontAlgn="t"/>
+                      <a:r>
+                        <a:rPr lang="de-AT" sz="1200" b="0" i="0" u="none" strike="noStrike" dirty="0">
+                          <a:solidFill>
+                            <a:srgbClr val="000000"/>
+                          </a:solidFill>
+                          <a:effectLst/>
+                          <a:latin typeface="Arial" panose="020B0604020202020204" pitchFamily="34" charset="0"/>
+                        </a:rPr>
+                        <a:t>David: Nur Einzelmails..</a:t>
+                      </a:r>
+                    </a:p>
+                    <a:p>
+                      <a:pPr algn="l" fontAlgn="t"/>
+                      <a:endParaRPr lang="de-AT" sz="1200" b="0" i="0" u="none" strike="noStrike" dirty="0">
+                        <a:solidFill>
+                          <a:srgbClr val="000000"/>
+                        </a:solidFill>
+                        <a:effectLst/>
+                        <a:latin typeface="Arial" panose="020B0604020202020204" pitchFamily="34" charset="0"/>
+                      </a:endParaRPr>
+                    </a:p>
+                    <a:p>
+                      <a:pPr algn="l" fontAlgn="t"/>
+                      <a:r>
+                        <a:rPr lang="de-AT" sz="1200" b="0" i="0" u="none" strike="noStrike" dirty="0">
+                          <a:solidFill>
+                            <a:srgbClr val="000000"/>
+                          </a:solidFill>
+                          <a:effectLst/>
+                          <a:latin typeface="Arial" panose="020B0604020202020204" pitchFamily="34" charset="0"/>
+                        </a:rPr>
+                        <a:t>Angela: man kann beides --&gt; Serienbrief wäre gut..</a:t>
+                      </a:r>
+                    </a:p>
+                  </a:txBody>
+                  <a:tcPr marL="9525" marR="9525" marT="9525" marB="0"/>
+                </a:tc>
+                <a:extLst>
+                  <a:ext uri="{0D108BD9-81ED-4DB2-BD59-A6C34878D82A}">
+                    <a16:rowId xmlns:a16="http://schemas.microsoft.com/office/drawing/2014/main" val="1893749344"/>
+                  </a:ext>
+                </a:extLst>
+              </a:tr>
+            </a:tbl>
+          </a:graphicData>
+        </a:graphic>
+      </p:graphicFrame>
     </p:spTree>
     <p:extLst>
       <p:ext uri="{BB962C8B-B14F-4D97-AF65-F5344CB8AC3E}">
@@ -10613,6 +10937,331 @@
           </a:p>
         </p:txBody>
       </p:sp>
+      <p:graphicFrame>
+        <p:nvGraphicFramePr>
+          <p:cNvPr id="3" name="Tabelle 2">
+            <a:extLst>
+              <a:ext uri="{FF2B5EF4-FFF2-40B4-BE49-F238E27FC236}">
+                <a16:creationId xmlns:a16="http://schemas.microsoft.com/office/drawing/2014/main" id="{6668ACD5-0574-6443-A893-E4EE6DEE9A2C}"/>
+              </a:ext>
+            </a:extLst>
+          </p:cNvPr>
+          <p:cNvGraphicFramePr>
+            <a:graphicFrameLocks noGrp="1"/>
+          </p:cNvGraphicFramePr>
+          <p:nvPr>
+            <p:extLst>
+              <p:ext uri="{D42A27DB-BD31-4B8C-83A1-F6EECF244321}">
+                <p14:modId xmlns:p14="http://schemas.microsoft.com/office/powerpoint/2010/main" val="2121892746"/>
+              </p:ext>
+            </p:extLst>
+          </p:nvPr>
+        </p:nvGraphicFramePr>
+        <p:xfrm>
+          <a:off x="520700" y="1756747"/>
+          <a:ext cx="7567136" cy="3819299"/>
+        </p:xfrm>
+        <a:graphic>
+          <a:graphicData uri="http://schemas.openxmlformats.org/drawingml/2006/table">
+            <a:tbl>
+              <a:tblPr>
+                <a:tableStyleId>{5C22544A-7EE6-4342-B048-85BDC9FD1C3A}</a:tableStyleId>
+              </a:tblPr>
+              <a:tblGrid>
+                <a:gridCol w="7567136">
+                  <a:extLst>
+                    <a:ext uri="{9D8B030D-6E8A-4147-A177-3AD203B41FA5}">
+                      <a16:colId xmlns:a16="http://schemas.microsoft.com/office/drawing/2014/main" val="613127955"/>
+                    </a:ext>
+                  </a:extLst>
+                </a:gridCol>
+              </a:tblGrid>
+              <a:tr h="3819299">
+                <a:tc>
+                  <a:txBody>
+                    <a:bodyPr/>
+                    <a:lstStyle/>
+                    <a:p>
+                      <a:pPr algn="l" fontAlgn="t"/>
+                      <a:r>
+                        <a:rPr lang="de-AT" sz="1400" u="none" strike="noStrike" dirty="0">
+                          <a:effectLst/>
+                        </a:rPr>
+                        <a:t>Zu welchen Systemen sind Schnittstellen vorhanden bzw. relevant?</a:t>
+                      </a:r>
+                    </a:p>
+                    <a:p>
+                      <a:pPr algn="l" fontAlgn="t"/>
+                      <a:endParaRPr lang="de-AT" sz="1400" b="0" i="0" u="none" strike="noStrike" dirty="0">
+                        <a:solidFill>
+                          <a:srgbClr val="000000"/>
+                        </a:solidFill>
+                        <a:effectLst/>
+                        <a:latin typeface="Arial" panose="020B0604020202020204" pitchFamily="34" charset="0"/>
+                      </a:endParaRPr>
+                    </a:p>
+                    <a:p>
+                      <a:pPr algn="l" fontAlgn="t"/>
+                      <a:r>
+                        <a:rPr lang="de-AT" sz="1400" b="0" i="0" u="none" strike="noStrike" dirty="0">
+                          <a:solidFill>
+                            <a:srgbClr val="000000"/>
+                          </a:solidFill>
+                          <a:effectLst/>
+                          <a:latin typeface="Arial" panose="020B0604020202020204" pitchFamily="34" charset="0"/>
+                        </a:rPr>
+                        <a:t>Angela: es wird alles nur noch händisch nachgepflegt, am wichtigsten wäre Excel</a:t>
+                      </a:r>
+                    </a:p>
+                    <a:p>
+                      <a:pPr algn="l" fontAlgn="t"/>
+                      <a:endParaRPr lang="de-AT" sz="1400" b="0" i="0" u="none" strike="noStrike" dirty="0">
+                        <a:solidFill>
+                          <a:srgbClr val="000000"/>
+                        </a:solidFill>
+                        <a:effectLst/>
+                        <a:latin typeface="Arial" panose="020B0604020202020204" pitchFamily="34" charset="0"/>
+                      </a:endParaRPr>
+                    </a:p>
+                    <a:p>
+                      <a:pPr algn="l" fontAlgn="t"/>
+                      <a:r>
+                        <a:rPr lang="de-AT" sz="1400" b="0" i="0" u="none" strike="noStrike" dirty="0">
+                          <a:solidFill>
+                            <a:srgbClr val="000000"/>
+                          </a:solidFill>
+                          <a:effectLst/>
+                          <a:latin typeface="Arial" panose="020B0604020202020204" pitchFamily="34" charset="0"/>
+                        </a:rPr>
+                        <a:t>Michael: Module, die es mit irgendwelchen Shop Modulen und Shopsystemen verbinden, aber müssen wir nachschauen. Typischerweise CSV Dateien, Schnittstellen werden nicht unterstützt… wenn wir in dieses Eventmodul ein Event anlegen, wäre es </a:t>
+                      </a:r>
+                      <a:r>
+                        <a:rPr lang="de-AT" sz="1400" b="0" i="0" u="none" strike="noStrike" dirty="0" err="1">
+                          <a:solidFill>
+                            <a:srgbClr val="000000"/>
+                          </a:solidFill>
+                          <a:effectLst/>
+                          <a:latin typeface="Arial" panose="020B0604020202020204" pitchFamily="34" charset="0"/>
+                        </a:rPr>
+                        <a:t>nice</a:t>
+                      </a:r>
+                      <a:r>
+                        <a:rPr lang="de-AT" sz="1400" b="0" i="0" u="none" strike="noStrike" dirty="0">
+                          <a:solidFill>
+                            <a:srgbClr val="000000"/>
+                          </a:solidFill>
+                          <a:effectLst/>
+                          <a:latin typeface="Arial" panose="020B0604020202020204" pitchFamily="34" charset="0"/>
+                        </a:rPr>
+                        <a:t> </a:t>
+                      </a:r>
+                      <a:r>
+                        <a:rPr lang="de-AT" sz="1400" b="0" i="0" u="none" strike="noStrike" dirty="0" err="1">
+                          <a:solidFill>
+                            <a:srgbClr val="000000"/>
+                          </a:solidFill>
+                          <a:effectLst/>
+                          <a:latin typeface="Arial" panose="020B0604020202020204" pitchFamily="34" charset="0"/>
+                        </a:rPr>
+                        <a:t>to</a:t>
+                      </a:r>
+                      <a:r>
+                        <a:rPr lang="de-AT" sz="1400" b="0" i="0" u="none" strike="noStrike" dirty="0">
+                          <a:solidFill>
+                            <a:srgbClr val="000000"/>
+                          </a:solidFill>
+                          <a:effectLst/>
+                          <a:latin typeface="Arial" panose="020B0604020202020204" pitchFamily="34" charset="0"/>
+                        </a:rPr>
+                        <a:t> </a:t>
+                      </a:r>
+                      <a:r>
+                        <a:rPr lang="de-AT" sz="1400" b="0" i="0" u="none" strike="noStrike" dirty="0" err="1">
+                          <a:solidFill>
+                            <a:srgbClr val="000000"/>
+                          </a:solidFill>
+                          <a:effectLst/>
+                          <a:latin typeface="Arial" panose="020B0604020202020204" pitchFamily="34" charset="0"/>
+                        </a:rPr>
+                        <a:t>have</a:t>
+                      </a:r>
+                      <a:r>
+                        <a:rPr lang="de-AT" sz="1400" b="0" i="0" u="none" strike="noStrike" dirty="0">
+                          <a:solidFill>
+                            <a:srgbClr val="000000"/>
+                          </a:solidFill>
+                          <a:effectLst/>
+                          <a:latin typeface="Arial" panose="020B0604020202020204" pitchFamily="34" charset="0"/>
+                        </a:rPr>
+                        <a:t> wenn es automatisiert in die Facebook-Gruppe aufscheinen würde..</a:t>
+                      </a:r>
+                    </a:p>
+                    <a:p>
+                      <a:pPr algn="l" fontAlgn="t"/>
+                      <a:endParaRPr lang="de-AT" sz="1000" b="0" i="0" u="none" strike="noStrike" dirty="0">
+                        <a:solidFill>
+                          <a:srgbClr val="000000"/>
+                        </a:solidFill>
+                        <a:effectLst/>
+                        <a:latin typeface="Arial" panose="020B0604020202020204" pitchFamily="34" charset="0"/>
+                      </a:endParaRPr>
+                    </a:p>
+                    <a:p>
+                      <a:pPr algn="l" fontAlgn="t"/>
+                      <a:endParaRPr lang="de-AT" sz="1000" b="0" i="0" u="none" strike="noStrike" dirty="0">
+                        <a:solidFill>
+                          <a:srgbClr val="000000"/>
+                        </a:solidFill>
+                        <a:effectLst/>
+                        <a:latin typeface="Arial" panose="020B0604020202020204" pitchFamily="34" charset="0"/>
+                      </a:endParaRPr>
+                    </a:p>
+                    <a:p>
+                      <a:pPr algn="l" fontAlgn="t"/>
+                      <a:r>
+                        <a:rPr lang="de-AT" sz="1200" b="0" i="0" u="none" strike="noStrike" dirty="0" err="1">
+                          <a:solidFill>
+                            <a:srgbClr val="000000"/>
+                          </a:solidFill>
+                          <a:effectLst/>
+                          <a:latin typeface="Arial" panose="020B0604020202020204" pitchFamily="34" charset="0"/>
+                        </a:rPr>
+                        <a:t>Barbara:vorhanden</a:t>
+                      </a:r>
+                      <a:r>
+                        <a:rPr lang="de-AT" sz="1200" b="0" i="0" u="none" strike="noStrike" dirty="0">
+                          <a:solidFill>
+                            <a:srgbClr val="000000"/>
+                          </a:solidFill>
+                          <a:effectLst/>
+                          <a:latin typeface="Arial" panose="020B0604020202020204" pitchFamily="34" charset="0"/>
+                        </a:rPr>
+                        <a:t> --&gt; keine Ahnung.. Relevant --&gt; wünschenswert wäre Export ins Excel oder Word.. Echte Schnittstellen ans Mailsystem falls notwendig sonst wüsste ich keine</a:t>
+                      </a:r>
+                    </a:p>
+                    <a:p>
+                      <a:pPr algn="l" fontAlgn="t"/>
+                      <a:endParaRPr lang="de-AT" sz="1200" b="0" i="0" u="none" strike="noStrike" dirty="0">
+                        <a:solidFill>
+                          <a:srgbClr val="000000"/>
+                        </a:solidFill>
+                        <a:effectLst/>
+                        <a:latin typeface="Arial" panose="020B0604020202020204" pitchFamily="34" charset="0"/>
+                      </a:endParaRPr>
+                    </a:p>
+                    <a:p>
+                      <a:pPr algn="l" fontAlgn="t"/>
+                      <a:endParaRPr lang="de-AT" sz="1200" b="0" i="0" u="none" strike="noStrike" dirty="0">
+                        <a:solidFill>
+                          <a:srgbClr val="000000"/>
+                        </a:solidFill>
+                        <a:effectLst/>
+                        <a:latin typeface="Arial" panose="020B0604020202020204" pitchFamily="34" charset="0"/>
+                      </a:endParaRPr>
+                    </a:p>
+                    <a:p>
+                      <a:pPr algn="l" fontAlgn="t"/>
+                      <a:r>
+                        <a:rPr lang="de-AT" sz="1200" b="0" i="0" u="none" strike="noStrike" dirty="0">
+                          <a:solidFill>
+                            <a:srgbClr val="000000"/>
+                          </a:solidFill>
+                          <a:effectLst/>
+                          <a:latin typeface="Arial" panose="020B0604020202020204" pitchFamily="34" charset="0"/>
+                        </a:rPr>
+                        <a:t>David: im </a:t>
+                      </a:r>
+                      <a:r>
+                        <a:rPr lang="de-AT" sz="1200" b="0" i="0" u="none" strike="noStrike" dirty="0" err="1">
+                          <a:solidFill>
+                            <a:srgbClr val="000000"/>
+                          </a:solidFill>
+                          <a:effectLst/>
+                          <a:latin typeface="Arial" panose="020B0604020202020204" pitchFamily="34" charset="0"/>
+                        </a:rPr>
+                        <a:t>Momn</a:t>
+                      </a:r>
+                      <a:r>
+                        <a:rPr lang="de-AT" sz="1200" b="0" i="0" u="none" strike="noStrike" dirty="0">
+                          <a:solidFill>
+                            <a:srgbClr val="000000"/>
+                          </a:solidFill>
+                          <a:effectLst/>
+                          <a:latin typeface="Arial" panose="020B0604020202020204" pitchFamily="34" charset="0"/>
+                        </a:rPr>
+                        <a:t> zu </a:t>
+                      </a:r>
+                      <a:r>
+                        <a:rPr lang="de-AT" sz="1200" b="0" i="0" u="none" strike="noStrike" dirty="0" err="1">
+                          <a:solidFill>
+                            <a:srgbClr val="000000"/>
+                          </a:solidFill>
+                          <a:effectLst/>
+                          <a:latin typeface="Arial" panose="020B0604020202020204" pitchFamily="34" charset="0"/>
+                        </a:rPr>
+                        <a:t>keinen..sinnvoll</a:t>
+                      </a:r>
+                      <a:r>
+                        <a:rPr lang="de-AT" sz="1200" b="0" i="0" u="none" strike="noStrike" dirty="0">
+                          <a:solidFill>
+                            <a:srgbClr val="000000"/>
+                          </a:solidFill>
+                          <a:effectLst/>
+                          <a:latin typeface="Arial" panose="020B0604020202020204" pitchFamily="34" charset="0"/>
+                        </a:rPr>
+                        <a:t> wäre es zur Gruppe.. Sprich E-Mail-</a:t>
+                      </a:r>
+                      <a:r>
+                        <a:rPr lang="de-AT" sz="1200" b="0" i="0" u="none" strike="noStrike" dirty="0" err="1">
+                          <a:solidFill>
+                            <a:srgbClr val="000000"/>
+                          </a:solidFill>
+                          <a:effectLst/>
+                          <a:latin typeface="Arial" panose="020B0604020202020204" pitchFamily="34" charset="0"/>
+                        </a:rPr>
+                        <a:t>Kalendar</a:t>
+                      </a:r>
+                      <a:endParaRPr lang="de-AT" sz="1200" b="0" i="0" u="none" strike="noStrike" dirty="0">
+                        <a:solidFill>
+                          <a:srgbClr val="000000"/>
+                        </a:solidFill>
+                        <a:effectLst/>
+                        <a:latin typeface="Arial" panose="020B0604020202020204" pitchFamily="34" charset="0"/>
+                      </a:endParaRPr>
+                    </a:p>
+                    <a:p>
+                      <a:pPr algn="l" fontAlgn="t"/>
+                      <a:endParaRPr lang="de-AT" sz="1000" b="0" i="0" u="none" strike="noStrike" dirty="0">
+                        <a:solidFill>
+                          <a:srgbClr val="000000"/>
+                        </a:solidFill>
+                        <a:effectLst/>
+                        <a:latin typeface="Arial" panose="020B0604020202020204" pitchFamily="34" charset="0"/>
+                      </a:endParaRPr>
+                    </a:p>
+                    <a:p>
+                      <a:pPr algn="l" fontAlgn="t"/>
+                      <a:endParaRPr lang="de-AT" sz="1000" b="0" i="0" u="none" strike="noStrike" dirty="0">
+                        <a:solidFill>
+                          <a:srgbClr val="000000"/>
+                        </a:solidFill>
+                        <a:effectLst/>
+                        <a:latin typeface="Arial" panose="020B0604020202020204" pitchFamily="34" charset="0"/>
+                      </a:endParaRPr>
+                    </a:p>
+                  </a:txBody>
+                  <a:tcPr marL="9525" marR="9525" marT="9525" marB="0"/>
+                </a:tc>
+                <a:extLst>
+                  <a:ext uri="{0D108BD9-81ED-4DB2-BD59-A6C34878D82A}">
+                    <a16:rowId xmlns:a16="http://schemas.microsoft.com/office/drawing/2014/main" val="3114284879"/>
+                  </a:ext>
+                </a:extLst>
+              </a:tr>
+            </a:tbl>
+          </a:graphicData>
+        </a:graphic>
+      </p:graphicFrame>
     </p:spTree>
     <p:extLst>
       <p:ext uri="{BB962C8B-B14F-4D97-AF65-F5344CB8AC3E}">

--- a/Arbeitsdokumente/190522_Workshop.pptx
+++ b/Arbeitsdokumente/190522_Workshop.pptx
@@ -5,10 +5,10 @@
     <p:sldMasterId id="2147483660" r:id="rId1"/>
   </p:sldMasterIdLst>
   <p:notesMasterIdLst>
-    <p:notesMasterId r:id="rId19"/>
+    <p:notesMasterId r:id="rId18"/>
   </p:notesMasterIdLst>
   <p:handoutMasterIdLst>
-    <p:handoutMasterId r:id="rId20"/>
+    <p:handoutMasterId r:id="rId19"/>
   </p:handoutMasterIdLst>
   <p:sldIdLst>
     <p:sldId id="256" r:id="rId2"/>
@@ -22,12 +22,11 @@
     <p:sldId id="299" r:id="rId10"/>
     <p:sldId id="302" r:id="rId11"/>
     <p:sldId id="280" r:id="rId12"/>
-    <p:sldId id="296" r:id="rId13"/>
-    <p:sldId id="286" r:id="rId14"/>
-    <p:sldId id="291" r:id="rId15"/>
-    <p:sldId id="288" r:id="rId16"/>
-    <p:sldId id="289" r:id="rId17"/>
-    <p:sldId id="290" r:id="rId18"/>
+    <p:sldId id="286" r:id="rId13"/>
+    <p:sldId id="291" r:id="rId14"/>
+    <p:sldId id="288" r:id="rId15"/>
+    <p:sldId id="289" r:id="rId16"/>
+    <p:sldId id="290" r:id="rId17"/>
   </p:sldIdLst>
   <p:sldSz cx="9144000" cy="6858000" type="screen4x3"/>
   <p:notesSz cx="7102475" cy="10234613"/>
@@ -137,6 +136,4926 @@
 </p:presentation>
 </file>
 
+<file path=ppt/diagrams/colors1.xml><?xml version="1.0" encoding="utf-8"?>
+<dgm:colorsDef xmlns:dgm="http://schemas.openxmlformats.org/drawingml/2006/diagram" xmlns:a="http://schemas.openxmlformats.org/drawingml/2006/main" uniqueId="urn:microsoft.com/office/officeart/2005/8/colors/accent1_4">
+  <dgm:title val=""/>
+  <dgm:desc val=""/>
+  <dgm:catLst>
+    <dgm:cat type="accent1" pri="11400"/>
+  </dgm:catLst>
+  <dgm:styleLbl name="node0">
+    <dgm:fillClrLst meth="cycle">
+      <a:schemeClr val="accent1">
+        <a:shade val="60000"/>
+      </a:schemeClr>
+    </dgm:fillClrLst>
+    <dgm:linClrLst meth="repeat">
+      <a:schemeClr val="lt1"/>
+    </dgm:linClrLst>
+    <dgm:effectClrLst/>
+    <dgm:txLinClrLst/>
+    <dgm:txFillClrLst/>
+    <dgm:txEffectClrLst/>
+  </dgm:styleLbl>
+  <dgm:styleLbl name="node1">
+    <dgm:fillClrLst meth="cycle">
+      <a:schemeClr val="accent1">
+        <a:shade val="50000"/>
+      </a:schemeClr>
+      <a:schemeClr val="accent1">
+        <a:tint val="55000"/>
+      </a:schemeClr>
+    </dgm:fillClrLst>
+    <dgm:linClrLst meth="repeat">
+      <a:schemeClr val="lt1"/>
+    </dgm:linClrLst>
+    <dgm:effectClrLst/>
+    <dgm:txLinClrLst/>
+    <dgm:txFillClrLst/>
+    <dgm:txEffectClrLst/>
+  </dgm:styleLbl>
+  <dgm:styleLbl name="alignNode1">
+    <dgm:fillClrLst meth="cycle">
+      <a:schemeClr val="accent1">
+        <a:shade val="50000"/>
+      </a:schemeClr>
+      <a:schemeClr val="accent1">
+        <a:tint val="55000"/>
+      </a:schemeClr>
+    </dgm:fillClrLst>
+    <dgm:linClrLst meth="cycle">
+      <a:schemeClr val="accent1">
+        <a:shade val="50000"/>
+      </a:schemeClr>
+      <a:schemeClr val="accent1">
+        <a:tint val="55000"/>
+      </a:schemeClr>
+    </dgm:linClrLst>
+    <dgm:effectClrLst/>
+    <dgm:txLinClrLst/>
+    <dgm:txFillClrLst/>
+    <dgm:txEffectClrLst/>
+  </dgm:styleLbl>
+  <dgm:styleLbl name="lnNode1">
+    <dgm:fillClrLst meth="cycle">
+      <a:schemeClr val="accent1">
+        <a:shade val="50000"/>
+      </a:schemeClr>
+      <a:schemeClr val="accent1">
+        <a:tint val="55000"/>
+      </a:schemeClr>
+    </dgm:fillClrLst>
+    <dgm:linClrLst meth="repeat">
+      <a:schemeClr val="lt1"/>
+    </dgm:linClrLst>
+    <dgm:effectClrLst/>
+    <dgm:txLinClrLst/>
+    <dgm:txFillClrLst/>
+    <dgm:txEffectClrLst/>
+  </dgm:styleLbl>
+  <dgm:styleLbl name="vennNode1">
+    <dgm:fillClrLst meth="cycle">
+      <a:schemeClr val="accent1">
+        <a:shade val="80000"/>
+        <a:alpha val="50000"/>
+      </a:schemeClr>
+      <a:schemeClr val="accent1">
+        <a:tint val="50000"/>
+        <a:alpha val="50000"/>
+      </a:schemeClr>
+    </dgm:fillClrLst>
+    <dgm:linClrLst meth="repeat">
+      <a:schemeClr val="lt1"/>
+    </dgm:linClrLst>
+    <dgm:effectClrLst/>
+    <dgm:txLinClrLst/>
+    <dgm:txFillClrLst/>
+    <dgm:txEffectClrLst/>
+  </dgm:styleLbl>
+  <dgm:styleLbl name="node2">
+    <dgm:fillClrLst>
+      <a:schemeClr val="accent1">
+        <a:shade val="80000"/>
+      </a:schemeClr>
+    </dgm:fillClrLst>
+    <dgm:linClrLst meth="repeat">
+      <a:schemeClr val="lt1"/>
+    </dgm:linClrLst>
+    <dgm:effectClrLst/>
+    <dgm:txLinClrLst/>
+    <dgm:txFillClrLst/>
+    <dgm:txEffectClrLst/>
+  </dgm:styleLbl>
+  <dgm:styleLbl name="node3">
+    <dgm:fillClrLst>
+      <a:schemeClr val="accent1">
+        <a:tint val="99000"/>
+      </a:schemeClr>
+    </dgm:fillClrLst>
+    <dgm:linClrLst meth="repeat">
+      <a:schemeClr val="lt1"/>
+    </dgm:linClrLst>
+    <dgm:effectClrLst/>
+    <dgm:txLinClrLst/>
+    <dgm:txFillClrLst/>
+    <dgm:txEffectClrLst/>
+  </dgm:styleLbl>
+  <dgm:styleLbl name="node4">
+    <dgm:fillClrLst>
+      <a:schemeClr val="accent1">
+        <a:tint val="70000"/>
+      </a:schemeClr>
+    </dgm:fillClrLst>
+    <dgm:linClrLst meth="repeat">
+      <a:schemeClr val="lt1"/>
+    </dgm:linClrLst>
+    <dgm:effectClrLst/>
+    <dgm:txLinClrLst/>
+    <dgm:txFillClrLst/>
+    <dgm:txEffectClrLst/>
+  </dgm:styleLbl>
+  <dgm:styleLbl name="fgImgPlace1">
+    <dgm:fillClrLst>
+      <a:schemeClr val="accent1">
+        <a:tint val="50000"/>
+      </a:schemeClr>
+      <a:schemeClr val="accent1">
+        <a:tint val="55000"/>
+      </a:schemeClr>
+    </dgm:fillClrLst>
+    <dgm:linClrLst meth="repeat">
+      <a:schemeClr val="lt1"/>
+    </dgm:linClrLst>
+    <dgm:effectClrLst/>
+    <dgm:txLinClrLst/>
+    <dgm:txFillClrLst meth="repeat">
+      <a:schemeClr val="lt1"/>
+    </dgm:txFillClrLst>
+    <dgm:txEffectClrLst/>
+  </dgm:styleLbl>
+  <dgm:styleLbl name="alignImgPlace1">
+    <dgm:fillClrLst>
+      <a:schemeClr val="accent1">
+        <a:tint val="50000"/>
+      </a:schemeClr>
+      <a:schemeClr val="accent1">
+        <a:tint val="55000"/>
+      </a:schemeClr>
+    </dgm:fillClrLst>
+    <dgm:linClrLst meth="repeat">
+      <a:schemeClr val="lt1"/>
+    </dgm:linClrLst>
+    <dgm:effectClrLst/>
+    <dgm:txLinClrLst/>
+    <dgm:txFillClrLst meth="repeat">
+      <a:schemeClr val="lt1"/>
+    </dgm:txFillClrLst>
+    <dgm:txEffectClrLst/>
+  </dgm:styleLbl>
+  <dgm:styleLbl name="bgImgPlace1">
+    <dgm:fillClrLst>
+      <a:schemeClr val="accent1">
+        <a:tint val="50000"/>
+      </a:schemeClr>
+      <a:schemeClr val="accent1">
+        <a:tint val="55000"/>
+      </a:schemeClr>
+    </dgm:fillClrLst>
+    <dgm:linClrLst meth="repeat">
+      <a:schemeClr val="lt1"/>
+    </dgm:linClrLst>
+    <dgm:effectClrLst/>
+    <dgm:txLinClrLst/>
+    <dgm:txFillClrLst meth="repeat">
+      <a:schemeClr val="lt1"/>
+    </dgm:txFillClrLst>
+    <dgm:txEffectClrLst/>
+  </dgm:styleLbl>
+  <dgm:styleLbl name="sibTrans2D1">
+    <dgm:fillClrLst meth="cycle">
+      <a:schemeClr val="accent1">
+        <a:shade val="90000"/>
+      </a:schemeClr>
+      <a:schemeClr val="accent1">
+        <a:tint val="50000"/>
+      </a:schemeClr>
+    </dgm:fillClrLst>
+    <dgm:linClrLst meth="cycle">
+      <a:schemeClr val="accent1">
+        <a:shade val="90000"/>
+      </a:schemeClr>
+      <a:schemeClr val="accent1">
+        <a:tint val="50000"/>
+      </a:schemeClr>
+    </dgm:linClrLst>
+    <dgm:effectClrLst/>
+    <dgm:txLinClrLst/>
+    <dgm:txFillClrLst/>
+    <dgm:txEffectClrLst/>
+  </dgm:styleLbl>
+  <dgm:styleLbl name="fgSibTrans2D1">
+    <dgm:fillClrLst meth="cycle">
+      <a:schemeClr val="accent1">
+        <a:shade val="90000"/>
+      </a:schemeClr>
+      <a:schemeClr val="accent1">
+        <a:tint val="50000"/>
+      </a:schemeClr>
+    </dgm:fillClrLst>
+    <dgm:linClrLst meth="cycle">
+      <a:schemeClr val="accent1">
+        <a:shade val="90000"/>
+      </a:schemeClr>
+      <a:schemeClr val="accent1">
+        <a:tint val="50000"/>
+      </a:schemeClr>
+    </dgm:linClrLst>
+    <dgm:effectClrLst/>
+    <dgm:txLinClrLst/>
+    <dgm:txFillClrLst/>
+    <dgm:txEffectClrLst/>
+  </dgm:styleLbl>
+  <dgm:styleLbl name="bgSibTrans2D1">
+    <dgm:fillClrLst meth="cycle">
+      <a:schemeClr val="accent1">
+        <a:shade val="90000"/>
+      </a:schemeClr>
+      <a:schemeClr val="accent1">
+        <a:tint val="50000"/>
+      </a:schemeClr>
+    </dgm:fillClrLst>
+    <dgm:linClrLst meth="cycle">
+      <a:schemeClr val="accent1">
+        <a:shade val="90000"/>
+      </a:schemeClr>
+      <a:schemeClr val="accent1">
+        <a:tint val="50000"/>
+      </a:schemeClr>
+    </dgm:linClrLst>
+    <dgm:effectClrLst/>
+    <dgm:txLinClrLst/>
+    <dgm:txFillClrLst/>
+    <dgm:txEffectClrLst/>
+  </dgm:styleLbl>
+  <dgm:styleLbl name="sibTrans1D1">
+    <dgm:fillClrLst meth="cycle">
+      <a:schemeClr val="accent1">
+        <a:shade val="90000"/>
+      </a:schemeClr>
+      <a:schemeClr val="accent1">
+        <a:tint val="50000"/>
+      </a:schemeClr>
+    </dgm:fillClrLst>
+    <dgm:linClrLst meth="cycle">
+      <a:schemeClr val="accent1">
+        <a:shade val="90000"/>
+      </a:schemeClr>
+      <a:schemeClr val="accent1">
+        <a:tint val="50000"/>
+      </a:schemeClr>
+    </dgm:linClrLst>
+    <dgm:effectClrLst/>
+    <dgm:txLinClrLst/>
+    <dgm:txFillClrLst meth="repeat">
+      <a:schemeClr val="tx1"/>
+    </dgm:txFillClrLst>
+    <dgm:txEffectClrLst/>
+  </dgm:styleLbl>
+  <dgm:styleLbl name="callout">
+    <dgm:fillClrLst meth="repeat">
+      <a:schemeClr val="accent1"/>
+    </dgm:fillClrLst>
+    <dgm:linClrLst meth="repeat">
+      <a:schemeClr val="accent1"/>
+    </dgm:linClrLst>
+    <dgm:effectClrLst/>
+    <dgm:txLinClrLst/>
+    <dgm:txFillClrLst meth="repeat">
+      <a:schemeClr val="tx1"/>
+    </dgm:txFillClrLst>
+    <dgm:txEffectClrLst/>
+  </dgm:styleLbl>
+  <dgm:styleLbl name="asst0">
+    <dgm:fillClrLst meth="repeat">
+      <a:schemeClr val="accent1">
+        <a:shade val="80000"/>
+      </a:schemeClr>
+    </dgm:fillClrLst>
+    <dgm:linClrLst meth="repeat">
+      <a:schemeClr val="lt1"/>
+    </dgm:linClrLst>
+    <dgm:effectClrLst/>
+    <dgm:txLinClrLst/>
+    <dgm:txFillClrLst/>
+    <dgm:txEffectClrLst/>
+  </dgm:styleLbl>
+  <dgm:styleLbl name="asst1">
+    <dgm:fillClrLst meth="repeat">
+      <a:schemeClr val="accent1">
+        <a:shade val="80000"/>
+      </a:schemeClr>
+    </dgm:fillClrLst>
+    <dgm:linClrLst meth="repeat">
+      <a:schemeClr val="lt1"/>
+    </dgm:linClrLst>
+    <dgm:effectClrLst/>
+    <dgm:txLinClrLst/>
+    <dgm:txFillClrLst/>
+    <dgm:txEffectClrLst/>
+  </dgm:styleLbl>
+  <dgm:styleLbl name="asst2">
+    <dgm:fillClrLst>
+      <a:schemeClr val="accent1">
+        <a:tint val="90000"/>
+      </a:schemeClr>
+    </dgm:fillClrLst>
+    <dgm:linClrLst meth="repeat">
+      <a:schemeClr val="lt1"/>
+    </dgm:linClrLst>
+    <dgm:effectClrLst/>
+    <dgm:txLinClrLst/>
+    <dgm:txFillClrLst/>
+    <dgm:txEffectClrLst/>
+  </dgm:styleLbl>
+  <dgm:styleLbl name="asst3">
+    <dgm:fillClrLst>
+      <a:schemeClr val="accent1">
+        <a:tint val="70000"/>
+      </a:schemeClr>
+    </dgm:fillClrLst>
+    <dgm:linClrLst meth="repeat">
+      <a:schemeClr val="lt1"/>
+    </dgm:linClrLst>
+    <dgm:effectClrLst/>
+    <dgm:txLinClrLst/>
+    <dgm:txFillClrLst/>
+    <dgm:txEffectClrLst/>
+  </dgm:styleLbl>
+  <dgm:styleLbl name="asst4">
+    <dgm:fillClrLst>
+      <a:schemeClr val="accent1">
+        <a:tint val="50000"/>
+      </a:schemeClr>
+    </dgm:fillClrLst>
+    <dgm:linClrLst meth="repeat">
+      <a:schemeClr val="lt1"/>
+    </dgm:linClrLst>
+    <dgm:effectClrLst/>
+    <dgm:txLinClrLst/>
+    <dgm:txFillClrLst/>
+    <dgm:txEffectClrLst/>
+  </dgm:styleLbl>
+  <dgm:styleLbl name="parChTrans2D1">
+    <dgm:fillClrLst meth="repeat">
+      <a:schemeClr val="accent1">
+        <a:tint val="60000"/>
+      </a:schemeClr>
+    </dgm:fillClrLst>
+    <dgm:linClrLst meth="repeat">
+      <a:schemeClr val="accent1">
+        <a:shade val="80000"/>
+      </a:schemeClr>
+    </dgm:linClrLst>
+    <dgm:effectClrLst/>
+    <dgm:txLinClrLst/>
+    <dgm:txFillClrLst/>
+    <dgm:txEffectClrLst/>
+  </dgm:styleLbl>
+  <dgm:styleLbl name="parChTrans2D2">
+    <dgm:fillClrLst meth="repeat">
+      <a:schemeClr val="accent1">
+        <a:tint val="90000"/>
+      </a:schemeClr>
+    </dgm:fillClrLst>
+    <dgm:linClrLst meth="repeat">
+      <a:schemeClr val="accent1">
+        <a:tint val="90000"/>
+      </a:schemeClr>
+    </dgm:linClrLst>
+    <dgm:effectClrLst/>
+    <dgm:txLinClrLst/>
+    <dgm:txFillClrLst/>
+    <dgm:txEffectClrLst/>
+  </dgm:styleLbl>
+  <dgm:styleLbl name="parChTrans2D3">
+    <dgm:fillClrLst meth="repeat">
+      <a:schemeClr val="accent1">
+        <a:tint val="70000"/>
+      </a:schemeClr>
+    </dgm:fillClrLst>
+    <dgm:linClrLst meth="repeat">
+      <a:schemeClr val="accent1">
+        <a:tint val="70000"/>
+      </a:schemeClr>
+    </dgm:linClrLst>
+    <dgm:effectClrLst/>
+    <dgm:txLinClrLst/>
+    <dgm:txFillClrLst/>
+    <dgm:txEffectClrLst/>
+  </dgm:styleLbl>
+  <dgm:styleLbl name="parChTrans2D4">
+    <dgm:fillClrLst meth="repeat">
+      <a:schemeClr val="accent1">
+        <a:tint val="50000"/>
+      </a:schemeClr>
+    </dgm:fillClrLst>
+    <dgm:linClrLst meth="repeat">
+      <a:schemeClr val="accent1">
+        <a:tint val="50000"/>
+      </a:schemeClr>
+    </dgm:linClrLst>
+    <dgm:effectClrLst/>
+    <dgm:txLinClrLst/>
+    <dgm:txFillClrLst meth="repeat">
+      <a:schemeClr val="dk1"/>
+    </dgm:txFillClrLst>
+    <dgm:txEffectClrLst/>
+  </dgm:styleLbl>
+  <dgm:styleLbl name="parChTrans1D1">
+    <dgm:fillClrLst meth="repeat">
+      <a:schemeClr val="accent1">
+        <a:shade val="80000"/>
+      </a:schemeClr>
+    </dgm:fillClrLst>
+    <dgm:linClrLst meth="repeat">
+      <a:schemeClr val="accent1">
+        <a:shade val="80000"/>
+      </a:schemeClr>
+    </dgm:linClrLst>
+    <dgm:effectClrLst/>
+    <dgm:txLinClrLst/>
+    <dgm:txFillClrLst meth="repeat">
+      <a:schemeClr val="tx1"/>
+    </dgm:txFillClrLst>
+    <dgm:txEffectClrLst/>
+  </dgm:styleLbl>
+  <dgm:styleLbl name="parChTrans1D2">
+    <dgm:fillClrLst meth="repeat">
+      <a:schemeClr val="accent1">
+        <a:tint val="90000"/>
+      </a:schemeClr>
+    </dgm:fillClrLst>
+    <dgm:linClrLst meth="repeat">
+      <a:schemeClr val="accent1">
+        <a:tint val="90000"/>
+      </a:schemeClr>
+    </dgm:linClrLst>
+    <dgm:effectClrLst/>
+    <dgm:txLinClrLst/>
+    <dgm:txFillClrLst meth="repeat">
+      <a:schemeClr val="tx1"/>
+    </dgm:txFillClrLst>
+    <dgm:txEffectClrLst/>
+  </dgm:styleLbl>
+  <dgm:styleLbl name="parChTrans1D3">
+    <dgm:fillClrLst meth="repeat">
+      <a:schemeClr val="accent1">
+        <a:tint val="70000"/>
+      </a:schemeClr>
+    </dgm:fillClrLst>
+    <dgm:linClrLst meth="repeat">
+      <a:schemeClr val="accent1">
+        <a:tint val="70000"/>
+      </a:schemeClr>
+    </dgm:linClrLst>
+    <dgm:effectClrLst/>
+    <dgm:txLinClrLst/>
+    <dgm:txFillClrLst meth="repeat">
+      <a:schemeClr val="tx1"/>
+    </dgm:txFillClrLst>
+    <dgm:txEffectClrLst/>
+  </dgm:styleLbl>
+  <dgm:styleLbl name="parChTrans1D4">
+    <dgm:fillClrLst meth="repeat">
+      <a:schemeClr val="accent1">
+        <a:tint val="50000"/>
+      </a:schemeClr>
+    </dgm:fillClrLst>
+    <dgm:linClrLst meth="repeat">
+      <a:schemeClr val="accent1">
+        <a:tint val="50000"/>
+      </a:schemeClr>
+    </dgm:linClrLst>
+    <dgm:effectClrLst/>
+    <dgm:txLinClrLst/>
+    <dgm:txFillClrLst meth="repeat">
+      <a:schemeClr val="tx1"/>
+    </dgm:txFillClrLst>
+    <dgm:txEffectClrLst/>
+  </dgm:styleLbl>
+  <dgm:styleLbl name="fgAcc1">
+    <dgm:fillClrLst meth="repeat">
+      <a:schemeClr val="lt1">
+        <a:alpha val="90000"/>
+      </a:schemeClr>
+    </dgm:fillClrLst>
+    <dgm:linClrLst meth="cycle">
+      <a:schemeClr val="accent1">
+        <a:shade val="50000"/>
+      </a:schemeClr>
+      <a:schemeClr val="accent1">
+        <a:tint val="55000"/>
+      </a:schemeClr>
+    </dgm:linClrLst>
+    <dgm:effectClrLst/>
+    <dgm:txLinClrLst/>
+    <dgm:txFillClrLst meth="repeat">
+      <a:schemeClr val="dk1"/>
+    </dgm:txFillClrLst>
+    <dgm:txEffectClrLst/>
+  </dgm:styleLbl>
+  <dgm:styleLbl name="conFgAcc1">
+    <dgm:fillClrLst meth="repeat">
+      <a:schemeClr val="lt1">
+        <a:alpha val="90000"/>
+      </a:schemeClr>
+    </dgm:fillClrLst>
+    <dgm:linClrLst meth="cycle">
+      <a:schemeClr val="accent1">
+        <a:shade val="50000"/>
+      </a:schemeClr>
+      <a:schemeClr val="accent1">
+        <a:tint val="55000"/>
+      </a:schemeClr>
+    </dgm:linClrLst>
+    <dgm:effectClrLst/>
+    <dgm:txLinClrLst/>
+    <dgm:txFillClrLst meth="repeat">
+      <a:schemeClr val="dk1"/>
+    </dgm:txFillClrLst>
+    <dgm:txEffectClrLst/>
+  </dgm:styleLbl>
+  <dgm:styleLbl name="alignAcc1">
+    <dgm:fillClrLst meth="repeat">
+      <a:schemeClr val="lt1">
+        <a:alpha val="90000"/>
+      </a:schemeClr>
+    </dgm:fillClrLst>
+    <dgm:linClrLst meth="cycle">
+      <a:schemeClr val="accent1">
+        <a:shade val="50000"/>
+      </a:schemeClr>
+      <a:schemeClr val="accent1">
+        <a:tint val="55000"/>
+      </a:schemeClr>
+    </dgm:linClrLst>
+    <dgm:effectClrLst/>
+    <dgm:txLinClrLst/>
+    <dgm:txFillClrLst meth="repeat">
+      <a:schemeClr val="dk1"/>
+    </dgm:txFillClrLst>
+    <dgm:txEffectClrLst/>
+  </dgm:styleLbl>
+  <dgm:styleLbl name="trAlignAcc1">
+    <dgm:fillClrLst meth="repeat">
+      <a:schemeClr val="lt1">
+        <a:alpha val="55000"/>
+      </a:schemeClr>
+    </dgm:fillClrLst>
+    <dgm:linClrLst meth="repeat">
+      <a:schemeClr val="accent1"/>
+    </dgm:linClrLst>
+    <dgm:effectClrLst/>
+    <dgm:txLinClrLst/>
+    <dgm:txFillClrLst meth="repeat">
+      <a:schemeClr val="dk1"/>
+    </dgm:txFillClrLst>
+    <dgm:txEffectClrLst/>
+  </dgm:styleLbl>
+  <dgm:styleLbl name="bgAcc1">
+    <dgm:fillClrLst meth="repeat">
+      <a:schemeClr val="lt1">
+        <a:alpha val="90000"/>
+      </a:schemeClr>
+    </dgm:fillClrLst>
+    <dgm:linClrLst meth="cycle">
+      <a:schemeClr val="accent1">
+        <a:shade val="50000"/>
+      </a:schemeClr>
+      <a:schemeClr val="accent1">
+        <a:tint val="55000"/>
+      </a:schemeClr>
+    </dgm:linClrLst>
+    <dgm:effectClrLst/>
+    <dgm:txLinClrLst/>
+    <dgm:txFillClrLst meth="repeat">
+      <a:schemeClr val="dk1"/>
+    </dgm:txFillClrLst>
+    <dgm:txEffectClrLst/>
+  </dgm:styleLbl>
+  <dgm:styleLbl name="solidFgAcc1">
+    <dgm:fillClrLst meth="repeat">
+      <a:schemeClr val="lt1"/>
+    </dgm:fillClrLst>
+    <dgm:linClrLst meth="cycle">
+      <a:schemeClr val="accent1">
+        <a:shade val="50000"/>
+      </a:schemeClr>
+      <a:schemeClr val="accent1">
+        <a:tint val="55000"/>
+      </a:schemeClr>
+    </dgm:linClrLst>
+    <dgm:effectClrLst/>
+    <dgm:txLinClrLst/>
+    <dgm:txFillClrLst meth="repeat">
+      <a:schemeClr val="dk1"/>
+    </dgm:txFillClrLst>
+    <dgm:txEffectClrLst/>
+  </dgm:styleLbl>
+  <dgm:styleLbl name="solidAlignAcc1">
+    <dgm:fillClrLst meth="repeat">
+      <a:schemeClr val="lt1"/>
+    </dgm:fillClrLst>
+    <dgm:linClrLst meth="repeat">
+      <a:schemeClr val="accent1"/>
+    </dgm:linClrLst>
+    <dgm:effectClrLst/>
+    <dgm:txLinClrLst/>
+    <dgm:txFillClrLst meth="repeat">
+      <a:schemeClr val="dk1"/>
+    </dgm:txFillClrLst>
+    <dgm:txEffectClrLst/>
+  </dgm:styleLbl>
+  <dgm:styleLbl name="solidBgAcc1">
+    <dgm:fillClrLst meth="repeat">
+      <a:schemeClr val="lt1"/>
+    </dgm:fillClrLst>
+    <dgm:linClrLst meth="repeat">
+      <a:schemeClr val="accent1"/>
+    </dgm:linClrLst>
+    <dgm:effectClrLst/>
+    <dgm:txLinClrLst/>
+    <dgm:txFillClrLst meth="repeat">
+      <a:schemeClr val="dk1"/>
+    </dgm:txFillClrLst>
+    <dgm:txEffectClrLst/>
+  </dgm:styleLbl>
+  <dgm:styleLbl name="fgAccFollowNode1">
+    <dgm:fillClrLst meth="repeat">
+      <a:schemeClr val="accent1">
+        <a:alpha val="90000"/>
+        <a:tint val="55000"/>
+      </a:schemeClr>
+    </dgm:fillClrLst>
+    <dgm:linClrLst meth="repeat">
+      <a:schemeClr val="accent1">
+        <a:alpha val="90000"/>
+        <a:tint val="55000"/>
+      </a:schemeClr>
+    </dgm:linClrLst>
+    <dgm:effectClrLst/>
+    <dgm:txLinClrLst/>
+    <dgm:txFillClrLst meth="repeat">
+      <a:schemeClr val="dk1"/>
+    </dgm:txFillClrLst>
+    <dgm:txEffectClrLst/>
+  </dgm:styleLbl>
+  <dgm:styleLbl name="alignAccFollowNode1">
+    <dgm:fillClrLst meth="repeat">
+      <a:schemeClr val="accent1">
+        <a:alpha val="90000"/>
+        <a:tint val="55000"/>
+      </a:schemeClr>
+    </dgm:fillClrLst>
+    <dgm:linClrLst meth="repeat">
+      <a:schemeClr val="accent1">
+        <a:alpha val="90000"/>
+        <a:tint val="55000"/>
+      </a:schemeClr>
+    </dgm:linClrLst>
+    <dgm:effectClrLst/>
+    <dgm:txLinClrLst/>
+    <dgm:txFillClrLst meth="repeat">
+      <a:schemeClr val="dk1"/>
+    </dgm:txFillClrLst>
+    <dgm:txEffectClrLst/>
+  </dgm:styleLbl>
+  <dgm:styleLbl name="bgAccFollowNode1">
+    <dgm:fillClrLst meth="repeat">
+      <a:schemeClr val="accent1">
+        <a:alpha val="90000"/>
+        <a:tint val="55000"/>
+      </a:schemeClr>
+    </dgm:fillClrLst>
+    <dgm:linClrLst meth="repeat">
+      <a:schemeClr val="lt1"/>
+    </dgm:linClrLst>
+    <dgm:effectClrLst/>
+    <dgm:txLinClrLst/>
+    <dgm:txFillClrLst meth="repeat">
+      <a:schemeClr val="dk1"/>
+    </dgm:txFillClrLst>
+    <dgm:txEffectClrLst/>
+  </dgm:styleLbl>
+  <dgm:styleLbl name="fgAcc0">
+    <dgm:fillClrLst meth="repeat">
+      <a:schemeClr val="lt1">
+        <a:alpha val="90000"/>
+      </a:schemeClr>
+    </dgm:fillClrLst>
+    <dgm:linClrLst meth="repeat">
+      <a:schemeClr val="accent1">
+        <a:shade val="80000"/>
+      </a:schemeClr>
+    </dgm:linClrLst>
+    <dgm:effectClrLst/>
+    <dgm:txLinClrLst/>
+    <dgm:txFillClrLst meth="repeat">
+      <a:schemeClr val="dk1"/>
+    </dgm:txFillClrLst>
+    <dgm:txEffectClrLst/>
+  </dgm:styleLbl>
+  <dgm:styleLbl name="fgAcc2">
+    <dgm:fillClrLst meth="repeat">
+      <a:schemeClr val="lt1">
+        <a:alpha val="90000"/>
+      </a:schemeClr>
+    </dgm:fillClrLst>
+    <dgm:linClrLst meth="repeat">
+      <a:schemeClr val="accent1">
+        <a:tint val="90000"/>
+      </a:schemeClr>
+    </dgm:linClrLst>
+    <dgm:effectClrLst/>
+    <dgm:txLinClrLst/>
+    <dgm:txFillClrLst meth="repeat">
+      <a:schemeClr val="dk1"/>
+    </dgm:txFillClrLst>
+    <dgm:txEffectClrLst/>
+  </dgm:styleLbl>
+  <dgm:styleLbl name="fgAcc3">
+    <dgm:fillClrLst meth="repeat">
+      <a:schemeClr val="lt1">
+        <a:alpha val="90000"/>
+      </a:schemeClr>
+    </dgm:fillClrLst>
+    <dgm:linClrLst meth="repeat">
+      <a:schemeClr val="accent1">
+        <a:tint val="70000"/>
+      </a:schemeClr>
+    </dgm:linClrLst>
+    <dgm:effectClrLst/>
+    <dgm:txLinClrLst/>
+    <dgm:txFillClrLst meth="repeat">
+      <a:schemeClr val="dk1"/>
+    </dgm:txFillClrLst>
+    <dgm:txEffectClrLst/>
+  </dgm:styleLbl>
+  <dgm:styleLbl name="fgAcc4">
+    <dgm:fillClrLst meth="repeat">
+      <a:schemeClr val="lt1">
+        <a:alpha val="90000"/>
+      </a:schemeClr>
+    </dgm:fillClrLst>
+    <dgm:linClrLst meth="repeat">
+      <a:schemeClr val="accent1">
+        <a:tint val="50000"/>
+      </a:schemeClr>
+    </dgm:linClrLst>
+    <dgm:effectClrLst/>
+    <dgm:txLinClrLst/>
+    <dgm:txFillClrLst meth="repeat">
+      <a:schemeClr val="dk1"/>
+    </dgm:txFillClrLst>
+    <dgm:txEffectClrLst/>
+  </dgm:styleLbl>
+  <dgm:styleLbl name="bgShp">
+    <dgm:fillClrLst meth="repeat">
+      <a:schemeClr val="accent1">
+        <a:tint val="55000"/>
+      </a:schemeClr>
+    </dgm:fillClrLst>
+    <dgm:linClrLst meth="repeat">
+      <a:schemeClr val="dk1"/>
+    </dgm:linClrLst>
+    <dgm:effectClrLst/>
+    <dgm:txLinClrLst/>
+    <dgm:txFillClrLst meth="repeat">
+      <a:schemeClr val="dk1"/>
+    </dgm:txFillClrLst>
+    <dgm:txEffectClrLst/>
+  </dgm:styleLbl>
+  <dgm:styleLbl name="dkBgShp">
+    <dgm:fillClrLst meth="repeat">
+      <a:schemeClr val="accent1">
+        <a:shade val="90000"/>
+      </a:schemeClr>
+    </dgm:fillClrLst>
+    <dgm:linClrLst meth="repeat">
+      <a:schemeClr val="dk1"/>
+    </dgm:linClrLst>
+    <dgm:effectClrLst/>
+    <dgm:txLinClrLst/>
+    <dgm:txFillClrLst meth="repeat">
+      <a:schemeClr val="lt1"/>
+    </dgm:txFillClrLst>
+    <dgm:txEffectClrLst/>
+  </dgm:styleLbl>
+  <dgm:styleLbl name="trBgShp">
+    <dgm:fillClrLst meth="repeat">
+      <a:schemeClr val="accent1">
+        <a:tint val="50000"/>
+        <a:alpha val="55000"/>
+      </a:schemeClr>
+    </dgm:fillClrLst>
+    <dgm:linClrLst meth="repeat">
+      <a:schemeClr val="accent1"/>
+    </dgm:linClrLst>
+    <dgm:effectClrLst/>
+    <dgm:txLinClrLst/>
+    <dgm:txFillClrLst meth="repeat">
+      <a:schemeClr val="lt1"/>
+    </dgm:txFillClrLst>
+    <dgm:txEffectClrLst/>
+  </dgm:styleLbl>
+  <dgm:styleLbl name="fgShp">
+    <dgm:fillClrLst meth="repeat">
+      <a:schemeClr val="accent1">
+        <a:tint val="55000"/>
+      </a:schemeClr>
+    </dgm:fillClrLst>
+    <dgm:linClrLst meth="repeat">
+      <a:schemeClr val="lt1"/>
+    </dgm:linClrLst>
+    <dgm:effectClrLst/>
+    <dgm:txLinClrLst/>
+    <dgm:txFillClrLst meth="repeat">
+      <a:schemeClr val="dk1"/>
+    </dgm:txFillClrLst>
+    <dgm:txEffectClrLst/>
+  </dgm:styleLbl>
+  <dgm:styleLbl name="revTx">
+    <dgm:fillClrLst meth="repeat">
+      <a:schemeClr val="lt1">
+        <a:alpha val="0"/>
+      </a:schemeClr>
+    </dgm:fillClrLst>
+    <dgm:linClrLst meth="repeat">
+      <a:schemeClr val="dk1">
+        <a:alpha val="0"/>
+      </a:schemeClr>
+    </dgm:linClrLst>
+    <dgm:effectClrLst/>
+    <dgm:txLinClrLst/>
+    <dgm:txFillClrLst meth="repeat">
+      <a:schemeClr val="tx1"/>
+    </dgm:txFillClrLst>
+    <dgm:txEffectClrLst/>
+  </dgm:styleLbl>
+</dgm:colorsDef>
+</file>
+
+<file path=ppt/diagrams/data1.xml><?xml version="1.0" encoding="utf-8"?>
+<dgm:dataModel xmlns:dgm="http://schemas.openxmlformats.org/drawingml/2006/diagram" xmlns:a="http://schemas.openxmlformats.org/drawingml/2006/main">
+  <dgm:ptLst>
+    <dgm:pt modelId="{4B23925D-839C-46CD-9567-9CC5CB4CEA35}" type="doc">
+      <dgm:prSet loTypeId="urn:microsoft.com/office/officeart/2005/8/layout/bProcess3" loCatId="process" qsTypeId="urn:microsoft.com/office/officeart/2005/8/quickstyle/simple1" qsCatId="simple" csTypeId="urn:microsoft.com/office/officeart/2005/8/colors/accent1_4" csCatId="accent1" phldr="1"/>
+      <dgm:spPr/>
+      <dgm:t>
+        <a:bodyPr/>
+        <a:lstStyle/>
+        <a:p>
+          <a:endParaRPr lang="de-AT"/>
+        </a:p>
+      </dgm:t>
+    </dgm:pt>
+    <dgm:pt modelId="{7B654BD3-914F-462F-B49F-E9D9171E60F9}">
+      <dgm:prSet/>
+      <dgm:spPr/>
+      <dgm:t>
+        <a:bodyPr/>
+        <a:lstStyle/>
+        <a:p>
+          <a:r>
+            <a:rPr lang="de-AT" dirty="0"/>
+            <a:t>Testphase mit Demodaten</a:t>
+          </a:r>
+        </a:p>
+      </dgm:t>
+    </dgm:pt>
+    <dgm:pt modelId="{9720B650-23BC-400A-87C6-0F76D694039A}" type="parTrans" cxnId="{EF17DE2C-936B-4179-AACD-2C2FBDBF956B}">
+      <dgm:prSet/>
+      <dgm:spPr/>
+      <dgm:t>
+        <a:bodyPr/>
+        <a:lstStyle/>
+        <a:p>
+          <a:endParaRPr lang="de-AT"/>
+        </a:p>
+      </dgm:t>
+    </dgm:pt>
+    <dgm:pt modelId="{D43803FB-3C5B-4553-9E78-51AF41063B39}" type="sibTrans" cxnId="{EF17DE2C-936B-4179-AACD-2C2FBDBF956B}">
+      <dgm:prSet/>
+      <dgm:spPr/>
+      <dgm:t>
+        <a:bodyPr/>
+        <a:lstStyle/>
+        <a:p>
+          <a:endParaRPr lang="de-AT"/>
+        </a:p>
+      </dgm:t>
+    </dgm:pt>
+    <dgm:pt modelId="{396CC4BF-2947-44CC-BFAD-F9F084E89A35}">
+      <dgm:prSet/>
+      <dgm:spPr/>
+      <dgm:t>
+        <a:bodyPr/>
+        <a:lstStyle/>
+        <a:p>
+          <a:r>
+            <a:rPr lang="de-DE" baseline="0" dirty="0"/>
+            <a:t>Datenexport &amp; -import</a:t>
+          </a:r>
+          <a:endParaRPr lang="de-AT" dirty="0"/>
+        </a:p>
+      </dgm:t>
+    </dgm:pt>
+    <dgm:pt modelId="{0C0329E1-7090-4413-8DB5-7D44A5EB9646}" type="parTrans" cxnId="{59A5ECB9-376B-4D59-9E8B-36BFEF572B23}">
+      <dgm:prSet/>
+      <dgm:spPr/>
+      <dgm:t>
+        <a:bodyPr/>
+        <a:lstStyle/>
+        <a:p>
+          <a:endParaRPr lang="de-AT"/>
+        </a:p>
+      </dgm:t>
+    </dgm:pt>
+    <dgm:pt modelId="{ECCCE3B7-870C-4BC4-BB65-B630577AF802}" type="sibTrans" cxnId="{59A5ECB9-376B-4D59-9E8B-36BFEF572B23}">
+      <dgm:prSet/>
+      <dgm:spPr/>
+      <dgm:t>
+        <a:bodyPr/>
+        <a:lstStyle/>
+        <a:p>
+          <a:endParaRPr lang="de-AT"/>
+        </a:p>
+      </dgm:t>
+    </dgm:pt>
+    <dgm:pt modelId="{57AEDABE-4F2E-4E77-84E7-3E19917C8FA3}">
+      <dgm:prSet/>
+      <dgm:spPr/>
+      <dgm:t>
+        <a:bodyPr/>
+        <a:lstStyle/>
+        <a:p>
+          <a:r>
+            <a:rPr lang="de-DE" baseline="0" dirty="0"/>
+            <a:t>Konfigurieren anhand Anforderungen</a:t>
+          </a:r>
+          <a:endParaRPr lang="de-AT" dirty="0"/>
+        </a:p>
+      </dgm:t>
+    </dgm:pt>
+    <dgm:pt modelId="{38B8268F-6A29-46D0-A0DE-FA1018FB54CA}" type="parTrans" cxnId="{453E4BC0-F7ED-4C75-8D71-9E5D4E8689FC}">
+      <dgm:prSet/>
+      <dgm:spPr/>
+      <dgm:t>
+        <a:bodyPr/>
+        <a:lstStyle/>
+        <a:p>
+          <a:endParaRPr lang="de-AT"/>
+        </a:p>
+      </dgm:t>
+    </dgm:pt>
+    <dgm:pt modelId="{D7FF9834-A014-4848-A6D0-0FBE77325B00}" type="sibTrans" cxnId="{453E4BC0-F7ED-4C75-8D71-9E5D4E8689FC}">
+      <dgm:prSet/>
+      <dgm:spPr/>
+      <dgm:t>
+        <a:bodyPr/>
+        <a:lstStyle/>
+        <a:p>
+          <a:endParaRPr lang="de-AT"/>
+        </a:p>
+      </dgm:t>
+    </dgm:pt>
+    <dgm:pt modelId="{17B7433F-242C-4D66-9E1E-DFFF35204A14}">
+      <dgm:prSet/>
+      <dgm:spPr/>
+      <dgm:t>
+        <a:bodyPr/>
+        <a:lstStyle/>
+        <a:p>
+          <a:r>
+            <a:rPr lang="de-DE" baseline="0" dirty="0"/>
+            <a:t>Optimieren zwecks Usability</a:t>
+          </a:r>
+          <a:endParaRPr lang="de-AT" dirty="0"/>
+        </a:p>
+      </dgm:t>
+    </dgm:pt>
+    <dgm:pt modelId="{E0CB46F4-B871-4C8F-967A-A27CA11AB983}" type="parTrans" cxnId="{2456DFB4-5475-48D7-9906-8728246BC9EF}">
+      <dgm:prSet/>
+      <dgm:spPr/>
+      <dgm:t>
+        <a:bodyPr/>
+        <a:lstStyle/>
+        <a:p>
+          <a:endParaRPr lang="de-AT"/>
+        </a:p>
+      </dgm:t>
+    </dgm:pt>
+    <dgm:pt modelId="{D35881C9-AF41-4E4E-92D7-83CFC9388F21}" type="sibTrans" cxnId="{2456DFB4-5475-48D7-9906-8728246BC9EF}">
+      <dgm:prSet/>
+      <dgm:spPr/>
+      <dgm:t>
+        <a:bodyPr/>
+        <a:lstStyle/>
+        <a:p>
+          <a:endParaRPr lang="de-AT"/>
+        </a:p>
+      </dgm:t>
+    </dgm:pt>
+    <dgm:pt modelId="{AFF2F0AF-46E3-4E03-B187-D71F20AA29F2}">
+      <dgm:prSet/>
+      <dgm:spPr/>
+      <dgm:t>
+        <a:bodyPr/>
+        <a:lstStyle/>
+        <a:p>
+          <a:r>
+            <a:rPr lang="de-DE" baseline="0" dirty="0"/>
+            <a:t>Test- &amp; </a:t>
+          </a:r>
+          <a:r>
+            <a:rPr lang="de-DE" baseline="0" dirty="0" err="1"/>
+            <a:t>Reviewphase</a:t>
+          </a:r>
+          <a:endParaRPr lang="de-AT" dirty="0"/>
+        </a:p>
+      </dgm:t>
+    </dgm:pt>
+    <dgm:pt modelId="{FC3A605D-5320-4667-8F93-EAA2A4050930}" type="parTrans" cxnId="{876AACCA-7BFB-46C2-96C0-BE9F2E8DDF8E}">
+      <dgm:prSet/>
+      <dgm:spPr/>
+      <dgm:t>
+        <a:bodyPr/>
+        <a:lstStyle/>
+        <a:p>
+          <a:endParaRPr lang="de-AT"/>
+        </a:p>
+      </dgm:t>
+    </dgm:pt>
+    <dgm:pt modelId="{B6177548-75EB-4B12-BA7C-65FB396371D1}" type="sibTrans" cxnId="{876AACCA-7BFB-46C2-96C0-BE9F2E8DDF8E}">
+      <dgm:prSet/>
+      <dgm:spPr/>
+      <dgm:t>
+        <a:bodyPr/>
+        <a:lstStyle/>
+        <a:p>
+          <a:endParaRPr lang="de-AT"/>
+        </a:p>
+      </dgm:t>
+    </dgm:pt>
+    <dgm:pt modelId="{5DE81BC6-D9ED-4CFE-BFB4-FFB680C2A188}">
+      <dgm:prSet/>
+      <dgm:spPr/>
+      <dgm:t>
+        <a:bodyPr/>
+        <a:lstStyle/>
+        <a:p>
+          <a:r>
+            <a:rPr lang="de-DE" baseline="0" dirty="0"/>
+            <a:t>Abgleich umgesetzter Anforderungen</a:t>
+          </a:r>
+          <a:endParaRPr lang="de-AT" dirty="0"/>
+        </a:p>
+      </dgm:t>
+    </dgm:pt>
+    <dgm:pt modelId="{B93AE2B7-C5C4-4D83-86BC-2C92BA69AF56}" type="parTrans" cxnId="{2F3AE2C8-4323-49AA-9F5A-CE91684078C7}">
+      <dgm:prSet/>
+      <dgm:spPr/>
+      <dgm:t>
+        <a:bodyPr/>
+        <a:lstStyle/>
+        <a:p>
+          <a:endParaRPr lang="de-AT"/>
+        </a:p>
+      </dgm:t>
+    </dgm:pt>
+    <dgm:pt modelId="{8AE4A30B-3690-4E22-BE82-A891ECAD4558}" type="sibTrans" cxnId="{2F3AE2C8-4323-49AA-9F5A-CE91684078C7}">
+      <dgm:prSet/>
+      <dgm:spPr/>
+      <dgm:t>
+        <a:bodyPr/>
+        <a:lstStyle/>
+        <a:p>
+          <a:endParaRPr lang="de-AT"/>
+        </a:p>
+      </dgm:t>
+    </dgm:pt>
+    <dgm:pt modelId="{477E0D60-C29A-4036-929F-E1EF2300329B}">
+      <dgm:prSet/>
+      <dgm:spPr/>
+      <dgm:t>
+        <a:bodyPr/>
+        <a:lstStyle/>
+        <a:p>
+          <a:r>
+            <a:rPr lang="de-DE" baseline="0" dirty="0"/>
+            <a:t>Einschulungsphase</a:t>
+          </a:r>
+          <a:endParaRPr lang="de-AT" dirty="0"/>
+        </a:p>
+      </dgm:t>
+    </dgm:pt>
+    <dgm:pt modelId="{937AF84B-268D-4D8D-BC45-F5DB378C11AE}" type="parTrans" cxnId="{B791E308-0ABD-4572-87C5-5459E38D3544}">
+      <dgm:prSet/>
+      <dgm:spPr/>
+      <dgm:t>
+        <a:bodyPr/>
+        <a:lstStyle/>
+        <a:p>
+          <a:endParaRPr lang="de-AT"/>
+        </a:p>
+      </dgm:t>
+    </dgm:pt>
+    <dgm:pt modelId="{397D4B77-4C5C-4458-B099-A86FC35E1019}" type="sibTrans" cxnId="{B791E308-0ABD-4572-87C5-5459E38D3544}">
+      <dgm:prSet/>
+      <dgm:spPr/>
+      <dgm:t>
+        <a:bodyPr/>
+        <a:lstStyle/>
+        <a:p>
+          <a:endParaRPr lang="de-AT"/>
+        </a:p>
+      </dgm:t>
+    </dgm:pt>
+    <dgm:pt modelId="{56503DD9-4218-43F6-988D-DE7FB18AE31A}">
+      <dgm:prSet/>
+      <dgm:spPr/>
+      <dgm:t>
+        <a:bodyPr/>
+        <a:lstStyle/>
+        <a:p>
+          <a:r>
+            <a:rPr lang="de-DE" baseline="0" dirty="0"/>
+            <a:t>On-</a:t>
+          </a:r>
+          <a:r>
+            <a:rPr lang="de-DE" baseline="0" dirty="0" err="1"/>
+            <a:t>Premise</a:t>
+          </a:r>
+          <a:r>
+            <a:rPr lang="de-DE" baseline="0" dirty="0"/>
+            <a:t> Lösung</a:t>
+          </a:r>
+          <a:endParaRPr lang="de-AT" dirty="0"/>
+        </a:p>
+      </dgm:t>
+    </dgm:pt>
+    <dgm:pt modelId="{6E5C0508-D4AD-45C0-A226-77994E45FCB4}" type="parTrans" cxnId="{29E2CF8A-A022-4A58-8282-441EFBC0C9C2}">
+      <dgm:prSet/>
+      <dgm:spPr/>
+      <dgm:t>
+        <a:bodyPr/>
+        <a:lstStyle/>
+        <a:p>
+          <a:endParaRPr lang="de-AT"/>
+        </a:p>
+      </dgm:t>
+    </dgm:pt>
+    <dgm:pt modelId="{C698766B-AD38-47A5-AC76-BB91AC6A492C}" type="sibTrans" cxnId="{29E2CF8A-A022-4A58-8282-441EFBC0C9C2}">
+      <dgm:prSet/>
+      <dgm:spPr/>
+      <dgm:t>
+        <a:bodyPr/>
+        <a:lstStyle/>
+        <a:p>
+          <a:endParaRPr lang="de-AT"/>
+        </a:p>
+      </dgm:t>
+    </dgm:pt>
+    <dgm:pt modelId="{B54BF1CE-F054-4587-AA1E-9475A57193B7}">
+      <dgm:prSet/>
+      <dgm:spPr/>
+      <dgm:t>
+        <a:bodyPr/>
+        <a:lstStyle/>
+        <a:p>
+          <a:r>
+            <a:rPr lang="de-DE" baseline="0" dirty="0"/>
+            <a:t>Benutzerhandbuch &amp; Tutorials betrachten</a:t>
+          </a:r>
+          <a:endParaRPr lang="de-AT" dirty="0"/>
+        </a:p>
+      </dgm:t>
+    </dgm:pt>
+    <dgm:pt modelId="{0085AA0A-4003-444A-BE79-3D2CC5CC7239}" type="parTrans" cxnId="{F4970E49-39D4-43A9-83C6-0EAB87D10259}">
+      <dgm:prSet/>
+      <dgm:spPr/>
+      <dgm:t>
+        <a:bodyPr/>
+        <a:lstStyle/>
+        <a:p>
+          <a:endParaRPr lang="de-AT"/>
+        </a:p>
+      </dgm:t>
+    </dgm:pt>
+    <dgm:pt modelId="{A878AEEB-C6C2-446F-847E-A93791C764F3}" type="sibTrans" cxnId="{F4970E49-39D4-43A9-83C6-0EAB87D10259}">
+      <dgm:prSet/>
+      <dgm:spPr/>
+      <dgm:t>
+        <a:bodyPr/>
+        <a:lstStyle/>
+        <a:p>
+          <a:endParaRPr lang="de-AT"/>
+        </a:p>
+      </dgm:t>
+    </dgm:pt>
+    <dgm:pt modelId="{4142FBA2-EF45-4843-821D-04D00794C61D}">
+      <dgm:prSet/>
+      <dgm:spPr/>
+      <dgm:t>
+        <a:bodyPr/>
+        <a:lstStyle/>
+        <a:p>
+          <a:r>
+            <a:rPr lang="de-DE" baseline="0" dirty="0"/>
+            <a:t>Installation am Server</a:t>
+          </a:r>
+          <a:endParaRPr lang="de-AT" dirty="0"/>
+        </a:p>
+      </dgm:t>
+    </dgm:pt>
+    <dgm:pt modelId="{DA8BEEFC-40C7-4D08-A568-3BAFA46F01FA}" type="parTrans" cxnId="{D63E6C79-1C2F-4587-92B0-7E6F5EB47FA9}">
+      <dgm:prSet/>
+      <dgm:spPr/>
+      <dgm:t>
+        <a:bodyPr/>
+        <a:lstStyle/>
+        <a:p>
+          <a:endParaRPr lang="de-AT"/>
+        </a:p>
+      </dgm:t>
+    </dgm:pt>
+    <dgm:pt modelId="{79EF8EB2-20B9-4BE2-8B89-F6CF2B8D0199}" type="sibTrans" cxnId="{D63E6C79-1C2F-4587-92B0-7E6F5EB47FA9}">
+      <dgm:prSet/>
+      <dgm:spPr/>
+      <dgm:t>
+        <a:bodyPr/>
+        <a:lstStyle/>
+        <a:p>
+          <a:endParaRPr lang="de-AT"/>
+        </a:p>
+      </dgm:t>
+    </dgm:pt>
+    <dgm:pt modelId="{8FD0F5D2-8283-4F14-B1C2-15762A25285E}">
+      <dgm:prSet/>
+      <dgm:spPr/>
+      <dgm:t>
+        <a:bodyPr/>
+        <a:lstStyle/>
+        <a:p>
+          <a:r>
+            <a:rPr lang="de-AT" dirty="0"/>
+            <a:t>Export aus Altsystem</a:t>
+          </a:r>
+        </a:p>
+      </dgm:t>
+    </dgm:pt>
+    <dgm:pt modelId="{47EF4356-E61B-42E6-B1CC-4F690E4FCA63}" type="parTrans" cxnId="{3466DD44-18DB-4A0C-AB73-E1D7F9E55580}">
+      <dgm:prSet/>
+      <dgm:spPr/>
+      <dgm:t>
+        <a:bodyPr/>
+        <a:lstStyle/>
+        <a:p>
+          <a:endParaRPr lang="de-AT"/>
+        </a:p>
+      </dgm:t>
+    </dgm:pt>
+    <dgm:pt modelId="{9307AEC8-ACA4-4F6E-B97D-C11231D819D4}" type="sibTrans" cxnId="{3466DD44-18DB-4A0C-AB73-E1D7F9E55580}">
+      <dgm:prSet/>
+      <dgm:spPr/>
+      <dgm:t>
+        <a:bodyPr/>
+        <a:lstStyle/>
+        <a:p>
+          <a:endParaRPr lang="de-AT"/>
+        </a:p>
+      </dgm:t>
+    </dgm:pt>
+    <dgm:pt modelId="{A34D2546-2DD5-4F56-BF14-ED913464D104}">
+      <dgm:prSet/>
+      <dgm:spPr/>
+      <dgm:t>
+        <a:bodyPr/>
+        <a:lstStyle/>
+        <a:p>
+          <a:r>
+            <a:rPr lang="de-AT" dirty="0"/>
+            <a:t>Anschließend Testphase mit Stakeholder</a:t>
+          </a:r>
+        </a:p>
+      </dgm:t>
+    </dgm:pt>
+    <dgm:pt modelId="{FD082C33-C4CA-446C-903F-848E7801C151}" type="parTrans" cxnId="{696BB8E8-EB96-43DC-A369-1ED2817A7BF0}">
+      <dgm:prSet/>
+      <dgm:spPr/>
+      <dgm:t>
+        <a:bodyPr/>
+        <a:lstStyle/>
+        <a:p>
+          <a:endParaRPr lang="de-AT"/>
+        </a:p>
+      </dgm:t>
+    </dgm:pt>
+    <dgm:pt modelId="{F65BF15B-495C-4E0B-8194-B002187B1298}" type="sibTrans" cxnId="{696BB8E8-EB96-43DC-A369-1ED2817A7BF0}">
+      <dgm:prSet/>
+      <dgm:spPr/>
+      <dgm:t>
+        <a:bodyPr/>
+        <a:lstStyle/>
+        <a:p>
+          <a:endParaRPr lang="de-AT"/>
+        </a:p>
+      </dgm:t>
+    </dgm:pt>
+    <dgm:pt modelId="{0745CF95-0149-49D0-A517-926D1CE264F0}">
+      <dgm:prSet/>
+      <dgm:spPr/>
+      <dgm:t>
+        <a:bodyPr/>
+        <a:lstStyle/>
+        <a:p>
+          <a:r>
+            <a:rPr lang="de-AT" dirty="0"/>
+            <a:t>Übersichtliches Design</a:t>
+          </a:r>
+        </a:p>
+      </dgm:t>
+    </dgm:pt>
+    <dgm:pt modelId="{2DA59BFD-02A1-4D7B-8301-06D4204EAE4F}" type="parTrans" cxnId="{C834E621-8ED5-47B0-A872-75A63965F292}">
+      <dgm:prSet/>
+      <dgm:spPr/>
+      <dgm:t>
+        <a:bodyPr/>
+        <a:lstStyle/>
+        <a:p>
+          <a:endParaRPr lang="de-AT"/>
+        </a:p>
+      </dgm:t>
+    </dgm:pt>
+    <dgm:pt modelId="{F3C5D498-9AA8-4601-B24F-A82E1126B57A}" type="sibTrans" cxnId="{C834E621-8ED5-47B0-A872-75A63965F292}">
+      <dgm:prSet/>
+      <dgm:spPr/>
+      <dgm:t>
+        <a:bodyPr/>
+        <a:lstStyle/>
+        <a:p>
+          <a:endParaRPr lang="de-AT"/>
+        </a:p>
+      </dgm:t>
+    </dgm:pt>
+    <dgm:pt modelId="{969EBCC0-F144-476F-828C-8C3F9C494859}">
+      <dgm:prSet/>
+      <dgm:spPr/>
+      <dgm:t>
+        <a:bodyPr/>
+        <a:lstStyle/>
+        <a:p>
+          <a:r>
+            <a:rPr lang="de-AT" dirty="0"/>
+            <a:t>Funktionale &amp; Nicht funktionale Anforderungen</a:t>
+          </a:r>
+        </a:p>
+      </dgm:t>
+    </dgm:pt>
+    <dgm:pt modelId="{AA334262-DD5A-4D71-9169-B04C047640FA}" type="parTrans" cxnId="{7AC9A855-11A2-409C-9B0E-92B1B428263D}">
+      <dgm:prSet/>
+      <dgm:spPr/>
+      <dgm:t>
+        <a:bodyPr/>
+        <a:lstStyle/>
+        <a:p>
+          <a:endParaRPr lang="de-AT"/>
+        </a:p>
+      </dgm:t>
+    </dgm:pt>
+    <dgm:pt modelId="{69D94F15-4610-4008-A6EE-7A35B51FDCBF}" type="sibTrans" cxnId="{7AC9A855-11A2-409C-9B0E-92B1B428263D}">
+      <dgm:prSet/>
+      <dgm:spPr/>
+      <dgm:t>
+        <a:bodyPr/>
+        <a:lstStyle/>
+        <a:p>
+          <a:endParaRPr lang="de-AT"/>
+        </a:p>
+      </dgm:t>
+    </dgm:pt>
+    <dgm:pt modelId="{F8D4544B-E42C-44EC-AB60-C19D5637860A}">
+      <dgm:prSet/>
+      <dgm:spPr/>
+      <dgm:t>
+        <a:bodyPr/>
+        <a:lstStyle/>
+        <a:p>
+          <a:r>
+            <a:rPr lang="de-AT" dirty="0"/>
+            <a:t>Import in neues System</a:t>
+          </a:r>
+        </a:p>
+      </dgm:t>
+    </dgm:pt>
+    <dgm:pt modelId="{829A1563-5B9D-44A3-84AE-D65DAD0A138D}" type="parTrans" cxnId="{FF6CEC7E-457B-432E-8862-3AC09466485F}">
+      <dgm:prSet/>
+      <dgm:spPr/>
+      <dgm:t>
+        <a:bodyPr/>
+        <a:lstStyle/>
+        <a:p>
+          <a:endParaRPr lang="de-AT"/>
+        </a:p>
+      </dgm:t>
+    </dgm:pt>
+    <dgm:pt modelId="{94001FEA-E408-4BAB-B8C8-5B305278FE49}" type="sibTrans" cxnId="{FF6CEC7E-457B-432E-8862-3AC09466485F}">
+      <dgm:prSet/>
+      <dgm:spPr/>
+      <dgm:t>
+        <a:bodyPr/>
+        <a:lstStyle/>
+        <a:p>
+          <a:endParaRPr lang="de-AT"/>
+        </a:p>
+      </dgm:t>
+    </dgm:pt>
+    <dgm:pt modelId="{35D0A281-C278-4122-BC82-CA51CBA0273F}">
+      <dgm:prSet/>
+      <dgm:spPr/>
+      <dgm:t>
+        <a:bodyPr/>
+        <a:lstStyle/>
+        <a:p>
+          <a:r>
+            <a:rPr lang="de-AT" dirty="0"/>
+            <a:t>Dokumentation der Umsetzung</a:t>
+          </a:r>
+        </a:p>
+      </dgm:t>
+    </dgm:pt>
+    <dgm:pt modelId="{68547EED-ED5E-4999-AAFC-48DA5922C06B}" type="parTrans" cxnId="{4A5FD87B-1C55-4DDC-88FE-752BD8537956}">
+      <dgm:prSet/>
+      <dgm:spPr/>
+      <dgm:t>
+        <a:bodyPr/>
+        <a:lstStyle/>
+        <a:p>
+          <a:endParaRPr lang="de-AT"/>
+        </a:p>
+      </dgm:t>
+    </dgm:pt>
+    <dgm:pt modelId="{1AA7BCDE-9DA3-40CF-90DA-2D8A35718D96}" type="sibTrans" cxnId="{4A5FD87B-1C55-4DDC-88FE-752BD8537956}">
+      <dgm:prSet/>
+      <dgm:spPr/>
+      <dgm:t>
+        <a:bodyPr/>
+        <a:lstStyle/>
+        <a:p>
+          <a:endParaRPr lang="de-AT"/>
+        </a:p>
+      </dgm:t>
+    </dgm:pt>
+    <dgm:pt modelId="{95C8663D-9516-4907-ACC0-1B782ED6ACD7}">
+      <dgm:prSet/>
+      <dgm:spPr/>
+      <dgm:t>
+        <a:bodyPr/>
+        <a:lstStyle/>
+        <a:p>
+          <a:r>
+            <a:rPr lang="de-AT" dirty="0"/>
+            <a:t>Fazit</a:t>
+          </a:r>
+        </a:p>
+      </dgm:t>
+    </dgm:pt>
+    <dgm:pt modelId="{1633A75B-D591-47AC-831C-89C1086FD605}" type="parTrans" cxnId="{0F7ACF2E-D151-4B06-BCBC-9543E61D42C5}">
+      <dgm:prSet/>
+      <dgm:spPr/>
+      <dgm:t>
+        <a:bodyPr/>
+        <a:lstStyle/>
+        <a:p>
+          <a:endParaRPr lang="de-AT"/>
+        </a:p>
+      </dgm:t>
+    </dgm:pt>
+    <dgm:pt modelId="{4E61DEFB-57EA-415D-847B-672A8862F130}" type="sibTrans" cxnId="{0F7ACF2E-D151-4B06-BCBC-9543E61D42C5}">
+      <dgm:prSet/>
+      <dgm:spPr/>
+      <dgm:t>
+        <a:bodyPr/>
+        <a:lstStyle/>
+        <a:p>
+          <a:endParaRPr lang="de-AT"/>
+        </a:p>
+      </dgm:t>
+    </dgm:pt>
+    <dgm:pt modelId="{327F6373-A7DF-4375-916F-6DB05539983B}">
+      <dgm:prSet/>
+      <dgm:spPr/>
+      <dgm:t>
+        <a:bodyPr/>
+        <a:lstStyle/>
+        <a:p>
+          <a:r>
+            <a:rPr lang="de-AT" dirty="0"/>
+            <a:t>Abstimmung notwendiger Module</a:t>
+          </a:r>
+        </a:p>
+      </dgm:t>
+    </dgm:pt>
+    <dgm:pt modelId="{BF5758D9-86DF-4E2D-8BA5-76C0E1330685}" type="parTrans" cxnId="{0912901C-B188-4584-A466-3379D90AABC8}">
+      <dgm:prSet/>
+      <dgm:spPr/>
+      <dgm:t>
+        <a:bodyPr/>
+        <a:lstStyle/>
+        <a:p>
+          <a:endParaRPr lang="de-AT"/>
+        </a:p>
+      </dgm:t>
+    </dgm:pt>
+    <dgm:pt modelId="{9A98A0C2-70E5-4A86-BCE7-6ECBBCAA06B9}" type="sibTrans" cxnId="{0912901C-B188-4584-A466-3379D90AABC8}">
+      <dgm:prSet/>
+      <dgm:spPr/>
+      <dgm:t>
+        <a:bodyPr/>
+        <a:lstStyle/>
+        <a:p>
+          <a:endParaRPr lang="de-AT"/>
+        </a:p>
+      </dgm:t>
+    </dgm:pt>
+    <dgm:pt modelId="{FEBE2B98-1520-4996-958A-AA75D23D8A3A}">
+      <dgm:prSet/>
+      <dgm:spPr/>
+      <dgm:t>
+        <a:bodyPr/>
+        <a:lstStyle/>
+        <a:p>
+          <a:r>
+            <a:rPr lang="de-AT" dirty="0"/>
+            <a:t>Prozesse mit Stakeholdern durchgehen</a:t>
+          </a:r>
+        </a:p>
+      </dgm:t>
+    </dgm:pt>
+    <dgm:pt modelId="{7B539BC0-2649-4779-98A9-37368B28376D}" type="parTrans" cxnId="{7EA4019B-F91C-4B68-AD4E-E1E476904956}">
+      <dgm:prSet/>
+      <dgm:spPr/>
+      <dgm:t>
+        <a:bodyPr/>
+        <a:lstStyle/>
+        <a:p>
+          <a:endParaRPr lang="de-AT"/>
+        </a:p>
+      </dgm:t>
+    </dgm:pt>
+    <dgm:pt modelId="{63390736-5857-4E02-8B02-A7D5A49A3DCB}" type="sibTrans" cxnId="{7EA4019B-F91C-4B68-AD4E-E1E476904956}">
+      <dgm:prSet/>
+      <dgm:spPr/>
+      <dgm:t>
+        <a:bodyPr/>
+        <a:lstStyle/>
+        <a:p>
+          <a:endParaRPr lang="de-AT"/>
+        </a:p>
+      </dgm:t>
+    </dgm:pt>
+    <dgm:pt modelId="{5459BF77-DF84-4D39-86FD-AEBAA163DC23}">
+      <dgm:prSet/>
+      <dgm:spPr/>
+      <dgm:t>
+        <a:bodyPr/>
+        <a:lstStyle/>
+        <a:p>
+          <a:r>
+            <a:rPr lang="de-AT" dirty="0"/>
+            <a:t>Finale Konfiguration</a:t>
+          </a:r>
+        </a:p>
+      </dgm:t>
+    </dgm:pt>
+    <dgm:pt modelId="{BB1867F8-6EDA-4CF2-BFC8-6D556BB36326}" type="parTrans" cxnId="{79B422D7-96E2-41DE-BCE2-23E569708766}">
+      <dgm:prSet/>
+      <dgm:spPr/>
+      <dgm:t>
+        <a:bodyPr/>
+        <a:lstStyle/>
+        <a:p>
+          <a:endParaRPr lang="de-AT"/>
+        </a:p>
+      </dgm:t>
+    </dgm:pt>
+    <dgm:pt modelId="{9265FBCB-4ECF-4F28-AE5C-AA142124832E}" type="sibTrans" cxnId="{79B422D7-96E2-41DE-BCE2-23E569708766}">
+      <dgm:prSet/>
+      <dgm:spPr/>
+      <dgm:t>
+        <a:bodyPr/>
+        <a:lstStyle/>
+        <a:p>
+          <a:endParaRPr lang="de-AT"/>
+        </a:p>
+      </dgm:t>
+    </dgm:pt>
+    <dgm:pt modelId="{C3384F2C-B9B1-468C-B1AD-2E2DB8B0E921}">
+      <dgm:prSet/>
+      <dgm:spPr/>
+      <dgm:t>
+        <a:bodyPr/>
+        <a:lstStyle/>
+        <a:p>
+          <a:r>
+            <a:rPr lang="de-AT" dirty="0"/>
+            <a:t>Finale Datenmigration</a:t>
+          </a:r>
+        </a:p>
+      </dgm:t>
+    </dgm:pt>
+    <dgm:pt modelId="{0633BC68-4A22-4062-B797-B4200CA32E91}" type="parTrans" cxnId="{2D9C8D7B-D5CD-49C4-8B49-65FB3BD85A9B}">
+      <dgm:prSet/>
+      <dgm:spPr/>
+      <dgm:t>
+        <a:bodyPr/>
+        <a:lstStyle/>
+        <a:p>
+          <a:endParaRPr lang="de-AT"/>
+        </a:p>
+      </dgm:t>
+    </dgm:pt>
+    <dgm:pt modelId="{AAF2546C-2F01-4517-AA3D-EE7CFE937FB0}" type="sibTrans" cxnId="{2D9C8D7B-D5CD-49C4-8B49-65FB3BD85A9B}">
+      <dgm:prSet/>
+      <dgm:spPr/>
+      <dgm:t>
+        <a:bodyPr/>
+        <a:lstStyle/>
+        <a:p>
+          <a:endParaRPr lang="de-AT"/>
+        </a:p>
+      </dgm:t>
+    </dgm:pt>
+    <dgm:pt modelId="{308CBBD2-9DBF-4153-AA0D-2D479EB3A82B}">
+      <dgm:prSet/>
+      <dgm:spPr/>
+      <dgm:t>
+        <a:bodyPr/>
+        <a:lstStyle/>
+        <a:p>
+          <a:r>
+            <a:rPr lang="de-AT" dirty="0"/>
+            <a:t>Export aus Altsystem</a:t>
+          </a:r>
+        </a:p>
+      </dgm:t>
+    </dgm:pt>
+    <dgm:pt modelId="{A01352C4-36AB-41C0-AE16-6282E8303252}" type="parTrans" cxnId="{58362327-0EC1-478B-9554-743A644A3BC1}">
+      <dgm:prSet/>
+      <dgm:spPr/>
+      <dgm:t>
+        <a:bodyPr/>
+        <a:lstStyle/>
+        <a:p>
+          <a:endParaRPr lang="de-AT"/>
+        </a:p>
+      </dgm:t>
+    </dgm:pt>
+    <dgm:pt modelId="{BF134679-4714-40E1-A10F-D4CFCF7C7A7E}" type="sibTrans" cxnId="{58362327-0EC1-478B-9554-743A644A3BC1}">
+      <dgm:prSet/>
+      <dgm:spPr/>
+      <dgm:t>
+        <a:bodyPr/>
+        <a:lstStyle/>
+        <a:p>
+          <a:endParaRPr lang="de-AT"/>
+        </a:p>
+      </dgm:t>
+    </dgm:pt>
+    <dgm:pt modelId="{FC4519AC-E4EF-4C91-BB49-C3A7103C2651}">
+      <dgm:prSet/>
+      <dgm:spPr/>
+      <dgm:t>
+        <a:bodyPr/>
+        <a:lstStyle/>
+        <a:p>
+          <a:r>
+            <a:rPr lang="de-AT" dirty="0"/>
+            <a:t>Import ins neue System</a:t>
+          </a:r>
+        </a:p>
+      </dgm:t>
+    </dgm:pt>
+    <dgm:pt modelId="{3EDDD640-04B2-45FB-A236-6FE748B0D4C5}" type="parTrans" cxnId="{BF532C1C-8B9F-4D0F-83E4-8B87F504280F}">
+      <dgm:prSet/>
+      <dgm:spPr/>
+      <dgm:t>
+        <a:bodyPr/>
+        <a:lstStyle/>
+        <a:p>
+          <a:endParaRPr lang="de-AT"/>
+        </a:p>
+      </dgm:t>
+    </dgm:pt>
+    <dgm:pt modelId="{74473A36-EC4E-4623-9CC6-AD852CA9DB1B}" type="sibTrans" cxnId="{BF532C1C-8B9F-4D0F-83E4-8B87F504280F}">
+      <dgm:prSet/>
+      <dgm:spPr/>
+      <dgm:t>
+        <a:bodyPr/>
+        <a:lstStyle/>
+        <a:p>
+          <a:endParaRPr lang="de-AT"/>
+        </a:p>
+      </dgm:t>
+    </dgm:pt>
+    <dgm:pt modelId="{54B236AE-150A-4B02-86BF-09E296FFF534}">
+      <dgm:prSet/>
+      <dgm:spPr/>
+      <dgm:t>
+        <a:bodyPr/>
+        <a:lstStyle/>
+        <a:p>
+          <a:r>
+            <a:rPr lang="de-AT" dirty="0"/>
+            <a:t>Ablöse des Altsystems</a:t>
+          </a:r>
+        </a:p>
+      </dgm:t>
+    </dgm:pt>
+    <dgm:pt modelId="{EB242F47-2E84-4ED4-9DD4-8FAA77F0C6D2}" type="parTrans" cxnId="{3AB13D3B-718A-48E5-8C60-FE80B6E6631F}">
+      <dgm:prSet/>
+      <dgm:spPr/>
+      <dgm:t>
+        <a:bodyPr/>
+        <a:lstStyle/>
+        <a:p>
+          <a:endParaRPr lang="de-AT"/>
+        </a:p>
+      </dgm:t>
+    </dgm:pt>
+    <dgm:pt modelId="{4E119AF9-DC62-4C66-8769-901070593311}" type="sibTrans" cxnId="{3AB13D3B-718A-48E5-8C60-FE80B6E6631F}">
+      <dgm:prSet/>
+      <dgm:spPr/>
+      <dgm:t>
+        <a:bodyPr/>
+        <a:lstStyle/>
+        <a:p>
+          <a:endParaRPr lang="de-AT"/>
+        </a:p>
+      </dgm:t>
+    </dgm:pt>
+    <dgm:pt modelId="{EF64F1C4-970B-413B-8008-A44AFB80734E}" type="pres">
+      <dgm:prSet presAssocID="{4B23925D-839C-46CD-9567-9CC5CB4CEA35}" presName="Name0" presStyleCnt="0">
+        <dgm:presLayoutVars>
+          <dgm:dir/>
+          <dgm:resizeHandles val="exact"/>
+        </dgm:presLayoutVars>
+      </dgm:prSet>
+      <dgm:spPr/>
+    </dgm:pt>
+    <dgm:pt modelId="{99A2FAF6-25E6-46F9-93E5-CA0698572205}" type="pres">
+      <dgm:prSet presAssocID="{B54BF1CE-F054-4587-AA1E-9475A57193B7}" presName="node" presStyleLbl="node1" presStyleIdx="0" presStyleCnt="9">
+        <dgm:presLayoutVars>
+          <dgm:bulletEnabled val="1"/>
+        </dgm:presLayoutVars>
+      </dgm:prSet>
+      <dgm:spPr/>
+    </dgm:pt>
+    <dgm:pt modelId="{749421B1-1536-4961-A12F-A6F479958432}" type="pres">
+      <dgm:prSet presAssocID="{A878AEEB-C6C2-446F-847E-A93791C764F3}" presName="sibTrans" presStyleLbl="sibTrans1D1" presStyleIdx="0" presStyleCnt="8"/>
+      <dgm:spPr/>
+    </dgm:pt>
+    <dgm:pt modelId="{F2F1524B-0B0F-498C-B8E8-29318E373E00}" type="pres">
+      <dgm:prSet presAssocID="{A878AEEB-C6C2-446F-847E-A93791C764F3}" presName="connectorText" presStyleLbl="sibTrans1D1" presStyleIdx="0" presStyleCnt="8"/>
+      <dgm:spPr/>
+    </dgm:pt>
+    <dgm:pt modelId="{FD380630-627A-4B4A-8E79-A2F4FFBA621E}" type="pres">
+      <dgm:prSet presAssocID="{4142FBA2-EF45-4843-821D-04D00794C61D}" presName="node" presStyleLbl="node1" presStyleIdx="1" presStyleCnt="9">
+        <dgm:presLayoutVars>
+          <dgm:bulletEnabled val="1"/>
+        </dgm:presLayoutVars>
+      </dgm:prSet>
+      <dgm:spPr/>
+    </dgm:pt>
+    <dgm:pt modelId="{90A631FF-9762-44E6-B598-EC3044947A4D}" type="pres">
+      <dgm:prSet presAssocID="{79EF8EB2-20B9-4BE2-8B89-F6CF2B8D0199}" presName="sibTrans" presStyleLbl="sibTrans1D1" presStyleIdx="1" presStyleCnt="8"/>
+      <dgm:spPr/>
+    </dgm:pt>
+    <dgm:pt modelId="{DBE8B67B-6E38-4ECA-A8DE-EE890F24FFAC}" type="pres">
+      <dgm:prSet presAssocID="{79EF8EB2-20B9-4BE2-8B89-F6CF2B8D0199}" presName="connectorText" presStyleLbl="sibTrans1D1" presStyleIdx="1" presStyleCnt="8"/>
+      <dgm:spPr/>
+    </dgm:pt>
+    <dgm:pt modelId="{51320853-D365-4246-A8E1-89D2F971A78D}" type="pres">
+      <dgm:prSet presAssocID="{396CC4BF-2947-44CC-BFAD-F9F084E89A35}" presName="node" presStyleLbl="node1" presStyleIdx="2" presStyleCnt="9">
+        <dgm:presLayoutVars>
+          <dgm:bulletEnabled val="1"/>
+        </dgm:presLayoutVars>
+      </dgm:prSet>
+      <dgm:spPr/>
+    </dgm:pt>
+    <dgm:pt modelId="{0453D990-E60A-46E7-90F4-940CD5F01015}" type="pres">
+      <dgm:prSet presAssocID="{ECCCE3B7-870C-4BC4-BB65-B630577AF802}" presName="sibTrans" presStyleLbl="sibTrans1D1" presStyleIdx="2" presStyleCnt="8"/>
+      <dgm:spPr/>
+    </dgm:pt>
+    <dgm:pt modelId="{1962B294-97E5-4D58-B16F-E0637ED4012A}" type="pres">
+      <dgm:prSet presAssocID="{ECCCE3B7-870C-4BC4-BB65-B630577AF802}" presName="connectorText" presStyleLbl="sibTrans1D1" presStyleIdx="2" presStyleCnt="8"/>
+      <dgm:spPr/>
+    </dgm:pt>
+    <dgm:pt modelId="{252EC2D4-5252-484E-B10E-57403BFD947C}" type="pres">
+      <dgm:prSet presAssocID="{57AEDABE-4F2E-4E77-84E7-3E19917C8FA3}" presName="node" presStyleLbl="node1" presStyleIdx="3" presStyleCnt="9">
+        <dgm:presLayoutVars>
+          <dgm:bulletEnabled val="1"/>
+        </dgm:presLayoutVars>
+      </dgm:prSet>
+      <dgm:spPr/>
+    </dgm:pt>
+    <dgm:pt modelId="{E60D213F-4268-49EE-B355-3F4BCFE3B1B8}" type="pres">
+      <dgm:prSet presAssocID="{D7FF9834-A014-4848-A6D0-0FBE77325B00}" presName="sibTrans" presStyleLbl="sibTrans1D1" presStyleIdx="3" presStyleCnt="8"/>
+      <dgm:spPr/>
+    </dgm:pt>
+    <dgm:pt modelId="{DEEED137-00F0-42E7-8549-CF34BC759C0C}" type="pres">
+      <dgm:prSet presAssocID="{D7FF9834-A014-4848-A6D0-0FBE77325B00}" presName="connectorText" presStyleLbl="sibTrans1D1" presStyleIdx="3" presStyleCnt="8"/>
+      <dgm:spPr/>
+    </dgm:pt>
+    <dgm:pt modelId="{EB42F865-9217-4D16-BED7-40BB0C97507B}" type="pres">
+      <dgm:prSet presAssocID="{17B7433F-242C-4D66-9E1E-DFFF35204A14}" presName="node" presStyleLbl="node1" presStyleIdx="4" presStyleCnt="9">
+        <dgm:presLayoutVars>
+          <dgm:bulletEnabled val="1"/>
+        </dgm:presLayoutVars>
+      </dgm:prSet>
+      <dgm:spPr/>
+    </dgm:pt>
+    <dgm:pt modelId="{8EE5C43E-EC3B-4A22-97CD-252123B0EFFF}" type="pres">
+      <dgm:prSet presAssocID="{D35881C9-AF41-4E4E-92D7-83CFC9388F21}" presName="sibTrans" presStyleLbl="sibTrans1D1" presStyleIdx="4" presStyleCnt="8"/>
+      <dgm:spPr/>
+    </dgm:pt>
+    <dgm:pt modelId="{22C0AA98-BD7C-4011-80AD-99980C3F011F}" type="pres">
+      <dgm:prSet presAssocID="{D35881C9-AF41-4E4E-92D7-83CFC9388F21}" presName="connectorText" presStyleLbl="sibTrans1D1" presStyleIdx="4" presStyleCnt="8"/>
+      <dgm:spPr/>
+    </dgm:pt>
+    <dgm:pt modelId="{ACA06E5E-31C2-4702-839E-1D9DCD3A0828}" type="pres">
+      <dgm:prSet presAssocID="{AFF2F0AF-46E3-4E03-B187-D71F20AA29F2}" presName="node" presStyleLbl="node1" presStyleIdx="5" presStyleCnt="9">
+        <dgm:presLayoutVars>
+          <dgm:bulletEnabled val="1"/>
+        </dgm:presLayoutVars>
+      </dgm:prSet>
+      <dgm:spPr/>
+    </dgm:pt>
+    <dgm:pt modelId="{5CC638EA-A69A-44D0-BB4C-48102EC886E9}" type="pres">
+      <dgm:prSet presAssocID="{B6177548-75EB-4B12-BA7C-65FB396371D1}" presName="sibTrans" presStyleLbl="sibTrans1D1" presStyleIdx="5" presStyleCnt="8"/>
+      <dgm:spPr/>
+    </dgm:pt>
+    <dgm:pt modelId="{94EA418D-F71D-48B1-BC6F-A655553C5155}" type="pres">
+      <dgm:prSet presAssocID="{B6177548-75EB-4B12-BA7C-65FB396371D1}" presName="connectorText" presStyleLbl="sibTrans1D1" presStyleIdx="5" presStyleCnt="8"/>
+      <dgm:spPr/>
+    </dgm:pt>
+    <dgm:pt modelId="{EB1469BA-3645-4173-A849-DCAA6E5E43BD}" type="pres">
+      <dgm:prSet presAssocID="{5DE81BC6-D9ED-4CFE-BFB4-FFB680C2A188}" presName="node" presStyleLbl="node1" presStyleIdx="6" presStyleCnt="9">
+        <dgm:presLayoutVars>
+          <dgm:bulletEnabled val="1"/>
+        </dgm:presLayoutVars>
+      </dgm:prSet>
+      <dgm:spPr/>
+    </dgm:pt>
+    <dgm:pt modelId="{1B64839B-7371-4E9A-9723-AB0005E836FA}" type="pres">
+      <dgm:prSet presAssocID="{8AE4A30B-3690-4E22-BE82-A891ECAD4558}" presName="sibTrans" presStyleLbl="sibTrans1D1" presStyleIdx="6" presStyleCnt="8"/>
+      <dgm:spPr/>
+    </dgm:pt>
+    <dgm:pt modelId="{59B165E3-FB2C-4A0D-B975-4478EBD9372C}" type="pres">
+      <dgm:prSet presAssocID="{8AE4A30B-3690-4E22-BE82-A891ECAD4558}" presName="connectorText" presStyleLbl="sibTrans1D1" presStyleIdx="6" presStyleCnt="8"/>
+      <dgm:spPr/>
+    </dgm:pt>
+    <dgm:pt modelId="{E59B227F-E736-4BA1-B7CA-4369E50C7ACE}" type="pres">
+      <dgm:prSet presAssocID="{477E0D60-C29A-4036-929F-E1EF2300329B}" presName="node" presStyleLbl="node1" presStyleIdx="7" presStyleCnt="9">
+        <dgm:presLayoutVars>
+          <dgm:bulletEnabled val="1"/>
+        </dgm:presLayoutVars>
+      </dgm:prSet>
+      <dgm:spPr/>
+    </dgm:pt>
+    <dgm:pt modelId="{430232A6-590A-440B-98F1-B10E5E4C2891}" type="pres">
+      <dgm:prSet presAssocID="{397D4B77-4C5C-4458-B099-A86FC35E1019}" presName="sibTrans" presStyleLbl="sibTrans1D1" presStyleIdx="7" presStyleCnt="8"/>
+      <dgm:spPr/>
+    </dgm:pt>
+    <dgm:pt modelId="{40C4E524-67A3-4792-A438-B5BBB83CA9B8}" type="pres">
+      <dgm:prSet presAssocID="{397D4B77-4C5C-4458-B099-A86FC35E1019}" presName="connectorText" presStyleLbl="sibTrans1D1" presStyleIdx="7" presStyleCnt="8"/>
+      <dgm:spPr/>
+    </dgm:pt>
+    <dgm:pt modelId="{5245DA9C-9F06-40B5-97B1-8783F3D80ECA}" type="pres">
+      <dgm:prSet presAssocID="{C3384F2C-B9B1-468C-B1AD-2E2DB8B0E921}" presName="node" presStyleLbl="node1" presStyleIdx="8" presStyleCnt="9">
+        <dgm:presLayoutVars>
+          <dgm:bulletEnabled val="1"/>
+        </dgm:presLayoutVars>
+      </dgm:prSet>
+      <dgm:spPr/>
+    </dgm:pt>
+  </dgm:ptLst>
+  <dgm:cxnLst>
+    <dgm:cxn modelId="{2D831007-1C83-42DE-9F43-2DFCFF648A2A}" type="presOf" srcId="{ECCCE3B7-870C-4BC4-BB65-B630577AF802}" destId="{0453D990-E60A-46E7-90F4-940CD5F01015}" srcOrd="0" destOrd="0" presId="urn:microsoft.com/office/officeart/2005/8/layout/bProcess3"/>
+    <dgm:cxn modelId="{90B91708-9333-4F3A-906A-7EA9813B0DB4}" type="presOf" srcId="{35D0A281-C278-4122-BC82-CA51CBA0273F}" destId="{EB1469BA-3645-4173-A849-DCAA6E5E43BD}" srcOrd="0" destOrd="1" presId="urn:microsoft.com/office/officeart/2005/8/layout/bProcess3"/>
+    <dgm:cxn modelId="{B791E308-0ABD-4572-87C5-5459E38D3544}" srcId="{4B23925D-839C-46CD-9567-9CC5CB4CEA35}" destId="{477E0D60-C29A-4036-929F-E1EF2300329B}" srcOrd="7" destOrd="0" parTransId="{937AF84B-268D-4D8D-BC45-F5DB378C11AE}" sibTransId="{397D4B77-4C5C-4458-B099-A86FC35E1019}"/>
+    <dgm:cxn modelId="{ED11980E-F38F-41E0-8CC1-17286451202E}" type="presOf" srcId="{AFF2F0AF-46E3-4E03-B187-D71F20AA29F2}" destId="{ACA06E5E-31C2-4702-839E-1D9DCD3A0828}" srcOrd="0" destOrd="0" presId="urn:microsoft.com/office/officeart/2005/8/layout/bProcess3"/>
+    <dgm:cxn modelId="{3BB2E50F-1486-4169-A11C-EEDC76862A37}" type="presOf" srcId="{B6177548-75EB-4B12-BA7C-65FB396371D1}" destId="{5CC638EA-A69A-44D0-BB4C-48102EC886E9}" srcOrd="0" destOrd="0" presId="urn:microsoft.com/office/officeart/2005/8/layout/bProcess3"/>
+    <dgm:cxn modelId="{99A18512-9ACD-4733-87E1-6C486899AAB4}" type="presOf" srcId="{8AE4A30B-3690-4E22-BE82-A891ECAD4558}" destId="{1B64839B-7371-4E9A-9723-AB0005E836FA}" srcOrd="0" destOrd="0" presId="urn:microsoft.com/office/officeart/2005/8/layout/bProcess3"/>
+    <dgm:cxn modelId="{D98C8B15-73ED-4261-89F4-49CFFB675884}" type="presOf" srcId="{A878AEEB-C6C2-446F-847E-A93791C764F3}" destId="{749421B1-1536-4961-A12F-A6F479958432}" srcOrd="0" destOrd="0" presId="urn:microsoft.com/office/officeart/2005/8/layout/bProcess3"/>
+    <dgm:cxn modelId="{88D73016-9FD7-43C8-AB01-A654CF581D07}" type="presOf" srcId="{5DE81BC6-D9ED-4CFE-BFB4-FFB680C2A188}" destId="{EB1469BA-3645-4173-A849-DCAA6E5E43BD}" srcOrd="0" destOrd="0" presId="urn:microsoft.com/office/officeart/2005/8/layout/bProcess3"/>
+    <dgm:cxn modelId="{BF532C1C-8B9F-4D0F-83E4-8B87F504280F}" srcId="{C3384F2C-B9B1-468C-B1AD-2E2DB8B0E921}" destId="{FC4519AC-E4EF-4C91-BB49-C3A7103C2651}" srcOrd="1" destOrd="0" parTransId="{3EDDD640-04B2-45FB-A236-6FE748B0D4C5}" sibTransId="{74473A36-EC4E-4623-9CC6-AD852CA9DB1B}"/>
+    <dgm:cxn modelId="{0912901C-B188-4584-A466-3379D90AABC8}" srcId="{4142FBA2-EF45-4843-821D-04D00794C61D}" destId="{327F6373-A7DF-4375-916F-6DB05539983B}" srcOrd="1" destOrd="0" parTransId="{BF5758D9-86DF-4E2D-8BA5-76C0E1330685}" sibTransId="{9A98A0C2-70E5-4A86-BCE7-6ECBBCAA06B9}"/>
+    <dgm:cxn modelId="{6D96C020-C5E1-47C2-86FA-6D626018BD55}" type="presOf" srcId="{4B23925D-839C-46CD-9567-9CC5CB4CEA35}" destId="{EF64F1C4-970B-413B-8008-A44AFB80734E}" srcOrd="0" destOrd="0" presId="urn:microsoft.com/office/officeart/2005/8/layout/bProcess3"/>
+    <dgm:cxn modelId="{C834E621-8ED5-47B0-A872-75A63965F292}" srcId="{17B7433F-242C-4D66-9E1E-DFFF35204A14}" destId="{0745CF95-0149-49D0-A517-926D1CE264F0}" srcOrd="0" destOrd="0" parTransId="{2DA59BFD-02A1-4D7B-8301-06D4204EAE4F}" sibTransId="{F3C5D498-9AA8-4601-B24F-A82E1126B57A}"/>
+    <dgm:cxn modelId="{4A1D2922-CC55-4051-AFD7-390D311B0381}" type="presOf" srcId="{79EF8EB2-20B9-4BE2-8B89-F6CF2B8D0199}" destId="{DBE8B67B-6E38-4ECA-A8DE-EE890F24FFAC}" srcOrd="1" destOrd="0" presId="urn:microsoft.com/office/officeart/2005/8/layout/bProcess3"/>
+    <dgm:cxn modelId="{58362327-0EC1-478B-9554-743A644A3BC1}" srcId="{C3384F2C-B9B1-468C-B1AD-2E2DB8B0E921}" destId="{308CBBD2-9DBF-4153-AA0D-2D479EB3A82B}" srcOrd="0" destOrd="0" parTransId="{A01352C4-36AB-41C0-AE16-6282E8303252}" sibTransId="{BF134679-4714-40E1-A10F-D4CFCF7C7A7E}"/>
+    <dgm:cxn modelId="{E5B8682C-182F-4447-B53C-731A7C5C840C}" type="presOf" srcId="{B6177548-75EB-4B12-BA7C-65FB396371D1}" destId="{94EA418D-F71D-48B1-BC6F-A655553C5155}" srcOrd="1" destOrd="0" presId="urn:microsoft.com/office/officeart/2005/8/layout/bProcess3"/>
+    <dgm:cxn modelId="{EF17DE2C-936B-4179-AACD-2C2FBDBF956B}" srcId="{B54BF1CE-F054-4587-AA1E-9475A57193B7}" destId="{7B654BD3-914F-462F-B49F-E9D9171E60F9}" srcOrd="0" destOrd="0" parTransId="{9720B650-23BC-400A-87C6-0F76D694039A}" sibTransId="{D43803FB-3C5B-4553-9E78-51AF41063B39}"/>
+    <dgm:cxn modelId="{3A05092E-6B2A-4200-B50F-254963286E8F}" type="presOf" srcId="{7B654BD3-914F-462F-B49F-E9D9171E60F9}" destId="{99A2FAF6-25E6-46F9-93E5-CA0698572205}" srcOrd="0" destOrd="1" presId="urn:microsoft.com/office/officeart/2005/8/layout/bProcess3"/>
+    <dgm:cxn modelId="{0F7ACF2E-D151-4B06-BCBC-9543E61D42C5}" srcId="{5DE81BC6-D9ED-4CFE-BFB4-FFB680C2A188}" destId="{95C8663D-9516-4907-ACC0-1B782ED6ACD7}" srcOrd="1" destOrd="0" parTransId="{1633A75B-D591-47AC-831C-89C1086FD605}" sibTransId="{4E61DEFB-57EA-415D-847B-672A8862F130}"/>
+    <dgm:cxn modelId="{D81EF134-4BEE-44F6-A063-C0D61D228898}" type="presOf" srcId="{8FD0F5D2-8283-4F14-B1C2-15762A25285E}" destId="{51320853-D365-4246-A8E1-89D2F971A78D}" srcOrd="0" destOrd="1" presId="urn:microsoft.com/office/officeart/2005/8/layout/bProcess3"/>
+    <dgm:cxn modelId="{3AB13D3B-718A-48E5-8C60-FE80B6E6631F}" srcId="{C3384F2C-B9B1-468C-B1AD-2E2DB8B0E921}" destId="{54B236AE-150A-4B02-86BF-09E296FFF534}" srcOrd="2" destOrd="0" parTransId="{EB242F47-2E84-4ED4-9DD4-8FAA77F0C6D2}" sibTransId="{4E119AF9-DC62-4C66-8769-901070593311}"/>
+    <dgm:cxn modelId="{112DAA40-7E07-4456-A3D4-F125C9A11613}" type="presOf" srcId="{F8D4544B-E42C-44EC-AB60-C19D5637860A}" destId="{51320853-D365-4246-A8E1-89D2F971A78D}" srcOrd="0" destOrd="2" presId="urn:microsoft.com/office/officeart/2005/8/layout/bProcess3"/>
+    <dgm:cxn modelId="{BF5AB55B-273A-4C12-9691-B47A0E277A89}" type="presOf" srcId="{308CBBD2-9DBF-4153-AA0D-2D479EB3A82B}" destId="{5245DA9C-9F06-40B5-97B1-8783F3D80ECA}" srcOrd="0" destOrd="1" presId="urn:microsoft.com/office/officeart/2005/8/layout/bProcess3"/>
+    <dgm:cxn modelId="{1990D660-8872-48B4-8695-1D9FCFB04963}" type="presOf" srcId="{8AE4A30B-3690-4E22-BE82-A891ECAD4558}" destId="{59B165E3-FB2C-4A0D-B975-4478EBD9372C}" srcOrd="1" destOrd="0" presId="urn:microsoft.com/office/officeart/2005/8/layout/bProcess3"/>
+    <dgm:cxn modelId="{3466DD44-18DB-4A0C-AB73-E1D7F9E55580}" srcId="{396CC4BF-2947-44CC-BFAD-F9F084E89A35}" destId="{8FD0F5D2-8283-4F14-B1C2-15762A25285E}" srcOrd="0" destOrd="0" parTransId="{47EF4356-E61B-42E6-B1CC-4F690E4FCA63}" sibTransId="{9307AEC8-ACA4-4F6E-B97D-C11231D819D4}"/>
+    <dgm:cxn modelId="{2EB0C666-8547-44BC-AE99-14B63A5309B7}" type="presOf" srcId="{A34D2546-2DD5-4F56-BF14-ED913464D104}" destId="{252EC2D4-5252-484E-B10E-57403BFD947C}" srcOrd="0" destOrd="1" presId="urn:microsoft.com/office/officeart/2005/8/layout/bProcess3"/>
+    <dgm:cxn modelId="{A38F2167-23AE-4632-AEF7-3BDFBE39910C}" type="presOf" srcId="{396CC4BF-2947-44CC-BFAD-F9F084E89A35}" destId="{51320853-D365-4246-A8E1-89D2F971A78D}" srcOrd="0" destOrd="0" presId="urn:microsoft.com/office/officeart/2005/8/layout/bProcess3"/>
+    <dgm:cxn modelId="{F4970E49-39D4-43A9-83C6-0EAB87D10259}" srcId="{4B23925D-839C-46CD-9567-9CC5CB4CEA35}" destId="{B54BF1CE-F054-4587-AA1E-9475A57193B7}" srcOrd="0" destOrd="0" parTransId="{0085AA0A-4003-444A-BE79-3D2CC5CC7239}" sibTransId="{A878AEEB-C6C2-446F-847E-A93791C764F3}"/>
+    <dgm:cxn modelId="{4B4DE971-5F44-4C6E-9501-EFAC4A726BA7}" type="presOf" srcId="{D7FF9834-A014-4848-A6D0-0FBE77325B00}" destId="{E60D213F-4268-49EE-B355-3F4BCFE3B1B8}" srcOrd="0" destOrd="0" presId="urn:microsoft.com/office/officeart/2005/8/layout/bProcess3"/>
+    <dgm:cxn modelId="{7AC9A855-11A2-409C-9B0E-92B1B428263D}" srcId="{AFF2F0AF-46E3-4E03-B187-D71F20AA29F2}" destId="{969EBCC0-F144-476F-828C-8C3F9C494859}" srcOrd="0" destOrd="0" parTransId="{AA334262-DD5A-4D71-9169-B04C047640FA}" sibTransId="{69D94F15-4610-4008-A6EE-7A35B51FDCBF}"/>
+    <dgm:cxn modelId="{48039856-B1D3-49E2-B3DC-EB71CEDA92DE}" type="presOf" srcId="{397D4B77-4C5C-4458-B099-A86FC35E1019}" destId="{40C4E524-67A3-4792-A438-B5BBB83CA9B8}" srcOrd="1" destOrd="0" presId="urn:microsoft.com/office/officeart/2005/8/layout/bProcess3"/>
+    <dgm:cxn modelId="{FBA25157-C49D-4A51-900B-0E345C2F3690}" type="presOf" srcId="{327F6373-A7DF-4375-916F-6DB05539983B}" destId="{FD380630-627A-4B4A-8E79-A2F4FFBA621E}" srcOrd="0" destOrd="2" presId="urn:microsoft.com/office/officeart/2005/8/layout/bProcess3"/>
+    <dgm:cxn modelId="{DC299557-F8F9-4E37-893A-023E73A87E8E}" type="presOf" srcId="{ECCCE3B7-870C-4BC4-BB65-B630577AF802}" destId="{1962B294-97E5-4D58-B16F-E0637ED4012A}" srcOrd="1" destOrd="0" presId="urn:microsoft.com/office/officeart/2005/8/layout/bProcess3"/>
+    <dgm:cxn modelId="{D63E6C79-1C2F-4587-92B0-7E6F5EB47FA9}" srcId="{4B23925D-839C-46CD-9567-9CC5CB4CEA35}" destId="{4142FBA2-EF45-4843-821D-04D00794C61D}" srcOrd="1" destOrd="0" parTransId="{DA8BEEFC-40C7-4D08-A568-3BAFA46F01FA}" sibTransId="{79EF8EB2-20B9-4BE2-8B89-F6CF2B8D0199}"/>
+    <dgm:cxn modelId="{2D9C8D7B-D5CD-49C4-8B49-65FB3BD85A9B}" srcId="{4B23925D-839C-46CD-9567-9CC5CB4CEA35}" destId="{C3384F2C-B9B1-468C-B1AD-2E2DB8B0E921}" srcOrd="8" destOrd="0" parTransId="{0633BC68-4A22-4062-B797-B4200CA32E91}" sibTransId="{AAF2546C-2F01-4517-AA3D-EE7CFE937FB0}"/>
+    <dgm:cxn modelId="{4A5FD87B-1C55-4DDC-88FE-752BD8537956}" srcId="{5DE81BC6-D9ED-4CFE-BFB4-FFB680C2A188}" destId="{35D0A281-C278-4122-BC82-CA51CBA0273F}" srcOrd="0" destOrd="0" parTransId="{68547EED-ED5E-4999-AAFC-48DA5922C06B}" sibTransId="{1AA7BCDE-9DA3-40CF-90DA-2D8A35718D96}"/>
+    <dgm:cxn modelId="{B1023C7D-F584-4661-BB9D-295D552985AF}" type="presOf" srcId="{D35881C9-AF41-4E4E-92D7-83CFC9388F21}" destId="{8EE5C43E-EC3B-4A22-97CD-252123B0EFFF}" srcOrd="0" destOrd="0" presId="urn:microsoft.com/office/officeart/2005/8/layout/bProcess3"/>
+    <dgm:cxn modelId="{FF6CEC7E-457B-432E-8862-3AC09466485F}" srcId="{396CC4BF-2947-44CC-BFAD-F9F084E89A35}" destId="{F8D4544B-E42C-44EC-AB60-C19D5637860A}" srcOrd="1" destOrd="0" parTransId="{829A1563-5B9D-44A3-84AE-D65DAD0A138D}" sibTransId="{94001FEA-E408-4BAB-B8C8-5B305278FE49}"/>
+    <dgm:cxn modelId="{4BA4BD81-9ECC-4F98-9ED5-2591B8A01F5A}" type="presOf" srcId="{A878AEEB-C6C2-446F-847E-A93791C764F3}" destId="{F2F1524B-0B0F-498C-B8E8-29318E373E00}" srcOrd="1" destOrd="0" presId="urn:microsoft.com/office/officeart/2005/8/layout/bProcess3"/>
+    <dgm:cxn modelId="{E6B8E684-C2C7-459E-A07E-E81F220A88AA}" type="presOf" srcId="{56503DD9-4218-43F6-988D-DE7FB18AE31A}" destId="{FD380630-627A-4B4A-8E79-A2F4FFBA621E}" srcOrd="0" destOrd="1" presId="urn:microsoft.com/office/officeart/2005/8/layout/bProcess3"/>
+    <dgm:cxn modelId="{6CE19F85-6708-437D-80E2-2B99AF53A60A}" type="presOf" srcId="{4142FBA2-EF45-4843-821D-04D00794C61D}" destId="{FD380630-627A-4B4A-8E79-A2F4FFBA621E}" srcOrd="0" destOrd="0" presId="urn:microsoft.com/office/officeart/2005/8/layout/bProcess3"/>
+    <dgm:cxn modelId="{407A1087-2559-425C-A44E-9963E3E74400}" type="presOf" srcId="{397D4B77-4C5C-4458-B099-A86FC35E1019}" destId="{430232A6-590A-440B-98F1-B10E5E4C2891}" srcOrd="0" destOrd="0" presId="urn:microsoft.com/office/officeart/2005/8/layout/bProcess3"/>
+    <dgm:cxn modelId="{29E2CF8A-A022-4A58-8282-441EFBC0C9C2}" srcId="{4142FBA2-EF45-4843-821D-04D00794C61D}" destId="{56503DD9-4218-43F6-988D-DE7FB18AE31A}" srcOrd="0" destOrd="0" parTransId="{6E5C0508-D4AD-45C0-A226-77994E45FCB4}" sibTransId="{C698766B-AD38-47A5-AC76-BB91AC6A492C}"/>
+    <dgm:cxn modelId="{1904868D-E5C1-4720-B394-80C49738468F}" type="presOf" srcId="{FEBE2B98-1520-4996-958A-AA75D23D8A3A}" destId="{E59B227F-E736-4BA1-B7CA-4369E50C7ACE}" srcOrd="0" destOrd="1" presId="urn:microsoft.com/office/officeart/2005/8/layout/bProcess3"/>
+    <dgm:cxn modelId="{7EA4019B-F91C-4B68-AD4E-E1E476904956}" srcId="{477E0D60-C29A-4036-929F-E1EF2300329B}" destId="{FEBE2B98-1520-4996-958A-AA75D23D8A3A}" srcOrd="0" destOrd="0" parTransId="{7B539BC0-2649-4779-98A9-37368B28376D}" sibTransId="{63390736-5857-4E02-8B02-A7D5A49A3DCB}"/>
+    <dgm:cxn modelId="{245183A3-3CCB-4E3A-A4ED-DC248C7F2C36}" type="presOf" srcId="{B54BF1CE-F054-4587-AA1E-9475A57193B7}" destId="{99A2FAF6-25E6-46F9-93E5-CA0698572205}" srcOrd="0" destOrd="0" presId="urn:microsoft.com/office/officeart/2005/8/layout/bProcess3"/>
+    <dgm:cxn modelId="{86FA48A4-094B-49EA-95A5-5DEF27C32781}" type="presOf" srcId="{D35881C9-AF41-4E4E-92D7-83CFC9388F21}" destId="{22C0AA98-BD7C-4011-80AD-99980C3F011F}" srcOrd="1" destOrd="0" presId="urn:microsoft.com/office/officeart/2005/8/layout/bProcess3"/>
+    <dgm:cxn modelId="{2456DFB4-5475-48D7-9906-8728246BC9EF}" srcId="{4B23925D-839C-46CD-9567-9CC5CB4CEA35}" destId="{17B7433F-242C-4D66-9E1E-DFFF35204A14}" srcOrd="4" destOrd="0" parTransId="{E0CB46F4-B871-4C8F-967A-A27CA11AB983}" sibTransId="{D35881C9-AF41-4E4E-92D7-83CFC9388F21}"/>
+    <dgm:cxn modelId="{A26CE6B5-A86F-43AF-B89E-4A564C39845E}" type="presOf" srcId="{C3384F2C-B9B1-468C-B1AD-2E2DB8B0E921}" destId="{5245DA9C-9F06-40B5-97B1-8783F3D80ECA}" srcOrd="0" destOrd="0" presId="urn:microsoft.com/office/officeart/2005/8/layout/bProcess3"/>
+    <dgm:cxn modelId="{AB1001B7-14B6-438F-8786-6ACF4B6F69B9}" type="presOf" srcId="{D7FF9834-A014-4848-A6D0-0FBE77325B00}" destId="{DEEED137-00F0-42E7-8549-CF34BC759C0C}" srcOrd="1" destOrd="0" presId="urn:microsoft.com/office/officeart/2005/8/layout/bProcess3"/>
+    <dgm:cxn modelId="{6922D5B8-CA19-45EA-9E3A-1FF0DF81039B}" type="presOf" srcId="{17B7433F-242C-4D66-9E1E-DFFF35204A14}" destId="{EB42F865-9217-4D16-BED7-40BB0C97507B}" srcOrd="0" destOrd="0" presId="urn:microsoft.com/office/officeart/2005/8/layout/bProcess3"/>
+    <dgm:cxn modelId="{59A5ECB9-376B-4D59-9E8B-36BFEF572B23}" srcId="{4B23925D-839C-46CD-9567-9CC5CB4CEA35}" destId="{396CC4BF-2947-44CC-BFAD-F9F084E89A35}" srcOrd="2" destOrd="0" parTransId="{0C0329E1-7090-4413-8DB5-7D44A5EB9646}" sibTransId="{ECCCE3B7-870C-4BC4-BB65-B630577AF802}"/>
+    <dgm:cxn modelId="{A6B476BB-ED7C-4C99-ADEB-0C1AA3FEA9FB}" type="presOf" srcId="{FC4519AC-E4EF-4C91-BB49-C3A7103C2651}" destId="{5245DA9C-9F06-40B5-97B1-8783F3D80ECA}" srcOrd="0" destOrd="2" presId="urn:microsoft.com/office/officeart/2005/8/layout/bProcess3"/>
+    <dgm:cxn modelId="{C1DAC3BB-2E23-416C-9346-79F505A02C8C}" type="presOf" srcId="{79EF8EB2-20B9-4BE2-8B89-F6CF2B8D0199}" destId="{90A631FF-9762-44E6-B598-EC3044947A4D}" srcOrd="0" destOrd="0" presId="urn:microsoft.com/office/officeart/2005/8/layout/bProcess3"/>
+    <dgm:cxn modelId="{453E4BC0-F7ED-4C75-8D71-9E5D4E8689FC}" srcId="{4B23925D-839C-46CD-9567-9CC5CB4CEA35}" destId="{57AEDABE-4F2E-4E77-84E7-3E19917C8FA3}" srcOrd="3" destOrd="0" parTransId="{38B8268F-6A29-46D0-A0DE-FA1018FB54CA}" sibTransId="{D7FF9834-A014-4848-A6D0-0FBE77325B00}"/>
+    <dgm:cxn modelId="{585EF2C1-3C68-4631-A730-83C9F8013360}" type="presOf" srcId="{477E0D60-C29A-4036-929F-E1EF2300329B}" destId="{E59B227F-E736-4BA1-B7CA-4369E50C7ACE}" srcOrd="0" destOrd="0" presId="urn:microsoft.com/office/officeart/2005/8/layout/bProcess3"/>
+    <dgm:cxn modelId="{2F3AE2C8-4323-49AA-9F5A-CE91684078C7}" srcId="{4B23925D-839C-46CD-9567-9CC5CB4CEA35}" destId="{5DE81BC6-D9ED-4CFE-BFB4-FFB680C2A188}" srcOrd="6" destOrd="0" parTransId="{B93AE2B7-C5C4-4D83-86BC-2C92BA69AF56}" sibTransId="{8AE4A30B-3690-4E22-BE82-A891ECAD4558}"/>
+    <dgm:cxn modelId="{876AACCA-7BFB-46C2-96C0-BE9F2E8DDF8E}" srcId="{4B23925D-839C-46CD-9567-9CC5CB4CEA35}" destId="{AFF2F0AF-46E3-4E03-B187-D71F20AA29F2}" srcOrd="5" destOrd="0" parTransId="{FC3A605D-5320-4667-8F93-EAA2A4050930}" sibTransId="{B6177548-75EB-4B12-BA7C-65FB396371D1}"/>
+    <dgm:cxn modelId="{79B422D7-96E2-41DE-BCE2-23E569708766}" srcId="{477E0D60-C29A-4036-929F-E1EF2300329B}" destId="{5459BF77-DF84-4D39-86FD-AEBAA163DC23}" srcOrd="1" destOrd="0" parTransId="{BB1867F8-6EDA-4CF2-BFC8-6D556BB36326}" sibTransId="{9265FBCB-4ECF-4F28-AE5C-AA142124832E}"/>
+    <dgm:cxn modelId="{B0F196D8-D526-4C6B-9E30-B112AC40103C}" type="presOf" srcId="{969EBCC0-F144-476F-828C-8C3F9C494859}" destId="{ACA06E5E-31C2-4702-839E-1D9DCD3A0828}" srcOrd="0" destOrd="1" presId="urn:microsoft.com/office/officeart/2005/8/layout/bProcess3"/>
+    <dgm:cxn modelId="{5E00C1DA-D821-48EF-A718-F2EBE49E41AD}" type="presOf" srcId="{57AEDABE-4F2E-4E77-84E7-3E19917C8FA3}" destId="{252EC2D4-5252-484E-B10E-57403BFD947C}" srcOrd="0" destOrd="0" presId="urn:microsoft.com/office/officeart/2005/8/layout/bProcess3"/>
+    <dgm:cxn modelId="{EB3919E3-0105-4907-954B-AB1E07470E05}" type="presOf" srcId="{0745CF95-0149-49D0-A517-926D1CE264F0}" destId="{EB42F865-9217-4D16-BED7-40BB0C97507B}" srcOrd="0" destOrd="1" presId="urn:microsoft.com/office/officeart/2005/8/layout/bProcess3"/>
+    <dgm:cxn modelId="{696BB8E8-EB96-43DC-A369-1ED2817A7BF0}" srcId="{57AEDABE-4F2E-4E77-84E7-3E19917C8FA3}" destId="{A34D2546-2DD5-4F56-BF14-ED913464D104}" srcOrd="0" destOrd="0" parTransId="{FD082C33-C4CA-446C-903F-848E7801C151}" sibTransId="{F65BF15B-495C-4E0B-8194-B002187B1298}"/>
+    <dgm:cxn modelId="{6C53F4F4-9C75-477D-A9A6-2F2139DD7605}" type="presOf" srcId="{54B236AE-150A-4B02-86BF-09E296FFF534}" destId="{5245DA9C-9F06-40B5-97B1-8783F3D80ECA}" srcOrd="0" destOrd="3" presId="urn:microsoft.com/office/officeart/2005/8/layout/bProcess3"/>
+    <dgm:cxn modelId="{B42BC4F8-3320-48C1-8CC5-45F2D06B43D3}" type="presOf" srcId="{95C8663D-9516-4907-ACC0-1B782ED6ACD7}" destId="{EB1469BA-3645-4173-A849-DCAA6E5E43BD}" srcOrd="0" destOrd="2" presId="urn:microsoft.com/office/officeart/2005/8/layout/bProcess3"/>
+    <dgm:cxn modelId="{D87CD4FC-9F99-4BEA-9E6D-FF5750F44AA5}" type="presOf" srcId="{5459BF77-DF84-4D39-86FD-AEBAA163DC23}" destId="{E59B227F-E736-4BA1-B7CA-4369E50C7ACE}" srcOrd="0" destOrd="2" presId="urn:microsoft.com/office/officeart/2005/8/layout/bProcess3"/>
+    <dgm:cxn modelId="{7CE39442-0637-4980-A9E2-ADF54F74DAC9}" type="presParOf" srcId="{EF64F1C4-970B-413B-8008-A44AFB80734E}" destId="{99A2FAF6-25E6-46F9-93E5-CA0698572205}" srcOrd="0" destOrd="0" presId="urn:microsoft.com/office/officeart/2005/8/layout/bProcess3"/>
+    <dgm:cxn modelId="{42B8E8BC-C9D9-4F19-9FC1-9E3B2E3C0D39}" type="presParOf" srcId="{EF64F1C4-970B-413B-8008-A44AFB80734E}" destId="{749421B1-1536-4961-A12F-A6F479958432}" srcOrd="1" destOrd="0" presId="urn:microsoft.com/office/officeart/2005/8/layout/bProcess3"/>
+    <dgm:cxn modelId="{A981404B-004C-49E1-B854-403A9C1F207E}" type="presParOf" srcId="{749421B1-1536-4961-A12F-A6F479958432}" destId="{F2F1524B-0B0F-498C-B8E8-29318E373E00}" srcOrd="0" destOrd="0" presId="urn:microsoft.com/office/officeart/2005/8/layout/bProcess3"/>
+    <dgm:cxn modelId="{C88EE574-A4B5-4F33-BC09-546817F66654}" type="presParOf" srcId="{EF64F1C4-970B-413B-8008-A44AFB80734E}" destId="{FD380630-627A-4B4A-8E79-A2F4FFBA621E}" srcOrd="2" destOrd="0" presId="urn:microsoft.com/office/officeart/2005/8/layout/bProcess3"/>
+    <dgm:cxn modelId="{C4120E43-58CE-4DB0-A722-3F99A6F0C300}" type="presParOf" srcId="{EF64F1C4-970B-413B-8008-A44AFB80734E}" destId="{90A631FF-9762-44E6-B598-EC3044947A4D}" srcOrd="3" destOrd="0" presId="urn:microsoft.com/office/officeart/2005/8/layout/bProcess3"/>
+    <dgm:cxn modelId="{FFC10E19-3B2A-4C25-B162-90617079D522}" type="presParOf" srcId="{90A631FF-9762-44E6-B598-EC3044947A4D}" destId="{DBE8B67B-6E38-4ECA-A8DE-EE890F24FFAC}" srcOrd="0" destOrd="0" presId="urn:microsoft.com/office/officeart/2005/8/layout/bProcess3"/>
+    <dgm:cxn modelId="{C4C3C970-5BFF-4663-8131-25A101412079}" type="presParOf" srcId="{EF64F1C4-970B-413B-8008-A44AFB80734E}" destId="{51320853-D365-4246-A8E1-89D2F971A78D}" srcOrd="4" destOrd="0" presId="urn:microsoft.com/office/officeart/2005/8/layout/bProcess3"/>
+    <dgm:cxn modelId="{6D0266A6-0129-42E5-8945-38A6BF4AB6A4}" type="presParOf" srcId="{EF64F1C4-970B-413B-8008-A44AFB80734E}" destId="{0453D990-E60A-46E7-90F4-940CD5F01015}" srcOrd="5" destOrd="0" presId="urn:microsoft.com/office/officeart/2005/8/layout/bProcess3"/>
+    <dgm:cxn modelId="{79AD5F29-3130-4570-99F6-0B8B81EB4468}" type="presParOf" srcId="{0453D990-E60A-46E7-90F4-940CD5F01015}" destId="{1962B294-97E5-4D58-B16F-E0637ED4012A}" srcOrd="0" destOrd="0" presId="urn:microsoft.com/office/officeart/2005/8/layout/bProcess3"/>
+    <dgm:cxn modelId="{81B03BC8-71B9-46D2-AFA0-9C3A2120E65E}" type="presParOf" srcId="{EF64F1C4-970B-413B-8008-A44AFB80734E}" destId="{252EC2D4-5252-484E-B10E-57403BFD947C}" srcOrd="6" destOrd="0" presId="urn:microsoft.com/office/officeart/2005/8/layout/bProcess3"/>
+    <dgm:cxn modelId="{694A8CA5-2CCE-45D1-AE56-9A57991A5AE3}" type="presParOf" srcId="{EF64F1C4-970B-413B-8008-A44AFB80734E}" destId="{E60D213F-4268-49EE-B355-3F4BCFE3B1B8}" srcOrd="7" destOrd="0" presId="urn:microsoft.com/office/officeart/2005/8/layout/bProcess3"/>
+    <dgm:cxn modelId="{F3ACD52A-695D-4844-AFE6-2FAE82290DDE}" type="presParOf" srcId="{E60D213F-4268-49EE-B355-3F4BCFE3B1B8}" destId="{DEEED137-00F0-42E7-8549-CF34BC759C0C}" srcOrd="0" destOrd="0" presId="urn:microsoft.com/office/officeart/2005/8/layout/bProcess3"/>
+    <dgm:cxn modelId="{BAC707A1-08E3-4511-85BE-4B317A221D89}" type="presParOf" srcId="{EF64F1C4-970B-413B-8008-A44AFB80734E}" destId="{EB42F865-9217-4D16-BED7-40BB0C97507B}" srcOrd="8" destOrd="0" presId="urn:microsoft.com/office/officeart/2005/8/layout/bProcess3"/>
+    <dgm:cxn modelId="{1DADEDC7-2D96-4C55-846A-E4FE67FFFB44}" type="presParOf" srcId="{EF64F1C4-970B-413B-8008-A44AFB80734E}" destId="{8EE5C43E-EC3B-4A22-97CD-252123B0EFFF}" srcOrd="9" destOrd="0" presId="urn:microsoft.com/office/officeart/2005/8/layout/bProcess3"/>
+    <dgm:cxn modelId="{E0182B7B-C2BF-4FA7-84E2-1024089B291C}" type="presParOf" srcId="{8EE5C43E-EC3B-4A22-97CD-252123B0EFFF}" destId="{22C0AA98-BD7C-4011-80AD-99980C3F011F}" srcOrd="0" destOrd="0" presId="urn:microsoft.com/office/officeart/2005/8/layout/bProcess3"/>
+    <dgm:cxn modelId="{CE21E7B5-C9CC-46D3-883F-8DCC141E7EAD}" type="presParOf" srcId="{EF64F1C4-970B-413B-8008-A44AFB80734E}" destId="{ACA06E5E-31C2-4702-839E-1D9DCD3A0828}" srcOrd="10" destOrd="0" presId="urn:microsoft.com/office/officeart/2005/8/layout/bProcess3"/>
+    <dgm:cxn modelId="{9FF04500-AA95-4FFE-B1BC-EBDA4D5DC0D9}" type="presParOf" srcId="{EF64F1C4-970B-413B-8008-A44AFB80734E}" destId="{5CC638EA-A69A-44D0-BB4C-48102EC886E9}" srcOrd="11" destOrd="0" presId="urn:microsoft.com/office/officeart/2005/8/layout/bProcess3"/>
+    <dgm:cxn modelId="{06F66FD3-D2E8-4EC9-A32C-19A17FCE1F4E}" type="presParOf" srcId="{5CC638EA-A69A-44D0-BB4C-48102EC886E9}" destId="{94EA418D-F71D-48B1-BC6F-A655553C5155}" srcOrd="0" destOrd="0" presId="urn:microsoft.com/office/officeart/2005/8/layout/bProcess3"/>
+    <dgm:cxn modelId="{8C8D35C3-C980-4B34-9597-A1EDBA8E438E}" type="presParOf" srcId="{EF64F1C4-970B-413B-8008-A44AFB80734E}" destId="{EB1469BA-3645-4173-A849-DCAA6E5E43BD}" srcOrd="12" destOrd="0" presId="urn:microsoft.com/office/officeart/2005/8/layout/bProcess3"/>
+    <dgm:cxn modelId="{45BE7086-7FD1-49AB-A1A3-48111B51A24D}" type="presParOf" srcId="{EF64F1C4-970B-413B-8008-A44AFB80734E}" destId="{1B64839B-7371-4E9A-9723-AB0005E836FA}" srcOrd="13" destOrd="0" presId="urn:microsoft.com/office/officeart/2005/8/layout/bProcess3"/>
+    <dgm:cxn modelId="{2164994D-C970-4237-97D5-64330C17F8F6}" type="presParOf" srcId="{1B64839B-7371-4E9A-9723-AB0005E836FA}" destId="{59B165E3-FB2C-4A0D-B975-4478EBD9372C}" srcOrd="0" destOrd="0" presId="urn:microsoft.com/office/officeart/2005/8/layout/bProcess3"/>
+    <dgm:cxn modelId="{630FEB69-5DAA-425C-85D0-8ECFE2AF52C8}" type="presParOf" srcId="{EF64F1C4-970B-413B-8008-A44AFB80734E}" destId="{E59B227F-E736-4BA1-B7CA-4369E50C7ACE}" srcOrd="14" destOrd="0" presId="urn:microsoft.com/office/officeart/2005/8/layout/bProcess3"/>
+    <dgm:cxn modelId="{B245C01C-1D7E-4D13-A624-8EC262C01738}" type="presParOf" srcId="{EF64F1C4-970B-413B-8008-A44AFB80734E}" destId="{430232A6-590A-440B-98F1-B10E5E4C2891}" srcOrd="15" destOrd="0" presId="urn:microsoft.com/office/officeart/2005/8/layout/bProcess3"/>
+    <dgm:cxn modelId="{EBFBA228-5D29-4A04-8806-CEEDFD29EF5D}" type="presParOf" srcId="{430232A6-590A-440B-98F1-B10E5E4C2891}" destId="{40C4E524-67A3-4792-A438-B5BBB83CA9B8}" srcOrd="0" destOrd="0" presId="urn:microsoft.com/office/officeart/2005/8/layout/bProcess3"/>
+    <dgm:cxn modelId="{56B53D1F-C431-411E-BCF3-AAD245E024D1}" type="presParOf" srcId="{EF64F1C4-970B-413B-8008-A44AFB80734E}" destId="{5245DA9C-9F06-40B5-97B1-8783F3D80ECA}" srcOrd="16" destOrd="0" presId="urn:microsoft.com/office/officeart/2005/8/layout/bProcess3"/>
+  </dgm:cxnLst>
+  <dgm:bg/>
+  <dgm:whole/>
+  <dgm:extLst>
+    <a:ext uri="http://schemas.microsoft.com/office/drawing/2008/diagram">
+      <dsp:dataModelExt xmlns:dsp="http://schemas.microsoft.com/office/drawing/2008/diagram" relId="rId7" minVer="http://schemas.openxmlformats.org/drawingml/2006/diagram"/>
+    </a:ext>
+  </dgm:extLst>
+</dgm:dataModel>
+</file>
+
+<file path=ppt/diagrams/drawing1.xml><?xml version="1.0" encoding="utf-8"?>
+<dsp:drawing xmlns:dgm="http://schemas.openxmlformats.org/drawingml/2006/diagram" xmlns:dsp="http://schemas.microsoft.com/office/drawing/2008/diagram" xmlns:a="http://schemas.openxmlformats.org/drawingml/2006/main">
+  <dsp:spTree>
+    <dsp:nvGrpSpPr>
+      <dsp:cNvPr id="0" name=""/>
+      <dsp:cNvGrpSpPr/>
+    </dsp:nvGrpSpPr>
+    <dsp:grpSpPr/>
+    <dsp:sp modelId="{749421B1-1536-4961-A12F-A6F479958432}">
+      <dsp:nvSpPr>
+        <dsp:cNvPr id="0" name=""/>
+        <dsp:cNvSpPr/>
+      </dsp:nvSpPr>
+      <dsp:spPr>
+        <a:xfrm>
+          <a:off x="2565201" y="531723"/>
+          <a:ext cx="411125" cy="91440"/>
+        </a:xfrm>
+        <a:custGeom>
+          <a:avLst/>
+          <a:gdLst/>
+          <a:ahLst/>
+          <a:cxnLst/>
+          <a:rect l="0" t="0" r="0" b="0"/>
+          <a:pathLst>
+            <a:path>
+              <a:moveTo>
+                <a:pt x="0" y="45720"/>
+              </a:moveTo>
+              <a:lnTo>
+                <a:pt x="411125" y="45720"/>
+              </a:lnTo>
+            </a:path>
+          </a:pathLst>
+        </a:custGeom>
+        <a:noFill/>
+        <a:ln w="6350" cap="flat" cmpd="sng" algn="ctr">
+          <a:solidFill>
+            <a:schemeClr val="accent1">
+              <a:shade val="90000"/>
+              <a:hueOff val="0"/>
+              <a:satOff val="0"/>
+              <a:lumOff val="0"/>
+              <a:alphaOff val="0"/>
+            </a:schemeClr>
+          </a:solidFill>
+          <a:prstDash val="solid"/>
+          <a:miter lim="800000"/>
+          <a:tailEnd type="arrow"/>
+        </a:ln>
+        <a:effectLst/>
+      </dsp:spPr>
+      <dsp:style>
+        <a:lnRef idx="1">
+          <a:scrgbClr r="0" g="0" b="0"/>
+        </a:lnRef>
+        <a:fillRef idx="0">
+          <a:scrgbClr r="0" g="0" b="0"/>
+        </a:fillRef>
+        <a:effectRef idx="0">
+          <a:scrgbClr r="0" g="0" b="0"/>
+        </a:effectRef>
+        <a:fontRef idx="minor"/>
+      </dsp:style>
+      <dsp:txBody>
+        <a:bodyPr spcFirstLastPara="0" vert="horz" wrap="square" lIns="12700" tIns="0" rIns="12700" bIns="0" numCol="1" spcCol="1270" anchor="ctr" anchorCtr="0">
+          <a:noAutofit/>
+        </a:bodyPr>
+        <a:lstStyle/>
+        <a:p>
+          <a:pPr marL="0" lvl="0" indent="0" algn="ctr" defTabSz="222250">
+            <a:lnSpc>
+              <a:spcPct val="90000"/>
+            </a:lnSpc>
+            <a:spcBef>
+              <a:spcPct val="0"/>
+            </a:spcBef>
+            <a:spcAft>
+              <a:spcPct val="35000"/>
+            </a:spcAft>
+            <a:buNone/>
+          </a:pPr>
+          <a:endParaRPr lang="de-AT" sz="500" kern="1200"/>
+        </a:p>
+      </dsp:txBody>
+      <dsp:txXfrm>
+        <a:off x="2759720" y="575235"/>
+        <a:ext cx="22086" cy="4417"/>
+      </dsp:txXfrm>
+    </dsp:sp>
+    <dsp:sp modelId="{99A2FAF6-25E6-46F9-93E5-CA0698572205}">
+      <dsp:nvSpPr>
+        <dsp:cNvPr id="0" name=""/>
+        <dsp:cNvSpPr/>
+      </dsp:nvSpPr>
+      <dsp:spPr>
+        <a:xfrm>
+          <a:off x="646454" y="1280"/>
+          <a:ext cx="1920546" cy="1152327"/>
+        </a:xfrm>
+        <a:prstGeom prst="rect">
+          <a:avLst/>
+        </a:prstGeom>
+        <a:solidFill>
+          <a:schemeClr val="accent1">
+            <a:shade val="50000"/>
+            <a:hueOff val="0"/>
+            <a:satOff val="0"/>
+            <a:lumOff val="0"/>
+            <a:alphaOff val="0"/>
+          </a:schemeClr>
+        </a:solidFill>
+        <a:ln w="12700" cap="flat" cmpd="sng" algn="ctr">
+          <a:solidFill>
+            <a:schemeClr val="lt1">
+              <a:hueOff val="0"/>
+              <a:satOff val="0"/>
+              <a:lumOff val="0"/>
+              <a:alphaOff val="0"/>
+            </a:schemeClr>
+          </a:solidFill>
+          <a:prstDash val="solid"/>
+          <a:miter lim="800000"/>
+        </a:ln>
+        <a:effectLst/>
+      </dsp:spPr>
+      <dsp:style>
+        <a:lnRef idx="2">
+          <a:scrgbClr r="0" g="0" b="0"/>
+        </a:lnRef>
+        <a:fillRef idx="1">
+          <a:scrgbClr r="0" g="0" b="0"/>
+        </a:fillRef>
+        <a:effectRef idx="0">
+          <a:scrgbClr r="0" g="0" b="0"/>
+        </a:effectRef>
+        <a:fontRef idx="minor">
+          <a:schemeClr val="lt1"/>
+        </a:fontRef>
+      </dsp:style>
+      <dsp:txBody>
+        <a:bodyPr spcFirstLastPara="0" vert="horz" wrap="square" lIns="99568" tIns="99568" rIns="99568" bIns="99568" numCol="1" spcCol="1270" anchor="t" anchorCtr="0">
+          <a:noAutofit/>
+        </a:bodyPr>
+        <a:lstStyle/>
+        <a:p>
+          <a:pPr marL="0" lvl="0" indent="0" algn="l" defTabSz="622300">
+            <a:lnSpc>
+              <a:spcPct val="90000"/>
+            </a:lnSpc>
+            <a:spcBef>
+              <a:spcPct val="0"/>
+            </a:spcBef>
+            <a:spcAft>
+              <a:spcPct val="35000"/>
+            </a:spcAft>
+            <a:buNone/>
+          </a:pPr>
+          <a:r>
+            <a:rPr lang="de-DE" sz="1400" kern="1200" baseline="0" dirty="0"/>
+            <a:t>Benutzerhandbuch &amp; Tutorials betrachten</a:t>
+          </a:r>
+          <a:endParaRPr lang="de-AT" sz="1400" kern="1200" dirty="0"/>
+        </a:p>
+        <a:p>
+          <a:pPr marL="57150" lvl="1" indent="-57150" algn="l" defTabSz="488950">
+            <a:lnSpc>
+              <a:spcPct val="90000"/>
+            </a:lnSpc>
+            <a:spcBef>
+              <a:spcPct val="0"/>
+            </a:spcBef>
+            <a:spcAft>
+              <a:spcPct val="15000"/>
+            </a:spcAft>
+            <a:buChar char="•"/>
+          </a:pPr>
+          <a:r>
+            <a:rPr lang="de-AT" sz="1100" kern="1200" dirty="0"/>
+            <a:t>Testphase mit Demodaten</a:t>
+          </a:r>
+        </a:p>
+      </dsp:txBody>
+      <dsp:txXfrm>
+        <a:off x="646454" y="1280"/>
+        <a:ext cx="1920546" cy="1152327"/>
+      </dsp:txXfrm>
+    </dsp:sp>
+    <dsp:sp modelId="{90A631FF-9762-44E6-B598-EC3044947A4D}">
+      <dsp:nvSpPr>
+        <dsp:cNvPr id="0" name=""/>
+        <dsp:cNvSpPr/>
+      </dsp:nvSpPr>
+      <dsp:spPr>
+        <a:xfrm>
+          <a:off x="4927473" y="531723"/>
+          <a:ext cx="411125" cy="91440"/>
+        </a:xfrm>
+        <a:custGeom>
+          <a:avLst/>
+          <a:gdLst/>
+          <a:ahLst/>
+          <a:cxnLst/>
+          <a:rect l="0" t="0" r="0" b="0"/>
+          <a:pathLst>
+            <a:path>
+              <a:moveTo>
+                <a:pt x="0" y="45720"/>
+              </a:moveTo>
+              <a:lnTo>
+                <a:pt x="411125" y="45720"/>
+              </a:lnTo>
+            </a:path>
+          </a:pathLst>
+        </a:custGeom>
+        <a:noFill/>
+        <a:ln w="6350" cap="flat" cmpd="sng" algn="ctr">
+          <a:solidFill>
+            <a:schemeClr val="accent1">
+              <a:shade val="90000"/>
+              <a:hueOff val="5175"/>
+              <a:satOff val="-188"/>
+              <a:lumOff val="7845"/>
+              <a:alphaOff val="0"/>
+            </a:schemeClr>
+          </a:solidFill>
+          <a:prstDash val="solid"/>
+          <a:miter lim="800000"/>
+          <a:tailEnd type="arrow"/>
+        </a:ln>
+        <a:effectLst/>
+      </dsp:spPr>
+      <dsp:style>
+        <a:lnRef idx="1">
+          <a:scrgbClr r="0" g="0" b="0"/>
+        </a:lnRef>
+        <a:fillRef idx="0">
+          <a:scrgbClr r="0" g="0" b="0"/>
+        </a:fillRef>
+        <a:effectRef idx="0">
+          <a:scrgbClr r="0" g="0" b="0"/>
+        </a:effectRef>
+        <a:fontRef idx="minor"/>
+      </dsp:style>
+      <dsp:txBody>
+        <a:bodyPr spcFirstLastPara="0" vert="horz" wrap="square" lIns="12700" tIns="0" rIns="12700" bIns="0" numCol="1" spcCol="1270" anchor="ctr" anchorCtr="0">
+          <a:noAutofit/>
+        </a:bodyPr>
+        <a:lstStyle/>
+        <a:p>
+          <a:pPr marL="0" lvl="0" indent="0" algn="ctr" defTabSz="222250">
+            <a:lnSpc>
+              <a:spcPct val="90000"/>
+            </a:lnSpc>
+            <a:spcBef>
+              <a:spcPct val="0"/>
+            </a:spcBef>
+            <a:spcAft>
+              <a:spcPct val="35000"/>
+            </a:spcAft>
+            <a:buNone/>
+          </a:pPr>
+          <a:endParaRPr lang="de-AT" sz="500" kern="1200"/>
+        </a:p>
+      </dsp:txBody>
+      <dsp:txXfrm>
+        <a:off x="5121992" y="575235"/>
+        <a:ext cx="22086" cy="4417"/>
+      </dsp:txXfrm>
+    </dsp:sp>
+    <dsp:sp modelId="{FD380630-627A-4B4A-8E79-A2F4FFBA621E}">
+      <dsp:nvSpPr>
+        <dsp:cNvPr id="0" name=""/>
+        <dsp:cNvSpPr/>
+      </dsp:nvSpPr>
+      <dsp:spPr>
+        <a:xfrm>
+          <a:off x="3008726" y="1280"/>
+          <a:ext cx="1920546" cy="1152327"/>
+        </a:xfrm>
+        <a:prstGeom prst="rect">
+          <a:avLst/>
+        </a:prstGeom>
+        <a:solidFill>
+          <a:schemeClr val="accent1">
+            <a:shade val="50000"/>
+            <a:hueOff val="4480"/>
+            <a:satOff val="-178"/>
+            <a:lumOff val="9111"/>
+            <a:alphaOff val="0"/>
+          </a:schemeClr>
+        </a:solidFill>
+        <a:ln w="12700" cap="flat" cmpd="sng" algn="ctr">
+          <a:solidFill>
+            <a:schemeClr val="lt1">
+              <a:hueOff val="0"/>
+              <a:satOff val="0"/>
+              <a:lumOff val="0"/>
+              <a:alphaOff val="0"/>
+            </a:schemeClr>
+          </a:solidFill>
+          <a:prstDash val="solid"/>
+          <a:miter lim="800000"/>
+        </a:ln>
+        <a:effectLst/>
+      </dsp:spPr>
+      <dsp:style>
+        <a:lnRef idx="2">
+          <a:scrgbClr r="0" g="0" b="0"/>
+        </a:lnRef>
+        <a:fillRef idx="1">
+          <a:scrgbClr r="0" g="0" b="0"/>
+        </a:fillRef>
+        <a:effectRef idx="0">
+          <a:scrgbClr r="0" g="0" b="0"/>
+        </a:effectRef>
+        <a:fontRef idx="minor">
+          <a:schemeClr val="lt1"/>
+        </a:fontRef>
+      </dsp:style>
+      <dsp:txBody>
+        <a:bodyPr spcFirstLastPara="0" vert="horz" wrap="square" lIns="99568" tIns="99568" rIns="99568" bIns="99568" numCol="1" spcCol="1270" anchor="t" anchorCtr="0">
+          <a:noAutofit/>
+        </a:bodyPr>
+        <a:lstStyle/>
+        <a:p>
+          <a:pPr marL="0" lvl="0" indent="0" algn="l" defTabSz="622300">
+            <a:lnSpc>
+              <a:spcPct val="90000"/>
+            </a:lnSpc>
+            <a:spcBef>
+              <a:spcPct val="0"/>
+            </a:spcBef>
+            <a:spcAft>
+              <a:spcPct val="35000"/>
+            </a:spcAft>
+            <a:buNone/>
+          </a:pPr>
+          <a:r>
+            <a:rPr lang="de-DE" sz="1400" kern="1200" baseline="0" dirty="0"/>
+            <a:t>Installation am Server</a:t>
+          </a:r>
+          <a:endParaRPr lang="de-AT" sz="1400" kern="1200" dirty="0"/>
+        </a:p>
+        <a:p>
+          <a:pPr marL="57150" lvl="1" indent="-57150" algn="l" defTabSz="488950">
+            <a:lnSpc>
+              <a:spcPct val="90000"/>
+            </a:lnSpc>
+            <a:spcBef>
+              <a:spcPct val="0"/>
+            </a:spcBef>
+            <a:spcAft>
+              <a:spcPct val="15000"/>
+            </a:spcAft>
+            <a:buChar char="•"/>
+          </a:pPr>
+          <a:r>
+            <a:rPr lang="de-DE" sz="1100" kern="1200" baseline="0" dirty="0"/>
+            <a:t>On-</a:t>
+          </a:r>
+          <a:r>
+            <a:rPr lang="de-DE" sz="1100" kern="1200" baseline="0" dirty="0" err="1"/>
+            <a:t>Premise</a:t>
+          </a:r>
+          <a:r>
+            <a:rPr lang="de-DE" sz="1100" kern="1200" baseline="0" dirty="0"/>
+            <a:t> Lösung</a:t>
+          </a:r>
+          <a:endParaRPr lang="de-AT" sz="1100" kern="1200" dirty="0"/>
+        </a:p>
+        <a:p>
+          <a:pPr marL="57150" lvl="1" indent="-57150" algn="l" defTabSz="488950">
+            <a:lnSpc>
+              <a:spcPct val="90000"/>
+            </a:lnSpc>
+            <a:spcBef>
+              <a:spcPct val="0"/>
+            </a:spcBef>
+            <a:spcAft>
+              <a:spcPct val="15000"/>
+            </a:spcAft>
+            <a:buChar char="•"/>
+          </a:pPr>
+          <a:r>
+            <a:rPr lang="de-AT" sz="1100" kern="1200" dirty="0"/>
+            <a:t>Abstimmung notwendiger Module</a:t>
+          </a:r>
+        </a:p>
+      </dsp:txBody>
+      <dsp:txXfrm>
+        <a:off x="3008726" y="1280"/>
+        <a:ext cx="1920546" cy="1152327"/>
+      </dsp:txXfrm>
+    </dsp:sp>
+    <dsp:sp modelId="{0453D990-E60A-46E7-90F4-940CD5F01015}">
+      <dsp:nvSpPr>
+        <dsp:cNvPr id="0" name=""/>
+        <dsp:cNvSpPr/>
+      </dsp:nvSpPr>
+      <dsp:spPr>
+        <a:xfrm>
+          <a:off x="1606727" y="1151807"/>
+          <a:ext cx="4724544" cy="411125"/>
+        </a:xfrm>
+        <a:custGeom>
+          <a:avLst/>
+          <a:gdLst/>
+          <a:ahLst/>
+          <a:cxnLst/>
+          <a:rect l="0" t="0" r="0" b="0"/>
+          <a:pathLst>
+            <a:path>
+              <a:moveTo>
+                <a:pt x="4724544" y="0"/>
+              </a:moveTo>
+              <a:lnTo>
+                <a:pt x="4724544" y="222662"/>
+              </a:lnTo>
+              <a:lnTo>
+                <a:pt x="0" y="222662"/>
+              </a:lnTo>
+              <a:lnTo>
+                <a:pt x="0" y="411125"/>
+              </a:lnTo>
+            </a:path>
+          </a:pathLst>
+        </a:custGeom>
+        <a:noFill/>
+        <a:ln w="6350" cap="flat" cmpd="sng" algn="ctr">
+          <a:solidFill>
+            <a:schemeClr val="accent1">
+              <a:shade val="90000"/>
+              <a:hueOff val="10350"/>
+              <a:satOff val="-377"/>
+              <a:lumOff val="15689"/>
+              <a:alphaOff val="0"/>
+            </a:schemeClr>
+          </a:solidFill>
+          <a:prstDash val="solid"/>
+          <a:miter lim="800000"/>
+          <a:tailEnd type="arrow"/>
+        </a:ln>
+        <a:effectLst/>
+      </dsp:spPr>
+      <dsp:style>
+        <a:lnRef idx="1">
+          <a:scrgbClr r="0" g="0" b="0"/>
+        </a:lnRef>
+        <a:fillRef idx="0">
+          <a:scrgbClr r="0" g="0" b="0"/>
+        </a:fillRef>
+        <a:effectRef idx="0">
+          <a:scrgbClr r="0" g="0" b="0"/>
+        </a:effectRef>
+        <a:fontRef idx="minor"/>
+      </dsp:style>
+      <dsp:txBody>
+        <a:bodyPr spcFirstLastPara="0" vert="horz" wrap="square" lIns="12700" tIns="0" rIns="12700" bIns="0" numCol="1" spcCol="1270" anchor="ctr" anchorCtr="0">
+          <a:noAutofit/>
+        </a:bodyPr>
+        <a:lstStyle/>
+        <a:p>
+          <a:pPr marL="0" lvl="0" indent="0" algn="ctr" defTabSz="222250">
+            <a:lnSpc>
+              <a:spcPct val="90000"/>
+            </a:lnSpc>
+            <a:spcBef>
+              <a:spcPct val="0"/>
+            </a:spcBef>
+            <a:spcAft>
+              <a:spcPct val="35000"/>
+            </a:spcAft>
+            <a:buNone/>
+          </a:pPr>
+          <a:endParaRPr lang="de-AT" sz="500" kern="1200"/>
+        </a:p>
+      </dsp:txBody>
+      <dsp:txXfrm>
+        <a:off x="3850371" y="1355162"/>
+        <a:ext cx="237257" cy="4417"/>
+      </dsp:txXfrm>
+    </dsp:sp>
+    <dsp:sp modelId="{51320853-D365-4246-A8E1-89D2F971A78D}">
+      <dsp:nvSpPr>
+        <dsp:cNvPr id="0" name=""/>
+        <dsp:cNvSpPr/>
+      </dsp:nvSpPr>
+      <dsp:spPr>
+        <a:xfrm>
+          <a:off x="5370998" y="1280"/>
+          <a:ext cx="1920546" cy="1152327"/>
+        </a:xfrm>
+        <a:prstGeom prst="rect">
+          <a:avLst/>
+        </a:prstGeom>
+        <a:solidFill>
+          <a:schemeClr val="accent1">
+            <a:shade val="50000"/>
+            <a:hueOff val="8960"/>
+            <a:satOff val="-356"/>
+            <a:lumOff val="18221"/>
+            <a:alphaOff val="0"/>
+          </a:schemeClr>
+        </a:solidFill>
+        <a:ln w="12700" cap="flat" cmpd="sng" algn="ctr">
+          <a:solidFill>
+            <a:schemeClr val="lt1">
+              <a:hueOff val="0"/>
+              <a:satOff val="0"/>
+              <a:lumOff val="0"/>
+              <a:alphaOff val="0"/>
+            </a:schemeClr>
+          </a:solidFill>
+          <a:prstDash val="solid"/>
+          <a:miter lim="800000"/>
+        </a:ln>
+        <a:effectLst/>
+      </dsp:spPr>
+      <dsp:style>
+        <a:lnRef idx="2">
+          <a:scrgbClr r="0" g="0" b="0"/>
+        </a:lnRef>
+        <a:fillRef idx="1">
+          <a:scrgbClr r="0" g="0" b="0"/>
+        </a:fillRef>
+        <a:effectRef idx="0">
+          <a:scrgbClr r="0" g="0" b="0"/>
+        </a:effectRef>
+        <a:fontRef idx="minor">
+          <a:schemeClr val="lt1"/>
+        </a:fontRef>
+      </dsp:style>
+      <dsp:txBody>
+        <a:bodyPr spcFirstLastPara="0" vert="horz" wrap="square" lIns="99568" tIns="99568" rIns="99568" bIns="99568" numCol="1" spcCol="1270" anchor="t" anchorCtr="0">
+          <a:noAutofit/>
+        </a:bodyPr>
+        <a:lstStyle/>
+        <a:p>
+          <a:pPr marL="0" lvl="0" indent="0" algn="l" defTabSz="622300">
+            <a:lnSpc>
+              <a:spcPct val="90000"/>
+            </a:lnSpc>
+            <a:spcBef>
+              <a:spcPct val="0"/>
+            </a:spcBef>
+            <a:spcAft>
+              <a:spcPct val="35000"/>
+            </a:spcAft>
+            <a:buNone/>
+          </a:pPr>
+          <a:r>
+            <a:rPr lang="de-DE" sz="1400" kern="1200" baseline="0" dirty="0"/>
+            <a:t>Datenexport &amp; -import</a:t>
+          </a:r>
+          <a:endParaRPr lang="de-AT" sz="1400" kern="1200" dirty="0"/>
+        </a:p>
+        <a:p>
+          <a:pPr marL="57150" lvl="1" indent="-57150" algn="l" defTabSz="488950">
+            <a:lnSpc>
+              <a:spcPct val="90000"/>
+            </a:lnSpc>
+            <a:spcBef>
+              <a:spcPct val="0"/>
+            </a:spcBef>
+            <a:spcAft>
+              <a:spcPct val="15000"/>
+            </a:spcAft>
+            <a:buChar char="•"/>
+          </a:pPr>
+          <a:r>
+            <a:rPr lang="de-AT" sz="1100" kern="1200" dirty="0"/>
+            <a:t>Export aus Altsystem</a:t>
+          </a:r>
+        </a:p>
+        <a:p>
+          <a:pPr marL="57150" lvl="1" indent="-57150" algn="l" defTabSz="488950">
+            <a:lnSpc>
+              <a:spcPct val="90000"/>
+            </a:lnSpc>
+            <a:spcBef>
+              <a:spcPct val="0"/>
+            </a:spcBef>
+            <a:spcAft>
+              <a:spcPct val="15000"/>
+            </a:spcAft>
+            <a:buChar char="•"/>
+          </a:pPr>
+          <a:r>
+            <a:rPr lang="de-AT" sz="1100" kern="1200" dirty="0"/>
+            <a:t>Import in neues System</a:t>
+          </a:r>
+        </a:p>
+      </dsp:txBody>
+      <dsp:txXfrm>
+        <a:off x="5370998" y="1280"/>
+        <a:ext cx="1920546" cy="1152327"/>
+      </dsp:txXfrm>
+    </dsp:sp>
+    <dsp:sp modelId="{E60D213F-4268-49EE-B355-3F4BCFE3B1B8}">
+      <dsp:nvSpPr>
+        <dsp:cNvPr id="0" name=""/>
+        <dsp:cNvSpPr/>
+      </dsp:nvSpPr>
+      <dsp:spPr>
+        <a:xfrm>
+          <a:off x="2565201" y="2125777"/>
+          <a:ext cx="411125" cy="91440"/>
+        </a:xfrm>
+        <a:custGeom>
+          <a:avLst/>
+          <a:gdLst/>
+          <a:ahLst/>
+          <a:cxnLst/>
+          <a:rect l="0" t="0" r="0" b="0"/>
+          <a:pathLst>
+            <a:path>
+              <a:moveTo>
+                <a:pt x="0" y="45720"/>
+              </a:moveTo>
+              <a:lnTo>
+                <a:pt x="411125" y="45720"/>
+              </a:lnTo>
+            </a:path>
+          </a:pathLst>
+        </a:custGeom>
+        <a:noFill/>
+        <a:ln w="6350" cap="flat" cmpd="sng" algn="ctr">
+          <a:solidFill>
+            <a:schemeClr val="accent1">
+              <a:shade val="90000"/>
+              <a:hueOff val="15525"/>
+              <a:satOff val="-565"/>
+              <a:lumOff val="23534"/>
+              <a:alphaOff val="0"/>
+            </a:schemeClr>
+          </a:solidFill>
+          <a:prstDash val="solid"/>
+          <a:miter lim="800000"/>
+          <a:tailEnd type="arrow"/>
+        </a:ln>
+        <a:effectLst/>
+      </dsp:spPr>
+      <dsp:style>
+        <a:lnRef idx="1">
+          <a:scrgbClr r="0" g="0" b="0"/>
+        </a:lnRef>
+        <a:fillRef idx="0">
+          <a:scrgbClr r="0" g="0" b="0"/>
+        </a:fillRef>
+        <a:effectRef idx="0">
+          <a:scrgbClr r="0" g="0" b="0"/>
+        </a:effectRef>
+        <a:fontRef idx="minor"/>
+      </dsp:style>
+      <dsp:txBody>
+        <a:bodyPr spcFirstLastPara="0" vert="horz" wrap="square" lIns="12700" tIns="0" rIns="12700" bIns="0" numCol="1" spcCol="1270" anchor="ctr" anchorCtr="0">
+          <a:noAutofit/>
+        </a:bodyPr>
+        <a:lstStyle/>
+        <a:p>
+          <a:pPr marL="0" lvl="0" indent="0" algn="ctr" defTabSz="222250">
+            <a:lnSpc>
+              <a:spcPct val="90000"/>
+            </a:lnSpc>
+            <a:spcBef>
+              <a:spcPct val="0"/>
+            </a:spcBef>
+            <a:spcAft>
+              <a:spcPct val="35000"/>
+            </a:spcAft>
+            <a:buNone/>
+          </a:pPr>
+          <a:endParaRPr lang="de-AT" sz="500" kern="1200"/>
+        </a:p>
+      </dsp:txBody>
+      <dsp:txXfrm>
+        <a:off x="2759720" y="2169288"/>
+        <a:ext cx="22086" cy="4417"/>
+      </dsp:txXfrm>
+    </dsp:sp>
+    <dsp:sp modelId="{252EC2D4-5252-484E-B10E-57403BFD947C}">
+      <dsp:nvSpPr>
+        <dsp:cNvPr id="0" name=""/>
+        <dsp:cNvSpPr/>
+      </dsp:nvSpPr>
+      <dsp:spPr>
+        <a:xfrm>
+          <a:off x="646454" y="1595333"/>
+          <a:ext cx="1920546" cy="1152327"/>
+        </a:xfrm>
+        <a:prstGeom prst="rect">
+          <a:avLst/>
+        </a:prstGeom>
+        <a:solidFill>
+          <a:schemeClr val="accent1">
+            <a:shade val="50000"/>
+            <a:hueOff val="13440"/>
+            <a:satOff val="-535"/>
+            <a:lumOff val="27332"/>
+            <a:alphaOff val="0"/>
+          </a:schemeClr>
+        </a:solidFill>
+        <a:ln w="12700" cap="flat" cmpd="sng" algn="ctr">
+          <a:solidFill>
+            <a:schemeClr val="lt1">
+              <a:hueOff val="0"/>
+              <a:satOff val="0"/>
+              <a:lumOff val="0"/>
+              <a:alphaOff val="0"/>
+            </a:schemeClr>
+          </a:solidFill>
+          <a:prstDash val="solid"/>
+          <a:miter lim="800000"/>
+        </a:ln>
+        <a:effectLst/>
+      </dsp:spPr>
+      <dsp:style>
+        <a:lnRef idx="2">
+          <a:scrgbClr r="0" g="0" b="0"/>
+        </a:lnRef>
+        <a:fillRef idx="1">
+          <a:scrgbClr r="0" g="0" b="0"/>
+        </a:fillRef>
+        <a:effectRef idx="0">
+          <a:scrgbClr r="0" g="0" b="0"/>
+        </a:effectRef>
+        <a:fontRef idx="minor">
+          <a:schemeClr val="lt1"/>
+        </a:fontRef>
+      </dsp:style>
+      <dsp:txBody>
+        <a:bodyPr spcFirstLastPara="0" vert="horz" wrap="square" lIns="99568" tIns="99568" rIns="99568" bIns="99568" numCol="1" spcCol="1270" anchor="t" anchorCtr="0">
+          <a:noAutofit/>
+        </a:bodyPr>
+        <a:lstStyle/>
+        <a:p>
+          <a:pPr marL="0" lvl="0" indent="0" algn="l" defTabSz="622300">
+            <a:lnSpc>
+              <a:spcPct val="90000"/>
+            </a:lnSpc>
+            <a:spcBef>
+              <a:spcPct val="0"/>
+            </a:spcBef>
+            <a:spcAft>
+              <a:spcPct val="35000"/>
+            </a:spcAft>
+            <a:buNone/>
+          </a:pPr>
+          <a:r>
+            <a:rPr lang="de-DE" sz="1400" kern="1200" baseline="0" dirty="0"/>
+            <a:t>Konfigurieren anhand Anforderungen</a:t>
+          </a:r>
+          <a:endParaRPr lang="de-AT" sz="1400" kern="1200" dirty="0"/>
+        </a:p>
+        <a:p>
+          <a:pPr marL="57150" lvl="1" indent="-57150" algn="l" defTabSz="488950">
+            <a:lnSpc>
+              <a:spcPct val="90000"/>
+            </a:lnSpc>
+            <a:spcBef>
+              <a:spcPct val="0"/>
+            </a:spcBef>
+            <a:spcAft>
+              <a:spcPct val="15000"/>
+            </a:spcAft>
+            <a:buChar char="•"/>
+          </a:pPr>
+          <a:r>
+            <a:rPr lang="de-AT" sz="1100" kern="1200" dirty="0"/>
+            <a:t>Anschließend Testphase mit Stakeholder</a:t>
+          </a:r>
+        </a:p>
+      </dsp:txBody>
+      <dsp:txXfrm>
+        <a:off x="646454" y="1595333"/>
+        <a:ext cx="1920546" cy="1152327"/>
+      </dsp:txXfrm>
+    </dsp:sp>
+    <dsp:sp modelId="{8EE5C43E-EC3B-4A22-97CD-252123B0EFFF}">
+      <dsp:nvSpPr>
+        <dsp:cNvPr id="0" name=""/>
+        <dsp:cNvSpPr/>
+      </dsp:nvSpPr>
+      <dsp:spPr>
+        <a:xfrm>
+          <a:off x="4927473" y="2125777"/>
+          <a:ext cx="411125" cy="91440"/>
+        </a:xfrm>
+        <a:custGeom>
+          <a:avLst/>
+          <a:gdLst/>
+          <a:ahLst/>
+          <a:cxnLst/>
+          <a:rect l="0" t="0" r="0" b="0"/>
+          <a:pathLst>
+            <a:path>
+              <a:moveTo>
+                <a:pt x="0" y="45720"/>
+              </a:moveTo>
+              <a:lnTo>
+                <a:pt x="411125" y="45720"/>
+              </a:lnTo>
+            </a:path>
+          </a:pathLst>
+        </a:custGeom>
+        <a:noFill/>
+        <a:ln w="6350" cap="flat" cmpd="sng" algn="ctr">
+          <a:solidFill>
+            <a:schemeClr val="accent1">
+              <a:shade val="90000"/>
+              <a:hueOff val="20700"/>
+              <a:satOff val="-754"/>
+              <a:lumOff val="31379"/>
+              <a:alphaOff val="0"/>
+            </a:schemeClr>
+          </a:solidFill>
+          <a:prstDash val="solid"/>
+          <a:miter lim="800000"/>
+          <a:tailEnd type="arrow"/>
+        </a:ln>
+        <a:effectLst/>
+      </dsp:spPr>
+      <dsp:style>
+        <a:lnRef idx="1">
+          <a:scrgbClr r="0" g="0" b="0"/>
+        </a:lnRef>
+        <a:fillRef idx="0">
+          <a:scrgbClr r="0" g="0" b="0"/>
+        </a:fillRef>
+        <a:effectRef idx="0">
+          <a:scrgbClr r="0" g="0" b="0"/>
+        </a:effectRef>
+        <a:fontRef idx="minor"/>
+      </dsp:style>
+      <dsp:txBody>
+        <a:bodyPr spcFirstLastPara="0" vert="horz" wrap="square" lIns="12700" tIns="0" rIns="12700" bIns="0" numCol="1" spcCol="1270" anchor="ctr" anchorCtr="0">
+          <a:noAutofit/>
+        </a:bodyPr>
+        <a:lstStyle/>
+        <a:p>
+          <a:pPr marL="0" lvl="0" indent="0" algn="ctr" defTabSz="222250">
+            <a:lnSpc>
+              <a:spcPct val="90000"/>
+            </a:lnSpc>
+            <a:spcBef>
+              <a:spcPct val="0"/>
+            </a:spcBef>
+            <a:spcAft>
+              <a:spcPct val="35000"/>
+            </a:spcAft>
+            <a:buNone/>
+          </a:pPr>
+          <a:endParaRPr lang="de-AT" sz="500" kern="1200"/>
+        </a:p>
+      </dsp:txBody>
+      <dsp:txXfrm>
+        <a:off x="5121992" y="2169288"/>
+        <a:ext cx="22086" cy="4417"/>
+      </dsp:txXfrm>
+    </dsp:sp>
+    <dsp:sp modelId="{EB42F865-9217-4D16-BED7-40BB0C97507B}">
+      <dsp:nvSpPr>
+        <dsp:cNvPr id="0" name=""/>
+        <dsp:cNvSpPr/>
+      </dsp:nvSpPr>
+      <dsp:spPr>
+        <a:xfrm>
+          <a:off x="3008726" y="1595333"/>
+          <a:ext cx="1920546" cy="1152327"/>
+        </a:xfrm>
+        <a:prstGeom prst="rect">
+          <a:avLst/>
+        </a:prstGeom>
+        <a:solidFill>
+          <a:schemeClr val="accent1">
+            <a:shade val="50000"/>
+            <a:hueOff val="17920"/>
+            <a:satOff val="-713"/>
+            <a:lumOff val="36443"/>
+            <a:alphaOff val="0"/>
+          </a:schemeClr>
+        </a:solidFill>
+        <a:ln w="12700" cap="flat" cmpd="sng" algn="ctr">
+          <a:solidFill>
+            <a:schemeClr val="lt1">
+              <a:hueOff val="0"/>
+              <a:satOff val="0"/>
+              <a:lumOff val="0"/>
+              <a:alphaOff val="0"/>
+            </a:schemeClr>
+          </a:solidFill>
+          <a:prstDash val="solid"/>
+          <a:miter lim="800000"/>
+        </a:ln>
+        <a:effectLst/>
+      </dsp:spPr>
+      <dsp:style>
+        <a:lnRef idx="2">
+          <a:scrgbClr r="0" g="0" b="0"/>
+        </a:lnRef>
+        <a:fillRef idx="1">
+          <a:scrgbClr r="0" g="0" b="0"/>
+        </a:fillRef>
+        <a:effectRef idx="0">
+          <a:scrgbClr r="0" g="0" b="0"/>
+        </a:effectRef>
+        <a:fontRef idx="minor">
+          <a:schemeClr val="lt1"/>
+        </a:fontRef>
+      </dsp:style>
+      <dsp:txBody>
+        <a:bodyPr spcFirstLastPara="0" vert="horz" wrap="square" lIns="99568" tIns="99568" rIns="99568" bIns="99568" numCol="1" spcCol="1270" anchor="t" anchorCtr="0">
+          <a:noAutofit/>
+        </a:bodyPr>
+        <a:lstStyle/>
+        <a:p>
+          <a:pPr marL="0" lvl="0" indent="0" algn="l" defTabSz="622300">
+            <a:lnSpc>
+              <a:spcPct val="90000"/>
+            </a:lnSpc>
+            <a:spcBef>
+              <a:spcPct val="0"/>
+            </a:spcBef>
+            <a:spcAft>
+              <a:spcPct val="35000"/>
+            </a:spcAft>
+            <a:buNone/>
+          </a:pPr>
+          <a:r>
+            <a:rPr lang="de-DE" sz="1400" kern="1200" baseline="0" dirty="0"/>
+            <a:t>Optimieren zwecks Usability</a:t>
+          </a:r>
+          <a:endParaRPr lang="de-AT" sz="1400" kern="1200" dirty="0"/>
+        </a:p>
+        <a:p>
+          <a:pPr marL="57150" lvl="1" indent="-57150" algn="l" defTabSz="488950">
+            <a:lnSpc>
+              <a:spcPct val="90000"/>
+            </a:lnSpc>
+            <a:spcBef>
+              <a:spcPct val="0"/>
+            </a:spcBef>
+            <a:spcAft>
+              <a:spcPct val="15000"/>
+            </a:spcAft>
+            <a:buChar char="•"/>
+          </a:pPr>
+          <a:r>
+            <a:rPr lang="de-AT" sz="1100" kern="1200" dirty="0"/>
+            <a:t>Übersichtliches Design</a:t>
+          </a:r>
+        </a:p>
+      </dsp:txBody>
+      <dsp:txXfrm>
+        <a:off x="3008726" y="1595333"/>
+        <a:ext cx="1920546" cy="1152327"/>
+      </dsp:txXfrm>
+    </dsp:sp>
+    <dsp:sp modelId="{5CC638EA-A69A-44D0-BB4C-48102EC886E9}">
+      <dsp:nvSpPr>
+        <dsp:cNvPr id="0" name=""/>
+        <dsp:cNvSpPr/>
+      </dsp:nvSpPr>
+      <dsp:spPr>
+        <a:xfrm>
+          <a:off x="1606727" y="2745861"/>
+          <a:ext cx="4724544" cy="411125"/>
+        </a:xfrm>
+        <a:custGeom>
+          <a:avLst/>
+          <a:gdLst/>
+          <a:ahLst/>
+          <a:cxnLst/>
+          <a:rect l="0" t="0" r="0" b="0"/>
+          <a:pathLst>
+            <a:path>
+              <a:moveTo>
+                <a:pt x="4724544" y="0"/>
+              </a:moveTo>
+              <a:lnTo>
+                <a:pt x="4724544" y="222662"/>
+              </a:lnTo>
+              <a:lnTo>
+                <a:pt x="0" y="222662"/>
+              </a:lnTo>
+              <a:lnTo>
+                <a:pt x="0" y="411125"/>
+              </a:lnTo>
+            </a:path>
+          </a:pathLst>
+        </a:custGeom>
+        <a:noFill/>
+        <a:ln w="6350" cap="flat" cmpd="sng" algn="ctr">
+          <a:solidFill>
+            <a:schemeClr val="accent1">
+              <a:shade val="90000"/>
+              <a:hueOff val="15525"/>
+              <a:satOff val="-565"/>
+              <a:lumOff val="23534"/>
+              <a:alphaOff val="0"/>
+            </a:schemeClr>
+          </a:solidFill>
+          <a:prstDash val="solid"/>
+          <a:miter lim="800000"/>
+          <a:tailEnd type="arrow"/>
+        </a:ln>
+        <a:effectLst/>
+      </dsp:spPr>
+      <dsp:style>
+        <a:lnRef idx="1">
+          <a:scrgbClr r="0" g="0" b="0"/>
+        </a:lnRef>
+        <a:fillRef idx="0">
+          <a:scrgbClr r="0" g="0" b="0"/>
+        </a:fillRef>
+        <a:effectRef idx="0">
+          <a:scrgbClr r="0" g="0" b="0"/>
+        </a:effectRef>
+        <a:fontRef idx="minor"/>
+      </dsp:style>
+      <dsp:txBody>
+        <a:bodyPr spcFirstLastPara="0" vert="horz" wrap="square" lIns="12700" tIns="0" rIns="12700" bIns="0" numCol="1" spcCol="1270" anchor="ctr" anchorCtr="0">
+          <a:noAutofit/>
+        </a:bodyPr>
+        <a:lstStyle/>
+        <a:p>
+          <a:pPr marL="0" lvl="0" indent="0" algn="ctr" defTabSz="222250">
+            <a:lnSpc>
+              <a:spcPct val="90000"/>
+            </a:lnSpc>
+            <a:spcBef>
+              <a:spcPct val="0"/>
+            </a:spcBef>
+            <a:spcAft>
+              <a:spcPct val="35000"/>
+            </a:spcAft>
+            <a:buNone/>
+          </a:pPr>
+          <a:endParaRPr lang="de-AT" sz="500" kern="1200"/>
+        </a:p>
+      </dsp:txBody>
+      <dsp:txXfrm>
+        <a:off x="3850371" y="2949215"/>
+        <a:ext cx="237257" cy="4417"/>
+      </dsp:txXfrm>
+    </dsp:sp>
+    <dsp:sp modelId="{ACA06E5E-31C2-4702-839E-1D9DCD3A0828}">
+      <dsp:nvSpPr>
+        <dsp:cNvPr id="0" name=""/>
+        <dsp:cNvSpPr/>
+      </dsp:nvSpPr>
+      <dsp:spPr>
+        <a:xfrm>
+          <a:off x="5370998" y="1595333"/>
+          <a:ext cx="1920546" cy="1152327"/>
+        </a:xfrm>
+        <a:prstGeom prst="rect">
+          <a:avLst/>
+        </a:prstGeom>
+        <a:solidFill>
+          <a:schemeClr val="accent1">
+            <a:shade val="50000"/>
+            <a:hueOff val="17920"/>
+            <a:satOff val="-713"/>
+            <a:lumOff val="36443"/>
+            <a:alphaOff val="0"/>
+          </a:schemeClr>
+        </a:solidFill>
+        <a:ln w="12700" cap="flat" cmpd="sng" algn="ctr">
+          <a:solidFill>
+            <a:schemeClr val="lt1">
+              <a:hueOff val="0"/>
+              <a:satOff val="0"/>
+              <a:lumOff val="0"/>
+              <a:alphaOff val="0"/>
+            </a:schemeClr>
+          </a:solidFill>
+          <a:prstDash val="solid"/>
+          <a:miter lim="800000"/>
+        </a:ln>
+        <a:effectLst/>
+      </dsp:spPr>
+      <dsp:style>
+        <a:lnRef idx="2">
+          <a:scrgbClr r="0" g="0" b="0"/>
+        </a:lnRef>
+        <a:fillRef idx="1">
+          <a:scrgbClr r="0" g="0" b="0"/>
+        </a:fillRef>
+        <a:effectRef idx="0">
+          <a:scrgbClr r="0" g="0" b="0"/>
+        </a:effectRef>
+        <a:fontRef idx="minor">
+          <a:schemeClr val="lt1"/>
+        </a:fontRef>
+      </dsp:style>
+      <dsp:txBody>
+        <a:bodyPr spcFirstLastPara="0" vert="horz" wrap="square" lIns="99568" tIns="99568" rIns="99568" bIns="99568" numCol="1" spcCol="1270" anchor="t" anchorCtr="0">
+          <a:noAutofit/>
+        </a:bodyPr>
+        <a:lstStyle/>
+        <a:p>
+          <a:pPr marL="0" lvl="0" indent="0" algn="l" defTabSz="622300">
+            <a:lnSpc>
+              <a:spcPct val="90000"/>
+            </a:lnSpc>
+            <a:spcBef>
+              <a:spcPct val="0"/>
+            </a:spcBef>
+            <a:spcAft>
+              <a:spcPct val="35000"/>
+            </a:spcAft>
+            <a:buNone/>
+          </a:pPr>
+          <a:r>
+            <a:rPr lang="de-DE" sz="1400" kern="1200" baseline="0" dirty="0"/>
+            <a:t>Test- &amp; </a:t>
+          </a:r>
+          <a:r>
+            <a:rPr lang="de-DE" sz="1400" kern="1200" baseline="0" dirty="0" err="1"/>
+            <a:t>Reviewphase</a:t>
+          </a:r>
+          <a:endParaRPr lang="de-AT" sz="1400" kern="1200" dirty="0"/>
+        </a:p>
+        <a:p>
+          <a:pPr marL="57150" lvl="1" indent="-57150" algn="l" defTabSz="488950">
+            <a:lnSpc>
+              <a:spcPct val="90000"/>
+            </a:lnSpc>
+            <a:spcBef>
+              <a:spcPct val="0"/>
+            </a:spcBef>
+            <a:spcAft>
+              <a:spcPct val="15000"/>
+            </a:spcAft>
+            <a:buChar char="•"/>
+          </a:pPr>
+          <a:r>
+            <a:rPr lang="de-AT" sz="1100" kern="1200" dirty="0"/>
+            <a:t>Funktionale &amp; Nicht funktionale Anforderungen</a:t>
+          </a:r>
+        </a:p>
+      </dsp:txBody>
+      <dsp:txXfrm>
+        <a:off x="5370998" y="1595333"/>
+        <a:ext cx="1920546" cy="1152327"/>
+      </dsp:txXfrm>
+    </dsp:sp>
+    <dsp:sp modelId="{1B64839B-7371-4E9A-9723-AB0005E836FA}">
+      <dsp:nvSpPr>
+        <dsp:cNvPr id="0" name=""/>
+        <dsp:cNvSpPr/>
+      </dsp:nvSpPr>
+      <dsp:spPr>
+        <a:xfrm>
+          <a:off x="2565201" y="3719831"/>
+          <a:ext cx="411125" cy="91440"/>
+        </a:xfrm>
+        <a:custGeom>
+          <a:avLst/>
+          <a:gdLst/>
+          <a:ahLst/>
+          <a:cxnLst/>
+          <a:rect l="0" t="0" r="0" b="0"/>
+          <a:pathLst>
+            <a:path>
+              <a:moveTo>
+                <a:pt x="0" y="45720"/>
+              </a:moveTo>
+              <a:lnTo>
+                <a:pt x="411125" y="45720"/>
+              </a:lnTo>
+            </a:path>
+          </a:pathLst>
+        </a:custGeom>
+        <a:noFill/>
+        <a:ln w="6350" cap="flat" cmpd="sng" algn="ctr">
+          <a:solidFill>
+            <a:schemeClr val="accent1">
+              <a:shade val="90000"/>
+              <a:hueOff val="10350"/>
+              <a:satOff val="-377"/>
+              <a:lumOff val="15689"/>
+              <a:alphaOff val="0"/>
+            </a:schemeClr>
+          </a:solidFill>
+          <a:prstDash val="solid"/>
+          <a:miter lim="800000"/>
+          <a:tailEnd type="arrow"/>
+        </a:ln>
+        <a:effectLst/>
+      </dsp:spPr>
+      <dsp:style>
+        <a:lnRef idx="1">
+          <a:scrgbClr r="0" g="0" b="0"/>
+        </a:lnRef>
+        <a:fillRef idx="0">
+          <a:scrgbClr r="0" g="0" b="0"/>
+        </a:fillRef>
+        <a:effectRef idx="0">
+          <a:scrgbClr r="0" g="0" b="0"/>
+        </a:effectRef>
+        <a:fontRef idx="minor"/>
+      </dsp:style>
+      <dsp:txBody>
+        <a:bodyPr spcFirstLastPara="0" vert="horz" wrap="square" lIns="12700" tIns="0" rIns="12700" bIns="0" numCol="1" spcCol="1270" anchor="ctr" anchorCtr="0">
+          <a:noAutofit/>
+        </a:bodyPr>
+        <a:lstStyle/>
+        <a:p>
+          <a:pPr marL="0" lvl="0" indent="0" algn="ctr" defTabSz="222250">
+            <a:lnSpc>
+              <a:spcPct val="90000"/>
+            </a:lnSpc>
+            <a:spcBef>
+              <a:spcPct val="0"/>
+            </a:spcBef>
+            <a:spcAft>
+              <a:spcPct val="35000"/>
+            </a:spcAft>
+            <a:buNone/>
+          </a:pPr>
+          <a:endParaRPr lang="de-AT" sz="500" kern="1200"/>
+        </a:p>
+      </dsp:txBody>
+      <dsp:txXfrm>
+        <a:off x="2759720" y="3763342"/>
+        <a:ext cx="22086" cy="4417"/>
+      </dsp:txXfrm>
+    </dsp:sp>
+    <dsp:sp modelId="{EB1469BA-3645-4173-A849-DCAA6E5E43BD}">
+      <dsp:nvSpPr>
+        <dsp:cNvPr id="0" name=""/>
+        <dsp:cNvSpPr/>
+      </dsp:nvSpPr>
+      <dsp:spPr>
+        <a:xfrm>
+          <a:off x="646454" y="3189387"/>
+          <a:ext cx="1920546" cy="1152327"/>
+        </a:xfrm>
+        <a:prstGeom prst="rect">
+          <a:avLst/>
+        </a:prstGeom>
+        <a:solidFill>
+          <a:schemeClr val="accent1">
+            <a:shade val="50000"/>
+            <a:hueOff val="13440"/>
+            <a:satOff val="-535"/>
+            <a:lumOff val="27332"/>
+            <a:alphaOff val="0"/>
+          </a:schemeClr>
+        </a:solidFill>
+        <a:ln w="12700" cap="flat" cmpd="sng" algn="ctr">
+          <a:solidFill>
+            <a:schemeClr val="lt1">
+              <a:hueOff val="0"/>
+              <a:satOff val="0"/>
+              <a:lumOff val="0"/>
+              <a:alphaOff val="0"/>
+            </a:schemeClr>
+          </a:solidFill>
+          <a:prstDash val="solid"/>
+          <a:miter lim="800000"/>
+        </a:ln>
+        <a:effectLst/>
+      </dsp:spPr>
+      <dsp:style>
+        <a:lnRef idx="2">
+          <a:scrgbClr r="0" g="0" b="0"/>
+        </a:lnRef>
+        <a:fillRef idx="1">
+          <a:scrgbClr r="0" g="0" b="0"/>
+        </a:fillRef>
+        <a:effectRef idx="0">
+          <a:scrgbClr r="0" g="0" b="0"/>
+        </a:effectRef>
+        <a:fontRef idx="minor">
+          <a:schemeClr val="lt1"/>
+        </a:fontRef>
+      </dsp:style>
+      <dsp:txBody>
+        <a:bodyPr spcFirstLastPara="0" vert="horz" wrap="square" lIns="99568" tIns="99568" rIns="99568" bIns="99568" numCol="1" spcCol="1270" anchor="t" anchorCtr="0">
+          <a:noAutofit/>
+        </a:bodyPr>
+        <a:lstStyle/>
+        <a:p>
+          <a:pPr marL="0" lvl="0" indent="0" algn="l" defTabSz="622300">
+            <a:lnSpc>
+              <a:spcPct val="90000"/>
+            </a:lnSpc>
+            <a:spcBef>
+              <a:spcPct val="0"/>
+            </a:spcBef>
+            <a:spcAft>
+              <a:spcPct val="35000"/>
+            </a:spcAft>
+            <a:buNone/>
+          </a:pPr>
+          <a:r>
+            <a:rPr lang="de-DE" sz="1400" kern="1200" baseline="0" dirty="0"/>
+            <a:t>Abgleich umgesetzter Anforderungen</a:t>
+          </a:r>
+          <a:endParaRPr lang="de-AT" sz="1400" kern="1200" dirty="0"/>
+        </a:p>
+        <a:p>
+          <a:pPr marL="57150" lvl="1" indent="-57150" algn="l" defTabSz="488950">
+            <a:lnSpc>
+              <a:spcPct val="90000"/>
+            </a:lnSpc>
+            <a:spcBef>
+              <a:spcPct val="0"/>
+            </a:spcBef>
+            <a:spcAft>
+              <a:spcPct val="15000"/>
+            </a:spcAft>
+            <a:buChar char="•"/>
+          </a:pPr>
+          <a:r>
+            <a:rPr lang="de-AT" sz="1100" kern="1200" dirty="0"/>
+            <a:t>Dokumentation der Umsetzung</a:t>
+          </a:r>
+        </a:p>
+        <a:p>
+          <a:pPr marL="57150" lvl="1" indent="-57150" algn="l" defTabSz="488950">
+            <a:lnSpc>
+              <a:spcPct val="90000"/>
+            </a:lnSpc>
+            <a:spcBef>
+              <a:spcPct val="0"/>
+            </a:spcBef>
+            <a:spcAft>
+              <a:spcPct val="15000"/>
+            </a:spcAft>
+            <a:buChar char="•"/>
+          </a:pPr>
+          <a:r>
+            <a:rPr lang="de-AT" sz="1100" kern="1200" dirty="0"/>
+            <a:t>Fazit</a:t>
+          </a:r>
+        </a:p>
+      </dsp:txBody>
+      <dsp:txXfrm>
+        <a:off x="646454" y="3189387"/>
+        <a:ext cx="1920546" cy="1152327"/>
+      </dsp:txXfrm>
+    </dsp:sp>
+    <dsp:sp modelId="{430232A6-590A-440B-98F1-B10E5E4C2891}">
+      <dsp:nvSpPr>
+        <dsp:cNvPr id="0" name=""/>
+        <dsp:cNvSpPr/>
+      </dsp:nvSpPr>
+      <dsp:spPr>
+        <a:xfrm>
+          <a:off x="4927473" y="3719831"/>
+          <a:ext cx="411125" cy="91440"/>
+        </a:xfrm>
+        <a:custGeom>
+          <a:avLst/>
+          <a:gdLst/>
+          <a:ahLst/>
+          <a:cxnLst/>
+          <a:rect l="0" t="0" r="0" b="0"/>
+          <a:pathLst>
+            <a:path>
+              <a:moveTo>
+                <a:pt x="0" y="45720"/>
+              </a:moveTo>
+              <a:lnTo>
+                <a:pt x="411125" y="45720"/>
+              </a:lnTo>
+            </a:path>
+          </a:pathLst>
+        </a:custGeom>
+        <a:noFill/>
+        <a:ln w="6350" cap="flat" cmpd="sng" algn="ctr">
+          <a:solidFill>
+            <a:schemeClr val="accent1">
+              <a:shade val="90000"/>
+              <a:hueOff val="5175"/>
+              <a:satOff val="-188"/>
+              <a:lumOff val="7845"/>
+              <a:alphaOff val="0"/>
+            </a:schemeClr>
+          </a:solidFill>
+          <a:prstDash val="solid"/>
+          <a:miter lim="800000"/>
+          <a:tailEnd type="arrow"/>
+        </a:ln>
+        <a:effectLst/>
+      </dsp:spPr>
+      <dsp:style>
+        <a:lnRef idx="1">
+          <a:scrgbClr r="0" g="0" b="0"/>
+        </a:lnRef>
+        <a:fillRef idx="0">
+          <a:scrgbClr r="0" g="0" b="0"/>
+        </a:fillRef>
+        <a:effectRef idx="0">
+          <a:scrgbClr r="0" g="0" b="0"/>
+        </a:effectRef>
+        <a:fontRef idx="minor"/>
+      </dsp:style>
+      <dsp:txBody>
+        <a:bodyPr spcFirstLastPara="0" vert="horz" wrap="square" lIns="12700" tIns="0" rIns="12700" bIns="0" numCol="1" spcCol="1270" anchor="ctr" anchorCtr="0">
+          <a:noAutofit/>
+        </a:bodyPr>
+        <a:lstStyle/>
+        <a:p>
+          <a:pPr marL="0" lvl="0" indent="0" algn="ctr" defTabSz="222250">
+            <a:lnSpc>
+              <a:spcPct val="90000"/>
+            </a:lnSpc>
+            <a:spcBef>
+              <a:spcPct val="0"/>
+            </a:spcBef>
+            <a:spcAft>
+              <a:spcPct val="35000"/>
+            </a:spcAft>
+            <a:buNone/>
+          </a:pPr>
+          <a:endParaRPr lang="de-AT" sz="500" kern="1200"/>
+        </a:p>
+      </dsp:txBody>
+      <dsp:txXfrm>
+        <a:off x="5121992" y="3763342"/>
+        <a:ext cx="22086" cy="4417"/>
+      </dsp:txXfrm>
+    </dsp:sp>
+    <dsp:sp modelId="{E59B227F-E736-4BA1-B7CA-4369E50C7ACE}">
+      <dsp:nvSpPr>
+        <dsp:cNvPr id="0" name=""/>
+        <dsp:cNvSpPr/>
+      </dsp:nvSpPr>
+      <dsp:spPr>
+        <a:xfrm>
+          <a:off x="3008726" y="3189387"/>
+          <a:ext cx="1920546" cy="1152327"/>
+        </a:xfrm>
+        <a:prstGeom prst="rect">
+          <a:avLst/>
+        </a:prstGeom>
+        <a:solidFill>
+          <a:schemeClr val="accent1">
+            <a:shade val="50000"/>
+            <a:hueOff val="8960"/>
+            <a:satOff val="-356"/>
+            <a:lumOff val="18221"/>
+            <a:alphaOff val="0"/>
+          </a:schemeClr>
+        </a:solidFill>
+        <a:ln w="12700" cap="flat" cmpd="sng" algn="ctr">
+          <a:solidFill>
+            <a:schemeClr val="lt1">
+              <a:hueOff val="0"/>
+              <a:satOff val="0"/>
+              <a:lumOff val="0"/>
+              <a:alphaOff val="0"/>
+            </a:schemeClr>
+          </a:solidFill>
+          <a:prstDash val="solid"/>
+          <a:miter lim="800000"/>
+        </a:ln>
+        <a:effectLst/>
+      </dsp:spPr>
+      <dsp:style>
+        <a:lnRef idx="2">
+          <a:scrgbClr r="0" g="0" b="0"/>
+        </a:lnRef>
+        <a:fillRef idx="1">
+          <a:scrgbClr r="0" g="0" b="0"/>
+        </a:fillRef>
+        <a:effectRef idx="0">
+          <a:scrgbClr r="0" g="0" b="0"/>
+        </a:effectRef>
+        <a:fontRef idx="minor">
+          <a:schemeClr val="lt1"/>
+        </a:fontRef>
+      </dsp:style>
+      <dsp:txBody>
+        <a:bodyPr spcFirstLastPara="0" vert="horz" wrap="square" lIns="99568" tIns="99568" rIns="99568" bIns="99568" numCol="1" spcCol="1270" anchor="t" anchorCtr="0">
+          <a:noAutofit/>
+        </a:bodyPr>
+        <a:lstStyle/>
+        <a:p>
+          <a:pPr marL="0" lvl="0" indent="0" algn="l" defTabSz="622300">
+            <a:lnSpc>
+              <a:spcPct val="90000"/>
+            </a:lnSpc>
+            <a:spcBef>
+              <a:spcPct val="0"/>
+            </a:spcBef>
+            <a:spcAft>
+              <a:spcPct val="35000"/>
+            </a:spcAft>
+            <a:buNone/>
+          </a:pPr>
+          <a:r>
+            <a:rPr lang="de-DE" sz="1400" kern="1200" baseline="0" dirty="0"/>
+            <a:t>Einschulungsphase</a:t>
+          </a:r>
+          <a:endParaRPr lang="de-AT" sz="1400" kern="1200" dirty="0"/>
+        </a:p>
+        <a:p>
+          <a:pPr marL="57150" lvl="1" indent="-57150" algn="l" defTabSz="488950">
+            <a:lnSpc>
+              <a:spcPct val="90000"/>
+            </a:lnSpc>
+            <a:spcBef>
+              <a:spcPct val="0"/>
+            </a:spcBef>
+            <a:spcAft>
+              <a:spcPct val="15000"/>
+            </a:spcAft>
+            <a:buChar char="•"/>
+          </a:pPr>
+          <a:r>
+            <a:rPr lang="de-AT" sz="1100" kern="1200" dirty="0"/>
+            <a:t>Prozesse mit Stakeholdern durchgehen</a:t>
+          </a:r>
+        </a:p>
+        <a:p>
+          <a:pPr marL="57150" lvl="1" indent="-57150" algn="l" defTabSz="488950">
+            <a:lnSpc>
+              <a:spcPct val="90000"/>
+            </a:lnSpc>
+            <a:spcBef>
+              <a:spcPct val="0"/>
+            </a:spcBef>
+            <a:spcAft>
+              <a:spcPct val="15000"/>
+            </a:spcAft>
+            <a:buChar char="•"/>
+          </a:pPr>
+          <a:r>
+            <a:rPr lang="de-AT" sz="1100" kern="1200" dirty="0"/>
+            <a:t>Finale Konfiguration</a:t>
+          </a:r>
+        </a:p>
+      </dsp:txBody>
+      <dsp:txXfrm>
+        <a:off x="3008726" y="3189387"/>
+        <a:ext cx="1920546" cy="1152327"/>
+      </dsp:txXfrm>
+    </dsp:sp>
+    <dsp:sp modelId="{5245DA9C-9F06-40B5-97B1-8783F3D80ECA}">
+      <dsp:nvSpPr>
+        <dsp:cNvPr id="0" name=""/>
+        <dsp:cNvSpPr/>
+      </dsp:nvSpPr>
+      <dsp:spPr>
+        <a:xfrm>
+          <a:off x="5370998" y="3189387"/>
+          <a:ext cx="1920546" cy="1152327"/>
+        </a:xfrm>
+        <a:prstGeom prst="rect">
+          <a:avLst/>
+        </a:prstGeom>
+        <a:solidFill>
+          <a:schemeClr val="accent1">
+            <a:shade val="50000"/>
+            <a:hueOff val="4480"/>
+            <a:satOff val="-178"/>
+            <a:lumOff val="9111"/>
+            <a:alphaOff val="0"/>
+          </a:schemeClr>
+        </a:solidFill>
+        <a:ln w="12700" cap="flat" cmpd="sng" algn="ctr">
+          <a:solidFill>
+            <a:schemeClr val="lt1">
+              <a:hueOff val="0"/>
+              <a:satOff val="0"/>
+              <a:lumOff val="0"/>
+              <a:alphaOff val="0"/>
+            </a:schemeClr>
+          </a:solidFill>
+          <a:prstDash val="solid"/>
+          <a:miter lim="800000"/>
+        </a:ln>
+        <a:effectLst/>
+      </dsp:spPr>
+      <dsp:style>
+        <a:lnRef idx="2">
+          <a:scrgbClr r="0" g="0" b="0"/>
+        </a:lnRef>
+        <a:fillRef idx="1">
+          <a:scrgbClr r="0" g="0" b="0"/>
+        </a:fillRef>
+        <a:effectRef idx="0">
+          <a:scrgbClr r="0" g="0" b="0"/>
+        </a:effectRef>
+        <a:fontRef idx="minor">
+          <a:schemeClr val="lt1"/>
+        </a:fontRef>
+      </dsp:style>
+      <dsp:txBody>
+        <a:bodyPr spcFirstLastPara="0" vert="horz" wrap="square" lIns="99568" tIns="99568" rIns="99568" bIns="99568" numCol="1" spcCol="1270" anchor="t" anchorCtr="0">
+          <a:noAutofit/>
+        </a:bodyPr>
+        <a:lstStyle/>
+        <a:p>
+          <a:pPr marL="0" lvl="0" indent="0" algn="l" defTabSz="622300">
+            <a:lnSpc>
+              <a:spcPct val="90000"/>
+            </a:lnSpc>
+            <a:spcBef>
+              <a:spcPct val="0"/>
+            </a:spcBef>
+            <a:spcAft>
+              <a:spcPct val="35000"/>
+            </a:spcAft>
+            <a:buNone/>
+          </a:pPr>
+          <a:r>
+            <a:rPr lang="de-AT" sz="1400" kern="1200" dirty="0"/>
+            <a:t>Finale Datenmigration</a:t>
+          </a:r>
+        </a:p>
+        <a:p>
+          <a:pPr marL="57150" lvl="1" indent="-57150" algn="l" defTabSz="488950">
+            <a:lnSpc>
+              <a:spcPct val="90000"/>
+            </a:lnSpc>
+            <a:spcBef>
+              <a:spcPct val="0"/>
+            </a:spcBef>
+            <a:spcAft>
+              <a:spcPct val="15000"/>
+            </a:spcAft>
+            <a:buChar char="•"/>
+          </a:pPr>
+          <a:r>
+            <a:rPr lang="de-AT" sz="1100" kern="1200" dirty="0"/>
+            <a:t>Export aus Altsystem</a:t>
+          </a:r>
+        </a:p>
+        <a:p>
+          <a:pPr marL="57150" lvl="1" indent="-57150" algn="l" defTabSz="488950">
+            <a:lnSpc>
+              <a:spcPct val="90000"/>
+            </a:lnSpc>
+            <a:spcBef>
+              <a:spcPct val="0"/>
+            </a:spcBef>
+            <a:spcAft>
+              <a:spcPct val="15000"/>
+            </a:spcAft>
+            <a:buChar char="•"/>
+          </a:pPr>
+          <a:r>
+            <a:rPr lang="de-AT" sz="1100" kern="1200" dirty="0"/>
+            <a:t>Import ins neue System</a:t>
+          </a:r>
+        </a:p>
+        <a:p>
+          <a:pPr marL="57150" lvl="1" indent="-57150" algn="l" defTabSz="488950">
+            <a:lnSpc>
+              <a:spcPct val="90000"/>
+            </a:lnSpc>
+            <a:spcBef>
+              <a:spcPct val="0"/>
+            </a:spcBef>
+            <a:spcAft>
+              <a:spcPct val="15000"/>
+            </a:spcAft>
+            <a:buChar char="•"/>
+          </a:pPr>
+          <a:r>
+            <a:rPr lang="de-AT" sz="1100" kern="1200" dirty="0"/>
+            <a:t>Ablöse des Altsystems</a:t>
+          </a:r>
+        </a:p>
+      </dsp:txBody>
+      <dsp:txXfrm>
+        <a:off x="5370998" y="3189387"/>
+        <a:ext cx="1920546" cy="1152327"/>
+      </dsp:txXfrm>
+    </dsp:sp>
+  </dsp:spTree>
+</dsp:drawing>
+</file>
+
+<file path=ppt/diagrams/layout1.xml><?xml version="1.0" encoding="utf-8"?>
+<dgm:layoutDef xmlns:dgm="http://schemas.openxmlformats.org/drawingml/2006/diagram" xmlns:a="http://schemas.openxmlformats.org/drawingml/2006/main" uniqueId="urn:microsoft.com/office/officeart/2005/8/layout/bProcess3">
+  <dgm:title val=""/>
+  <dgm:desc val=""/>
+  <dgm:catLst>
+    <dgm:cat type="process" pri="18000"/>
+  </dgm:catLst>
+  <dgm:sampData>
+    <dgm:dataModel>
+      <dgm:ptLst>
+        <dgm:pt modelId="0" type="doc"/>
+        <dgm:pt modelId="1">
+          <dgm:prSet phldr="1"/>
+        </dgm:pt>
+        <dgm:pt modelId="2">
+          <dgm:prSet phldr="1"/>
+        </dgm:pt>
+        <dgm:pt modelId="3">
+          <dgm:prSet phldr="1"/>
+        </dgm:pt>
+        <dgm:pt modelId="4">
+          <dgm:prSet phldr="1"/>
+        </dgm:pt>
+        <dgm:pt modelId="5">
+          <dgm:prSet phldr="1"/>
+        </dgm:pt>
+      </dgm:ptLst>
+      <dgm:cxnLst>
+        <dgm:cxn modelId="7" srcId="0" destId="1" srcOrd="0" destOrd="0"/>
+        <dgm:cxn modelId="8" srcId="0" destId="2" srcOrd="1" destOrd="0"/>
+        <dgm:cxn modelId="9" srcId="0" destId="3" srcOrd="2" destOrd="0"/>
+        <dgm:cxn modelId="10" srcId="0" destId="4" srcOrd="3" destOrd="0"/>
+        <dgm:cxn modelId="11" srcId="0" destId="5" srcOrd="4" destOrd="0"/>
+      </dgm:cxnLst>
+      <dgm:bg/>
+      <dgm:whole/>
+    </dgm:dataModel>
+  </dgm:sampData>
+  <dgm:styleData>
+    <dgm:dataModel>
+      <dgm:ptLst>
+        <dgm:pt modelId="0" type="doc"/>
+        <dgm:pt modelId="1"/>
+        <dgm:pt modelId="2"/>
+      </dgm:ptLst>
+      <dgm:cxnLst>
+        <dgm:cxn modelId="3" srcId="0" destId="1" srcOrd="0" destOrd="0"/>
+        <dgm:cxn modelId="4" srcId="0" destId="2" srcOrd="1" destOrd="0"/>
+      </dgm:cxnLst>
+      <dgm:bg/>
+      <dgm:whole/>
+    </dgm:dataModel>
+  </dgm:styleData>
+  <dgm:clrData>
+    <dgm:dataModel>
+      <dgm:ptLst>
+        <dgm:pt modelId="0" type="doc"/>
+        <dgm:pt modelId="1"/>
+        <dgm:pt modelId="2"/>
+        <dgm:pt modelId="3"/>
+        <dgm:pt modelId="4"/>
+      </dgm:ptLst>
+      <dgm:cxnLst>
+        <dgm:cxn modelId="5" srcId="0" destId="1" srcOrd="0" destOrd="0"/>
+        <dgm:cxn modelId="6" srcId="0" destId="2" srcOrd="1" destOrd="0"/>
+        <dgm:cxn modelId="7" srcId="0" destId="3" srcOrd="2" destOrd="0"/>
+        <dgm:cxn modelId="8" srcId="0" destId="4" srcOrd="3" destOrd="0"/>
+      </dgm:cxnLst>
+      <dgm:bg/>
+      <dgm:whole/>
+    </dgm:dataModel>
+  </dgm:clrData>
+  <dgm:layoutNode name="Name0">
+    <dgm:varLst>
+      <dgm:dir/>
+      <dgm:resizeHandles val="exact"/>
+    </dgm:varLst>
+    <dgm:choose name="Name1">
+      <dgm:if name="Name2" axis="self" func="var" arg="dir" op="equ" val="norm">
+        <dgm:alg type="snake">
+          <dgm:param type="grDir" val="tL"/>
+          <dgm:param type="flowDir" val="row"/>
+          <dgm:param type="contDir" val="sameDir"/>
+          <dgm:param type="bkpt" val="endCnv"/>
+        </dgm:alg>
+      </dgm:if>
+      <dgm:else name="Name3">
+        <dgm:alg type="snake">
+          <dgm:param type="grDir" val="tR"/>
+          <dgm:param type="flowDir" val="row"/>
+          <dgm:param type="contDir" val="sameDir"/>
+          <dgm:param type="bkpt" val="endCnv"/>
+        </dgm:alg>
+      </dgm:else>
+    </dgm:choose>
+    <dgm:shape xmlns:r="http://schemas.openxmlformats.org/officeDocument/2006/relationships" r:blip="">
+      <dgm:adjLst/>
+    </dgm:shape>
+    <dgm:presOf/>
+    <dgm:constrLst>
+      <dgm:constr type="w" for="ch" ptType="node" refType="w"/>
+      <dgm:constr type="w" for="ch" forName="sibTrans" refType="w" refFor="ch" refPtType="node" op="equ" fact="0.23"/>
+      <dgm:constr type="sp" refType="w" refFor="ch" refForName="sibTrans" op="equ"/>
+      <dgm:constr type="userB" for="des" forName="connectorText" refType="sp"/>
+      <dgm:constr type="primFontSz" for="ch" ptType="node" op="equ" val="65"/>
+      <dgm:constr type="h" for="ch" ptType="sibTrans" op="equ"/>
+      <dgm:constr type="primFontSz" for="des" forName="connectorText" op="equ" val="55"/>
+      <dgm:constr type="primFontSz" for="des" forName="connectorText" refType="primFontSz" refFor="ch" refPtType="node" op="lte" fact="0.8"/>
+    </dgm:constrLst>
+    <dgm:ruleLst/>
+    <dgm:forEach name="nodesForEach" axis="ch" ptType="node">
+      <dgm:layoutNode name="node">
+        <dgm:varLst>
+          <dgm:bulletEnabled val="1"/>
+        </dgm:varLst>
+        <dgm:alg type="tx"/>
+        <dgm:shape xmlns:r="http://schemas.openxmlformats.org/officeDocument/2006/relationships" type="rect" r:blip="">
+          <dgm:adjLst/>
+        </dgm:shape>
+        <dgm:presOf axis="desOrSelf" ptType="node"/>
+        <dgm:constrLst>
+          <dgm:constr type="h" refType="w" fact="0.6"/>
+        </dgm:constrLst>
+        <dgm:ruleLst>
+          <dgm:rule type="primFontSz" val="5" fact="NaN" max="NaN"/>
+        </dgm:ruleLst>
+      </dgm:layoutNode>
+      <dgm:forEach name="sibTransForEach" axis="followSib" ptType="sibTrans" cnt="1">
+        <dgm:layoutNode name="sibTrans">
+          <dgm:choose name="Name4">
+            <dgm:if name="Name5" axis="self" func="var" arg="dir" op="equ" val="norm">
+              <dgm:alg type="conn">
+                <dgm:param type="connRout" val="bend"/>
+                <dgm:param type="dim" val="1D"/>
+                <dgm:param type="begPts" val="midR bCtr"/>
+                <dgm:param type="endPts" val="midL tCtr"/>
+              </dgm:alg>
+            </dgm:if>
+            <dgm:else name="Name6">
+              <dgm:alg type="conn">
+                <dgm:param type="connRout" val="bend"/>
+                <dgm:param type="dim" val="1D"/>
+                <dgm:param type="begPts" val="midL bCtr"/>
+                <dgm:param type="endPts" val="midR tCtr"/>
+              </dgm:alg>
+            </dgm:else>
+          </dgm:choose>
+          <dgm:shape xmlns:r="http://schemas.openxmlformats.org/officeDocument/2006/relationships" type="conn" r:blip="" zOrderOff="-2">
+            <dgm:adjLst/>
+          </dgm:shape>
+          <dgm:presOf axis="self"/>
+          <dgm:constrLst>
+            <dgm:constr type="begPad" val="-0.05"/>
+            <dgm:constr type="endPad" val="0.9"/>
+            <dgm:constr type="userA" for="ch" refType="connDist"/>
+          </dgm:constrLst>
+          <dgm:ruleLst/>
+          <dgm:layoutNode name="connectorText">
+            <dgm:alg type="tx">
+              <dgm:param type="autoTxRot" val="upr"/>
+            </dgm:alg>
+            <dgm:shape xmlns:r="http://schemas.openxmlformats.org/officeDocument/2006/relationships" type="rect" r:blip="" hideGeom="1">
+              <dgm:adjLst/>
+            </dgm:shape>
+            <dgm:presOf axis="self"/>
+            <dgm:constrLst>
+              <dgm:constr type="userA"/>
+              <dgm:constr type="userB"/>
+              <dgm:constr type="w" refType="userA" fact="0.05"/>
+              <dgm:constr type="h" refType="userB" fact="0.01"/>
+              <dgm:constr type="lMarg" val="1"/>
+              <dgm:constr type="rMarg" val="1"/>
+              <dgm:constr type="tMarg"/>
+              <dgm:constr type="bMarg"/>
+            </dgm:constrLst>
+            <dgm:ruleLst>
+              <dgm:rule type="w" val="NaN" fact="0.6" max="NaN"/>
+              <dgm:rule type="h" val="NaN" fact="0.6" max="NaN"/>
+              <dgm:rule type="primFontSz" val="5" fact="NaN" max="NaN"/>
+            </dgm:ruleLst>
+          </dgm:layoutNode>
+        </dgm:layoutNode>
+      </dgm:forEach>
+    </dgm:forEach>
+  </dgm:layoutNode>
+</dgm:layoutDef>
+</file>
+
+<file path=ppt/diagrams/quickStyle1.xml><?xml version="1.0" encoding="utf-8"?>
+<dgm:styleDef xmlns:dgm="http://schemas.openxmlformats.org/drawingml/2006/diagram" xmlns:a="http://schemas.openxmlformats.org/drawingml/2006/main" uniqueId="urn:microsoft.com/office/officeart/2005/8/quickstyle/simple1">
+  <dgm:title val=""/>
+  <dgm:desc val=""/>
+  <dgm:catLst>
+    <dgm:cat type="simple" pri="10100"/>
+  </dgm:catLst>
+  <dgm:scene3d>
+    <a:camera prst="orthographicFront"/>
+    <a:lightRig rig="threePt" dir="t"/>
+  </dgm:scene3d>
+  <dgm:styleLbl name="node0">
+    <dgm:scene3d>
+      <a:camera prst="orthographicFront"/>
+      <a:lightRig rig="threePt" dir="t"/>
+    </dgm:scene3d>
+    <dgm:sp3d/>
+    <dgm:txPr/>
+    <dgm:style>
+      <a:lnRef idx="2">
+        <a:scrgbClr r="0" g="0" b="0"/>
+      </a:lnRef>
+      <a:fillRef idx="1">
+        <a:scrgbClr r="0" g="0" b="0"/>
+      </a:fillRef>
+      <a:effectRef idx="0">
+        <a:scrgbClr r="0" g="0" b="0"/>
+      </a:effectRef>
+      <a:fontRef idx="minor">
+        <a:schemeClr val="lt1"/>
+      </a:fontRef>
+    </dgm:style>
+  </dgm:styleLbl>
+  <dgm:styleLbl name="lnNode1">
+    <dgm:scene3d>
+      <a:camera prst="orthographicFront"/>
+      <a:lightRig rig="threePt" dir="t"/>
+    </dgm:scene3d>
+    <dgm:sp3d/>
+    <dgm:txPr/>
+    <dgm:style>
+      <a:lnRef idx="2">
+        <a:scrgbClr r="0" g="0" b="0"/>
+      </a:lnRef>
+      <a:fillRef idx="1">
+        <a:scrgbClr r="0" g="0" b="0"/>
+      </a:fillRef>
+      <a:effectRef idx="0">
+        <a:scrgbClr r="0" g="0" b="0"/>
+      </a:effectRef>
+      <a:fontRef idx="minor">
+        <a:schemeClr val="lt1"/>
+      </a:fontRef>
+    </dgm:style>
+  </dgm:styleLbl>
+  <dgm:styleLbl name="vennNode1">
+    <dgm:scene3d>
+      <a:camera prst="orthographicFront"/>
+      <a:lightRig rig="threePt" dir="t"/>
+    </dgm:scene3d>
+    <dgm:sp3d/>
+    <dgm:txPr/>
+    <dgm:style>
+      <a:lnRef idx="2">
+        <a:scrgbClr r="0" g="0" b="0"/>
+      </a:lnRef>
+      <a:fillRef idx="1">
+        <a:scrgbClr r="0" g="0" b="0"/>
+      </a:fillRef>
+      <a:effectRef idx="0">
+        <a:scrgbClr r="0" g="0" b="0"/>
+      </a:effectRef>
+      <a:fontRef idx="minor">
+        <a:schemeClr val="tx1"/>
+      </a:fontRef>
+    </dgm:style>
+  </dgm:styleLbl>
+  <dgm:styleLbl name="alignNode1">
+    <dgm:scene3d>
+      <a:camera prst="orthographicFront"/>
+      <a:lightRig rig="threePt" dir="t"/>
+    </dgm:scene3d>
+    <dgm:sp3d/>
+    <dgm:txPr/>
+    <dgm:style>
+      <a:lnRef idx="2">
+        <a:scrgbClr r="0" g="0" b="0"/>
+      </a:lnRef>
+      <a:fillRef idx="1">
+        <a:scrgbClr r="0" g="0" b="0"/>
+      </a:fillRef>
+      <a:effectRef idx="0">
+        <a:scrgbClr r="0" g="0" b="0"/>
+      </a:effectRef>
+      <a:fontRef idx="minor">
+        <a:schemeClr val="lt1"/>
+      </a:fontRef>
+    </dgm:style>
+  </dgm:styleLbl>
+  <dgm:styleLbl name="node1">
+    <dgm:scene3d>
+      <a:camera prst="orthographicFront"/>
+      <a:lightRig rig="threePt" dir="t"/>
+    </dgm:scene3d>
+    <dgm:sp3d/>
+    <dgm:txPr/>
+    <dgm:style>
+      <a:lnRef idx="2">
+        <a:scrgbClr r="0" g="0" b="0"/>
+      </a:lnRef>
+      <a:fillRef idx="1">
+        <a:scrgbClr r="0" g="0" b="0"/>
+      </a:fillRef>
+      <a:effectRef idx="0">
+        <a:scrgbClr r="0" g="0" b="0"/>
+      </a:effectRef>
+      <a:fontRef idx="minor">
+        <a:schemeClr val="lt1"/>
+      </a:fontRef>
+    </dgm:style>
+  </dgm:styleLbl>
+  <dgm:styleLbl name="node2">
+    <dgm:scene3d>
+      <a:camera prst="orthographicFront"/>
+      <a:lightRig rig="threePt" dir="t"/>
+    </dgm:scene3d>
+    <dgm:sp3d/>
+    <dgm:txPr/>
+    <dgm:style>
+      <a:lnRef idx="2">
+        <a:scrgbClr r="0" g="0" b="0"/>
+      </a:lnRef>
+      <a:fillRef idx="1">
+        <a:scrgbClr r="0" g="0" b="0"/>
+      </a:fillRef>
+      <a:effectRef idx="0">
+        <a:scrgbClr r="0" g="0" b="0"/>
+      </a:effectRef>
+      <a:fontRef idx="minor">
+        <a:schemeClr val="lt1"/>
+      </a:fontRef>
+    </dgm:style>
+  </dgm:styleLbl>
+  <dgm:styleLbl name="node3">
+    <dgm:scene3d>
+      <a:camera prst="orthographicFront"/>
+      <a:lightRig rig="threePt" dir="t"/>
+    </dgm:scene3d>
+    <dgm:sp3d/>
+    <dgm:txPr/>
+    <dgm:style>
+      <a:lnRef idx="2">
+        <a:scrgbClr r="0" g="0" b="0"/>
+      </a:lnRef>
+      <a:fillRef idx="1">
+        <a:scrgbClr r="0" g="0" b="0"/>
+      </a:fillRef>
+      <a:effectRef idx="0">
+        <a:scrgbClr r="0" g="0" b="0"/>
+      </a:effectRef>
+      <a:fontRef idx="minor">
+        <a:schemeClr val="lt1"/>
+      </a:fontRef>
+    </dgm:style>
+  </dgm:styleLbl>
+  <dgm:styleLbl name="node4">
+    <dgm:scene3d>
+      <a:camera prst="orthographicFront"/>
+      <a:lightRig rig="threePt" dir="t"/>
+    </dgm:scene3d>
+    <dgm:sp3d/>
+    <dgm:txPr/>
+    <dgm:style>
+      <a:lnRef idx="2">
+        <a:scrgbClr r="0" g="0" b="0"/>
+      </a:lnRef>
+      <a:fillRef idx="1">
+        <a:scrgbClr r="0" g="0" b="0"/>
+      </a:fillRef>
+      <a:effectRef idx="0">
+        <a:scrgbClr r="0" g="0" b="0"/>
+      </a:effectRef>
+      <a:fontRef idx="minor">
+        <a:schemeClr val="lt1"/>
+      </a:fontRef>
+    </dgm:style>
+  </dgm:styleLbl>
+  <dgm:styleLbl name="fgImgPlace1">
+    <dgm:scene3d>
+      <a:camera prst="orthographicFront"/>
+      <a:lightRig rig="threePt" dir="t"/>
+    </dgm:scene3d>
+    <dgm:sp3d/>
+    <dgm:txPr/>
+    <dgm:style>
+      <a:lnRef idx="2">
+        <a:scrgbClr r="0" g="0" b="0"/>
+      </a:lnRef>
+      <a:fillRef idx="1">
+        <a:scrgbClr r="0" g="0" b="0"/>
+      </a:fillRef>
+      <a:effectRef idx="0">
+        <a:scrgbClr r="0" g="0" b="0"/>
+      </a:effectRef>
+      <a:fontRef idx="minor"/>
+    </dgm:style>
+  </dgm:styleLbl>
+  <dgm:styleLbl name="alignImgPlace1">
+    <dgm:scene3d>
+      <a:camera prst="orthographicFront"/>
+      <a:lightRig rig="threePt" dir="t"/>
+    </dgm:scene3d>
+    <dgm:sp3d/>
+    <dgm:txPr/>
+    <dgm:style>
+      <a:lnRef idx="2">
+        <a:scrgbClr r="0" g="0" b="0"/>
+      </a:lnRef>
+      <a:fillRef idx="1">
+        <a:scrgbClr r="0" g="0" b="0"/>
+      </a:fillRef>
+      <a:effectRef idx="0">
+        <a:scrgbClr r="0" g="0" b="0"/>
+      </a:effectRef>
+      <a:fontRef idx="minor"/>
+    </dgm:style>
+  </dgm:styleLbl>
+  <dgm:styleLbl name="bgImgPlace1">
+    <dgm:scene3d>
+      <a:camera prst="orthographicFront"/>
+      <a:lightRig rig="threePt" dir="t"/>
+    </dgm:scene3d>
+    <dgm:sp3d/>
+    <dgm:txPr/>
+    <dgm:style>
+      <a:lnRef idx="2">
+        <a:scrgbClr r="0" g="0" b="0"/>
+      </a:lnRef>
+      <a:fillRef idx="1">
+        <a:scrgbClr r="0" g="0" b="0"/>
+      </a:fillRef>
+      <a:effectRef idx="0">
+        <a:scrgbClr r="0" g="0" b="0"/>
+      </a:effectRef>
+      <a:fontRef idx="minor"/>
+    </dgm:style>
+  </dgm:styleLbl>
+  <dgm:styleLbl name="sibTrans2D1">
+    <dgm:scene3d>
+      <a:camera prst="orthographicFront"/>
+      <a:lightRig rig="threePt" dir="t"/>
+    </dgm:scene3d>
+    <dgm:sp3d/>
+    <dgm:txPr/>
+    <dgm:style>
+      <a:lnRef idx="0">
+        <a:scrgbClr r="0" g="0" b="0"/>
+      </a:lnRef>
+      <a:fillRef idx="1">
+        <a:scrgbClr r="0" g="0" b="0"/>
+      </a:fillRef>
+      <a:effectRef idx="0">
+        <a:scrgbClr r="0" g="0" b="0"/>
+      </a:effectRef>
+      <a:fontRef idx="minor">
+        <a:schemeClr val="lt1"/>
+      </a:fontRef>
+    </dgm:style>
+  </dgm:styleLbl>
+  <dgm:styleLbl name="fgSibTrans2D1">
+    <dgm:scene3d>
+      <a:camera prst="orthographicFront"/>
+      <a:lightRig rig="threePt" dir="t"/>
+    </dgm:scene3d>
+    <dgm:sp3d/>
+    <dgm:txPr/>
+    <dgm:style>
+      <a:lnRef idx="0">
+        <a:scrgbClr r="0" g="0" b="0"/>
+      </a:lnRef>
+      <a:fillRef idx="1">
+        <a:scrgbClr r="0" g="0" b="0"/>
+      </a:fillRef>
+      <a:effectRef idx="0">
+        <a:scrgbClr r="0" g="0" b="0"/>
+      </a:effectRef>
+      <a:fontRef idx="minor">
+        <a:schemeClr val="lt1"/>
+      </a:fontRef>
+    </dgm:style>
+  </dgm:styleLbl>
+  <dgm:styleLbl name="bgSibTrans2D1">
+    <dgm:scene3d>
+      <a:camera prst="orthographicFront"/>
+      <a:lightRig rig="threePt" dir="t"/>
+    </dgm:scene3d>
+    <dgm:sp3d/>
+    <dgm:txPr/>
+    <dgm:style>
+      <a:lnRef idx="0">
+        <a:scrgbClr r="0" g="0" b="0"/>
+      </a:lnRef>
+      <a:fillRef idx="1">
+        <a:scrgbClr r="0" g="0" b="0"/>
+      </a:fillRef>
+      <a:effectRef idx="0">
+        <a:scrgbClr r="0" g="0" b="0"/>
+      </a:effectRef>
+      <a:fontRef idx="minor">
+        <a:schemeClr val="lt1"/>
+      </a:fontRef>
+    </dgm:style>
+  </dgm:styleLbl>
+  <dgm:styleLbl name="sibTrans1D1">
+    <dgm:scene3d>
+      <a:camera prst="orthographicFront"/>
+      <a:lightRig rig="threePt" dir="t"/>
+    </dgm:scene3d>
+    <dgm:sp3d/>
+    <dgm:txPr/>
+    <dgm:style>
+      <a:lnRef idx="1">
+        <a:scrgbClr r="0" g="0" b="0"/>
+      </a:lnRef>
+      <a:fillRef idx="0">
+        <a:scrgbClr r="0" g="0" b="0"/>
+      </a:fillRef>
+      <a:effectRef idx="0">
+        <a:scrgbClr r="0" g="0" b="0"/>
+      </a:effectRef>
+      <a:fontRef idx="minor"/>
+    </dgm:style>
+  </dgm:styleLbl>
+  <dgm:styleLbl name="callout">
+    <dgm:scene3d>
+      <a:camera prst="orthographicFront"/>
+      <a:lightRig rig="threePt" dir="t"/>
+    </dgm:scene3d>
+    <dgm:sp3d/>
+    <dgm:txPr/>
+    <dgm:style>
+      <a:lnRef idx="2">
+        <a:scrgbClr r="0" g="0" b="0"/>
+      </a:lnRef>
+      <a:fillRef idx="1">
+        <a:scrgbClr r="0" g="0" b="0"/>
+      </a:fillRef>
+      <a:effectRef idx="0">
+        <a:scrgbClr r="0" g="0" b="0"/>
+      </a:effectRef>
+      <a:fontRef idx="minor"/>
+    </dgm:style>
+  </dgm:styleLbl>
+  <dgm:styleLbl name="asst0">
+    <dgm:scene3d>
+      <a:camera prst="orthographicFront"/>
+      <a:lightRig rig="threePt" dir="t"/>
+    </dgm:scene3d>
+    <dgm:sp3d/>
+    <dgm:txPr/>
+    <dgm:style>
+      <a:lnRef idx="2">
+        <a:scrgbClr r="0" g="0" b="0"/>
+      </a:lnRef>
+      <a:fillRef idx="1">
+        <a:scrgbClr r="0" g="0" b="0"/>
+      </a:fillRef>
+      <a:effectRef idx="0">
+        <a:scrgbClr r="0" g="0" b="0"/>
+      </a:effectRef>
+      <a:fontRef idx="minor">
+        <a:schemeClr val="lt1"/>
+      </a:fontRef>
+    </dgm:style>
+  </dgm:styleLbl>
+  <dgm:styleLbl name="asst1">
+    <dgm:scene3d>
+      <a:camera prst="orthographicFront"/>
+      <a:lightRig rig="threePt" dir="t"/>
+    </dgm:scene3d>
+    <dgm:sp3d/>
+    <dgm:txPr/>
+    <dgm:style>
+      <a:lnRef idx="2">
+        <a:scrgbClr r="0" g="0" b="0"/>
+      </a:lnRef>
+      <a:fillRef idx="1">
+        <a:scrgbClr r="0" g="0" b="0"/>
+      </a:fillRef>
+      <a:effectRef idx="0">
+        <a:scrgbClr r="0" g="0" b="0"/>
+      </a:effectRef>
+      <a:fontRef idx="minor">
+        <a:schemeClr val="lt1"/>
+      </a:fontRef>
+    </dgm:style>
+  </dgm:styleLbl>
+  <dgm:styleLbl name="asst2">
+    <dgm:scene3d>
+      <a:camera prst="orthographicFront"/>
+      <a:lightRig rig="threePt" dir="t"/>
+    </dgm:scene3d>
+    <dgm:sp3d/>
+    <dgm:txPr/>
+    <dgm:style>
+      <a:lnRef idx="2">
+        <a:scrgbClr r="0" g="0" b="0"/>
+      </a:lnRef>
+      <a:fillRef idx="1">
+        <a:scrgbClr r="0" g="0" b="0"/>
+      </a:fillRef>
+      <a:effectRef idx="0">
+        <a:scrgbClr r="0" g="0" b="0"/>
+      </a:effectRef>
+      <a:fontRef idx="minor">
+        <a:schemeClr val="lt1"/>
+      </a:fontRef>
+    </dgm:style>
+  </dgm:styleLbl>
+  <dgm:styleLbl name="asst3">
+    <dgm:scene3d>
+      <a:camera prst="orthographicFront"/>
+      <a:lightRig rig="threePt" dir="t"/>
+    </dgm:scene3d>
+    <dgm:sp3d/>
+    <dgm:txPr/>
+    <dgm:style>
+      <a:lnRef idx="2">
+        <a:scrgbClr r="0" g="0" b="0"/>
+      </a:lnRef>
+      <a:fillRef idx="1">
+        <a:scrgbClr r="0" g="0" b="0"/>
+      </a:fillRef>
+      <a:effectRef idx="0">
+        <a:scrgbClr r="0" g="0" b="0"/>
+      </a:effectRef>
+      <a:fontRef idx="minor">
+        <a:schemeClr val="lt1"/>
+      </a:fontRef>
+    </dgm:style>
+  </dgm:styleLbl>
+  <dgm:styleLbl name="asst4">
+    <dgm:scene3d>
+      <a:camera prst="orthographicFront"/>
+      <a:lightRig rig="threePt" dir="t"/>
+    </dgm:scene3d>
+    <dgm:sp3d/>
+    <dgm:txPr/>
+    <dgm:style>
+      <a:lnRef idx="2">
+        <a:scrgbClr r="0" g="0" b="0"/>
+      </a:lnRef>
+      <a:fillRef idx="1">
+        <a:scrgbClr r="0" g="0" b="0"/>
+      </a:fillRef>
+      <a:effectRef idx="0">
+        <a:scrgbClr r="0" g="0" b="0"/>
+      </a:effectRef>
+      <a:fontRef idx="minor">
+        <a:schemeClr val="lt1"/>
+      </a:fontRef>
+    </dgm:style>
+  </dgm:styleLbl>
+  <dgm:styleLbl name="parChTrans2D1">
+    <dgm:scene3d>
+      <a:camera prst="orthographicFront"/>
+      <a:lightRig rig="threePt" dir="t"/>
+    </dgm:scene3d>
+    <dgm:sp3d/>
+    <dgm:txPr/>
+    <dgm:style>
+      <a:lnRef idx="2">
+        <a:scrgbClr r="0" g="0" b="0"/>
+      </a:lnRef>
+      <a:fillRef idx="1">
+        <a:scrgbClr r="0" g="0" b="0"/>
+      </a:fillRef>
+      <a:effectRef idx="0">
+        <a:scrgbClr r="0" g="0" b="0"/>
+      </a:effectRef>
+      <a:fontRef idx="minor">
+        <a:schemeClr val="lt1"/>
+      </a:fontRef>
+    </dgm:style>
+  </dgm:styleLbl>
+  <dgm:styleLbl name="parChTrans2D2">
+    <dgm:scene3d>
+      <a:camera prst="orthographicFront"/>
+      <a:lightRig rig="threePt" dir="t"/>
+    </dgm:scene3d>
+    <dgm:sp3d/>
+    <dgm:txPr/>
+    <dgm:style>
+      <a:lnRef idx="2">
+        <a:scrgbClr r="0" g="0" b="0"/>
+      </a:lnRef>
+      <a:fillRef idx="1">
+        <a:scrgbClr r="0" g="0" b="0"/>
+      </a:fillRef>
+      <a:effectRef idx="0">
+        <a:scrgbClr r="0" g="0" b="0"/>
+      </a:effectRef>
+      <a:fontRef idx="minor">
+        <a:schemeClr val="lt1"/>
+      </a:fontRef>
+    </dgm:style>
+  </dgm:styleLbl>
+  <dgm:styleLbl name="parChTrans2D3">
+    <dgm:scene3d>
+      <a:camera prst="orthographicFront"/>
+      <a:lightRig rig="threePt" dir="t"/>
+    </dgm:scene3d>
+    <dgm:sp3d/>
+    <dgm:txPr/>
+    <dgm:style>
+      <a:lnRef idx="2">
+        <a:scrgbClr r="0" g="0" b="0"/>
+      </a:lnRef>
+      <a:fillRef idx="1">
+        <a:scrgbClr r="0" g="0" b="0"/>
+      </a:fillRef>
+      <a:effectRef idx="0">
+        <a:scrgbClr r="0" g="0" b="0"/>
+      </a:effectRef>
+      <a:fontRef idx="minor">
+        <a:schemeClr val="lt1"/>
+      </a:fontRef>
+    </dgm:style>
+  </dgm:styleLbl>
+  <dgm:styleLbl name="parChTrans2D4">
+    <dgm:scene3d>
+      <a:camera prst="orthographicFront"/>
+      <a:lightRig rig="threePt" dir="t"/>
+    </dgm:scene3d>
+    <dgm:sp3d/>
+    <dgm:txPr/>
+    <dgm:style>
+      <a:lnRef idx="2">
+        <a:scrgbClr r="0" g="0" b="0"/>
+      </a:lnRef>
+      <a:fillRef idx="1">
+        <a:scrgbClr r="0" g="0" b="0"/>
+      </a:fillRef>
+      <a:effectRef idx="0">
+        <a:scrgbClr r="0" g="0" b="0"/>
+      </a:effectRef>
+      <a:fontRef idx="minor">
+        <a:schemeClr val="lt1"/>
+      </a:fontRef>
+    </dgm:style>
+  </dgm:styleLbl>
+  <dgm:styleLbl name="parChTrans1D1">
+    <dgm:scene3d>
+      <a:camera prst="orthographicFront"/>
+      <a:lightRig rig="threePt" dir="t"/>
+    </dgm:scene3d>
+    <dgm:sp3d/>
+    <dgm:txPr/>
+    <dgm:style>
+      <a:lnRef idx="2">
+        <a:scrgbClr r="0" g="0" b="0"/>
+      </a:lnRef>
+      <a:fillRef idx="0">
+        <a:scrgbClr r="0" g="0" b="0"/>
+      </a:fillRef>
+      <a:effectRef idx="0">
+        <a:scrgbClr r="0" g="0" b="0"/>
+      </a:effectRef>
+      <a:fontRef idx="minor"/>
+    </dgm:style>
+  </dgm:styleLbl>
+  <dgm:styleLbl name="parChTrans1D2">
+    <dgm:scene3d>
+      <a:camera prst="orthographicFront"/>
+      <a:lightRig rig="threePt" dir="t"/>
+    </dgm:scene3d>
+    <dgm:sp3d/>
+    <dgm:txPr/>
+    <dgm:style>
+      <a:lnRef idx="2">
+        <a:scrgbClr r="0" g="0" b="0"/>
+      </a:lnRef>
+      <a:fillRef idx="0">
+        <a:scrgbClr r="0" g="0" b="0"/>
+      </a:fillRef>
+      <a:effectRef idx="0">
+        <a:scrgbClr r="0" g="0" b="0"/>
+      </a:effectRef>
+      <a:fontRef idx="minor"/>
+    </dgm:style>
+  </dgm:styleLbl>
+  <dgm:styleLbl name="parChTrans1D3">
+    <dgm:scene3d>
+      <a:camera prst="orthographicFront"/>
+      <a:lightRig rig="threePt" dir="t"/>
+    </dgm:scene3d>
+    <dgm:sp3d/>
+    <dgm:txPr/>
+    <dgm:style>
+      <a:lnRef idx="2">
+        <a:scrgbClr r="0" g="0" b="0"/>
+      </a:lnRef>
+      <a:fillRef idx="0">
+        <a:scrgbClr r="0" g="0" b="0"/>
+      </a:fillRef>
+      <a:effectRef idx="0">
+        <a:scrgbClr r="0" g="0" b="0"/>
+      </a:effectRef>
+      <a:fontRef idx="minor"/>
+    </dgm:style>
+  </dgm:styleLbl>
+  <dgm:styleLbl name="parChTrans1D4">
+    <dgm:scene3d>
+      <a:camera prst="orthographicFront"/>
+      <a:lightRig rig="threePt" dir="t"/>
+    </dgm:scene3d>
+    <dgm:sp3d/>
+    <dgm:txPr/>
+    <dgm:style>
+      <a:lnRef idx="2">
+        <a:scrgbClr r="0" g="0" b="0"/>
+      </a:lnRef>
+      <a:fillRef idx="0">
+        <a:scrgbClr r="0" g="0" b="0"/>
+      </a:fillRef>
+      <a:effectRef idx="0">
+        <a:scrgbClr r="0" g="0" b="0"/>
+      </a:effectRef>
+      <a:fontRef idx="minor"/>
+    </dgm:style>
+  </dgm:styleLbl>
+  <dgm:styleLbl name="fgAcc1">
+    <dgm:scene3d>
+      <a:camera prst="orthographicFront"/>
+      <a:lightRig rig="threePt" dir="t"/>
+    </dgm:scene3d>
+    <dgm:sp3d/>
+    <dgm:txPr/>
+    <dgm:style>
+      <a:lnRef idx="2">
+        <a:scrgbClr r="0" g="0" b="0"/>
+      </a:lnRef>
+      <a:fillRef idx="1">
+        <a:scrgbClr r="0" g="0" b="0"/>
+      </a:fillRef>
+      <a:effectRef idx="0">
+        <a:scrgbClr r="0" g="0" b="0"/>
+      </a:effectRef>
+      <a:fontRef idx="minor"/>
+    </dgm:style>
+  </dgm:styleLbl>
+  <dgm:styleLbl name="conFgAcc1">
+    <dgm:scene3d>
+      <a:camera prst="orthographicFront"/>
+      <a:lightRig rig="threePt" dir="t"/>
+    </dgm:scene3d>
+    <dgm:sp3d/>
+    <dgm:txPr/>
+    <dgm:style>
+      <a:lnRef idx="2">
+        <a:scrgbClr r="0" g="0" b="0"/>
+      </a:lnRef>
+      <a:fillRef idx="1">
+        <a:scrgbClr r="0" g="0" b="0"/>
+      </a:fillRef>
+      <a:effectRef idx="0">
+        <a:scrgbClr r="0" g="0" b="0"/>
+      </a:effectRef>
+      <a:fontRef idx="minor"/>
+    </dgm:style>
+  </dgm:styleLbl>
+  <dgm:styleLbl name="alignAcc1">
+    <dgm:scene3d>
+      <a:camera prst="orthographicFront"/>
+      <a:lightRig rig="threePt" dir="t"/>
+    </dgm:scene3d>
+    <dgm:sp3d/>
+    <dgm:txPr/>
+    <dgm:style>
+      <a:lnRef idx="2">
+        <a:scrgbClr r="0" g="0" b="0"/>
+      </a:lnRef>
+      <a:fillRef idx="1">
+        <a:scrgbClr r="0" g="0" b="0"/>
+      </a:fillRef>
+      <a:effectRef idx="0">
+        <a:scrgbClr r="0" g="0" b="0"/>
+      </a:effectRef>
+      <a:fontRef idx="minor"/>
+    </dgm:style>
+  </dgm:styleLbl>
+  <dgm:styleLbl name="trAlignAcc1">
+    <dgm:scene3d>
+      <a:camera prst="orthographicFront"/>
+      <a:lightRig rig="threePt" dir="t"/>
+    </dgm:scene3d>
+    <dgm:sp3d/>
+    <dgm:txPr/>
+    <dgm:style>
+      <a:lnRef idx="1">
+        <a:scrgbClr r="0" g="0" b="0"/>
+      </a:lnRef>
+      <a:fillRef idx="1">
+        <a:scrgbClr r="0" g="0" b="0"/>
+      </a:fillRef>
+      <a:effectRef idx="0">
+        <a:scrgbClr r="0" g="0" b="0"/>
+      </a:effectRef>
+      <a:fontRef idx="minor"/>
+    </dgm:style>
+  </dgm:styleLbl>
+  <dgm:styleLbl name="bgAcc1">
+    <dgm:scene3d>
+      <a:camera prst="orthographicFront"/>
+      <a:lightRig rig="threePt" dir="t"/>
+    </dgm:scene3d>
+    <dgm:sp3d/>
+    <dgm:txPr/>
+    <dgm:style>
+      <a:lnRef idx="2">
+        <a:scrgbClr r="0" g="0" b="0"/>
+      </a:lnRef>
+      <a:fillRef idx="1">
+        <a:scrgbClr r="0" g="0" b="0"/>
+      </a:fillRef>
+      <a:effectRef idx="0">
+        <a:scrgbClr r="0" g="0" b="0"/>
+      </a:effectRef>
+      <a:fontRef idx="minor"/>
+    </dgm:style>
+  </dgm:styleLbl>
+  <dgm:styleLbl name="solidFgAcc1">
+    <dgm:scene3d>
+      <a:camera prst="orthographicFront"/>
+      <a:lightRig rig="threePt" dir="t"/>
+    </dgm:scene3d>
+    <dgm:sp3d/>
+    <dgm:txPr/>
+    <dgm:style>
+      <a:lnRef idx="2">
+        <a:scrgbClr r="0" g="0" b="0"/>
+      </a:lnRef>
+      <a:fillRef idx="1">
+        <a:scrgbClr r="0" g="0" b="0"/>
+      </a:fillRef>
+      <a:effectRef idx="0">
+        <a:scrgbClr r="0" g="0" b="0"/>
+      </a:effectRef>
+      <a:fontRef idx="minor"/>
+    </dgm:style>
+  </dgm:styleLbl>
+  <dgm:styleLbl name="solidAlignAcc1">
+    <dgm:scene3d>
+      <a:camera prst="orthographicFront"/>
+      <a:lightRig rig="threePt" dir="t"/>
+    </dgm:scene3d>
+    <dgm:sp3d/>
+    <dgm:txPr/>
+    <dgm:style>
+      <a:lnRef idx="2">
+        <a:scrgbClr r="0" g="0" b="0"/>
+      </a:lnRef>
+      <a:fillRef idx="1">
+        <a:scrgbClr r="0" g="0" b="0"/>
+      </a:fillRef>
+      <a:effectRef idx="0">
+        <a:scrgbClr r="0" g="0" b="0"/>
+      </a:effectRef>
+      <a:fontRef idx="minor"/>
+    </dgm:style>
+  </dgm:styleLbl>
+  <dgm:styleLbl name="solidBgAcc1">
+    <dgm:scene3d>
+      <a:camera prst="orthographicFront"/>
+      <a:lightRig rig="threePt" dir="t"/>
+    </dgm:scene3d>
+    <dgm:sp3d/>
+    <dgm:txPr/>
+    <dgm:style>
+      <a:lnRef idx="2">
+        <a:scrgbClr r="0" g="0" b="0"/>
+      </a:lnRef>
+      <a:fillRef idx="1">
+        <a:scrgbClr r="0" g="0" b="0"/>
+      </a:fillRef>
+      <a:effectRef idx="0">
+        <a:scrgbClr r="0" g="0" b="0"/>
+      </a:effectRef>
+      <a:fontRef idx="minor"/>
+    </dgm:style>
+  </dgm:styleLbl>
+  <dgm:styleLbl name="fgAccFollowNode1">
+    <dgm:scene3d>
+      <a:camera prst="orthographicFront"/>
+      <a:lightRig rig="threePt" dir="t"/>
+    </dgm:scene3d>
+    <dgm:sp3d/>
+    <dgm:txPr/>
+    <dgm:style>
+      <a:lnRef idx="2">
+        <a:scrgbClr r="0" g="0" b="0"/>
+      </a:lnRef>
+      <a:fillRef idx="1">
+        <a:scrgbClr r="0" g="0" b="0"/>
+      </a:fillRef>
+      <a:effectRef idx="0">
+        <a:scrgbClr r="0" g="0" b="0"/>
+      </a:effectRef>
+      <a:fontRef idx="minor"/>
+    </dgm:style>
+  </dgm:styleLbl>
+  <dgm:styleLbl name="alignAccFollowNode1">
+    <dgm:scene3d>
+      <a:camera prst="orthographicFront"/>
+      <a:lightRig rig="threePt" dir="t"/>
+    </dgm:scene3d>
+    <dgm:sp3d/>
+    <dgm:txPr/>
+    <dgm:style>
+      <a:lnRef idx="2">
+        <a:scrgbClr r="0" g="0" b="0"/>
+      </a:lnRef>
+      <a:fillRef idx="1">
+        <a:scrgbClr r="0" g="0" b="0"/>
+      </a:fillRef>
+      <a:effectRef idx="0">
+        <a:scrgbClr r="0" g="0" b="0"/>
+      </a:effectRef>
+      <a:fontRef idx="minor"/>
+    </dgm:style>
+  </dgm:styleLbl>
+  <dgm:styleLbl name="bgAccFollowNode1">
+    <dgm:scene3d>
+      <a:camera prst="orthographicFront"/>
+      <a:lightRig rig="threePt" dir="t"/>
+    </dgm:scene3d>
+    <dgm:sp3d/>
+    <dgm:txPr/>
+    <dgm:style>
+      <a:lnRef idx="2">
+        <a:scrgbClr r="0" g="0" b="0"/>
+      </a:lnRef>
+      <a:fillRef idx="1">
+        <a:scrgbClr r="0" g="0" b="0"/>
+      </a:fillRef>
+      <a:effectRef idx="0">
+        <a:scrgbClr r="0" g="0" b="0"/>
+      </a:effectRef>
+      <a:fontRef idx="minor"/>
+    </dgm:style>
+  </dgm:styleLbl>
+  <dgm:styleLbl name="fgAcc0">
+    <dgm:scene3d>
+      <a:camera prst="orthographicFront"/>
+      <a:lightRig rig="threePt" dir="t"/>
+    </dgm:scene3d>
+    <dgm:sp3d/>
+    <dgm:txPr/>
+    <dgm:style>
+      <a:lnRef idx="2">
+        <a:scrgbClr r="0" g="0" b="0"/>
+      </a:lnRef>
+      <a:fillRef idx="1">
+        <a:scrgbClr r="0" g="0" b="0"/>
+      </a:fillRef>
+      <a:effectRef idx="0">
+        <a:scrgbClr r="0" g="0" b="0"/>
+      </a:effectRef>
+      <a:fontRef idx="minor"/>
+    </dgm:style>
+  </dgm:styleLbl>
+  <dgm:styleLbl name="fgAcc2">
+    <dgm:scene3d>
+      <a:camera prst="orthographicFront"/>
+      <a:lightRig rig="threePt" dir="t"/>
+    </dgm:scene3d>
+    <dgm:sp3d/>
+    <dgm:txPr/>
+    <dgm:style>
+      <a:lnRef idx="2">
+        <a:scrgbClr r="0" g="0" b="0"/>
+      </a:lnRef>
+      <a:fillRef idx="1">
+        <a:scrgbClr r="0" g="0" b="0"/>
+      </a:fillRef>
+      <a:effectRef idx="0">
+        <a:scrgbClr r="0" g="0" b="0"/>
+      </a:effectRef>
+      <a:fontRef idx="minor"/>
+    </dgm:style>
+  </dgm:styleLbl>
+  <dgm:styleLbl name="fgAcc3">
+    <dgm:scene3d>
+      <a:camera prst="orthographicFront"/>
+      <a:lightRig rig="threePt" dir="t"/>
+    </dgm:scene3d>
+    <dgm:sp3d/>
+    <dgm:txPr/>
+    <dgm:style>
+      <a:lnRef idx="2">
+        <a:scrgbClr r="0" g="0" b="0"/>
+      </a:lnRef>
+      <a:fillRef idx="1">
+        <a:scrgbClr r="0" g="0" b="0"/>
+      </a:fillRef>
+      <a:effectRef idx="0">
+        <a:scrgbClr r="0" g="0" b="0"/>
+      </a:effectRef>
+      <a:fontRef idx="minor"/>
+    </dgm:style>
+  </dgm:styleLbl>
+  <dgm:styleLbl name="fgAcc4">
+    <dgm:scene3d>
+      <a:camera prst="orthographicFront"/>
+      <a:lightRig rig="threePt" dir="t"/>
+    </dgm:scene3d>
+    <dgm:sp3d/>
+    <dgm:txPr/>
+    <dgm:style>
+      <a:lnRef idx="2">
+        <a:scrgbClr r="0" g="0" b="0"/>
+      </a:lnRef>
+      <a:fillRef idx="1">
+        <a:scrgbClr r="0" g="0" b="0"/>
+      </a:fillRef>
+      <a:effectRef idx="0">
+        <a:scrgbClr r="0" g="0" b="0"/>
+      </a:effectRef>
+      <a:fontRef idx="minor"/>
+    </dgm:style>
+  </dgm:styleLbl>
+  <dgm:styleLbl name="bgShp">
+    <dgm:scene3d>
+      <a:camera prst="orthographicFront"/>
+      <a:lightRig rig="threePt" dir="t"/>
+    </dgm:scene3d>
+    <dgm:sp3d/>
+    <dgm:txPr/>
+    <dgm:style>
+      <a:lnRef idx="0">
+        <a:scrgbClr r="0" g="0" b="0"/>
+      </a:lnRef>
+      <a:fillRef idx="1">
+        <a:scrgbClr r="0" g="0" b="0"/>
+      </a:fillRef>
+      <a:effectRef idx="0">
+        <a:scrgbClr r="0" g="0" b="0"/>
+      </a:effectRef>
+      <a:fontRef idx="minor"/>
+    </dgm:style>
+  </dgm:styleLbl>
+  <dgm:styleLbl name="dkBgShp">
+    <dgm:scene3d>
+      <a:camera prst="orthographicFront"/>
+      <a:lightRig rig="threePt" dir="t"/>
+    </dgm:scene3d>
+    <dgm:sp3d/>
+    <dgm:txPr/>
+    <dgm:style>
+      <a:lnRef idx="0">
+        <a:scrgbClr r="0" g="0" b="0"/>
+      </a:lnRef>
+      <a:fillRef idx="1">
+        <a:scrgbClr r="0" g="0" b="0"/>
+      </a:fillRef>
+      <a:effectRef idx="0">
+        <a:scrgbClr r="0" g="0" b="0"/>
+      </a:effectRef>
+      <a:fontRef idx="minor"/>
+    </dgm:style>
+  </dgm:styleLbl>
+  <dgm:styleLbl name="trBgShp">
+    <dgm:scene3d>
+      <a:camera prst="orthographicFront"/>
+      <a:lightRig rig="threePt" dir="t"/>
+    </dgm:scene3d>
+    <dgm:sp3d/>
+    <dgm:txPr/>
+    <dgm:style>
+      <a:lnRef idx="0">
+        <a:scrgbClr r="0" g="0" b="0"/>
+      </a:lnRef>
+      <a:fillRef idx="1">
+        <a:scrgbClr r="0" g="0" b="0"/>
+      </a:fillRef>
+      <a:effectRef idx="0">
+        <a:scrgbClr r="0" g="0" b="0"/>
+      </a:effectRef>
+      <a:fontRef idx="minor"/>
+    </dgm:style>
+  </dgm:styleLbl>
+  <dgm:styleLbl name="fgShp">
+    <dgm:scene3d>
+      <a:camera prst="orthographicFront"/>
+      <a:lightRig rig="threePt" dir="t"/>
+    </dgm:scene3d>
+    <dgm:sp3d/>
+    <dgm:txPr/>
+    <dgm:style>
+      <a:lnRef idx="2">
+        <a:scrgbClr r="0" g="0" b="0"/>
+      </a:lnRef>
+      <a:fillRef idx="1">
+        <a:scrgbClr r="0" g="0" b="0"/>
+      </a:fillRef>
+      <a:effectRef idx="0">
+        <a:scrgbClr r="0" g="0" b="0"/>
+      </a:effectRef>
+      <a:fontRef idx="minor"/>
+    </dgm:style>
+  </dgm:styleLbl>
+  <dgm:styleLbl name="revTx">
+    <dgm:scene3d>
+      <a:camera prst="orthographicFront"/>
+      <a:lightRig rig="threePt" dir="t"/>
+    </dgm:scene3d>
+    <dgm:sp3d/>
+    <dgm:txPr/>
+    <dgm:style>
+      <a:lnRef idx="0">
+        <a:scrgbClr r="0" g="0" b="0"/>
+      </a:lnRef>
+      <a:fillRef idx="0">
+        <a:scrgbClr r="0" g="0" b="0"/>
+      </a:fillRef>
+      <a:effectRef idx="0">
+        <a:scrgbClr r="0" g="0" b="0"/>
+      </a:effectRef>
+      <a:fontRef idx="minor"/>
+    </dgm:style>
+  </dgm:styleLbl>
+</dgm:styleDef>
+</file>
+
 <file path=ppt/handoutMasters/handoutMaster1.xml><?xml version="1.0" encoding="utf-8"?>
 <p:handoutMaster xmlns:a="http://schemas.openxmlformats.org/drawingml/2006/main" xmlns:r="http://schemas.openxmlformats.org/officeDocument/2006/relationships" xmlns:p="http://schemas.openxmlformats.org/presentationml/2006/main">
   <p:cSld>
@@ -219,7 +5138,7 @@
           <a:p>
             <a:fld id="{05E02316-A3A9-40CE-8399-988D8D269502}" type="datetimeFigureOut">
               <a:rPr lang="de-AT" smtClean="0"/>
-              <a:t>22.05.19</a:t>
+              <a:t>22.05.2019</a:t>
             </a:fld>
             <a:endParaRPr lang="de-AT"/>
           </a:p>
@@ -384,7 +5303,7 @@
           <a:p>
             <a:fld id="{F5E89DEF-C035-41A2-9AFE-A6026D4C04BE}" type="datetimeFigureOut">
               <a:rPr lang="de-AT" smtClean="0"/>
-              <a:t>22.05.19</a:t>
+              <a:t>22.05.2019</a:t>
             </a:fld>
             <a:endParaRPr lang="de-AT"/>
           </a:p>
@@ -867,244 +5786,48 @@
           <a:bodyPr/>
           <a:lstStyle/>
           <a:p>
-            <a:pPr lvl="0"/>
-            <a:r>
-              <a:rPr lang="de-DE" sz="1200" u="none" strike="noStrike" kern="1200" dirty="0">
-                <a:solidFill>
-                  <a:schemeClr val="tx1"/>
-                </a:solidFill>
-                <a:effectLst/>
-                <a:latin typeface="+mn-lt"/>
-                <a:ea typeface="+mn-ea"/>
-                <a:cs typeface="+mn-cs"/>
-              </a:rPr>
-              <a:t>Installation am Server: Herunterladen der benötigten Dateien und am Web Server anpassen; Installieren der CRM Lösung</a:t>
-            </a:r>
-            <a:endParaRPr lang="de-AT" sz="1200" u="none" strike="noStrike" kern="1200" dirty="0">
-              <a:solidFill>
-                <a:schemeClr val="tx1"/>
-              </a:solidFill>
-              <a:effectLst/>
-              <a:latin typeface="+mn-lt"/>
-              <a:ea typeface="+mn-ea"/>
-              <a:cs typeface="+mn-cs"/>
-            </a:endParaRPr>
-          </a:p>
-          <a:p>
-            <a:pPr lvl="0"/>
-            <a:r>
-              <a:rPr lang="de-DE" sz="1200" u="none" strike="noStrike" kern="1200" dirty="0">
-                <a:solidFill>
-                  <a:schemeClr val="tx1"/>
-                </a:solidFill>
-                <a:effectLst/>
-                <a:latin typeface="+mn-lt"/>
-                <a:ea typeface="+mn-ea"/>
-                <a:cs typeface="+mn-cs"/>
-              </a:rPr>
-              <a:t>Datenimport: Kontakte und weiter wichtige Daten importieren </a:t>
-            </a:r>
-            <a:endParaRPr lang="de-AT" sz="1200" u="none" strike="noStrike" kern="1200" dirty="0">
-              <a:solidFill>
-                <a:schemeClr val="tx1"/>
-              </a:solidFill>
-              <a:effectLst/>
-              <a:latin typeface="+mn-lt"/>
-              <a:ea typeface="+mn-ea"/>
-              <a:cs typeface="+mn-cs"/>
-            </a:endParaRPr>
-          </a:p>
-          <a:p>
-            <a:pPr lvl="0"/>
-            <a:r>
-              <a:rPr lang="de-DE" sz="1200" u="none" strike="noStrike" kern="1200" dirty="0">
-                <a:solidFill>
-                  <a:schemeClr val="tx1"/>
-                </a:solidFill>
-                <a:effectLst/>
-                <a:latin typeface="+mn-lt"/>
-                <a:ea typeface="+mn-ea"/>
-                <a:cs typeface="+mn-cs"/>
-              </a:rPr>
-              <a:t>Sich mit dem System auseinandersetzen/vertraut machen: Benutzerhandbuch (wenn vorhanden) durchlesen, Tutorials anschauen</a:t>
-            </a:r>
-            <a:endParaRPr lang="de-AT" sz="1200" u="none" strike="noStrike" kern="1200" dirty="0">
-              <a:solidFill>
-                <a:schemeClr val="tx1"/>
-              </a:solidFill>
-              <a:effectLst/>
-              <a:latin typeface="+mn-lt"/>
-              <a:ea typeface="+mn-ea"/>
-              <a:cs typeface="+mn-cs"/>
-            </a:endParaRPr>
-          </a:p>
-          <a:p>
-            <a:pPr lvl="0"/>
-            <a:r>
-              <a:rPr lang="de-DE" sz="1200" u="none" strike="noStrike" kern="1200" dirty="0">
-                <a:solidFill>
-                  <a:schemeClr val="tx1"/>
-                </a:solidFill>
-                <a:effectLst/>
-                <a:latin typeface="+mn-lt"/>
-                <a:ea typeface="+mn-ea"/>
-                <a:cs typeface="+mn-cs"/>
-              </a:rPr>
-              <a:t>Konfigurieren nach Anforderungen: System nach </a:t>
-            </a:r>
-            <a:r>
-              <a:rPr lang="de-DE" sz="1200" u="none" strike="noStrike" kern="1200" dirty="0" err="1">
-                <a:solidFill>
-                  <a:schemeClr val="tx1"/>
-                </a:solidFill>
-                <a:effectLst/>
-                <a:latin typeface="+mn-lt"/>
-                <a:ea typeface="+mn-ea"/>
-                <a:cs typeface="+mn-cs"/>
-              </a:rPr>
-              <a:t>need-to-have</a:t>
-            </a:r>
-            <a:r>
-              <a:rPr lang="de-DE" sz="1200" u="none" strike="noStrike" kern="1200" dirty="0">
-                <a:solidFill>
-                  <a:schemeClr val="tx1"/>
-                </a:solidFill>
-                <a:effectLst/>
-                <a:latin typeface="+mn-lt"/>
-                <a:ea typeface="+mn-ea"/>
-                <a:cs typeface="+mn-cs"/>
-              </a:rPr>
-              <a:t> Anforderungen anpassen und wenn möglich nice-</a:t>
-            </a:r>
-            <a:r>
-              <a:rPr lang="de-DE" sz="1200" u="none" strike="noStrike" kern="1200" dirty="0" err="1">
-                <a:solidFill>
-                  <a:schemeClr val="tx1"/>
-                </a:solidFill>
-                <a:effectLst/>
-                <a:latin typeface="+mn-lt"/>
-                <a:ea typeface="+mn-ea"/>
-                <a:cs typeface="+mn-cs"/>
-              </a:rPr>
-              <a:t>to</a:t>
-            </a:r>
-            <a:r>
-              <a:rPr lang="de-DE" sz="1200" u="none" strike="noStrike" kern="1200" dirty="0">
-                <a:solidFill>
-                  <a:schemeClr val="tx1"/>
-                </a:solidFill>
-                <a:effectLst/>
-                <a:latin typeface="+mn-lt"/>
-                <a:ea typeface="+mn-ea"/>
-                <a:cs typeface="+mn-cs"/>
-              </a:rPr>
-              <a:t>-</a:t>
-            </a:r>
-            <a:r>
-              <a:rPr lang="de-DE" sz="1200" u="none" strike="noStrike" kern="1200" dirty="0" err="1">
-                <a:solidFill>
-                  <a:schemeClr val="tx1"/>
-                </a:solidFill>
-                <a:effectLst/>
-                <a:latin typeface="+mn-lt"/>
-                <a:ea typeface="+mn-ea"/>
-                <a:cs typeface="+mn-cs"/>
-              </a:rPr>
-              <a:t>have</a:t>
-            </a:r>
-            <a:r>
-              <a:rPr lang="de-DE" sz="1200" u="none" strike="noStrike" kern="1200" dirty="0">
-                <a:solidFill>
-                  <a:schemeClr val="tx1"/>
-                </a:solidFill>
-                <a:effectLst/>
-                <a:latin typeface="+mn-lt"/>
-                <a:ea typeface="+mn-ea"/>
-                <a:cs typeface="+mn-cs"/>
-              </a:rPr>
-              <a:t> Features hinzufügen</a:t>
-            </a:r>
-            <a:endParaRPr lang="de-AT" sz="1200" u="none" strike="noStrike" kern="1200" dirty="0">
-              <a:solidFill>
-                <a:schemeClr val="tx1"/>
-              </a:solidFill>
-              <a:effectLst/>
-              <a:latin typeface="+mn-lt"/>
-              <a:ea typeface="+mn-ea"/>
-              <a:cs typeface="+mn-cs"/>
-            </a:endParaRPr>
-          </a:p>
-          <a:p>
-            <a:pPr lvl="0"/>
-            <a:r>
-              <a:rPr lang="de-DE" sz="1200" u="none" strike="noStrike" kern="1200" dirty="0">
-                <a:solidFill>
-                  <a:schemeClr val="tx1"/>
-                </a:solidFill>
-                <a:effectLst/>
-                <a:latin typeface="+mn-lt"/>
-                <a:ea typeface="+mn-ea"/>
-                <a:cs typeface="+mn-cs"/>
-              </a:rPr>
-              <a:t>Optimieren zwecks Usability: Design benutzerfreundlich gestalten, wichtige Funktionen leicht auffindbar machen</a:t>
-            </a:r>
-            <a:endParaRPr lang="de-AT" sz="1200" u="none" strike="noStrike" kern="1200" dirty="0">
-              <a:solidFill>
-                <a:schemeClr val="tx1"/>
-              </a:solidFill>
-              <a:effectLst/>
-              <a:latin typeface="+mn-lt"/>
-              <a:ea typeface="+mn-ea"/>
-              <a:cs typeface="+mn-cs"/>
-            </a:endParaRPr>
-          </a:p>
-          <a:p>
-            <a:pPr lvl="0"/>
-            <a:r>
-              <a:rPr lang="de-DE" sz="1200" u="none" strike="noStrike" kern="1200" dirty="0">
-                <a:solidFill>
-                  <a:schemeClr val="tx1"/>
-                </a:solidFill>
-                <a:effectLst/>
-                <a:latin typeface="+mn-lt"/>
-                <a:ea typeface="+mn-ea"/>
-                <a:cs typeface="+mn-cs"/>
-              </a:rPr>
-              <a:t>Testen: Überprüfen aller benötigten Funktionen</a:t>
-            </a:r>
-            <a:endParaRPr lang="de-AT" sz="1200" u="none" strike="noStrike" kern="1200" dirty="0">
-              <a:solidFill>
-                <a:schemeClr val="tx1"/>
-              </a:solidFill>
-              <a:effectLst/>
-              <a:latin typeface="+mn-lt"/>
-              <a:ea typeface="+mn-ea"/>
-              <a:cs typeface="+mn-cs"/>
-            </a:endParaRPr>
-          </a:p>
-          <a:p>
-            <a:pPr lvl="0"/>
-            <a:r>
-              <a:rPr lang="de-DE" sz="1200" u="none" strike="noStrike" kern="1200" dirty="0">
-                <a:solidFill>
-                  <a:schemeClr val="tx1"/>
-                </a:solidFill>
-                <a:effectLst/>
-                <a:latin typeface="+mn-lt"/>
-                <a:ea typeface="+mn-ea"/>
-                <a:cs typeface="+mn-cs"/>
-              </a:rPr>
-              <a:t>Einschulung mittels Workshop: Benutzerhandbuch schreiben, alle Funktionalitäten den Benutzern/Administratoren zeigen und vermitteln</a:t>
-            </a:r>
-            <a:endParaRPr lang="de-AT" sz="1200" u="none" strike="noStrike" kern="1200" dirty="0">
-              <a:solidFill>
-                <a:schemeClr val="tx1"/>
-              </a:solidFill>
-              <a:effectLst/>
-              <a:latin typeface="+mn-lt"/>
-              <a:ea typeface="+mn-ea"/>
-              <a:cs typeface="+mn-cs"/>
-            </a:endParaRPr>
+            <a:r>
+              <a:rPr lang="de-AT" dirty="0"/>
+              <a:t>Plan auf Tagesbasis dargestellt, da wir sich persönlich die </a:t>
+            </a:r>
+            <a:r>
+              <a:rPr lang="de-AT" dirty="0" err="1"/>
+              <a:t>uhrzeiten</a:t>
+            </a:r>
+            <a:r>
+              <a:rPr lang="de-AT" dirty="0"/>
+              <a:t> für </a:t>
+            </a:r>
+            <a:r>
+              <a:rPr lang="de-AT" dirty="0" err="1"/>
+              <a:t>meetings</a:t>
+            </a:r>
+            <a:r>
+              <a:rPr lang="de-AT" dirty="0"/>
+              <a:t> ausmachen und auch die </a:t>
+            </a:r>
+            <a:r>
+              <a:rPr lang="de-AT" dirty="0" err="1"/>
+              <a:t>zeiterfassung</a:t>
+            </a:r>
+            <a:r>
+              <a:rPr lang="de-AT" dirty="0"/>
+              <a:t> /</a:t>
+            </a:r>
+            <a:r>
+              <a:rPr lang="de-AT" dirty="0" err="1"/>
+              <a:t>dokumenation</a:t>
+            </a:r>
+            <a:r>
+              <a:rPr lang="de-AT" dirty="0"/>
+              <a:t> separat erfolgt</a:t>
+            </a:r>
+          </a:p>
+          <a:p>
+            <a:r>
+              <a:rPr lang="de-AT" dirty="0"/>
+              <a:t>Balkendiagramm welches graphisch zeitliche Abfolge darstellt</a:t>
+            </a:r>
           </a:p>
         </p:txBody>
       </p:sp>
@@ -1126,131 +5849,6 @@
             <a:fld id="{BEF2A079-E7F8-4A78-8EEA-DD00A8D5DE37}" type="slidenum">
               <a:rPr lang="de-AT" smtClean="0"/>
               <a:t>12</a:t>
-            </a:fld>
-            <a:endParaRPr lang="de-AT"/>
-          </a:p>
-        </p:txBody>
-      </p:sp>
-    </p:spTree>
-    <p:extLst>
-      <p:ext uri="{BB962C8B-B14F-4D97-AF65-F5344CB8AC3E}">
-        <p14:creationId xmlns:p14="http://schemas.microsoft.com/office/powerpoint/2010/main" val="2539021950"/>
-      </p:ext>
-    </p:extLst>
-  </p:cSld>
-  <p:clrMapOvr>
-    <a:masterClrMapping/>
-  </p:clrMapOvr>
-</p:notes>
-</file>
-
-<file path=ppt/notesSlides/notesSlide12.xml><?xml version="1.0" encoding="utf-8"?>
-<p:notes xmlns:a="http://schemas.openxmlformats.org/drawingml/2006/main" xmlns:r="http://schemas.openxmlformats.org/officeDocument/2006/relationships" xmlns:p="http://schemas.openxmlformats.org/presentationml/2006/main">
-  <p:cSld>
-    <p:spTree>
-      <p:nvGrpSpPr>
-        <p:cNvPr id="1" name=""/>
-        <p:cNvGrpSpPr/>
-        <p:nvPr/>
-      </p:nvGrpSpPr>
-      <p:grpSpPr>
-        <a:xfrm>
-          <a:off x="0" y="0"/>
-          <a:ext cx="0" cy="0"/>
-          <a:chOff x="0" y="0"/>
-          <a:chExt cx="0" cy="0"/>
-        </a:xfrm>
-      </p:grpSpPr>
-      <p:sp>
-        <p:nvSpPr>
-          <p:cNvPr id="2" name="Folienbildplatzhalter 1"/>
-          <p:cNvSpPr>
-            <a:spLocks noGrp="1" noRot="1" noChangeAspect="1"/>
-          </p:cNvSpPr>
-          <p:nvPr>
-            <p:ph type="sldImg"/>
-          </p:nvPr>
-        </p:nvSpPr>
-        <p:spPr/>
-      </p:sp>
-      <p:sp>
-        <p:nvSpPr>
-          <p:cNvPr id="3" name="Notizenplatzhalter 2"/>
-          <p:cNvSpPr>
-            <a:spLocks noGrp="1"/>
-          </p:cNvSpPr>
-          <p:nvPr>
-            <p:ph type="body" idx="1"/>
-          </p:nvPr>
-        </p:nvSpPr>
-        <p:spPr/>
-        <p:txBody>
-          <a:bodyPr/>
-          <a:lstStyle/>
-          <a:p>
-            <a:r>
-              <a:rPr lang="de-AT" dirty="0"/>
-              <a:t>Plan auf Tagesbasis dargestellt, da wir sich persönlich die </a:t>
-            </a:r>
-            <a:r>
-              <a:rPr lang="de-AT" dirty="0" err="1"/>
-              <a:t>uhrzeiten</a:t>
-            </a:r>
-            <a:r>
-              <a:rPr lang="de-AT" dirty="0"/>
-              <a:t> für </a:t>
-            </a:r>
-            <a:r>
-              <a:rPr lang="de-AT" dirty="0" err="1"/>
-              <a:t>meetings</a:t>
-            </a:r>
-            <a:r>
-              <a:rPr lang="de-AT" dirty="0"/>
-              <a:t> ausmachen und auch die </a:t>
-            </a:r>
-            <a:r>
-              <a:rPr lang="de-AT" dirty="0" err="1"/>
-              <a:t>zeiterfassung</a:t>
-            </a:r>
-            <a:r>
-              <a:rPr lang="de-AT" dirty="0"/>
-              <a:t> /</a:t>
-            </a:r>
-            <a:r>
-              <a:rPr lang="de-AT" dirty="0" err="1"/>
-              <a:t>dokumenation</a:t>
-            </a:r>
-            <a:r>
-              <a:rPr lang="de-AT" dirty="0"/>
-              <a:t> separat erfolgt</a:t>
-            </a:r>
-          </a:p>
-          <a:p>
-            <a:r>
-              <a:rPr lang="de-AT" dirty="0"/>
-              <a:t>Balkendiagramm welches graphisch zeitliche Abfolge darstellt</a:t>
-            </a:r>
-          </a:p>
-        </p:txBody>
-      </p:sp>
-      <p:sp>
-        <p:nvSpPr>
-          <p:cNvPr id="4" name="Foliennummernplatzhalter 3"/>
-          <p:cNvSpPr>
-            <a:spLocks noGrp="1"/>
-          </p:cNvSpPr>
-          <p:nvPr>
-            <p:ph type="sldNum" sz="quarter" idx="10"/>
-          </p:nvPr>
-        </p:nvSpPr>
-        <p:spPr/>
-        <p:txBody>
-          <a:bodyPr/>
-          <a:lstStyle/>
-          <a:p>
-            <a:fld id="{BEF2A079-E7F8-4A78-8EEA-DD00A8D5DE37}" type="slidenum">
-              <a:rPr lang="de-AT" smtClean="0"/>
-              <a:t>13</a:t>
             </a:fld>
             <a:endParaRPr lang="de-AT"/>
           </a:p>
@@ -7816,120 +12414,34 @@
           <a:chExt cx="0" cy="0"/>
         </a:xfrm>
       </p:grpSpPr>
-      <p:sp>
-        <p:nvSpPr>
-          <p:cNvPr id="2" name="Textplatzhalter 1">
+      <p:graphicFrame>
+        <p:nvGraphicFramePr>
+          <p:cNvPr id="7" name="Diagramm 6">
             <a:extLst>
               <a:ext uri="{FF2B5EF4-FFF2-40B4-BE49-F238E27FC236}">
-                <a16:creationId xmlns:a16="http://schemas.microsoft.com/office/drawing/2014/main" id="{62C85FB2-1022-4081-ABAD-803398685F11}"/>
+                <a16:creationId xmlns:a16="http://schemas.microsoft.com/office/drawing/2014/main" id="{3EE3ECA3-7263-40E7-98A1-E6F97B3FB189}"/>
               </a:ext>
             </a:extLst>
           </p:cNvPr>
-          <p:cNvSpPr>
-            <a:spLocks noGrp="1"/>
-          </p:cNvSpPr>
-          <p:nvPr>
-            <p:ph type="body" sz="quarter" idx="13"/>
-          </p:nvPr>
-        </p:nvSpPr>
-        <p:spPr>
-          <a:xfrm>
-            <a:off x="549322" y="1863305"/>
-            <a:ext cx="7938000" cy="3774441"/>
-          </a:xfrm>
-        </p:spPr>
-        <p:txBody>
-          <a:bodyPr/>
-          <a:lstStyle/>
-          <a:p>
-            <a:pPr marL="285750" lvl="0" indent="-285750">
-              <a:buFont typeface="Arial" panose="020B0604020202020204" pitchFamily="34" charset="0"/>
-              <a:buChar char="•"/>
-            </a:pPr>
-            <a:r>
-              <a:rPr lang="de-DE" dirty="0"/>
-              <a:t>Installation am Server</a:t>
-            </a:r>
-          </a:p>
-          <a:p>
-            <a:pPr marL="285750" lvl="0" indent="-285750">
-              <a:buFont typeface="Arial" panose="020B0604020202020204" pitchFamily="34" charset="0"/>
-              <a:buChar char="•"/>
-            </a:pPr>
-            <a:r>
-              <a:rPr lang="de-DE" dirty="0"/>
-              <a:t>Datenexport &amp; -import</a:t>
-            </a:r>
-          </a:p>
-          <a:p>
-            <a:pPr marL="285750" lvl="0" indent="-285750">
-              <a:buFont typeface="Arial" panose="020B0604020202020204" pitchFamily="34" charset="0"/>
-              <a:buChar char="•"/>
-            </a:pPr>
-            <a:r>
-              <a:rPr lang="de-DE" dirty="0"/>
-              <a:t>Benutzerhandbuch &amp; Tutorials betrachten</a:t>
-            </a:r>
-            <a:endParaRPr lang="de-AT" dirty="0"/>
-          </a:p>
-          <a:p>
-            <a:pPr marL="285750" lvl="0" indent="-285750">
-              <a:buFont typeface="Arial" panose="020B0604020202020204" pitchFamily="34" charset="0"/>
-              <a:buChar char="•"/>
-            </a:pPr>
-            <a:r>
-              <a:rPr lang="de-DE" dirty="0"/>
-              <a:t>Konfigurieren nach Anforderungen</a:t>
-            </a:r>
-          </a:p>
-          <a:p>
-            <a:pPr marL="285750" lvl="0" indent="-285750">
-              <a:buFont typeface="Arial" panose="020B0604020202020204" pitchFamily="34" charset="0"/>
-              <a:buChar char="•"/>
-            </a:pPr>
-            <a:r>
-              <a:rPr lang="de-DE" dirty="0"/>
-              <a:t>Optimieren zwecks Usability</a:t>
-            </a:r>
-            <a:endParaRPr lang="de-AT" dirty="0"/>
-          </a:p>
-          <a:p>
-            <a:pPr marL="285750" lvl="0" indent="-285750">
-              <a:buFont typeface="Arial" panose="020B0604020202020204" pitchFamily="34" charset="0"/>
-              <a:buChar char="•"/>
-            </a:pPr>
-            <a:r>
-              <a:rPr lang="de-DE" dirty="0"/>
-              <a:t>Testphase</a:t>
-            </a:r>
-            <a:endParaRPr lang="de-AT" dirty="0"/>
-          </a:p>
-          <a:p>
-            <a:pPr marL="285750" lvl="0" indent="-285750">
-              <a:buFont typeface="Arial" panose="020B0604020202020204" pitchFamily="34" charset="0"/>
-              <a:buChar char="•"/>
-            </a:pPr>
-            <a:r>
-              <a:rPr lang="de-DE" dirty="0"/>
-              <a:t>Abgleich umgesetzter Anforderungen</a:t>
-            </a:r>
-          </a:p>
-          <a:p>
-            <a:pPr marL="285750" lvl="0" indent="-285750">
-              <a:buFont typeface="Arial" panose="020B0604020202020204" pitchFamily="34" charset="0"/>
-              <a:buChar char="•"/>
-            </a:pPr>
-            <a:r>
-              <a:rPr lang="de-DE" dirty="0"/>
-              <a:t>Einschulungsphase</a:t>
-            </a:r>
-          </a:p>
-          <a:p>
-            <a:pPr lvl="0"/>
-            <a:endParaRPr lang="de-AT" dirty="0"/>
-          </a:p>
-        </p:txBody>
-      </p:sp>
+          <p:cNvGraphicFramePr/>
+          <p:nvPr>
+            <p:extLst>
+              <p:ext uri="{D42A27DB-BD31-4B8C-83A1-F6EECF244321}">
+                <p14:modId xmlns:p14="http://schemas.microsoft.com/office/powerpoint/2010/main" val="3360995038"/>
+              </p:ext>
+            </p:extLst>
+          </p:nvPr>
+        </p:nvGraphicFramePr>
+        <p:xfrm>
+          <a:off x="549322" y="1863305"/>
+          <a:ext cx="7938000" cy="4342995"/>
+        </p:xfrm>
+        <a:graphic>
+          <a:graphicData uri="http://schemas.openxmlformats.org/drawingml/2006/diagram">
+            <dgm:relIds xmlns:dgm="http://schemas.openxmlformats.org/drawingml/2006/diagram" xmlns:r="http://schemas.openxmlformats.org/officeDocument/2006/relationships" r:dm="rId3" r:lo="rId4" r:qs="rId5" r:cs="rId6"/>
+          </a:graphicData>
+        </a:graphic>
+      </p:graphicFrame>
       <p:sp>
         <p:nvSpPr>
           <p:cNvPr id="4" name="Fußzeilenplatzhalter 3">
@@ -8394,6 +12906,36 @@
             </a:r>
           </a:p>
           <a:p>
+            <a:pPr marL="552450" lvl="1" indent="-285750">
+              <a:buFont typeface="Arial" panose="020B0604020202020204" pitchFamily="34" charset="0"/>
+              <a:buChar char="•"/>
+            </a:pPr>
+            <a:r>
+              <a:rPr lang="de-AT" dirty="0"/>
+              <a:t>Zwar mittels Workaround</a:t>
+            </a:r>
+          </a:p>
+          <a:p>
+            <a:pPr marL="552450" lvl="1" indent="-285750">
+              <a:buFont typeface="Arial" panose="020B0604020202020204" pitchFamily="34" charset="0"/>
+              <a:buChar char="•"/>
+            </a:pPr>
+            <a:r>
+              <a:rPr lang="de-AT" dirty="0"/>
+              <a:t>Einmal zu erstellen</a:t>
+            </a:r>
+          </a:p>
+          <a:p>
+            <a:pPr marL="552450" lvl="1" indent="-285750">
+              <a:buFont typeface="Arial" panose="020B0604020202020204" pitchFamily="34" charset="0"/>
+              <a:buChar char="•"/>
+            </a:pPr>
+            <a:r>
+              <a:rPr lang="de-AT" dirty="0"/>
+              <a:t>Layout &amp; Usability verstärken Entscheidung</a:t>
+            </a:r>
+          </a:p>
+          <a:p>
             <a:pPr marL="285750" indent="-285750">
               <a:buFont typeface="Arial" panose="020B0604020202020204" pitchFamily="34" charset="0"/>
               <a:buChar char="•"/>
@@ -8481,99 +13023,18 @@
         </p:nvSpPr>
         <p:spPr>
           <a:xfrm>
-            <a:off x="549322" y="1863305"/>
-            <a:ext cx="7938000" cy="3774441"/>
+            <a:off x="549322" y="1541402"/>
+            <a:ext cx="7938000" cy="938696"/>
           </a:xfrm>
         </p:spPr>
         <p:txBody>
           <a:bodyPr/>
           <a:lstStyle/>
           <a:p>
-            <a:pPr marL="285750" lvl="0" indent="-285750">
-              <a:buFont typeface="Arial" panose="020B0604020202020204" pitchFamily="34" charset="0"/>
-              <a:buChar char="•"/>
-            </a:pPr>
-            <a:r>
-              <a:rPr lang="de-DE" dirty="0"/>
-              <a:t>Installation am Server</a:t>
-            </a:r>
-          </a:p>
-          <a:p>
-            <a:pPr marL="285750" lvl="0" indent="-285750">
-              <a:buFont typeface="Arial" panose="020B0604020202020204" pitchFamily="34" charset="0"/>
-              <a:buChar char="•"/>
-            </a:pPr>
-            <a:r>
-              <a:rPr lang="de-DE" dirty="0"/>
-              <a:t>Datenexport &amp; -import</a:t>
-            </a:r>
-          </a:p>
-          <a:p>
-            <a:pPr marL="285750" lvl="0" indent="-285750">
-              <a:buFont typeface="Arial" panose="020B0604020202020204" pitchFamily="34" charset="0"/>
-              <a:buChar char="•"/>
-            </a:pPr>
-            <a:r>
-              <a:rPr lang="de-DE" dirty="0"/>
-              <a:t>Benutzerhandbuch &amp; Tutorials betrachten</a:t>
-            </a:r>
-            <a:endParaRPr lang="de-AT" dirty="0"/>
-          </a:p>
-          <a:p>
-            <a:pPr marL="285750" lvl="0" indent="-285750">
-              <a:buFont typeface="Arial" panose="020B0604020202020204" pitchFamily="34" charset="0"/>
-              <a:buChar char="•"/>
-            </a:pPr>
-            <a:r>
-              <a:rPr lang="de-DE" dirty="0"/>
-              <a:t>Konfigurieren nach Anforderungen</a:t>
-            </a:r>
-          </a:p>
-          <a:p>
-            <a:pPr marL="285750" lvl="0" indent="-285750">
-              <a:buFont typeface="Arial" panose="020B0604020202020204" pitchFamily="34" charset="0"/>
-              <a:buChar char="•"/>
-            </a:pPr>
-            <a:r>
-              <a:rPr lang="de-DE" dirty="0"/>
-              <a:t>Optimieren zwecks Usability</a:t>
-            </a:r>
-            <a:endParaRPr lang="de-AT" dirty="0"/>
-          </a:p>
-          <a:p>
-            <a:pPr marL="285750" lvl="0" indent="-285750">
-              <a:buFont typeface="Arial" panose="020B0604020202020204" pitchFamily="34" charset="0"/>
-              <a:buChar char="•"/>
-            </a:pPr>
-            <a:r>
-              <a:rPr lang="de-DE" dirty="0"/>
-              <a:t>Testphase</a:t>
-            </a:r>
-            <a:endParaRPr lang="de-AT" dirty="0"/>
-          </a:p>
-          <a:p>
-            <a:pPr marL="285750" lvl="0" indent="-285750">
-              <a:buFont typeface="Arial" panose="020B0604020202020204" pitchFamily="34" charset="0"/>
-              <a:buChar char="•"/>
-            </a:pPr>
-            <a:r>
-              <a:rPr lang="de-DE" dirty="0"/>
-              <a:t>Abgleich umgesetzter Anforderungen</a:t>
-            </a:r>
-          </a:p>
-          <a:p>
-            <a:pPr marL="285750" lvl="0" indent="-285750">
-              <a:buFont typeface="Arial" panose="020B0604020202020204" pitchFamily="34" charset="0"/>
-              <a:buChar char="•"/>
-            </a:pPr>
-            <a:r>
-              <a:rPr lang="de-DE" dirty="0"/>
-              <a:t>Einschulung mittels Workshops</a:t>
-            </a:r>
-          </a:p>
-          <a:p>
-            <a:pPr lvl="0"/>
-            <a:endParaRPr lang="de-AT" dirty="0"/>
+            <a:r>
+              <a:rPr lang="de-AT" dirty="0"/>
+              <a:t>Gantt-Diagramm als Projektplan in Microsoft Excel</a:t>
+            </a:r>
           </a:p>
         </p:txBody>
       </p:sp>
@@ -8656,19 +13117,14 @@
             <p:ph type="title"/>
           </p:nvPr>
         </p:nvSpPr>
-        <p:spPr>
-          <a:xfrm>
-            <a:off x="549322" y="651700"/>
-            <a:ext cx="8594678" cy="938696"/>
-          </a:xfrm>
-        </p:spPr>
+        <p:spPr/>
         <p:txBody>
           <a:bodyPr/>
           <a:lstStyle/>
           <a:p>
             <a:r>
               <a:rPr lang="de-AT" dirty="0"/>
-              <a:t>Umsetzung Buy-Entscheidung</a:t>
+              <a:t>Projektplan</a:t>
             </a:r>
           </a:p>
         </p:txBody>
@@ -8676,7 +13132,7 @@
     </p:spTree>
     <p:extLst>
       <p:ext uri="{BB962C8B-B14F-4D97-AF65-F5344CB8AC3E}">
-        <p14:creationId xmlns:p14="http://schemas.microsoft.com/office/powerpoint/2010/main" val="2552995678"/>
+        <p14:creationId xmlns:p14="http://schemas.microsoft.com/office/powerpoint/2010/main" val="4195376834"/>
       </p:ext>
     </p:extLst>
   </p:cSld>
@@ -8721,8 +13177,8 @@
         </p:nvSpPr>
         <p:spPr>
           <a:xfrm>
-            <a:off x="549322" y="1541402"/>
-            <a:ext cx="7938000" cy="938696"/>
+            <a:off x="549322" y="1448637"/>
+            <a:ext cx="7938000" cy="4757663"/>
           </a:xfrm>
         </p:spPr>
         <p:txBody>
@@ -8730,8 +13186,88 @@
           <a:lstStyle/>
           <a:p>
             <a:r>
-              <a:rPr lang="de-AT" dirty="0"/>
-              <a:t>Gantt-Diagramm als Projektplan in Microsoft Excel</a:t>
+              <a:rPr lang="de-AT" sz="1800" dirty="0"/>
+              <a:t>Planung der Umsetzung (Installation und Datenübernahme bzw. Erweiterung des aktuellen Tools)</a:t>
+            </a:r>
+          </a:p>
+          <a:p>
+            <a:pPr marL="285750" indent="-285750">
+              <a:buFont typeface="Wingdings" panose="05000000000000000000" pitchFamily="2" charset="2"/>
+              <a:buChar char="§"/>
+            </a:pPr>
+            <a:endParaRPr lang="de-AT" sz="1800" dirty="0"/>
+          </a:p>
+          <a:p>
+            <a:r>
+              <a:rPr lang="de-AT" sz="1800" dirty="0"/>
+              <a:t>Umsetzungsphase</a:t>
+            </a:r>
+          </a:p>
+          <a:p>
+            <a:pPr marL="552450" lvl="1" indent="-285750">
+              <a:buFont typeface="Wingdings" panose="05000000000000000000" pitchFamily="2" charset="2"/>
+              <a:buChar char="§"/>
+            </a:pPr>
+            <a:r>
+              <a:rPr lang="de-AT" sz="1600" dirty="0"/>
+              <a:t>Abstimmung mit Stakeholder</a:t>
+            </a:r>
+          </a:p>
+          <a:p>
+            <a:pPr marL="552450" lvl="1" indent="-285750">
+              <a:buFont typeface="Wingdings" panose="05000000000000000000" pitchFamily="2" charset="2"/>
+              <a:buChar char="§"/>
+            </a:pPr>
+            <a:r>
+              <a:rPr lang="de-AT" sz="1600" dirty="0"/>
+              <a:t>Test- &amp; Review Phase</a:t>
+            </a:r>
+          </a:p>
+          <a:p>
+            <a:pPr marL="285750" indent="-285750">
+              <a:buFont typeface="Wingdings" panose="05000000000000000000" pitchFamily="2" charset="2"/>
+              <a:buChar char="§"/>
+            </a:pPr>
+            <a:endParaRPr lang="de-AT" sz="1800" dirty="0"/>
+          </a:p>
+          <a:p>
+            <a:pPr marL="285750" indent="-285750">
+              <a:buFont typeface="Wingdings" panose="05000000000000000000" pitchFamily="2" charset="2"/>
+              <a:buChar char="§"/>
+            </a:pPr>
+            <a:r>
+              <a:rPr lang="de-AT" sz="1800" dirty="0"/>
+              <a:t>Weiterentwicklung der Seminararbeit</a:t>
+            </a:r>
+          </a:p>
+          <a:p>
+            <a:pPr marL="285750" indent="-285750">
+              <a:buFont typeface="Wingdings" panose="05000000000000000000" pitchFamily="2" charset="2"/>
+              <a:buChar char="§"/>
+            </a:pPr>
+            <a:r>
+              <a:rPr lang="de-AT" sz="1800" dirty="0"/>
+              <a:t>Roadmap</a:t>
+            </a:r>
+          </a:p>
+          <a:p>
+            <a:pPr marL="552450" lvl="1" indent="-285750">
+              <a:buFont typeface="Wingdings" panose="05000000000000000000" pitchFamily="2" charset="2"/>
+              <a:buChar char="§"/>
+            </a:pPr>
+            <a:r>
+              <a:rPr lang="de-AT" sz="1600" dirty="0"/>
+              <a:t>2 Wochen: Aktuelle Version der Arbeit inkl. Projektplan &amp; Zeitaufzeichnungen</a:t>
+            </a:r>
+          </a:p>
+          <a:p>
+            <a:pPr marL="552450" lvl="1" indent="-285750">
+              <a:buFont typeface="Wingdings" panose="05000000000000000000" pitchFamily="2" charset="2"/>
+              <a:buChar char="§"/>
+            </a:pPr>
+            <a:r>
+              <a:rPr lang="de-AT" sz="1600" dirty="0"/>
+              <a:t>4 Wochen: Konzept für Management Paper &amp; Poster</a:t>
             </a:r>
           </a:p>
         </p:txBody>
@@ -8815,14 +13351,19 @@
             <p:ph type="title"/>
           </p:nvPr>
         </p:nvSpPr>
-        <p:spPr/>
+        <p:spPr>
+          <a:xfrm>
+            <a:off x="549322" y="651700"/>
+            <a:ext cx="7938194" cy="938696"/>
+          </a:xfrm>
+        </p:spPr>
         <p:txBody>
           <a:bodyPr/>
           <a:lstStyle/>
           <a:p>
             <a:r>
               <a:rPr lang="de-AT" dirty="0"/>
-              <a:t>Projektplan</a:t>
+              <a:t>Nächste schritte</a:t>
             </a:r>
           </a:p>
         </p:txBody>
@@ -8830,7 +13371,7 @@
     </p:spTree>
     <p:extLst>
       <p:ext uri="{BB962C8B-B14F-4D97-AF65-F5344CB8AC3E}">
-        <p14:creationId xmlns:p14="http://schemas.microsoft.com/office/powerpoint/2010/main" val="4195376834"/>
+        <p14:creationId xmlns:p14="http://schemas.microsoft.com/office/powerpoint/2010/main" val="1798544119"/>
       </p:ext>
     </p:extLst>
   </p:cSld>
@@ -8859,90 +13400,6 @@
       </p:grpSpPr>
       <p:sp>
         <p:nvSpPr>
-          <p:cNvPr id="2" name="Textplatzhalter 1">
-            <a:extLst>
-              <a:ext uri="{FF2B5EF4-FFF2-40B4-BE49-F238E27FC236}">
-                <a16:creationId xmlns:a16="http://schemas.microsoft.com/office/drawing/2014/main" id="{62C85FB2-1022-4081-ABAD-803398685F11}"/>
-              </a:ext>
-            </a:extLst>
-          </p:cNvPr>
-          <p:cNvSpPr>
-            <a:spLocks noGrp="1"/>
-          </p:cNvSpPr>
-          <p:nvPr>
-            <p:ph type="body" sz="quarter" idx="13"/>
-          </p:nvPr>
-        </p:nvSpPr>
-        <p:spPr>
-          <a:xfrm>
-            <a:off x="549322" y="1448637"/>
-            <a:ext cx="7938000" cy="4514841"/>
-          </a:xfrm>
-        </p:spPr>
-        <p:txBody>
-          <a:bodyPr/>
-          <a:lstStyle/>
-          <a:p>
-            <a:pPr lvl="1" indent="0">
-              <a:buNone/>
-            </a:pPr>
-            <a:endParaRPr lang="de-AT" dirty="0"/>
-          </a:p>
-          <a:p>
-            <a:pPr marL="285750" indent="-285750">
-              <a:buFont typeface="Arial" panose="020B0604020202020204" pitchFamily="34" charset="0"/>
-              <a:buChar char="•"/>
-            </a:pPr>
-            <a:r>
-              <a:rPr lang="de-AT" dirty="0"/>
-              <a:t>Planung der Umsetzung (Installation und Datenübernahme bzw. Erweiterung des aktuellen Tools)</a:t>
-            </a:r>
-          </a:p>
-          <a:p>
-            <a:pPr marL="285750" indent="-285750">
-              <a:buFont typeface="Arial" panose="020B0604020202020204" pitchFamily="34" charset="0"/>
-              <a:buChar char="•"/>
-            </a:pPr>
-            <a:endParaRPr lang="de-AT" dirty="0"/>
-          </a:p>
-          <a:p>
-            <a:pPr marL="285750" indent="-285750">
-              <a:buFont typeface="Arial" panose="020B0604020202020204" pitchFamily="34" charset="0"/>
-              <a:buChar char="•"/>
-            </a:pPr>
-            <a:r>
-              <a:rPr lang="de-AT" dirty="0"/>
-              <a:t>Umsetzungsphase</a:t>
-            </a:r>
-          </a:p>
-          <a:p>
-            <a:pPr marL="285750" indent="-285750">
-              <a:buFont typeface="Arial" panose="020B0604020202020204" pitchFamily="34" charset="0"/>
-              <a:buChar char="•"/>
-            </a:pPr>
-            <a:endParaRPr lang="de-AT" dirty="0"/>
-          </a:p>
-          <a:p>
-            <a:pPr marL="285750" indent="-285750">
-              <a:buFont typeface="Arial" panose="020B0604020202020204" pitchFamily="34" charset="0"/>
-              <a:buChar char="•"/>
-            </a:pPr>
-            <a:endParaRPr lang="de-AT" dirty="0"/>
-          </a:p>
-          <a:p>
-            <a:pPr marL="285750" indent="-285750">
-              <a:buFont typeface="Arial" panose="020B0604020202020204" pitchFamily="34" charset="0"/>
-              <a:buChar char="•"/>
-            </a:pPr>
-            <a:r>
-              <a:rPr lang="de-AT" dirty="0"/>
-              <a:t>Weiterentwicklung der Seminararbeit</a:t>
-            </a:r>
-          </a:p>
-        </p:txBody>
-      </p:sp>
-      <p:sp>
-        <p:nvSpPr>
           <p:cNvPr id="4" name="Fußzeilenplatzhalter 3">
             <a:extLst>
               <a:ext uri="{FF2B5EF4-FFF2-40B4-BE49-F238E27FC236}">
@@ -9020,27 +13477,66 @@
             <p:ph type="title"/>
           </p:nvPr>
         </p:nvSpPr>
+        <p:spPr/>
+        <p:txBody>
+          <a:bodyPr/>
+          <a:lstStyle/>
+          <a:p>
+            <a:r>
+              <a:rPr lang="de-AT" dirty="0"/>
+              <a:t>Diskussionsrunde</a:t>
+            </a:r>
+          </a:p>
+        </p:txBody>
+      </p:sp>
+      <p:sp>
+        <p:nvSpPr>
+          <p:cNvPr id="8" name="Denkblase: wolkenförmig 7">
+            <a:extLst>
+              <a:ext uri="{FF2B5EF4-FFF2-40B4-BE49-F238E27FC236}">
+                <a16:creationId xmlns:a16="http://schemas.microsoft.com/office/drawing/2014/main" id="{FC0FF954-C3F9-4434-AC69-3D1CF3CA01D6}"/>
+              </a:ext>
+            </a:extLst>
+          </p:cNvPr>
+          <p:cNvSpPr/>
+          <p:nvPr/>
+        </p:nvSpPr>
         <p:spPr>
           <a:xfrm>
-            <a:off x="549322" y="651700"/>
-            <a:ext cx="7938194" cy="938696"/>
+            <a:off x="2015087" y="1971675"/>
+            <a:ext cx="5151131" cy="2914650"/>
           </a:xfrm>
+          <a:prstGeom prst="cloudCallout">
+            <a:avLst/>
+          </a:prstGeom>
         </p:spPr>
-        <p:txBody>
-          <a:bodyPr/>
+        <p:style>
+          <a:lnRef idx="2">
+            <a:schemeClr val="dk1"/>
+          </a:lnRef>
+          <a:fillRef idx="1">
+            <a:schemeClr val="lt1"/>
+          </a:fillRef>
+          <a:effectRef idx="0">
+            <a:schemeClr val="dk1"/>
+          </a:effectRef>
+          <a:fontRef idx="minor">
+            <a:schemeClr val="dk1"/>
+          </a:fontRef>
+        </p:style>
+        <p:txBody>
+          <a:bodyPr rtlCol="0" anchor="ctr"/>
           <a:lstStyle/>
           <a:p>
-            <a:r>
-              <a:rPr lang="de-AT" dirty="0"/>
-              <a:t>Nächste schritte</a:t>
-            </a:r>
+            <a:pPr algn="ctr"/>
+            <a:endParaRPr lang="de-AT"/>
           </a:p>
         </p:txBody>
       </p:sp>
     </p:spTree>
     <p:extLst>
       <p:ext uri="{BB962C8B-B14F-4D97-AF65-F5344CB8AC3E}">
-        <p14:creationId xmlns:p14="http://schemas.microsoft.com/office/powerpoint/2010/main" val="1798544119"/>
+        <p14:creationId xmlns:p14="http://schemas.microsoft.com/office/powerpoint/2010/main" val="602237671"/>
       </p:ext>
     </p:extLst>
   </p:cSld>
@@ -9069,171 +13565,6 @@
       </p:grpSpPr>
       <p:sp>
         <p:nvSpPr>
-          <p:cNvPr id="4" name="Fußzeilenplatzhalter 3">
-            <a:extLst>
-              <a:ext uri="{FF2B5EF4-FFF2-40B4-BE49-F238E27FC236}">
-                <a16:creationId xmlns:a16="http://schemas.microsoft.com/office/drawing/2014/main" id="{506052DC-7049-4393-B1C5-754A14BCDAFA}"/>
-              </a:ext>
-            </a:extLst>
-          </p:cNvPr>
-          <p:cNvSpPr>
-            <a:spLocks noGrp="1"/>
-          </p:cNvSpPr>
-          <p:nvPr>
-            <p:ph type="ftr" sz="quarter" idx="16"/>
-          </p:nvPr>
-        </p:nvSpPr>
-        <p:spPr>
-          <a:xfrm>
-            <a:off x="4273550" y="6395540"/>
-            <a:ext cx="3086100" cy="365125"/>
-          </a:xfrm>
-        </p:spPr>
-        <p:txBody>
-          <a:bodyPr/>
-          <a:lstStyle/>
-          <a:p>
-            <a:r>
-              <a:rPr lang="de-AT" noProof="0" dirty="0"/>
-              <a:t>LVA-Nr.: 256.002</a:t>
-            </a:r>
-          </a:p>
-        </p:txBody>
-      </p:sp>
-      <p:sp>
-        <p:nvSpPr>
-          <p:cNvPr id="5" name="Foliennummernplatzhalter 4">
-            <a:extLst>
-              <a:ext uri="{FF2B5EF4-FFF2-40B4-BE49-F238E27FC236}">
-                <a16:creationId xmlns:a16="http://schemas.microsoft.com/office/drawing/2014/main" id="{5BE28071-B805-4E3A-8BBA-20469274180D}"/>
-              </a:ext>
-            </a:extLst>
-          </p:cNvPr>
-          <p:cNvSpPr>
-            <a:spLocks noGrp="1"/>
-          </p:cNvSpPr>
-          <p:nvPr>
-            <p:ph type="sldNum" sz="quarter" idx="17"/>
-          </p:nvPr>
-        </p:nvSpPr>
-        <p:spPr/>
-        <p:txBody>
-          <a:bodyPr/>
-          <a:lstStyle/>
-          <a:p>
-            <a:fld id="{68F3185B-C653-42AE-8B74-FF214C291574}" type="slidenum">
-              <a:rPr lang="en-US" smtClean="0"/>
-              <a:pPr/>
-              <a:t>15</a:t>
-            </a:fld>
-            <a:endParaRPr lang="en-US"/>
-          </a:p>
-        </p:txBody>
-      </p:sp>
-      <p:sp>
-        <p:nvSpPr>
-          <p:cNvPr id="6" name="Titel 5">
-            <a:extLst>
-              <a:ext uri="{FF2B5EF4-FFF2-40B4-BE49-F238E27FC236}">
-                <a16:creationId xmlns:a16="http://schemas.microsoft.com/office/drawing/2014/main" id="{ECD1BE86-B780-416C-8EAA-2B4B75B29378}"/>
-              </a:ext>
-            </a:extLst>
-          </p:cNvPr>
-          <p:cNvSpPr>
-            <a:spLocks noGrp="1"/>
-          </p:cNvSpPr>
-          <p:nvPr>
-            <p:ph type="title"/>
-          </p:nvPr>
-        </p:nvSpPr>
-        <p:spPr/>
-        <p:txBody>
-          <a:bodyPr/>
-          <a:lstStyle/>
-          <a:p>
-            <a:r>
-              <a:rPr lang="de-AT" dirty="0"/>
-              <a:t>Diskussionsrunde</a:t>
-            </a:r>
-          </a:p>
-        </p:txBody>
-      </p:sp>
-      <p:sp>
-        <p:nvSpPr>
-          <p:cNvPr id="8" name="Denkblase: wolkenförmig 7">
-            <a:extLst>
-              <a:ext uri="{FF2B5EF4-FFF2-40B4-BE49-F238E27FC236}">
-                <a16:creationId xmlns:a16="http://schemas.microsoft.com/office/drawing/2014/main" id="{FC0FF954-C3F9-4434-AC69-3D1CF3CA01D6}"/>
-              </a:ext>
-            </a:extLst>
-          </p:cNvPr>
-          <p:cNvSpPr/>
-          <p:nvPr/>
-        </p:nvSpPr>
-        <p:spPr>
-          <a:xfrm>
-            <a:off x="2015087" y="1971675"/>
-            <a:ext cx="5151131" cy="2914650"/>
-          </a:xfrm>
-          <a:prstGeom prst="cloudCallout">
-            <a:avLst/>
-          </a:prstGeom>
-        </p:spPr>
-        <p:style>
-          <a:lnRef idx="2">
-            <a:schemeClr val="dk1"/>
-          </a:lnRef>
-          <a:fillRef idx="1">
-            <a:schemeClr val="lt1"/>
-          </a:fillRef>
-          <a:effectRef idx="0">
-            <a:schemeClr val="dk1"/>
-          </a:effectRef>
-          <a:fontRef idx="minor">
-            <a:schemeClr val="dk1"/>
-          </a:fontRef>
-        </p:style>
-        <p:txBody>
-          <a:bodyPr rtlCol="0" anchor="ctr"/>
-          <a:lstStyle/>
-          <a:p>
-            <a:pPr algn="ctr"/>
-            <a:endParaRPr lang="de-AT"/>
-          </a:p>
-        </p:txBody>
-      </p:sp>
-    </p:spTree>
-    <p:extLst>
-      <p:ext uri="{BB962C8B-B14F-4D97-AF65-F5344CB8AC3E}">
-        <p14:creationId xmlns:p14="http://schemas.microsoft.com/office/powerpoint/2010/main" val="602237671"/>
-      </p:ext>
-    </p:extLst>
-  </p:cSld>
-  <p:clrMapOvr>
-    <a:masterClrMapping/>
-  </p:clrMapOvr>
-</p:sld>
-</file>
-
-<file path=ppt/slides/slide16.xml><?xml version="1.0" encoding="utf-8"?>
-<p:sld xmlns:a="http://schemas.openxmlformats.org/drawingml/2006/main" xmlns:r="http://schemas.openxmlformats.org/officeDocument/2006/relationships" xmlns:p="http://schemas.openxmlformats.org/presentationml/2006/main">
-  <p:cSld>
-    <p:spTree>
-      <p:nvGrpSpPr>
-        <p:cNvPr id="1" name=""/>
-        <p:cNvGrpSpPr/>
-        <p:nvPr/>
-      </p:nvGrpSpPr>
-      <p:grpSpPr>
-        <a:xfrm>
-          <a:off x="0" y="0"/>
-          <a:ext cx="0" cy="0"/>
-          <a:chOff x="0" y="0"/>
-          <a:chExt cx="0" cy="0"/>
-        </a:xfrm>
-      </p:grpSpPr>
-      <p:sp>
-        <p:nvSpPr>
           <p:cNvPr id="3" name="Titel 2">
             <a:extLst>
               <a:ext uri="{FF2B5EF4-FFF2-40B4-BE49-F238E27FC236}">
@@ -9278,7 +13609,7 @@
 </p:sld>
 </file>
 
-<file path=ppt/slides/slide17.xml><?xml version="1.0" encoding="utf-8"?>
+<file path=ppt/slides/slide16.xml><?xml version="1.0" encoding="utf-8"?>
 <p:sld xmlns:a="http://schemas.openxmlformats.org/drawingml/2006/main" xmlns:r="http://schemas.openxmlformats.org/officeDocument/2006/relationships" xmlns:p="http://schemas.openxmlformats.org/presentationml/2006/main">
   <p:cSld>
     <p:spTree>
@@ -9557,7 +13888,7 @@
           <a:p>
             <a:r>
               <a:rPr lang="de-AT" sz="1800" dirty="0"/>
-              <a:t>Vorgehensweise</a:t>
+              <a:t>Vorstellung Vorgehensweise</a:t>
             </a:r>
           </a:p>
           <a:p>
@@ -9575,20 +13906,6 @@
             </a:r>
           </a:p>
           <a:p>
-            <a:pPr lvl="2"/>
-            <a:r>
-              <a:rPr lang="de-AT" sz="1700" dirty="0"/>
-              <a:t>Funktionale Anforderungen</a:t>
-            </a:r>
-          </a:p>
-          <a:p>
-            <a:pPr lvl="2"/>
-            <a:r>
-              <a:rPr lang="de-AT" sz="1700" dirty="0"/>
-              <a:t>Nicht funktionale Anforderungen</a:t>
-            </a:r>
-          </a:p>
-          <a:p>
             <a:pPr lvl="1"/>
             <a:r>
               <a:rPr lang="de-AT" sz="1700" dirty="0"/>
@@ -9598,19 +13915,19 @@
           <a:p>
             <a:r>
               <a:rPr lang="de-AT" sz="1800" dirty="0"/>
-              <a:t>Offene Punkte</a:t>
+              <a:t>Implementierungsphase</a:t>
             </a:r>
           </a:p>
           <a:p>
             <a:r>
               <a:rPr lang="de-AT" sz="1800" dirty="0"/>
-              <a:t>Projektplan &amp; Nächste Schritte</a:t>
+              <a:t>Projektplan</a:t>
             </a:r>
           </a:p>
           <a:p>
             <a:r>
               <a:rPr lang="de-AT" sz="1800" dirty="0"/>
-              <a:t>Diskussionsrunde</a:t>
+              <a:t>Nächste Schritte &amp; Diskussionsrunde</a:t>
             </a:r>
           </a:p>
           <a:p>
@@ -9779,7 +14096,7 @@
           <a:p>
             <a:r>
               <a:rPr lang="de-AT" sz="1600" dirty="0"/>
-              <a:t>Diskussion der Workshop Ziele (15min)</a:t>
+              <a:t>Vorstellung der Workshop Ziele (15min)</a:t>
             </a:r>
           </a:p>
           <a:p>
@@ -9788,7 +14105,7 @@
           <a:p>
             <a:r>
               <a:rPr lang="de-AT" sz="1600" dirty="0"/>
-              <a:t>Abstimmung der Anforderungen (60min)</a:t>
+              <a:t>Abstimmung erhobener Anforderungen (30min)</a:t>
             </a:r>
           </a:p>
           <a:p>
@@ -9806,7 +14123,16 @@
           <a:p>
             <a:r>
               <a:rPr lang="de-AT" sz="1600" dirty="0"/>
-              <a:t>Diskussion &amp; Nächste Schritte (15min)</a:t>
+              <a:t>Implementierungsphase &amp; Projektplan (15min)</a:t>
+            </a:r>
+          </a:p>
+          <a:p>
+            <a:endParaRPr lang="de-AT" sz="1600" dirty="0"/>
+          </a:p>
+          <a:p>
+            <a:r>
+              <a:rPr lang="de-AT" sz="1600" dirty="0"/>
+              <a:t>Nächste Schritte &amp; Diskussionsrunde (15min)</a:t>
             </a:r>
           </a:p>
         </p:txBody>
@@ -9955,8 +14281,8 @@
         </p:nvSpPr>
         <p:spPr>
           <a:xfrm>
-            <a:off x="549322" y="1248108"/>
-            <a:ext cx="7938000" cy="4424400"/>
+            <a:off x="549322" y="1248107"/>
+            <a:ext cx="7938000" cy="4876647"/>
           </a:xfrm>
         </p:spPr>
         <p:txBody>
@@ -10022,6 +14348,7 @@
               <a:rPr lang="de-AT" sz="1800" dirty="0"/>
               <a:t>Potenzielle Nebenschauplätze identifizieren</a:t>
             </a:r>
+            <a:endParaRPr lang="de-AT" sz="1600" dirty="0"/>
           </a:p>
           <a:p>
             <a:pPr marL="285750" indent="-285750">
@@ -10047,7 +14374,7 @@
             </a:pPr>
             <a:r>
               <a:rPr lang="de-AT" sz="1600" dirty="0"/>
-              <a:t>Maßnahmen daraus ableiten</a:t>
+              <a:t>Maßnahmen ableiten</a:t>
             </a:r>
           </a:p>
         </p:txBody>
@@ -11318,12 +15645,53 @@
           <a:bodyPr/>
           <a:lstStyle/>
           <a:p>
+            <a:r>
+              <a:rPr lang="de-DE" sz="1800" dirty="0"/>
+              <a:t>Vorgehensweise bei Implementierung</a:t>
+            </a:r>
+          </a:p>
+          <a:p>
+            <a:pPr lvl="1"/>
+            <a:r>
+              <a:rPr lang="de-DE" sz="1600" dirty="0"/>
+              <a:t>Abstimmung &amp; Unterstützung durch Stakeholder</a:t>
+            </a:r>
+          </a:p>
+          <a:p>
+            <a:pPr lvl="2"/>
+            <a:r>
+              <a:rPr lang="de-DE" sz="1700" dirty="0"/>
+              <a:t>Zeitliche Verfügbarkeit &amp; Hilfestellung</a:t>
+            </a:r>
+          </a:p>
+          <a:p>
             <a:endParaRPr lang="de-DE" sz="1800" dirty="0"/>
           </a:p>
           <a:p>
             <a:r>
               <a:rPr lang="de-DE" sz="1800" dirty="0"/>
-              <a:t>Vorgehensweise bei Implementierung </a:t>
+              <a:t>Zusätzliche Anforderungen nach ersten Testphase</a:t>
+            </a:r>
+          </a:p>
+          <a:p>
+            <a:pPr lvl="1"/>
+            <a:r>
+              <a:rPr lang="de-DE" sz="1600" dirty="0"/>
+              <a:t>Funktionale Anforderungen</a:t>
+            </a:r>
+          </a:p>
+          <a:p>
+            <a:pPr lvl="1"/>
+            <a:r>
+              <a:rPr lang="de-DE" sz="1600" dirty="0"/>
+              <a:t>Nicht funktionale Anforderungen</a:t>
+            </a:r>
+          </a:p>
+          <a:p>
+            <a:pPr lvl="2"/>
+            <a:r>
+              <a:rPr lang="de-DE" sz="1700" dirty="0"/>
+              <a:t>Deadline für erheben neuer Anforderungen setzen</a:t>
             </a:r>
           </a:p>
           <a:p>
@@ -11336,31 +15704,25 @@
             </a:r>
             <a:r>
               <a:rPr lang="de-DE" sz="1800" dirty="0"/>
-              <a:t> der Stakeholder</a:t>
+              <a:t> des System nach Erstkontakt</a:t>
+            </a:r>
+          </a:p>
+          <a:p>
+            <a:pPr lvl="1"/>
+            <a:r>
+              <a:rPr lang="de-DE" sz="1600" dirty="0"/>
+              <a:t>Tendenz der Stakeholder zu Altsystem</a:t>
+            </a:r>
+          </a:p>
+          <a:p>
+            <a:pPr lvl="2"/>
+            <a:r>
+              <a:rPr lang="de-DE" sz="1700" dirty="0"/>
+              <a:t>Möglichkeit das Altsystem zu erweitern bieten</a:t>
             </a:r>
           </a:p>
           <a:p>
             <a:endParaRPr lang="de-DE" sz="1800" dirty="0"/>
-          </a:p>
-          <a:p>
-            <a:r>
-              <a:rPr lang="de-DE" sz="1800" dirty="0"/>
-              <a:t>Nicht Erfüllen der Anforderungen</a:t>
-            </a:r>
-          </a:p>
-          <a:p>
-            <a:pPr lvl="1"/>
-            <a:r>
-              <a:rPr lang="de-DE" sz="1600" dirty="0"/>
-              <a:t>Funktionale </a:t>
-            </a:r>
-          </a:p>
-          <a:p>
-            <a:pPr lvl="1"/>
-            <a:r>
-              <a:rPr lang="de-DE" sz="1600" dirty="0"/>
-              <a:t>Nicht funktionale Anforderungen</a:t>
-            </a:r>
           </a:p>
           <a:p>
             <a:endParaRPr lang="de-DE" sz="1800" dirty="0"/>
@@ -11455,7 +15817,12 @@
             <p:ph type="title"/>
           </p:nvPr>
         </p:nvSpPr>
-        <p:spPr/>
+        <p:spPr>
+          <a:xfrm>
+            <a:off x="549322" y="323896"/>
+            <a:ext cx="7938194" cy="938696"/>
+          </a:xfrm>
+        </p:spPr>
         <p:txBody>
           <a:bodyPr/>
           <a:lstStyle/>

--- a/Arbeitsdokumente/190522_Workshop.pptx
+++ b/Arbeitsdokumente/190522_Workshop.pptx
@@ -5,10 +5,10 @@
     <p:sldMasterId id="2147483660" r:id="rId1"/>
   </p:sldMasterIdLst>
   <p:notesMasterIdLst>
-    <p:notesMasterId r:id="rId18"/>
+    <p:notesMasterId r:id="rId25"/>
   </p:notesMasterIdLst>
   <p:handoutMasterIdLst>
-    <p:handoutMasterId r:id="rId19"/>
+    <p:handoutMasterId r:id="rId26"/>
   </p:handoutMasterIdLst>
   <p:sldIdLst>
     <p:sldId id="256" r:id="rId2"/>
@@ -17,16 +17,23 @@
     <p:sldId id="298" r:id="rId5"/>
     <p:sldId id="293" r:id="rId6"/>
     <p:sldId id="279" r:id="rId7"/>
-    <p:sldId id="300" r:id="rId8"/>
-    <p:sldId id="301" r:id="rId9"/>
-    <p:sldId id="299" r:id="rId10"/>
-    <p:sldId id="302" r:id="rId11"/>
-    <p:sldId id="280" r:id="rId12"/>
-    <p:sldId id="286" r:id="rId13"/>
-    <p:sldId id="291" r:id="rId14"/>
-    <p:sldId id="288" r:id="rId15"/>
-    <p:sldId id="289" r:id="rId16"/>
-    <p:sldId id="290" r:id="rId17"/>
+    <p:sldId id="304" r:id="rId8"/>
+    <p:sldId id="303" r:id="rId9"/>
+    <p:sldId id="305" r:id="rId10"/>
+    <p:sldId id="306" r:id="rId11"/>
+    <p:sldId id="300" r:id="rId12"/>
+    <p:sldId id="307" r:id="rId13"/>
+    <p:sldId id="301" r:id="rId14"/>
+    <p:sldId id="308" r:id="rId15"/>
+    <p:sldId id="309" r:id="rId16"/>
+    <p:sldId id="299" r:id="rId17"/>
+    <p:sldId id="302" r:id="rId18"/>
+    <p:sldId id="280" r:id="rId19"/>
+    <p:sldId id="286" r:id="rId20"/>
+    <p:sldId id="291" r:id="rId21"/>
+    <p:sldId id="288" r:id="rId22"/>
+    <p:sldId id="289" r:id="rId23"/>
+    <p:sldId id="290" r:id="rId24"/>
   </p:sldIdLst>
   <p:sldSz cx="9144000" cy="6858000" type="screen4x3"/>
   <p:notesSz cx="7102475" cy="10234613"/>
@@ -1517,7 +1524,7 @@
         <a:p>
           <a:r>
             <a:rPr lang="de-AT" dirty="0"/>
-            <a:t>Funktionale &amp; Nicht funktionale Anforderungen</a:t>
+            <a:t>Funktionale Anforderungen</a:t>
           </a:r>
         </a:p>
       </dgm:t>
@@ -1904,6 +1911,42 @@
         </a:p>
       </dgm:t>
     </dgm:pt>
+    <dgm:pt modelId="{E0E2AEA7-B42A-469B-938C-47A2DDA2C048}">
+      <dgm:prSet/>
+      <dgm:spPr/>
+      <dgm:t>
+        <a:bodyPr/>
+        <a:lstStyle/>
+        <a:p>
+          <a:r>
+            <a:rPr lang="de-AT" dirty="0"/>
+            <a:t>Nicht funktionale Anforderungen</a:t>
+          </a:r>
+        </a:p>
+      </dgm:t>
+    </dgm:pt>
+    <dgm:pt modelId="{BC0F2783-59F4-479F-B7E3-A06412F6333E}" type="parTrans" cxnId="{F751DD00-D19C-46DF-96E5-8A3BFD95D8C5}">
+      <dgm:prSet/>
+      <dgm:spPr/>
+      <dgm:t>
+        <a:bodyPr/>
+        <a:lstStyle/>
+        <a:p>
+          <a:endParaRPr lang="de-AT"/>
+        </a:p>
+      </dgm:t>
+    </dgm:pt>
+    <dgm:pt modelId="{A80CC30F-4A37-44FC-A3C8-C53D9CE69822}" type="sibTrans" cxnId="{F751DD00-D19C-46DF-96E5-8A3BFD95D8C5}">
+      <dgm:prSet/>
+      <dgm:spPr/>
+      <dgm:t>
+        <a:bodyPr/>
+        <a:lstStyle/>
+        <a:p>
+          <a:endParaRPr lang="de-AT"/>
+        </a:p>
+      </dgm:t>
+    </dgm:pt>
     <dgm:pt modelId="{EF64F1C4-970B-413B-8008-A44AFB80734E}" type="pres">
       <dgm:prSet presAssocID="{4B23925D-839C-46CD-9567-9CC5CB4CEA35}" presName="Name0" presStyleCnt="0">
         <dgm:presLayoutVars>
@@ -2051,6 +2094,7 @@
     </dgm:pt>
   </dgm:ptLst>
   <dgm:cxnLst>
+    <dgm:cxn modelId="{F751DD00-D19C-46DF-96E5-8A3BFD95D8C5}" srcId="{AFF2F0AF-46E3-4E03-B187-D71F20AA29F2}" destId="{E0E2AEA7-B42A-469B-938C-47A2DDA2C048}" srcOrd="1" destOrd="0" parTransId="{BC0F2783-59F4-479F-B7E3-A06412F6333E}" sibTransId="{A80CC30F-4A37-44FC-A3C8-C53D9CE69822}"/>
     <dgm:cxn modelId="{2D831007-1C83-42DE-9F43-2DFCFF648A2A}" type="presOf" srcId="{ECCCE3B7-870C-4BC4-BB65-B630577AF802}" destId="{0453D990-E60A-46E7-90F4-940CD5F01015}" srcOrd="0" destOrd="0" presId="urn:microsoft.com/office/officeart/2005/8/layout/bProcess3"/>
     <dgm:cxn modelId="{90B91708-9333-4F3A-906A-7EA9813B0DB4}" type="presOf" srcId="{35D0A281-C278-4122-BC82-CA51CBA0273F}" destId="{EB1469BA-3645-4173-A849-DCAA6E5E43BD}" srcOrd="0" destOrd="1" presId="urn:microsoft.com/office/officeart/2005/8/layout/bProcess3"/>
     <dgm:cxn modelId="{B791E308-0ABD-4572-87C5-5459E38D3544}" srcId="{4B23925D-839C-46CD-9567-9CC5CB4CEA35}" destId="{477E0D60-C29A-4036-929F-E1EF2300329B}" srcOrd="7" destOrd="0" parTransId="{937AF84B-268D-4D8D-BC45-F5DB378C11AE}" sibTransId="{397D4B77-4C5C-4458-B099-A86FC35E1019}"/>
@@ -2100,6 +2144,7 @@
     <dgm:cxn modelId="{2456DFB4-5475-48D7-9906-8728246BC9EF}" srcId="{4B23925D-839C-46CD-9567-9CC5CB4CEA35}" destId="{17B7433F-242C-4D66-9E1E-DFFF35204A14}" srcOrd="4" destOrd="0" parTransId="{E0CB46F4-B871-4C8F-967A-A27CA11AB983}" sibTransId="{D35881C9-AF41-4E4E-92D7-83CFC9388F21}"/>
     <dgm:cxn modelId="{A26CE6B5-A86F-43AF-B89E-4A564C39845E}" type="presOf" srcId="{C3384F2C-B9B1-468C-B1AD-2E2DB8B0E921}" destId="{5245DA9C-9F06-40B5-97B1-8783F3D80ECA}" srcOrd="0" destOrd="0" presId="urn:microsoft.com/office/officeart/2005/8/layout/bProcess3"/>
     <dgm:cxn modelId="{AB1001B7-14B6-438F-8786-6ACF4B6F69B9}" type="presOf" srcId="{D7FF9834-A014-4848-A6D0-0FBE77325B00}" destId="{DEEED137-00F0-42E7-8549-CF34BC759C0C}" srcOrd="1" destOrd="0" presId="urn:microsoft.com/office/officeart/2005/8/layout/bProcess3"/>
+    <dgm:cxn modelId="{235F93B8-EEE8-42F9-B626-C1AE9BEC953A}" type="presOf" srcId="{E0E2AEA7-B42A-469B-938C-47A2DDA2C048}" destId="{ACA06E5E-31C2-4702-839E-1D9DCD3A0828}" srcOrd="0" destOrd="2" presId="urn:microsoft.com/office/officeart/2005/8/layout/bProcess3"/>
     <dgm:cxn modelId="{6922D5B8-CA19-45EA-9E3A-1FF0DF81039B}" type="presOf" srcId="{17B7433F-242C-4D66-9E1E-DFFF35204A14}" destId="{EB42F865-9217-4D16-BED7-40BB0C97507B}" srcOrd="0" destOrd="0" presId="urn:microsoft.com/office/officeart/2005/8/layout/bProcess3"/>
     <dgm:cxn modelId="{59A5ECB9-376B-4D59-9E8B-36BFEF572B23}" srcId="{4B23925D-839C-46CD-9567-9CC5CB4CEA35}" destId="{396CC4BF-2947-44CC-BFAD-F9F084E89A35}" srcOrd="2" destOrd="0" parTransId="{0C0329E1-7090-4413-8DB5-7D44A5EB9646}" sibTransId="{ECCCE3B7-870C-4BC4-BB65-B630577AF802}"/>
     <dgm:cxn modelId="{A6B476BB-ED7C-4C99-ADEB-0C1AA3FEA9FB}" type="presOf" srcId="{FC4519AC-E4EF-4C91-BB49-C3A7103C2651}" destId="{5245DA9C-9F06-40B5-97B1-8783F3D80ECA}" srcOrd="0" destOrd="2" presId="urn:microsoft.com/office/officeart/2005/8/layout/bProcess3"/>
@@ -3292,7 +3337,25 @@
           </a:pPr>
           <a:r>
             <a:rPr lang="de-AT" sz="1100" kern="1200" dirty="0"/>
-            <a:t>Funktionale &amp; Nicht funktionale Anforderungen</a:t>
+            <a:t>Funktionale Anforderungen</a:t>
+          </a:r>
+        </a:p>
+        <a:p>
+          <a:pPr marL="57150" lvl="1" indent="-57150" algn="l" defTabSz="488950">
+            <a:lnSpc>
+              <a:spcPct val="90000"/>
+            </a:lnSpc>
+            <a:spcBef>
+              <a:spcPct val="0"/>
+            </a:spcBef>
+            <a:spcAft>
+              <a:spcPct val="15000"/>
+            </a:spcAft>
+            <a:buChar char="•"/>
+          </a:pPr>
+          <a:r>
+            <a:rPr lang="de-AT" sz="1100" kern="1200" dirty="0"/>
+            <a:t>Nicht funktionale Anforderungen</a:t>
           </a:r>
         </a:p>
       </dsp:txBody>
@@ -5138,7 +5201,7 @@
           <a:p>
             <a:fld id="{05E02316-A3A9-40CE-8399-988D8D269502}" type="datetimeFigureOut">
               <a:rPr lang="de-AT" smtClean="0"/>
-              <a:t>22.05.2019</a:t>
+              <a:t>23.05.2019</a:t>
             </a:fld>
             <a:endParaRPr lang="de-AT"/>
           </a:p>
@@ -5303,7 +5366,7 @@
           <a:p>
             <a:fld id="{F5E89DEF-C035-41A2-9AFE-A6026D4C04BE}" type="datetimeFigureOut">
               <a:rPr lang="de-AT" smtClean="0"/>
-              <a:t>22.05.2019</a:t>
+              <a:t>23.05.2019</a:t>
             </a:fld>
             <a:endParaRPr lang="de-AT"/>
           </a:p>
@@ -5732,7 +5795,7 @@
     </p:spTree>
     <p:extLst>
       <p:ext uri="{BB962C8B-B14F-4D97-AF65-F5344CB8AC3E}">
-        <p14:creationId xmlns:p14="http://schemas.microsoft.com/office/powerpoint/2010/main" val="517328584"/>
+        <p14:creationId xmlns:p14="http://schemas.microsoft.com/office/powerpoint/2010/main" val="2074546212"/>
       </p:ext>
     </p:extLst>
   </p:cSld>
@@ -5786,48 +5849,7 @@
           <a:bodyPr/>
           <a:lstStyle/>
           <a:p>
-            <a:r>
-              <a:rPr lang="de-AT" dirty="0"/>
-              <a:t>Plan auf Tagesbasis dargestellt, da wir sich persönlich die </a:t>
-            </a:r>
-            <a:r>
-              <a:rPr lang="de-AT" dirty="0" err="1"/>
-              <a:t>uhrzeiten</a:t>
-            </a:r>
-            <a:r>
-              <a:rPr lang="de-AT" dirty="0"/>
-              <a:t> für </a:t>
-            </a:r>
-            <a:r>
-              <a:rPr lang="de-AT" dirty="0" err="1"/>
-              <a:t>meetings</a:t>
-            </a:r>
-            <a:r>
-              <a:rPr lang="de-AT" dirty="0"/>
-              <a:t> ausmachen und auch die </a:t>
-            </a:r>
-            <a:r>
-              <a:rPr lang="de-AT" dirty="0" err="1"/>
-              <a:t>zeiterfassung</a:t>
-            </a:r>
-            <a:r>
-              <a:rPr lang="de-AT" dirty="0"/>
-              <a:t> /</a:t>
-            </a:r>
-            <a:r>
-              <a:rPr lang="de-AT" dirty="0" err="1"/>
-              <a:t>dokumenation</a:t>
-            </a:r>
-            <a:r>
-              <a:rPr lang="de-AT" dirty="0"/>
-              <a:t> separat erfolgt</a:t>
-            </a:r>
-          </a:p>
-          <a:p>
-            <a:r>
-              <a:rPr lang="de-AT" dirty="0"/>
-              <a:t>Balkendiagramm welches graphisch zeitliche Abfolge darstellt</a:t>
-            </a:r>
+            <a:endParaRPr lang="de-DE" dirty="0"/>
           </a:p>
         </p:txBody>
       </p:sp>
@@ -5838,7 +5860,7 @@
             <a:spLocks noGrp="1"/>
           </p:cNvSpPr>
           <p:nvPr>
-            <p:ph type="sldNum" sz="quarter" idx="10"/>
+            <p:ph type="sldNum" sz="quarter" idx="5"/>
           </p:nvPr>
         </p:nvSpPr>
         <p:spPr/>
@@ -5849,6 +5871,872 @@
             <a:fld id="{BEF2A079-E7F8-4A78-8EEA-DD00A8D5DE37}" type="slidenum">
               <a:rPr lang="de-AT" smtClean="0"/>
               <a:t>12</a:t>
+            </a:fld>
+            <a:endParaRPr lang="de-AT"/>
+          </a:p>
+        </p:txBody>
+      </p:sp>
+    </p:spTree>
+    <p:extLst>
+      <p:ext uri="{BB962C8B-B14F-4D97-AF65-F5344CB8AC3E}">
+        <p14:creationId xmlns:p14="http://schemas.microsoft.com/office/powerpoint/2010/main" val="1866786492"/>
+      </p:ext>
+    </p:extLst>
+  </p:cSld>
+  <p:clrMapOvr>
+    <a:masterClrMapping/>
+  </p:clrMapOvr>
+</p:notes>
+</file>
+
+<file path=ppt/notesSlides/notesSlide12.xml><?xml version="1.0" encoding="utf-8"?>
+<p:notes xmlns:a="http://schemas.openxmlformats.org/drawingml/2006/main" xmlns:r="http://schemas.openxmlformats.org/officeDocument/2006/relationships" xmlns:p="http://schemas.openxmlformats.org/presentationml/2006/main">
+  <p:cSld>
+    <p:spTree>
+      <p:nvGrpSpPr>
+        <p:cNvPr id="1" name=""/>
+        <p:cNvGrpSpPr/>
+        <p:nvPr/>
+      </p:nvGrpSpPr>
+      <p:grpSpPr>
+        <a:xfrm>
+          <a:off x="0" y="0"/>
+          <a:ext cx="0" cy="0"/>
+          <a:chOff x="0" y="0"/>
+          <a:chExt cx="0" cy="0"/>
+        </a:xfrm>
+      </p:grpSpPr>
+      <p:sp>
+        <p:nvSpPr>
+          <p:cNvPr id="2" name="Folienbildplatzhalter 1"/>
+          <p:cNvSpPr>
+            <a:spLocks noGrp="1" noRot="1" noChangeAspect="1"/>
+          </p:cNvSpPr>
+          <p:nvPr>
+            <p:ph type="sldImg"/>
+          </p:nvPr>
+        </p:nvSpPr>
+        <p:spPr/>
+      </p:sp>
+      <p:sp>
+        <p:nvSpPr>
+          <p:cNvPr id="3" name="Notizenplatzhalter 2"/>
+          <p:cNvSpPr>
+            <a:spLocks noGrp="1"/>
+          </p:cNvSpPr>
+          <p:nvPr>
+            <p:ph type="body" idx="1"/>
+          </p:nvPr>
+        </p:nvSpPr>
+        <p:spPr/>
+        <p:txBody>
+          <a:bodyPr/>
+          <a:lstStyle/>
+          <a:p>
+            <a:endParaRPr lang="de-DE" dirty="0"/>
+          </a:p>
+        </p:txBody>
+      </p:sp>
+      <p:sp>
+        <p:nvSpPr>
+          <p:cNvPr id="4" name="Foliennummernplatzhalter 3"/>
+          <p:cNvSpPr>
+            <a:spLocks noGrp="1"/>
+          </p:cNvSpPr>
+          <p:nvPr>
+            <p:ph type="sldNum" sz="quarter" idx="5"/>
+          </p:nvPr>
+        </p:nvSpPr>
+        <p:spPr/>
+        <p:txBody>
+          <a:bodyPr/>
+          <a:lstStyle/>
+          <a:p>
+            <a:fld id="{BEF2A079-E7F8-4A78-8EEA-DD00A8D5DE37}" type="slidenum">
+              <a:rPr lang="de-AT" smtClean="0"/>
+              <a:t>13</a:t>
+            </a:fld>
+            <a:endParaRPr lang="de-AT"/>
+          </a:p>
+        </p:txBody>
+      </p:sp>
+    </p:spTree>
+    <p:extLst>
+      <p:ext uri="{BB962C8B-B14F-4D97-AF65-F5344CB8AC3E}">
+        <p14:creationId xmlns:p14="http://schemas.microsoft.com/office/powerpoint/2010/main" val="3842212350"/>
+      </p:ext>
+    </p:extLst>
+  </p:cSld>
+  <p:clrMapOvr>
+    <a:masterClrMapping/>
+  </p:clrMapOvr>
+</p:notes>
+</file>
+
+<file path=ppt/notesSlides/notesSlide13.xml><?xml version="1.0" encoding="utf-8"?>
+<p:notes xmlns:a="http://schemas.openxmlformats.org/drawingml/2006/main" xmlns:r="http://schemas.openxmlformats.org/officeDocument/2006/relationships" xmlns:p="http://schemas.openxmlformats.org/presentationml/2006/main">
+  <p:cSld>
+    <p:spTree>
+      <p:nvGrpSpPr>
+        <p:cNvPr id="1" name=""/>
+        <p:cNvGrpSpPr/>
+        <p:nvPr/>
+      </p:nvGrpSpPr>
+      <p:grpSpPr>
+        <a:xfrm>
+          <a:off x="0" y="0"/>
+          <a:ext cx="0" cy="0"/>
+          <a:chOff x="0" y="0"/>
+          <a:chExt cx="0" cy="0"/>
+        </a:xfrm>
+      </p:grpSpPr>
+      <p:sp>
+        <p:nvSpPr>
+          <p:cNvPr id="2" name="Folienbildplatzhalter 1"/>
+          <p:cNvSpPr>
+            <a:spLocks noGrp="1" noRot="1" noChangeAspect="1"/>
+          </p:cNvSpPr>
+          <p:nvPr>
+            <p:ph type="sldImg"/>
+          </p:nvPr>
+        </p:nvSpPr>
+        <p:spPr/>
+      </p:sp>
+      <p:sp>
+        <p:nvSpPr>
+          <p:cNvPr id="3" name="Notizenplatzhalter 2"/>
+          <p:cNvSpPr>
+            <a:spLocks noGrp="1"/>
+          </p:cNvSpPr>
+          <p:nvPr>
+            <p:ph type="body" idx="1"/>
+          </p:nvPr>
+        </p:nvSpPr>
+        <p:spPr/>
+        <p:txBody>
+          <a:bodyPr/>
+          <a:lstStyle/>
+          <a:p>
+            <a:endParaRPr lang="de-DE" dirty="0"/>
+          </a:p>
+        </p:txBody>
+      </p:sp>
+      <p:sp>
+        <p:nvSpPr>
+          <p:cNvPr id="4" name="Foliennummernplatzhalter 3"/>
+          <p:cNvSpPr>
+            <a:spLocks noGrp="1"/>
+          </p:cNvSpPr>
+          <p:nvPr>
+            <p:ph type="sldNum" sz="quarter" idx="5"/>
+          </p:nvPr>
+        </p:nvSpPr>
+        <p:spPr/>
+        <p:txBody>
+          <a:bodyPr/>
+          <a:lstStyle/>
+          <a:p>
+            <a:fld id="{BEF2A079-E7F8-4A78-8EEA-DD00A8D5DE37}" type="slidenum">
+              <a:rPr lang="de-AT" smtClean="0"/>
+              <a:t>14</a:t>
+            </a:fld>
+            <a:endParaRPr lang="de-AT"/>
+          </a:p>
+        </p:txBody>
+      </p:sp>
+    </p:spTree>
+    <p:extLst>
+      <p:ext uri="{BB962C8B-B14F-4D97-AF65-F5344CB8AC3E}">
+        <p14:creationId xmlns:p14="http://schemas.microsoft.com/office/powerpoint/2010/main" val="978327561"/>
+      </p:ext>
+    </p:extLst>
+  </p:cSld>
+  <p:clrMapOvr>
+    <a:masterClrMapping/>
+  </p:clrMapOvr>
+</p:notes>
+</file>
+
+<file path=ppt/notesSlides/notesSlide14.xml><?xml version="1.0" encoding="utf-8"?>
+<p:notes xmlns:a="http://schemas.openxmlformats.org/drawingml/2006/main" xmlns:r="http://schemas.openxmlformats.org/officeDocument/2006/relationships" xmlns:p="http://schemas.openxmlformats.org/presentationml/2006/main">
+  <p:cSld>
+    <p:spTree>
+      <p:nvGrpSpPr>
+        <p:cNvPr id="1" name=""/>
+        <p:cNvGrpSpPr/>
+        <p:nvPr/>
+      </p:nvGrpSpPr>
+      <p:grpSpPr>
+        <a:xfrm>
+          <a:off x="0" y="0"/>
+          <a:ext cx="0" cy="0"/>
+          <a:chOff x="0" y="0"/>
+          <a:chExt cx="0" cy="0"/>
+        </a:xfrm>
+      </p:grpSpPr>
+      <p:sp>
+        <p:nvSpPr>
+          <p:cNvPr id="2" name="Folienbildplatzhalter 1"/>
+          <p:cNvSpPr>
+            <a:spLocks noGrp="1" noRot="1" noChangeAspect="1"/>
+          </p:cNvSpPr>
+          <p:nvPr>
+            <p:ph type="sldImg"/>
+          </p:nvPr>
+        </p:nvSpPr>
+        <p:spPr/>
+      </p:sp>
+      <p:sp>
+        <p:nvSpPr>
+          <p:cNvPr id="3" name="Notizenplatzhalter 2"/>
+          <p:cNvSpPr>
+            <a:spLocks noGrp="1"/>
+          </p:cNvSpPr>
+          <p:nvPr>
+            <p:ph type="body" idx="1"/>
+          </p:nvPr>
+        </p:nvSpPr>
+        <p:spPr/>
+        <p:txBody>
+          <a:bodyPr/>
+          <a:lstStyle/>
+          <a:p>
+            <a:endParaRPr lang="de-DE" dirty="0"/>
+          </a:p>
+        </p:txBody>
+      </p:sp>
+      <p:sp>
+        <p:nvSpPr>
+          <p:cNvPr id="4" name="Foliennummernplatzhalter 3"/>
+          <p:cNvSpPr>
+            <a:spLocks noGrp="1"/>
+          </p:cNvSpPr>
+          <p:nvPr>
+            <p:ph type="sldNum" sz="quarter" idx="5"/>
+          </p:nvPr>
+        </p:nvSpPr>
+        <p:spPr/>
+        <p:txBody>
+          <a:bodyPr/>
+          <a:lstStyle/>
+          <a:p>
+            <a:fld id="{BEF2A079-E7F8-4A78-8EEA-DD00A8D5DE37}" type="slidenum">
+              <a:rPr lang="de-AT" smtClean="0"/>
+              <a:t>15</a:t>
+            </a:fld>
+            <a:endParaRPr lang="de-AT"/>
+          </a:p>
+        </p:txBody>
+      </p:sp>
+    </p:spTree>
+    <p:extLst>
+      <p:ext uri="{BB962C8B-B14F-4D97-AF65-F5344CB8AC3E}">
+        <p14:creationId xmlns:p14="http://schemas.microsoft.com/office/powerpoint/2010/main" val="353408568"/>
+      </p:ext>
+    </p:extLst>
+  </p:cSld>
+  <p:clrMapOvr>
+    <a:masterClrMapping/>
+  </p:clrMapOvr>
+</p:notes>
+</file>
+
+<file path=ppt/notesSlides/notesSlide15.xml><?xml version="1.0" encoding="utf-8"?>
+<p:notes xmlns:a="http://schemas.openxmlformats.org/drawingml/2006/main" xmlns:r="http://schemas.openxmlformats.org/officeDocument/2006/relationships" xmlns:p="http://schemas.openxmlformats.org/presentationml/2006/main">
+  <p:cSld>
+    <p:spTree>
+      <p:nvGrpSpPr>
+        <p:cNvPr id="1" name=""/>
+        <p:cNvGrpSpPr/>
+        <p:nvPr/>
+      </p:nvGrpSpPr>
+      <p:grpSpPr>
+        <a:xfrm>
+          <a:off x="0" y="0"/>
+          <a:ext cx="0" cy="0"/>
+          <a:chOff x="0" y="0"/>
+          <a:chExt cx="0" cy="0"/>
+        </a:xfrm>
+      </p:grpSpPr>
+      <p:sp>
+        <p:nvSpPr>
+          <p:cNvPr id="2" name="Folienbildplatzhalter 1"/>
+          <p:cNvSpPr>
+            <a:spLocks noGrp="1" noRot="1" noChangeAspect="1"/>
+          </p:cNvSpPr>
+          <p:nvPr>
+            <p:ph type="sldImg"/>
+          </p:nvPr>
+        </p:nvSpPr>
+        <p:spPr/>
+      </p:sp>
+      <p:sp>
+        <p:nvSpPr>
+          <p:cNvPr id="3" name="Notizenplatzhalter 2"/>
+          <p:cNvSpPr>
+            <a:spLocks noGrp="1"/>
+          </p:cNvSpPr>
+          <p:nvPr>
+            <p:ph type="body" idx="1"/>
+          </p:nvPr>
+        </p:nvSpPr>
+        <p:spPr/>
+        <p:txBody>
+          <a:bodyPr/>
+          <a:lstStyle/>
+          <a:p>
+            <a:endParaRPr lang="de-DE" dirty="0"/>
+          </a:p>
+        </p:txBody>
+      </p:sp>
+      <p:sp>
+        <p:nvSpPr>
+          <p:cNvPr id="4" name="Foliennummernplatzhalter 3"/>
+          <p:cNvSpPr>
+            <a:spLocks noGrp="1"/>
+          </p:cNvSpPr>
+          <p:nvPr>
+            <p:ph type="sldNum" sz="quarter" idx="5"/>
+          </p:nvPr>
+        </p:nvSpPr>
+        <p:spPr/>
+        <p:txBody>
+          <a:bodyPr/>
+          <a:lstStyle/>
+          <a:p>
+            <a:fld id="{BEF2A079-E7F8-4A78-8EEA-DD00A8D5DE37}" type="slidenum">
+              <a:rPr lang="de-AT" smtClean="0"/>
+              <a:t>16</a:t>
+            </a:fld>
+            <a:endParaRPr lang="de-AT"/>
+          </a:p>
+        </p:txBody>
+      </p:sp>
+    </p:spTree>
+    <p:extLst>
+      <p:ext uri="{BB962C8B-B14F-4D97-AF65-F5344CB8AC3E}">
+        <p14:creationId xmlns:p14="http://schemas.microsoft.com/office/powerpoint/2010/main" val="2763388440"/>
+      </p:ext>
+    </p:extLst>
+  </p:cSld>
+  <p:clrMapOvr>
+    <a:masterClrMapping/>
+  </p:clrMapOvr>
+</p:notes>
+</file>
+
+<file path=ppt/notesSlides/notesSlide16.xml><?xml version="1.0" encoding="utf-8"?>
+<p:notes xmlns:a="http://schemas.openxmlformats.org/drawingml/2006/main" xmlns:r="http://schemas.openxmlformats.org/officeDocument/2006/relationships" xmlns:p="http://schemas.openxmlformats.org/presentationml/2006/main">
+  <p:cSld>
+    <p:spTree>
+      <p:nvGrpSpPr>
+        <p:cNvPr id="1" name=""/>
+        <p:cNvGrpSpPr/>
+        <p:nvPr/>
+      </p:nvGrpSpPr>
+      <p:grpSpPr>
+        <a:xfrm>
+          <a:off x="0" y="0"/>
+          <a:ext cx="0" cy="0"/>
+          <a:chOff x="0" y="0"/>
+          <a:chExt cx="0" cy="0"/>
+        </a:xfrm>
+      </p:grpSpPr>
+      <p:sp>
+        <p:nvSpPr>
+          <p:cNvPr id="2" name="Folienbildplatzhalter 1"/>
+          <p:cNvSpPr>
+            <a:spLocks noGrp="1" noRot="1" noChangeAspect="1"/>
+          </p:cNvSpPr>
+          <p:nvPr>
+            <p:ph type="sldImg"/>
+          </p:nvPr>
+        </p:nvSpPr>
+        <p:spPr/>
+      </p:sp>
+      <p:sp>
+        <p:nvSpPr>
+          <p:cNvPr id="3" name="Notizenplatzhalter 2"/>
+          <p:cNvSpPr>
+            <a:spLocks noGrp="1"/>
+          </p:cNvSpPr>
+          <p:nvPr>
+            <p:ph type="body" idx="1"/>
+          </p:nvPr>
+        </p:nvSpPr>
+        <p:spPr/>
+        <p:txBody>
+          <a:bodyPr/>
+          <a:lstStyle/>
+          <a:p>
+            <a:pPr lvl="0"/>
+            <a:r>
+              <a:rPr lang="de-DE" sz="1200" u="none" strike="noStrike" kern="1200" dirty="0">
+                <a:solidFill>
+                  <a:schemeClr val="tx1"/>
+                </a:solidFill>
+                <a:effectLst/>
+                <a:latin typeface="+mn-lt"/>
+                <a:ea typeface="+mn-ea"/>
+                <a:cs typeface="+mn-cs"/>
+              </a:rPr>
+              <a:t>Installation am Server: Herunterladen der benötigten Dateien und am Web Server anpassen; Installieren der CRM Lösung</a:t>
+            </a:r>
+            <a:endParaRPr lang="de-AT" sz="1200" u="none" strike="noStrike" kern="1200" dirty="0">
+              <a:solidFill>
+                <a:schemeClr val="tx1"/>
+              </a:solidFill>
+              <a:effectLst/>
+              <a:latin typeface="+mn-lt"/>
+              <a:ea typeface="+mn-ea"/>
+              <a:cs typeface="+mn-cs"/>
+            </a:endParaRPr>
+          </a:p>
+          <a:p>
+            <a:pPr lvl="0"/>
+            <a:r>
+              <a:rPr lang="de-DE" sz="1200" u="none" strike="noStrike" kern="1200" dirty="0">
+                <a:solidFill>
+                  <a:schemeClr val="tx1"/>
+                </a:solidFill>
+                <a:effectLst/>
+                <a:latin typeface="+mn-lt"/>
+                <a:ea typeface="+mn-ea"/>
+                <a:cs typeface="+mn-cs"/>
+              </a:rPr>
+              <a:t>Datenimport: Kontakte und weiter wichtige Daten importieren </a:t>
+            </a:r>
+            <a:endParaRPr lang="de-AT" sz="1200" u="none" strike="noStrike" kern="1200" dirty="0">
+              <a:solidFill>
+                <a:schemeClr val="tx1"/>
+              </a:solidFill>
+              <a:effectLst/>
+              <a:latin typeface="+mn-lt"/>
+              <a:ea typeface="+mn-ea"/>
+              <a:cs typeface="+mn-cs"/>
+            </a:endParaRPr>
+          </a:p>
+          <a:p>
+            <a:pPr lvl="0"/>
+            <a:r>
+              <a:rPr lang="de-DE" sz="1200" u="none" strike="noStrike" kern="1200" dirty="0">
+                <a:solidFill>
+                  <a:schemeClr val="tx1"/>
+                </a:solidFill>
+                <a:effectLst/>
+                <a:latin typeface="+mn-lt"/>
+                <a:ea typeface="+mn-ea"/>
+                <a:cs typeface="+mn-cs"/>
+              </a:rPr>
+              <a:t>Sich mit dem System auseinandersetzen/vertraut machen: Benutzerhandbuch (wenn vorhanden) durchlesen, Tutorials anschauen</a:t>
+            </a:r>
+            <a:endParaRPr lang="de-AT" sz="1200" u="none" strike="noStrike" kern="1200" dirty="0">
+              <a:solidFill>
+                <a:schemeClr val="tx1"/>
+              </a:solidFill>
+              <a:effectLst/>
+              <a:latin typeface="+mn-lt"/>
+              <a:ea typeface="+mn-ea"/>
+              <a:cs typeface="+mn-cs"/>
+            </a:endParaRPr>
+          </a:p>
+          <a:p>
+            <a:pPr lvl="0"/>
+            <a:r>
+              <a:rPr lang="de-DE" sz="1200" u="none" strike="noStrike" kern="1200" dirty="0">
+                <a:solidFill>
+                  <a:schemeClr val="tx1"/>
+                </a:solidFill>
+                <a:effectLst/>
+                <a:latin typeface="+mn-lt"/>
+                <a:ea typeface="+mn-ea"/>
+                <a:cs typeface="+mn-cs"/>
+              </a:rPr>
+              <a:t>Konfigurieren nach Anforderungen: System nach </a:t>
+            </a:r>
+            <a:r>
+              <a:rPr lang="de-DE" sz="1200" u="none" strike="noStrike" kern="1200" dirty="0" err="1">
+                <a:solidFill>
+                  <a:schemeClr val="tx1"/>
+                </a:solidFill>
+                <a:effectLst/>
+                <a:latin typeface="+mn-lt"/>
+                <a:ea typeface="+mn-ea"/>
+                <a:cs typeface="+mn-cs"/>
+              </a:rPr>
+              <a:t>need-to-have</a:t>
+            </a:r>
+            <a:r>
+              <a:rPr lang="de-DE" sz="1200" u="none" strike="noStrike" kern="1200" dirty="0">
+                <a:solidFill>
+                  <a:schemeClr val="tx1"/>
+                </a:solidFill>
+                <a:effectLst/>
+                <a:latin typeface="+mn-lt"/>
+                <a:ea typeface="+mn-ea"/>
+                <a:cs typeface="+mn-cs"/>
+              </a:rPr>
+              <a:t> Anforderungen anpassen und wenn möglich nice-</a:t>
+            </a:r>
+            <a:r>
+              <a:rPr lang="de-DE" sz="1200" u="none" strike="noStrike" kern="1200" dirty="0" err="1">
+                <a:solidFill>
+                  <a:schemeClr val="tx1"/>
+                </a:solidFill>
+                <a:effectLst/>
+                <a:latin typeface="+mn-lt"/>
+                <a:ea typeface="+mn-ea"/>
+                <a:cs typeface="+mn-cs"/>
+              </a:rPr>
+              <a:t>to</a:t>
+            </a:r>
+            <a:r>
+              <a:rPr lang="de-DE" sz="1200" u="none" strike="noStrike" kern="1200" dirty="0">
+                <a:solidFill>
+                  <a:schemeClr val="tx1"/>
+                </a:solidFill>
+                <a:effectLst/>
+                <a:latin typeface="+mn-lt"/>
+                <a:ea typeface="+mn-ea"/>
+                <a:cs typeface="+mn-cs"/>
+              </a:rPr>
+              <a:t>-</a:t>
+            </a:r>
+            <a:r>
+              <a:rPr lang="de-DE" sz="1200" u="none" strike="noStrike" kern="1200" dirty="0" err="1">
+                <a:solidFill>
+                  <a:schemeClr val="tx1"/>
+                </a:solidFill>
+                <a:effectLst/>
+                <a:latin typeface="+mn-lt"/>
+                <a:ea typeface="+mn-ea"/>
+                <a:cs typeface="+mn-cs"/>
+              </a:rPr>
+              <a:t>have</a:t>
+            </a:r>
+            <a:r>
+              <a:rPr lang="de-DE" sz="1200" u="none" strike="noStrike" kern="1200" dirty="0">
+                <a:solidFill>
+                  <a:schemeClr val="tx1"/>
+                </a:solidFill>
+                <a:effectLst/>
+                <a:latin typeface="+mn-lt"/>
+                <a:ea typeface="+mn-ea"/>
+                <a:cs typeface="+mn-cs"/>
+              </a:rPr>
+              <a:t> Features hinzufügen</a:t>
+            </a:r>
+            <a:endParaRPr lang="de-AT" sz="1200" u="none" strike="noStrike" kern="1200" dirty="0">
+              <a:solidFill>
+                <a:schemeClr val="tx1"/>
+              </a:solidFill>
+              <a:effectLst/>
+              <a:latin typeface="+mn-lt"/>
+              <a:ea typeface="+mn-ea"/>
+              <a:cs typeface="+mn-cs"/>
+            </a:endParaRPr>
+          </a:p>
+          <a:p>
+            <a:pPr lvl="0"/>
+            <a:r>
+              <a:rPr lang="de-DE" sz="1200" u="none" strike="noStrike" kern="1200" dirty="0">
+                <a:solidFill>
+                  <a:schemeClr val="tx1"/>
+                </a:solidFill>
+                <a:effectLst/>
+                <a:latin typeface="+mn-lt"/>
+                <a:ea typeface="+mn-ea"/>
+                <a:cs typeface="+mn-cs"/>
+              </a:rPr>
+              <a:t>Optimieren zwecks Usability: Design benutzerfreundlich gestalten, wichtige Funktionen leicht auffindbar machen</a:t>
+            </a:r>
+            <a:endParaRPr lang="de-AT" sz="1200" u="none" strike="noStrike" kern="1200" dirty="0">
+              <a:solidFill>
+                <a:schemeClr val="tx1"/>
+              </a:solidFill>
+              <a:effectLst/>
+              <a:latin typeface="+mn-lt"/>
+              <a:ea typeface="+mn-ea"/>
+              <a:cs typeface="+mn-cs"/>
+            </a:endParaRPr>
+          </a:p>
+          <a:p>
+            <a:pPr lvl="0"/>
+            <a:r>
+              <a:rPr lang="de-DE" sz="1200" u="none" strike="noStrike" kern="1200" dirty="0">
+                <a:solidFill>
+                  <a:schemeClr val="tx1"/>
+                </a:solidFill>
+                <a:effectLst/>
+                <a:latin typeface="+mn-lt"/>
+                <a:ea typeface="+mn-ea"/>
+                <a:cs typeface="+mn-cs"/>
+              </a:rPr>
+              <a:t>Testen: Überprüfen aller benötigten Funktionen</a:t>
+            </a:r>
+            <a:endParaRPr lang="de-AT" sz="1200" u="none" strike="noStrike" kern="1200" dirty="0">
+              <a:solidFill>
+                <a:schemeClr val="tx1"/>
+              </a:solidFill>
+              <a:effectLst/>
+              <a:latin typeface="+mn-lt"/>
+              <a:ea typeface="+mn-ea"/>
+              <a:cs typeface="+mn-cs"/>
+            </a:endParaRPr>
+          </a:p>
+          <a:p>
+            <a:pPr lvl="0"/>
+            <a:r>
+              <a:rPr lang="de-DE" sz="1200" u="none" strike="noStrike" kern="1200" dirty="0">
+                <a:solidFill>
+                  <a:schemeClr val="tx1"/>
+                </a:solidFill>
+                <a:effectLst/>
+                <a:latin typeface="+mn-lt"/>
+                <a:ea typeface="+mn-ea"/>
+                <a:cs typeface="+mn-cs"/>
+              </a:rPr>
+              <a:t>Einschulung mittels Workshop: Benutzerhandbuch schreiben, alle Funktionalitäten den Benutzern/Administratoren zeigen und vermitteln</a:t>
+            </a:r>
+            <a:endParaRPr lang="de-AT" sz="1200" u="none" strike="noStrike" kern="1200" dirty="0">
+              <a:solidFill>
+                <a:schemeClr val="tx1"/>
+              </a:solidFill>
+              <a:effectLst/>
+              <a:latin typeface="+mn-lt"/>
+              <a:ea typeface="+mn-ea"/>
+              <a:cs typeface="+mn-cs"/>
+            </a:endParaRPr>
+          </a:p>
+        </p:txBody>
+      </p:sp>
+      <p:sp>
+        <p:nvSpPr>
+          <p:cNvPr id="4" name="Foliennummernplatzhalter 3"/>
+          <p:cNvSpPr>
+            <a:spLocks noGrp="1"/>
+          </p:cNvSpPr>
+          <p:nvPr>
+            <p:ph type="sldNum" sz="quarter" idx="10"/>
+          </p:nvPr>
+        </p:nvSpPr>
+        <p:spPr/>
+        <p:txBody>
+          <a:bodyPr/>
+          <a:lstStyle/>
+          <a:p>
+            <a:fld id="{BEF2A079-E7F8-4A78-8EEA-DD00A8D5DE37}" type="slidenum">
+              <a:rPr lang="de-AT" smtClean="0"/>
+              <a:t>17</a:t>
+            </a:fld>
+            <a:endParaRPr lang="de-AT"/>
+          </a:p>
+        </p:txBody>
+      </p:sp>
+    </p:spTree>
+    <p:extLst>
+      <p:ext uri="{BB962C8B-B14F-4D97-AF65-F5344CB8AC3E}">
+        <p14:creationId xmlns:p14="http://schemas.microsoft.com/office/powerpoint/2010/main" val="2539021950"/>
+      </p:ext>
+    </p:extLst>
+  </p:cSld>
+  <p:clrMapOvr>
+    <a:masterClrMapping/>
+  </p:clrMapOvr>
+</p:notes>
+</file>
+
+<file path=ppt/notesSlides/notesSlide17.xml><?xml version="1.0" encoding="utf-8"?>
+<p:notes xmlns:a="http://schemas.openxmlformats.org/drawingml/2006/main" xmlns:r="http://schemas.openxmlformats.org/officeDocument/2006/relationships" xmlns:p="http://schemas.openxmlformats.org/presentationml/2006/main">
+  <p:cSld>
+    <p:spTree>
+      <p:nvGrpSpPr>
+        <p:cNvPr id="1" name=""/>
+        <p:cNvGrpSpPr/>
+        <p:nvPr/>
+      </p:nvGrpSpPr>
+      <p:grpSpPr>
+        <a:xfrm>
+          <a:off x="0" y="0"/>
+          <a:ext cx="0" cy="0"/>
+          <a:chOff x="0" y="0"/>
+          <a:chExt cx="0" cy="0"/>
+        </a:xfrm>
+      </p:grpSpPr>
+      <p:sp>
+        <p:nvSpPr>
+          <p:cNvPr id="2" name="Folienbildplatzhalter 1"/>
+          <p:cNvSpPr>
+            <a:spLocks noGrp="1" noRot="1" noChangeAspect="1"/>
+          </p:cNvSpPr>
+          <p:nvPr>
+            <p:ph type="sldImg"/>
+          </p:nvPr>
+        </p:nvSpPr>
+        <p:spPr/>
+      </p:sp>
+      <p:sp>
+        <p:nvSpPr>
+          <p:cNvPr id="3" name="Notizenplatzhalter 2"/>
+          <p:cNvSpPr>
+            <a:spLocks noGrp="1"/>
+          </p:cNvSpPr>
+          <p:nvPr>
+            <p:ph type="body" idx="1"/>
+          </p:nvPr>
+        </p:nvSpPr>
+        <p:spPr/>
+        <p:txBody>
+          <a:bodyPr/>
+          <a:lstStyle/>
+          <a:p>
+            <a:endParaRPr lang="de-DE" dirty="0"/>
+          </a:p>
+        </p:txBody>
+      </p:sp>
+      <p:sp>
+        <p:nvSpPr>
+          <p:cNvPr id="4" name="Foliennummernplatzhalter 3"/>
+          <p:cNvSpPr>
+            <a:spLocks noGrp="1"/>
+          </p:cNvSpPr>
+          <p:nvPr>
+            <p:ph type="sldNum" sz="quarter" idx="5"/>
+          </p:nvPr>
+        </p:nvSpPr>
+        <p:spPr/>
+        <p:txBody>
+          <a:bodyPr/>
+          <a:lstStyle/>
+          <a:p>
+            <a:fld id="{BEF2A079-E7F8-4A78-8EEA-DD00A8D5DE37}" type="slidenum">
+              <a:rPr lang="de-AT" smtClean="0"/>
+              <a:t>18</a:t>
+            </a:fld>
+            <a:endParaRPr lang="de-AT"/>
+          </a:p>
+        </p:txBody>
+      </p:sp>
+    </p:spTree>
+    <p:extLst>
+      <p:ext uri="{BB962C8B-B14F-4D97-AF65-F5344CB8AC3E}">
+        <p14:creationId xmlns:p14="http://schemas.microsoft.com/office/powerpoint/2010/main" val="517328584"/>
+      </p:ext>
+    </p:extLst>
+  </p:cSld>
+  <p:clrMapOvr>
+    <a:masterClrMapping/>
+  </p:clrMapOvr>
+</p:notes>
+</file>
+
+<file path=ppt/notesSlides/notesSlide18.xml><?xml version="1.0" encoding="utf-8"?>
+<p:notes xmlns:a="http://schemas.openxmlformats.org/drawingml/2006/main" xmlns:r="http://schemas.openxmlformats.org/officeDocument/2006/relationships" xmlns:p="http://schemas.openxmlformats.org/presentationml/2006/main">
+  <p:cSld>
+    <p:spTree>
+      <p:nvGrpSpPr>
+        <p:cNvPr id="1" name=""/>
+        <p:cNvGrpSpPr/>
+        <p:nvPr/>
+      </p:nvGrpSpPr>
+      <p:grpSpPr>
+        <a:xfrm>
+          <a:off x="0" y="0"/>
+          <a:ext cx="0" cy="0"/>
+          <a:chOff x="0" y="0"/>
+          <a:chExt cx="0" cy="0"/>
+        </a:xfrm>
+      </p:grpSpPr>
+      <p:sp>
+        <p:nvSpPr>
+          <p:cNvPr id="2" name="Folienbildplatzhalter 1"/>
+          <p:cNvSpPr>
+            <a:spLocks noGrp="1" noRot="1" noChangeAspect="1"/>
+          </p:cNvSpPr>
+          <p:nvPr>
+            <p:ph type="sldImg"/>
+          </p:nvPr>
+        </p:nvSpPr>
+        <p:spPr/>
+      </p:sp>
+      <p:sp>
+        <p:nvSpPr>
+          <p:cNvPr id="3" name="Notizenplatzhalter 2"/>
+          <p:cNvSpPr>
+            <a:spLocks noGrp="1"/>
+          </p:cNvSpPr>
+          <p:nvPr>
+            <p:ph type="body" idx="1"/>
+          </p:nvPr>
+        </p:nvSpPr>
+        <p:spPr/>
+        <p:txBody>
+          <a:bodyPr/>
+          <a:lstStyle/>
+          <a:p>
+            <a:r>
+              <a:rPr lang="de-AT" dirty="0"/>
+              <a:t>Plan auf Tagesbasis dargestellt, da wir sich persönlich die </a:t>
+            </a:r>
+            <a:r>
+              <a:rPr lang="de-AT" dirty="0" err="1"/>
+              <a:t>uhrzeiten</a:t>
+            </a:r>
+            <a:r>
+              <a:rPr lang="de-AT" dirty="0"/>
+              <a:t> für </a:t>
+            </a:r>
+            <a:r>
+              <a:rPr lang="de-AT" dirty="0" err="1"/>
+              <a:t>meetings</a:t>
+            </a:r>
+            <a:r>
+              <a:rPr lang="de-AT" dirty="0"/>
+              <a:t> ausmachen und auch die </a:t>
+            </a:r>
+            <a:r>
+              <a:rPr lang="de-AT" dirty="0" err="1"/>
+              <a:t>zeiterfassung</a:t>
+            </a:r>
+            <a:r>
+              <a:rPr lang="de-AT" dirty="0"/>
+              <a:t> /</a:t>
+            </a:r>
+            <a:r>
+              <a:rPr lang="de-AT" dirty="0" err="1"/>
+              <a:t>dokumenation</a:t>
+            </a:r>
+            <a:r>
+              <a:rPr lang="de-AT" dirty="0"/>
+              <a:t> separat erfolgt</a:t>
+            </a:r>
+          </a:p>
+          <a:p>
+            <a:r>
+              <a:rPr lang="de-AT" dirty="0"/>
+              <a:t>Balkendiagramm welches graphisch zeitliche Abfolge darstellt</a:t>
+            </a:r>
+          </a:p>
+        </p:txBody>
+      </p:sp>
+      <p:sp>
+        <p:nvSpPr>
+          <p:cNvPr id="4" name="Foliennummernplatzhalter 3"/>
+          <p:cNvSpPr>
+            <a:spLocks noGrp="1"/>
+          </p:cNvSpPr>
+          <p:nvPr>
+            <p:ph type="sldNum" sz="quarter" idx="10"/>
+          </p:nvPr>
+        </p:nvSpPr>
+        <p:spPr/>
+        <p:txBody>
+          <a:bodyPr/>
+          <a:lstStyle/>
+          <a:p>
+            <a:fld id="{BEF2A079-E7F8-4A78-8EEA-DD00A8D5DE37}" type="slidenum">
+              <a:rPr lang="de-AT" smtClean="0"/>
+              <a:t>19</a:t>
             </a:fld>
             <a:endParaRPr lang="de-AT"/>
           </a:p>
@@ -6294,7 +7182,7 @@
     </p:spTree>
     <p:extLst>
       <p:ext uri="{BB962C8B-B14F-4D97-AF65-F5344CB8AC3E}">
-        <p14:creationId xmlns:p14="http://schemas.microsoft.com/office/powerpoint/2010/main" val="2074546212"/>
+        <p14:creationId xmlns:p14="http://schemas.microsoft.com/office/powerpoint/2010/main" val="1606824353"/>
       </p:ext>
     </p:extLst>
   </p:cSld>
@@ -6378,7 +7266,7 @@
     </p:spTree>
     <p:extLst>
       <p:ext uri="{BB962C8B-B14F-4D97-AF65-F5344CB8AC3E}">
-        <p14:creationId xmlns:p14="http://schemas.microsoft.com/office/powerpoint/2010/main" val="3842212350"/>
+        <p14:creationId xmlns:p14="http://schemas.microsoft.com/office/powerpoint/2010/main" val="1601643140"/>
       </p:ext>
     </p:extLst>
   </p:cSld>
@@ -6462,7 +7350,7 @@
     </p:spTree>
     <p:extLst>
       <p:ext uri="{BB962C8B-B14F-4D97-AF65-F5344CB8AC3E}">
-        <p14:creationId xmlns:p14="http://schemas.microsoft.com/office/powerpoint/2010/main" val="2763388440"/>
+        <p14:creationId xmlns:p14="http://schemas.microsoft.com/office/powerpoint/2010/main" val="2950470686"/>
       </p:ext>
     </p:extLst>
   </p:cSld>
@@ -6516,244 +7404,7 @@
           <a:bodyPr/>
           <a:lstStyle/>
           <a:p>
-            <a:pPr lvl="0"/>
-            <a:r>
-              <a:rPr lang="de-DE" sz="1200" u="none" strike="noStrike" kern="1200" dirty="0">
-                <a:solidFill>
-                  <a:schemeClr val="tx1"/>
-                </a:solidFill>
-                <a:effectLst/>
-                <a:latin typeface="+mn-lt"/>
-                <a:ea typeface="+mn-ea"/>
-                <a:cs typeface="+mn-cs"/>
-              </a:rPr>
-              <a:t>Installation am Server: Herunterladen der benötigten Dateien und am Web Server anpassen; Installieren der CRM Lösung</a:t>
-            </a:r>
-            <a:endParaRPr lang="de-AT" sz="1200" u="none" strike="noStrike" kern="1200" dirty="0">
-              <a:solidFill>
-                <a:schemeClr val="tx1"/>
-              </a:solidFill>
-              <a:effectLst/>
-              <a:latin typeface="+mn-lt"/>
-              <a:ea typeface="+mn-ea"/>
-              <a:cs typeface="+mn-cs"/>
-            </a:endParaRPr>
-          </a:p>
-          <a:p>
-            <a:pPr lvl="0"/>
-            <a:r>
-              <a:rPr lang="de-DE" sz="1200" u="none" strike="noStrike" kern="1200" dirty="0">
-                <a:solidFill>
-                  <a:schemeClr val="tx1"/>
-                </a:solidFill>
-                <a:effectLst/>
-                <a:latin typeface="+mn-lt"/>
-                <a:ea typeface="+mn-ea"/>
-                <a:cs typeface="+mn-cs"/>
-              </a:rPr>
-              <a:t>Datenimport: Kontakte und weiter wichtige Daten importieren </a:t>
-            </a:r>
-            <a:endParaRPr lang="de-AT" sz="1200" u="none" strike="noStrike" kern="1200" dirty="0">
-              <a:solidFill>
-                <a:schemeClr val="tx1"/>
-              </a:solidFill>
-              <a:effectLst/>
-              <a:latin typeface="+mn-lt"/>
-              <a:ea typeface="+mn-ea"/>
-              <a:cs typeface="+mn-cs"/>
-            </a:endParaRPr>
-          </a:p>
-          <a:p>
-            <a:pPr lvl="0"/>
-            <a:r>
-              <a:rPr lang="de-DE" sz="1200" u="none" strike="noStrike" kern="1200" dirty="0">
-                <a:solidFill>
-                  <a:schemeClr val="tx1"/>
-                </a:solidFill>
-                <a:effectLst/>
-                <a:latin typeface="+mn-lt"/>
-                <a:ea typeface="+mn-ea"/>
-                <a:cs typeface="+mn-cs"/>
-              </a:rPr>
-              <a:t>Sich mit dem System auseinandersetzen/vertraut machen: Benutzerhandbuch (wenn vorhanden) durchlesen, Tutorials anschauen</a:t>
-            </a:r>
-            <a:endParaRPr lang="de-AT" sz="1200" u="none" strike="noStrike" kern="1200" dirty="0">
-              <a:solidFill>
-                <a:schemeClr val="tx1"/>
-              </a:solidFill>
-              <a:effectLst/>
-              <a:latin typeface="+mn-lt"/>
-              <a:ea typeface="+mn-ea"/>
-              <a:cs typeface="+mn-cs"/>
-            </a:endParaRPr>
-          </a:p>
-          <a:p>
-            <a:pPr lvl="0"/>
-            <a:r>
-              <a:rPr lang="de-DE" sz="1200" u="none" strike="noStrike" kern="1200" dirty="0">
-                <a:solidFill>
-                  <a:schemeClr val="tx1"/>
-                </a:solidFill>
-                <a:effectLst/>
-                <a:latin typeface="+mn-lt"/>
-                <a:ea typeface="+mn-ea"/>
-                <a:cs typeface="+mn-cs"/>
-              </a:rPr>
-              <a:t>Konfigurieren nach Anforderungen: System nach </a:t>
-            </a:r>
-            <a:r>
-              <a:rPr lang="de-DE" sz="1200" u="none" strike="noStrike" kern="1200" dirty="0" err="1">
-                <a:solidFill>
-                  <a:schemeClr val="tx1"/>
-                </a:solidFill>
-                <a:effectLst/>
-                <a:latin typeface="+mn-lt"/>
-                <a:ea typeface="+mn-ea"/>
-                <a:cs typeface="+mn-cs"/>
-              </a:rPr>
-              <a:t>need-to-have</a:t>
-            </a:r>
-            <a:r>
-              <a:rPr lang="de-DE" sz="1200" u="none" strike="noStrike" kern="1200" dirty="0">
-                <a:solidFill>
-                  <a:schemeClr val="tx1"/>
-                </a:solidFill>
-                <a:effectLst/>
-                <a:latin typeface="+mn-lt"/>
-                <a:ea typeface="+mn-ea"/>
-                <a:cs typeface="+mn-cs"/>
-              </a:rPr>
-              <a:t> Anforderungen anpassen und wenn möglich nice-</a:t>
-            </a:r>
-            <a:r>
-              <a:rPr lang="de-DE" sz="1200" u="none" strike="noStrike" kern="1200" dirty="0" err="1">
-                <a:solidFill>
-                  <a:schemeClr val="tx1"/>
-                </a:solidFill>
-                <a:effectLst/>
-                <a:latin typeface="+mn-lt"/>
-                <a:ea typeface="+mn-ea"/>
-                <a:cs typeface="+mn-cs"/>
-              </a:rPr>
-              <a:t>to</a:t>
-            </a:r>
-            <a:r>
-              <a:rPr lang="de-DE" sz="1200" u="none" strike="noStrike" kern="1200" dirty="0">
-                <a:solidFill>
-                  <a:schemeClr val="tx1"/>
-                </a:solidFill>
-                <a:effectLst/>
-                <a:latin typeface="+mn-lt"/>
-                <a:ea typeface="+mn-ea"/>
-                <a:cs typeface="+mn-cs"/>
-              </a:rPr>
-              <a:t>-</a:t>
-            </a:r>
-            <a:r>
-              <a:rPr lang="de-DE" sz="1200" u="none" strike="noStrike" kern="1200" dirty="0" err="1">
-                <a:solidFill>
-                  <a:schemeClr val="tx1"/>
-                </a:solidFill>
-                <a:effectLst/>
-                <a:latin typeface="+mn-lt"/>
-                <a:ea typeface="+mn-ea"/>
-                <a:cs typeface="+mn-cs"/>
-              </a:rPr>
-              <a:t>have</a:t>
-            </a:r>
-            <a:r>
-              <a:rPr lang="de-DE" sz="1200" u="none" strike="noStrike" kern="1200" dirty="0">
-                <a:solidFill>
-                  <a:schemeClr val="tx1"/>
-                </a:solidFill>
-                <a:effectLst/>
-                <a:latin typeface="+mn-lt"/>
-                <a:ea typeface="+mn-ea"/>
-                <a:cs typeface="+mn-cs"/>
-              </a:rPr>
-              <a:t> Features hinzufügen</a:t>
-            </a:r>
-            <a:endParaRPr lang="de-AT" sz="1200" u="none" strike="noStrike" kern="1200" dirty="0">
-              <a:solidFill>
-                <a:schemeClr val="tx1"/>
-              </a:solidFill>
-              <a:effectLst/>
-              <a:latin typeface="+mn-lt"/>
-              <a:ea typeface="+mn-ea"/>
-              <a:cs typeface="+mn-cs"/>
-            </a:endParaRPr>
-          </a:p>
-          <a:p>
-            <a:pPr lvl="0"/>
-            <a:r>
-              <a:rPr lang="de-DE" sz="1200" u="none" strike="noStrike" kern="1200" dirty="0">
-                <a:solidFill>
-                  <a:schemeClr val="tx1"/>
-                </a:solidFill>
-                <a:effectLst/>
-                <a:latin typeface="+mn-lt"/>
-                <a:ea typeface="+mn-ea"/>
-                <a:cs typeface="+mn-cs"/>
-              </a:rPr>
-              <a:t>Optimieren zwecks Usability: Design benutzerfreundlich gestalten, wichtige Funktionen leicht auffindbar machen</a:t>
-            </a:r>
-            <a:endParaRPr lang="de-AT" sz="1200" u="none" strike="noStrike" kern="1200" dirty="0">
-              <a:solidFill>
-                <a:schemeClr val="tx1"/>
-              </a:solidFill>
-              <a:effectLst/>
-              <a:latin typeface="+mn-lt"/>
-              <a:ea typeface="+mn-ea"/>
-              <a:cs typeface="+mn-cs"/>
-            </a:endParaRPr>
-          </a:p>
-          <a:p>
-            <a:pPr lvl="0"/>
-            <a:r>
-              <a:rPr lang="de-DE" sz="1200" u="none" strike="noStrike" kern="1200" dirty="0">
-                <a:solidFill>
-                  <a:schemeClr val="tx1"/>
-                </a:solidFill>
-                <a:effectLst/>
-                <a:latin typeface="+mn-lt"/>
-                <a:ea typeface="+mn-ea"/>
-                <a:cs typeface="+mn-cs"/>
-              </a:rPr>
-              <a:t>Testen: Überprüfen aller benötigten Funktionen</a:t>
-            </a:r>
-            <a:endParaRPr lang="de-AT" sz="1200" u="none" strike="noStrike" kern="1200" dirty="0">
-              <a:solidFill>
-                <a:schemeClr val="tx1"/>
-              </a:solidFill>
-              <a:effectLst/>
-              <a:latin typeface="+mn-lt"/>
-              <a:ea typeface="+mn-ea"/>
-              <a:cs typeface="+mn-cs"/>
-            </a:endParaRPr>
-          </a:p>
-          <a:p>
-            <a:pPr lvl="0"/>
-            <a:r>
-              <a:rPr lang="de-DE" sz="1200" u="none" strike="noStrike" kern="1200" dirty="0">
-                <a:solidFill>
-                  <a:schemeClr val="tx1"/>
-                </a:solidFill>
-                <a:effectLst/>
-                <a:latin typeface="+mn-lt"/>
-                <a:ea typeface="+mn-ea"/>
-                <a:cs typeface="+mn-cs"/>
-              </a:rPr>
-              <a:t>Einschulung mittels Workshop: Benutzerhandbuch schreiben, alle Funktionalitäten den Benutzern/Administratoren zeigen und vermitteln</a:t>
-            </a:r>
-            <a:endParaRPr lang="de-AT" sz="1200" u="none" strike="noStrike" kern="1200" dirty="0">
-              <a:solidFill>
-                <a:schemeClr val="tx1"/>
-              </a:solidFill>
-              <a:effectLst/>
-              <a:latin typeface="+mn-lt"/>
-              <a:ea typeface="+mn-ea"/>
-              <a:cs typeface="+mn-cs"/>
-            </a:endParaRPr>
+            <a:endParaRPr lang="de-DE" dirty="0"/>
           </a:p>
         </p:txBody>
       </p:sp>
@@ -6764,7 +7415,7 @@
             <a:spLocks noGrp="1"/>
           </p:cNvSpPr>
           <p:nvPr>
-            <p:ph type="sldNum" sz="quarter" idx="10"/>
+            <p:ph type="sldNum" sz="quarter" idx="5"/>
           </p:nvPr>
         </p:nvSpPr>
         <p:spPr/>
@@ -6783,7 +7434,7 @@
     </p:spTree>
     <p:extLst>
       <p:ext uri="{BB962C8B-B14F-4D97-AF65-F5344CB8AC3E}">
-        <p14:creationId xmlns:p14="http://schemas.microsoft.com/office/powerpoint/2010/main" val="2539021950"/>
+        <p14:creationId xmlns:p14="http://schemas.microsoft.com/office/powerpoint/2010/main" val="404873917"/>
       </p:ext>
     </p:extLst>
   </p:cSld>
@@ -12414,6 +13065,2882 @@
           <a:chExt cx="0" cy="0"/>
         </a:xfrm>
       </p:grpSpPr>
+      <p:sp>
+        <p:nvSpPr>
+          <p:cNvPr id="2" name="Textplatzhalter 1">
+            <a:extLst>
+              <a:ext uri="{FF2B5EF4-FFF2-40B4-BE49-F238E27FC236}">
+                <a16:creationId xmlns:a16="http://schemas.microsoft.com/office/drawing/2014/main" id="{62C85FB2-1022-4081-ABAD-803398685F11}"/>
+              </a:ext>
+            </a:extLst>
+          </p:cNvPr>
+          <p:cNvSpPr>
+            <a:spLocks noGrp="1"/>
+          </p:cNvSpPr>
+          <p:nvPr>
+            <p:ph type="body" sz="quarter" idx="13"/>
+          </p:nvPr>
+        </p:nvSpPr>
+        <p:spPr>
+          <a:xfrm>
+            <a:off x="549322" y="1442838"/>
+            <a:ext cx="7938000" cy="4424400"/>
+          </a:xfrm>
+        </p:spPr>
+        <p:txBody>
+          <a:bodyPr/>
+          <a:lstStyle/>
+          <a:p>
+            <a:r>
+              <a:rPr lang="de-DE" u="sng" dirty="0"/>
+              <a:t> </a:t>
+            </a:r>
+          </a:p>
+        </p:txBody>
+      </p:sp>
+      <p:sp>
+        <p:nvSpPr>
+          <p:cNvPr id="4" name="Fußzeilenplatzhalter 3">
+            <a:extLst>
+              <a:ext uri="{FF2B5EF4-FFF2-40B4-BE49-F238E27FC236}">
+                <a16:creationId xmlns:a16="http://schemas.microsoft.com/office/drawing/2014/main" id="{506052DC-7049-4393-B1C5-754A14BCDAFA}"/>
+              </a:ext>
+            </a:extLst>
+          </p:cNvPr>
+          <p:cNvSpPr>
+            <a:spLocks noGrp="1"/>
+          </p:cNvSpPr>
+          <p:nvPr>
+            <p:ph type="ftr" sz="quarter" idx="16"/>
+          </p:nvPr>
+        </p:nvSpPr>
+        <p:spPr>
+          <a:xfrm>
+            <a:off x="4273550" y="6395540"/>
+            <a:ext cx="3086100" cy="365125"/>
+          </a:xfrm>
+        </p:spPr>
+        <p:txBody>
+          <a:bodyPr/>
+          <a:lstStyle/>
+          <a:p>
+            <a:r>
+              <a:rPr lang="de-AT" noProof="0" dirty="0"/>
+              <a:t>LVA-Nr.: 256.002</a:t>
+            </a:r>
+          </a:p>
+        </p:txBody>
+      </p:sp>
+      <p:sp>
+        <p:nvSpPr>
+          <p:cNvPr id="5" name="Foliennummernplatzhalter 4">
+            <a:extLst>
+              <a:ext uri="{FF2B5EF4-FFF2-40B4-BE49-F238E27FC236}">
+                <a16:creationId xmlns:a16="http://schemas.microsoft.com/office/drawing/2014/main" id="{5BE28071-B805-4E3A-8BBA-20469274180D}"/>
+              </a:ext>
+            </a:extLst>
+          </p:cNvPr>
+          <p:cNvSpPr>
+            <a:spLocks noGrp="1"/>
+          </p:cNvSpPr>
+          <p:nvPr>
+            <p:ph type="sldNum" sz="quarter" idx="17"/>
+          </p:nvPr>
+        </p:nvSpPr>
+        <p:spPr/>
+        <p:txBody>
+          <a:bodyPr/>
+          <a:lstStyle/>
+          <a:p>
+            <a:fld id="{68F3185B-C653-42AE-8B74-FF214C291574}" type="slidenum">
+              <a:rPr lang="en-US" smtClean="0"/>
+              <a:pPr/>
+              <a:t>10</a:t>
+            </a:fld>
+            <a:endParaRPr lang="en-US"/>
+          </a:p>
+        </p:txBody>
+      </p:sp>
+      <p:sp>
+        <p:nvSpPr>
+          <p:cNvPr id="6" name="Titel 5">
+            <a:extLst>
+              <a:ext uri="{FF2B5EF4-FFF2-40B4-BE49-F238E27FC236}">
+                <a16:creationId xmlns:a16="http://schemas.microsoft.com/office/drawing/2014/main" id="{ECD1BE86-B780-416C-8EAA-2B4B75B29378}"/>
+              </a:ext>
+            </a:extLst>
+          </p:cNvPr>
+          <p:cNvSpPr>
+            <a:spLocks noGrp="1"/>
+          </p:cNvSpPr>
+          <p:nvPr>
+            <p:ph type="title"/>
+          </p:nvPr>
+        </p:nvSpPr>
+        <p:spPr/>
+        <p:txBody>
+          <a:bodyPr/>
+          <a:lstStyle/>
+          <a:p>
+            <a:r>
+              <a:rPr lang="de-AT" sz="3200" dirty="0"/>
+              <a:t>Abstimmung erhobener Anforderungen</a:t>
+            </a:r>
+            <a:endParaRPr lang="de-AT" dirty="0"/>
+          </a:p>
+        </p:txBody>
+      </p:sp>
+      <p:graphicFrame>
+        <p:nvGraphicFramePr>
+          <p:cNvPr id="8" name="Tabelle 7">
+            <a:extLst>
+              <a:ext uri="{FF2B5EF4-FFF2-40B4-BE49-F238E27FC236}">
+                <a16:creationId xmlns:a16="http://schemas.microsoft.com/office/drawing/2014/main" id="{331FEEE3-19CB-D743-9CAB-D460F7FC9EB0}"/>
+              </a:ext>
+            </a:extLst>
+          </p:cNvPr>
+          <p:cNvGraphicFramePr>
+            <a:graphicFrameLocks noGrp="1"/>
+          </p:cNvGraphicFramePr>
+          <p:nvPr>
+            <p:extLst>
+              <p:ext uri="{D42A27DB-BD31-4B8C-83A1-F6EECF244321}">
+                <p14:modId xmlns:p14="http://schemas.microsoft.com/office/powerpoint/2010/main" val="3576696596"/>
+              </p:ext>
+            </p:extLst>
+          </p:nvPr>
+        </p:nvGraphicFramePr>
+        <p:xfrm>
+          <a:off x="304006" y="1567152"/>
+          <a:ext cx="8183316" cy="4488374"/>
+        </p:xfrm>
+        <a:graphic>
+          <a:graphicData uri="http://schemas.openxmlformats.org/drawingml/2006/table">
+            <a:tbl>
+              <a:tblPr>
+                <a:tableStyleId>{5C22544A-7EE6-4342-B048-85BDC9FD1C3A}</a:tableStyleId>
+              </a:tblPr>
+              <a:tblGrid>
+                <a:gridCol w="8183316">
+                  <a:extLst>
+                    <a:ext uri="{9D8B030D-6E8A-4147-A177-3AD203B41FA5}">
+                      <a16:colId xmlns:a16="http://schemas.microsoft.com/office/drawing/2014/main" val="318561346"/>
+                    </a:ext>
+                  </a:extLst>
+                </a:gridCol>
+              </a:tblGrid>
+              <a:tr h="1623945">
+                <a:tc>
+                  <a:txBody>
+                    <a:bodyPr/>
+                    <a:lstStyle/>
+                    <a:p>
+                      <a:pPr algn="l" fontAlgn="t"/>
+                      <a:r>
+                        <a:rPr lang="de-AT" sz="1400" u="none" strike="noStrike" dirty="0">
+                          <a:effectLst/>
+                          <a:latin typeface="+mn-lt"/>
+                        </a:rPr>
+                        <a:t>Wie soll das Event-Management funktionieren? (Zukünftig / Soll Anforderungen)</a:t>
+                      </a:r>
+                    </a:p>
+                    <a:p>
+                      <a:pPr algn="l" fontAlgn="t"/>
+                      <a:r>
+                        <a:rPr lang="de-AT" sz="1400" u="none" strike="noStrike" dirty="0">
+                          <a:effectLst/>
+                          <a:latin typeface="+mn-lt"/>
+                        </a:rPr>
+                        <a:t>Was soll es machen?</a:t>
+                      </a:r>
+                    </a:p>
+                    <a:p>
+                      <a:pPr algn="l" fontAlgn="t"/>
+                      <a:endParaRPr lang="de-AT" sz="1400" u="none" strike="noStrike" dirty="0">
+                        <a:effectLst/>
+                        <a:latin typeface="+mn-lt"/>
+                      </a:endParaRPr>
+                    </a:p>
+                    <a:p>
+                      <a:pPr algn="l" fontAlgn="t"/>
+                      <a:r>
+                        <a:rPr lang="de-AT" sz="1400" u="none" strike="noStrike" dirty="0">
+                          <a:effectLst/>
+                          <a:latin typeface="+mn-lt"/>
+                        </a:rPr>
+                        <a:t>Angela: </a:t>
+                      </a:r>
+                    </a:p>
+                    <a:p>
+                      <a:pPr algn="l" fontAlgn="t"/>
+                      <a:r>
+                        <a:rPr lang="de-AT" sz="1400" u="none" strike="noStrike" dirty="0">
+                          <a:effectLst/>
+                          <a:latin typeface="+mn-lt"/>
+                        </a:rPr>
+                        <a:t>Event was angelegt wird, mehr nicht.. Chat-Funktion oder Kommentarfeld--&gt; eher Kommentarfeld.. Kein Kalender verfügbar</a:t>
+                      </a:r>
+                    </a:p>
+                    <a:p>
+                      <a:pPr algn="l" fontAlgn="t"/>
+                      <a:endParaRPr lang="de-AT" sz="1400" b="0" i="0" u="none" strike="noStrike" dirty="0">
+                        <a:solidFill>
+                          <a:srgbClr val="000000"/>
+                        </a:solidFill>
+                        <a:effectLst/>
+                        <a:latin typeface="+mn-lt"/>
+                      </a:endParaRPr>
+                    </a:p>
+                    <a:p>
+                      <a:pPr algn="l" fontAlgn="t"/>
+                      <a:r>
+                        <a:rPr lang="de-AT" sz="1400" b="0" i="0" u="none" strike="noStrike" dirty="0">
+                          <a:solidFill>
+                            <a:srgbClr val="000000"/>
+                          </a:solidFill>
+                          <a:effectLst/>
+                          <a:latin typeface="+mn-lt"/>
+                        </a:rPr>
+                        <a:t>Barbara :</a:t>
+                      </a:r>
+                    </a:p>
+                    <a:p>
+                      <a:pPr algn="l" fontAlgn="t"/>
+                      <a:r>
+                        <a:rPr lang="de-AT" sz="1400" b="0" i="0" u="none" strike="noStrike" dirty="0">
+                          <a:solidFill>
+                            <a:srgbClr val="000000"/>
+                          </a:solidFill>
+                          <a:effectLst/>
+                          <a:latin typeface="+mn-lt"/>
+                        </a:rPr>
+                        <a:t>gut und einfach.. Erwarten, dass wir einfach eine Liste der Leute erstellen können die wir zu bestimmten Events einladen können.. Selbst ohne technische Hilfe Mails verschicken können.. Status einfach umändern können.. Dass wir sortieren </a:t>
+                      </a:r>
+                      <a:r>
+                        <a:rPr lang="de-AT" sz="1400" b="0" i="0" u="none" strike="noStrike" dirty="0" err="1">
+                          <a:solidFill>
+                            <a:srgbClr val="000000"/>
+                          </a:solidFill>
+                          <a:effectLst/>
+                          <a:latin typeface="+mn-lt"/>
+                        </a:rPr>
+                        <a:t>konnen</a:t>
+                      </a:r>
+                      <a:r>
+                        <a:rPr lang="de-AT" sz="1400" b="0" i="0" u="none" strike="noStrike" dirty="0">
+                          <a:solidFill>
+                            <a:srgbClr val="000000"/>
+                          </a:solidFill>
+                          <a:effectLst/>
+                          <a:latin typeface="+mn-lt"/>
+                        </a:rPr>
+                        <a:t> (nach </a:t>
+                      </a:r>
+                      <a:r>
+                        <a:rPr lang="de-AT" sz="1400" b="0" i="0" u="none" strike="noStrike" dirty="0" err="1">
+                          <a:solidFill>
+                            <a:srgbClr val="000000"/>
+                          </a:solidFill>
+                          <a:effectLst/>
+                          <a:latin typeface="+mn-lt"/>
+                        </a:rPr>
+                        <a:t>accept</a:t>
+                      </a:r>
+                      <a:r>
+                        <a:rPr lang="de-AT" sz="1400" b="0" i="0" u="none" strike="noStrike" dirty="0">
+                          <a:solidFill>
+                            <a:srgbClr val="000000"/>
+                          </a:solidFill>
+                          <a:effectLst/>
+                          <a:latin typeface="+mn-lt"/>
+                        </a:rPr>
+                        <a:t> und </a:t>
+                      </a:r>
+                      <a:r>
+                        <a:rPr lang="de-AT" sz="1400" b="0" i="0" u="none" strike="noStrike" dirty="0" err="1">
+                          <a:solidFill>
+                            <a:srgbClr val="000000"/>
+                          </a:solidFill>
+                          <a:effectLst/>
+                          <a:latin typeface="+mn-lt"/>
+                        </a:rPr>
+                        <a:t>decline</a:t>
+                      </a:r>
+                      <a:r>
+                        <a:rPr lang="de-AT" sz="1400" b="0" i="0" u="none" strike="noStrike" dirty="0">
+                          <a:solidFill>
+                            <a:srgbClr val="000000"/>
+                          </a:solidFill>
+                          <a:effectLst/>
+                          <a:latin typeface="+mn-lt"/>
+                        </a:rPr>
+                        <a:t> und nicht beantwortet) </a:t>
+                      </a:r>
+                      <a:r>
+                        <a:rPr lang="de-AT" sz="1400" b="0" i="0" u="none" strike="noStrike" dirty="0" err="1">
+                          <a:solidFill>
+                            <a:srgbClr val="000000"/>
+                          </a:solidFill>
+                          <a:effectLst/>
+                          <a:latin typeface="+mn-lt"/>
+                        </a:rPr>
+                        <a:t>RemiderMail</a:t>
+                      </a:r>
+                      <a:r>
+                        <a:rPr lang="de-AT" sz="1400" b="0" i="0" u="none" strike="noStrike" dirty="0">
+                          <a:solidFill>
+                            <a:srgbClr val="000000"/>
+                          </a:solidFill>
+                          <a:effectLst/>
+                          <a:latin typeface="+mn-lt"/>
+                        </a:rPr>
+                        <a:t> an die, die nicht geantwortet haben.. Persönliche Ansprache wäre schön.. gibt es zurzeit nicht.. wünschenswert aber nicht höchste Priorität..</a:t>
+                      </a:r>
+                    </a:p>
+                    <a:p>
+                      <a:pPr algn="l" fontAlgn="t"/>
+                      <a:endParaRPr lang="de-AT" sz="1400" b="0" i="0" u="none" strike="noStrike" dirty="0">
+                        <a:solidFill>
+                          <a:srgbClr val="000000"/>
+                        </a:solidFill>
+                        <a:effectLst/>
+                        <a:latin typeface="+mn-lt"/>
+                      </a:endParaRPr>
+                    </a:p>
+                    <a:p>
+                      <a:pPr algn="l" fontAlgn="t"/>
+                      <a:r>
+                        <a:rPr lang="de-AT" sz="1400" b="0" i="0" u="none" strike="noStrike" dirty="0">
+                          <a:solidFill>
+                            <a:srgbClr val="000000"/>
+                          </a:solidFill>
+                          <a:effectLst/>
+                          <a:latin typeface="+mn-lt"/>
+                        </a:rPr>
+                        <a:t>David:</a:t>
+                      </a:r>
+                    </a:p>
+                    <a:p>
+                      <a:pPr algn="l" fontAlgn="t"/>
+                      <a:r>
+                        <a:rPr lang="de-AT" sz="1400" b="0" i="0" u="none" strike="noStrike" dirty="0">
+                          <a:solidFill>
+                            <a:srgbClr val="000000"/>
+                          </a:solidFill>
+                          <a:effectLst/>
+                          <a:latin typeface="+mn-lt"/>
+                        </a:rPr>
+                        <a:t>Einfacher.. Es soll uns ermöglichen, dass wir sehr viel selbst machen und nicht so viel auf den Techniker angewiesen..</a:t>
+                      </a:r>
+                    </a:p>
+                    <a:p>
+                      <a:pPr algn="l" fontAlgn="t"/>
+                      <a:endParaRPr lang="de-AT" sz="1400" b="0" i="0" u="none" strike="noStrike" dirty="0">
+                        <a:solidFill>
+                          <a:srgbClr val="000000"/>
+                        </a:solidFill>
+                        <a:effectLst/>
+                        <a:latin typeface="+mn-lt"/>
+                      </a:endParaRPr>
+                    </a:p>
+                    <a:p>
+                      <a:pPr algn="l" fontAlgn="t"/>
+                      <a:r>
+                        <a:rPr lang="de-AT" sz="1400" b="0" i="0" u="none" strike="noStrike" dirty="0">
+                          <a:solidFill>
+                            <a:srgbClr val="000000"/>
+                          </a:solidFill>
+                          <a:effectLst/>
+                          <a:latin typeface="+mn-lt"/>
+                        </a:rPr>
+                        <a:t>Einmalige Definition von Email-Templates</a:t>
+                      </a:r>
+                    </a:p>
+                    <a:p>
+                      <a:pPr algn="l" fontAlgn="t"/>
+                      <a:r>
+                        <a:rPr lang="de-AT" sz="1400" b="0" i="0" u="none" strike="noStrike" dirty="0">
+                          <a:solidFill>
+                            <a:srgbClr val="000000"/>
+                          </a:solidFill>
+                          <a:effectLst/>
+                          <a:latin typeface="+mn-lt"/>
+                        </a:rPr>
+                        <a:t>Erfordert Abstimmung</a:t>
+                      </a:r>
+                    </a:p>
+                    <a:p>
+                      <a:pPr algn="l" fontAlgn="t"/>
+                      <a:r>
+                        <a:rPr lang="de-AT" sz="1400" b="0" i="0" u="none" strike="noStrike" dirty="0">
+                          <a:solidFill>
+                            <a:srgbClr val="000000"/>
+                          </a:solidFill>
+                          <a:effectLst/>
+                          <a:latin typeface="+mn-lt"/>
+                        </a:rPr>
+                        <a:t>Folgend automatisiert</a:t>
+                      </a:r>
+                    </a:p>
+                  </a:txBody>
+                  <a:tcPr marL="7814" marR="7814" marT="7814" marB="0"/>
+                </a:tc>
+                <a:extLst>
+                  <a:ext uri="{0D108BD9-81ED-4DB2-BD59-A6C34878D82A}">
+                    <a16:rowId xmlns:a16="http://schemas.microsoft.com/office/drawing/2014/main" val="1853564704"/>
+                  </a:ext>
+                </a:extLst>
+              </a:tr>
+            </a:tbl>
+          </a:graphicData>
+        </a:graphic>
+      </p:graphicFrame>
+    </p:spTree>
+    <p:extLst>
+      <p:ext uri="{BB962C8B-B14F-4D97-AF65-F5344CB8AC3E}">
+        <p14:creationId xmlns:p14="http://schemas.microsoft.com/office/powerpoint/2010/main" val="3172665610"/>
+      </p:ext>
+    </p:extLst>
+  </p:cSld>
+  <p:clrMapOvr>
+    <a:masterClrMapping/>
+  </p:clrMapOvr>
+</p:sld>
+</file>
+
+<file path=ppt/slides/slide11.xml><?xml version="1.0" encoding="utf-8"?>
+<p:sld xmlns:a="http://schemas.openxmlformats.org/drawingml/2006/main" xmlns:r="http://schemas.openxmlformats.org/officeDocument/2006/relationships" xmlns:p="http://schemas.openxmlformats.org/presentationml/2006/main">
+  <p:cSld>
+    <p:spTree>
+      <p:nvGrpSpPr>
+        <p:cNvPr id="1" name=""/>
+        <p:cNvGrpSpPr/>
+        <p:nvPr/>
+      </p:nvGrpSpPr>
+      <p:grpSpPr>
+        <a:xfrm>
+          <a:off x="0" y="0"/>
+          <a:ext cx="0" cy="0"/>
+          <a:chOff x="0" y="0"/>
+          <a:chExt cx="0" cy="0"/>
+        </a:xfrm>
+      </p:grpSpPr>
+      <p:sp>
+        <p:nvSpPr>
+          <p:cNvPr id="2" name="Textplatzhalter 1">
+            <a:extLst>
+              <a:ext uri="{FF2B5EF4-FFF2-40B4-BE49-F238E27FC236}">
+                <a16:creationId xmlns:a16="http://schemas.microsoft.com/office/drawing/2014/main" id="{62C85FB2-1022-4081-ABAD-803398685F11}"/>
+              </a:ext>
+            </a:extLst>
+          </p:cNvPr>
+          <p:cNvSpPr>
+            <a:spLocks noGrp="1"/>
+          </p:cNvSpPr>
+          <p:nvPr>
+            <p:ph type="body" sz="quarter" idx="13"/>
+          </p:nvPr>
+        </p:nvSpPr>
+        <p:spPr>
+          <a:xfrm>
+            <a:off x="549322" y="1442838"/>
+            <a:ext cx="7938000" cy="4424400"/>
+          </a:xfrm>
+        </p:spPr>
+        <p:txBody>
+          <a:bodyPr/>
+          <a:lstStyle/>
+          <a:p>
+            <a:r>
+              <a:rPr lang="de-DE" u="sng" dirty="0"/>
+              <a:t> </a:t>
+            </a:r>
+          </a:p>
+        </p:txBody>
+      </p:sp>
+      <p:sp>
+        <p:nvSpPr>
+          <p:cNvPr id="4" name="Fußzeilenplatzhalter 3">
+            <a:extLst>
+              <a:ext uri="{FF2B5EF4-FFF2-40B4-BE49-F238E27FC236}">
+                <a16:creationId xmlns:a16="http://schemas.microsoft.com/office/drawing/2014/main" id="{506052DC-7049-4393-B1C5-754A14BCDAFA}"/>
+              </a:ext>
+            </a:extLst>
+          </p:cNvPr>
+          <p:cNvSpPr>
+            <a:spLocks noGrp="1"/>
+          </p:cNvSpPr>
+          <p:nvPr>
+            <p:ph type="ftr" sz="quarter" idx="16"/>
+          </p:nvPr>
+        </p:nvSpPr>
+        <p:spPr>
+          <a:xfrm>
+            <a:off x="4273550" y="6395540"/>
+            <a:ext cx="3086100" cy="365125"/>
+          </a:xfrm>
+        </p:spPr>
+        <p:txBody>
+          <a:bodyPr/>
+          <a:lstStyle/>
+          <a:p>
+            <a:r>
+              <a:rPr lang="de-AT" noProof="0" dirty="0"/>
+              <a:t>LVA-Nr.: 256.002</a:t>
+            </a:r>
+          </a:p>
+        </p:txBody>
+      </p:sp>
+      <p:sp>
+        <p:nvSpPr>
+          <p:cNvPr id="5" name="Foliennummernplatzhalter 4">
+            <a:extLst>
+              <a:ext uri="{FF2B5EF4-FFF2-40B4-BE49-F238E27FC236}">
+                <a16:creationId xmlns:a16="http://schemas.microsoft.com/office/drawing/2014/main" id="{5BE28071-B805-4E3A-8BBA-20469274180D}"/>
+              </a:ext>
+            </a:extLst>
+          </p:cNvPr>
+          <p:cNvSpPr>
+            <a:spLocks noGrp="1"/>
+          </p:cNvSpPr>
+          <p:nvPr>
+            <p:ph type="sldNum" sz="quarter" idx="17"/>
+          </p:nvPr>
+        </p:nvSpPr>
+        <p:spPr/>
+        <p:txBody>
+          <a:bodyPr/>
+          <a:lstStyle/>
+          <a:p>
+            <a:fld id="{68F3185B-C653-42AE-8B74-FF214C291574}" type="slidenum">
+              <a:rPr lang="en-US" smtClean="0"/>
+              <a:pPr/>
+              <a:t>11</a:t>
+            </a:fld>
+            <a:endParaRPr lang="en-US"/>
+          </a:p>
+        </p:txBody>
+      </p:sp>
+      <p:sp>
+        <p:nvSpPr>
+          <p:cNvPr id="6" name="Titel 5">
+            <a:extLst>
+              <a:ext uri="{FF2B5EF4-FFF2-40B4-BE49-F238E27FC236}">
+                <a16:creationId xmlns:a16="http://schemas.microsoft.com/office/drawing/2014/main" id="{ECD1BE86-B780-416C-8EAA-2B4B75B29378}"/>
+              </a:ext>
+            </a:extLst>
+          </p:cNvPr>
+          <p:cNvSpPr>
+            <a:spLocks noGrp="1"/>
+          </p:cNvSpPr>
+          <p:nvPr>
+            <p:ph type="title"/>
+          </p:nvPr>
+        </p:nvSpPr>
+        <p:spPr/>
+        <p:txBody>
+          <a:bodyPr/>
+          <a:lstStyle/>
+          <a:p>
+            <a:r>
+              <a:rPr lang="de-AT" sz="3200" dirty="0"/>
+              <a:t>Abstimmung erhobener Anforderungen</a:t>
+            </a:r>
+            <a:endParaRPr lang="de-AT" dirty="0"/>
+          </a:p>
+        </p:txBody>
+      </p:sp>
+      <p:graphicFrame>
+        <p:nvGraphicFramePr>
+          <p:cNvPr id="8" name="Tabelle 7">
+            <a:extLst>
+              <a:ext uri="{FF2B5EF4-FFF2-40B4-BE49-F238E27FC236}">
+                <a16:creationId xmlns:a16="http://schemas.microsoft.com/office/drawing/2014/main" id="{2856C229-9853-A047-8E63-4F7F06CA6C40}"/>
+              </a:ext>
+            </a:extLst>
+          </p:cNvPr>
+          <p:cNvGraphicFramePr>
+            <a:graphicFrameLocks noGrp="1"/>
+          </p:cNvGraphicFramePr>
+          <p:nvPr>
+            <p:extLst>
+              <p:ext uri="{D42A27DB-BD31-4B8C-83A1-F6EECF244321}">
+                <p14:modId xmlns:p14="http://schemas.microsoft.com/office/powerpoint/2010/main" val="3473615558"/>
+              </p:ext>
+            </p:extLst>
+          </p:nvPr>
+        </p:nvGraphicFramePr>
+        <p:xfrm>
+          <a:off x="340658" y="2008093"/>
+          <a:ext cx="8146663" cy="3423285"/>
+        </p:xfrm>
+        <a:graphic>
+          <a:graphicData uri="http://schemas.openxmlformats.org/drawingml/2006/table">
+            <a:tbl>
+              <a:tblPr>
+                <a:tableStyleId>{5C22544A-7EE6-4342-B048-85BDC9FD1C3A}</a:tableStyleId>
+              </a:tblPr>
+              <a:tblGrid>
+                <a:gridCol w="8146663">
+                  <a:extLst>
+                    <a:ext uri="{9D8B030D-6E8A-4147-A177-3AD203B41FA5}">
+                      <a16:colId xmlns:a16="http://schemas.microsoft.com/office/drawing/2014/main" val="1536547655"/>
+                    </a:ext>
+                  </a:extLst>
+                </a:gridCol>
+              </a:tblGrid>
+              <a:tr h="3098745">
+                <a:tc>
+                  <a:txBody>
+                    <a:bodyPr/>
+                    <a:lstStyle/>
+                    <a:p>
+                      <a:pPr algn="l" fontAlgn="t"/>
+                      <a:r>
+                        <a:rPr lang="de-AT" sz="1400" u="none" strike="noStrike" dirty="0">
+                          <a:effectLst/>
+                          <a:latin typeface="+mn-lt"/>
+                        </a:rPr>
+                        <a:t>Welche Arten ausgehender E-Mails werden unterstützt? (einzeln, </a:t>
+                      </a:r>
+                      <a:r>
+                        <a:rPr lang="de-AT" sz="1400" u="none" strike="noStrike" dirty="0" err="1">
+                          <a:effectLst/>
+                          <a:latin typeface="+mn-lt"/>
+                        </a:rPr>
+                        <a:t>massenmails</a:t>
+                      </a:r>
+                      <a:r>
+                        <a:rPr lang="de-AT" sz="1400" u="none" strike="noStrike" dirty="0">
+                          <a:effectLst/>
+                          <a:latin typeface="+mn-lt"/>
+                        </a:rPr>
+                        <a:t>?)</a:t>
+                      </a:r>
+                    </a:p>
+                    <a:p>
+                      <a:pPr algn="l" fontAlgn="t"/>
+                      <a:endParaRPr lang="de-AT" sz="1400" b="0" i="0" u="none" strike="noStrike" dirty="0">
+                        <a:solidFill>
+                          <a:srgbClr val="000000"/>
+                        </a:solidFill>
+                        <a:effectLst/>
+                        <a:latin typeface="+mn-lt"/>
+                      </a:endParaRPr>
+                    </a:p>
+                    <a:p>
+                      <a:pPr algn="l" fontAlgn="t"/>
+                      <a:endParaRPr lang="de-AT" sz="1400" b="0" i="0" u="none" strike="noStrike" dirty="0">
+                        <a:solidFill>
+                          <a:srgbClr val="000000"/>
+                        </a:solidFill>
+                        <a:effectLst/>
+                        <a:latin typeface="+mn-lt"/>
+                      </a:endParaRPr>
+                    </a:p>
+                    <a:p>
+                      <a:pPr algn="l" fontAlgn="t"/>
+                      <a:r>
+                        <a:rPr lang="de-AT" sz="1400" b="0" i="0" u="none" strike="noStrike" dirty="0">
+                          <a:solidFill>
+                            <a:srgbClr val="000000"/>
+                          </a:solidFill>
+                          <a:effectLst/>
+                          <a:latin typeface="+mn-lt"/>
+                        </a:rPr>
+                        <a:t>Angela: man kann beides --&gt; Serienbrief wäre gut.</a:t>
+                      </a:r>
+                    </a:p>
+                    <a:p>
+                      <a:pPr algn="l" fontAlgn="t"/>
+                      <a:endParaRPr lang="de-AT" sz="1400" b="0" i="0" u="none" strike="noStrike" dirty="0">
+                        <a:solidFill>
+                          <a:srgbClr val="000000"/>
+                        </a:solidFill>
+                        <a:effectLst/>
+                        <a:latin typeface="+mn-lt"/>
+                      </a:endParaRPr>
+                    </a:p>
+                    <a:p>
+                      <a:pPr algn="l" fontAlgn="t"/>
+                      <a:r>
+                        <a:rPr lang="de-AT" sz="1400" b="0" i="0" u="none" strike="noStrike" dirty="0">
+                          <a:solidFill>
+                            <a:srgbClr val="000000"/>
+                          </a:solidFill>
+                          <a:effectLst/>
+                          <a:latin typeface="+mn-lt"/>
+                        </a:rPr>
+                        <a:t>Barbara:</a:t>
+                      </a:r>
+                    </a:p>
+                    <a:p>
+                      <a:pPr algn="l" fontAlgn="t"/>
+                      <a:r>
+                        <a:rPr lang="de-AT" sz="1400" b="0" i="0" u="none" strike="noStrike" dirty="0">
+                          <a:solidFill>
+                            <a:srgbClr val="000000"/>
+                          </a:solidFill>
+                          <a:effectLst/>
+                          <a:latin typeface="+mn-lt"/>
+                        </a:rPr>
+                        <a:t>Einzelmails und Michael ermöglicht mit einem Workaround Massenmails.. </a:t>
+                      </a:r>
+                    </a:p>
+                    <a:p>
+                      <a:pPr algn="l" fontAlgn="t"/>
+                      <a:endParaRPr lang="de-AT" sz="1400" b="0" i="0" u="none" strike="noStrike" dirty="0">
+                        <a:solidFill>
+                          <a:srgbClr val="000000"/>
+                        </a:solidFill>
+                        <a:effectLst/>
+                        <a:latin typeface="+mn-lt"/>
+                      </a:endParaRPr>
+                    </a:p>
+                    <a:p>
+                      <a:pPr algn="l" fontAlgn="t"/>
+                      <a:r>
+                        <a:rPr lang="de-AT" sz="1400" b="0" i="0" u="none" strike="noStrike" dirty="0">
+                          <a:solidFill>
+                            <a:srgbClr val="000000"/>
+                          </a:solidFill>
+                          <a:effectLst/>
+                          <a:latin typeface="+mn-lt"/>
+                        </a:rPr>
+                        <a:t>David:</a:t>
+                      </a:r>
+                    </a:p>
+                    <a:p>
+                      <a:pPr algn="l" fontAlgn="t"/>
+                      <a:r>
+                        <a:rPr lang="de-AT" sz="1400" b="0" i="0" u="none" strike="noStrike" dirty="0">
+                          <a:solidFill>
+                            <a:srgbClr val="000000"/>
+                          </a:solidFill>
+                          <a:effectLst/>
+                          <a:latin typeface="+mn-lt"/>
+                        </a:rPr>
+                        <a:t>Nur Massenmails meines Wissens</a:t>
+                      </a:r>
+                    </a:p>
+                    <a:p>
+                      <a:pPr algn="l" fontAlgn="t"/>
+                      <a:endParaRPr lang="de-AT" sz="1400" b="0" i="0" u="none" strike="noStrike" dirty="0">
+                        <a:solidFill>
+                          <a:srgbClr val="000000"/>
+                        </a:solidFill>
+                        <a:effectLst/>
+                        <a:latin typeface="+mn-lt"/>
+                      </a:endParaRPr>
+                    </a:p>
+                    <a:p>
+                      <a:pPr algn="l" fontAlgn="t"/>
+                      <a:endParaRPr lang="de-AT" sz="1400" b="0" i="0" u="none" strike="noStrike" dirty="0">
+                        <a:solidFill>
+                          <a:srgbClr val="000000"/>
+                        </a:solidFill>
+                        <a:effectLst/>
+                        <a:latin typeface="+mn-lt"/>
+                      </a:endParaRPr>
+                    </a:p>
+                    <a:p>
+                      <a:pPr algn="l" fontAlgn="t"/>
+                      <a:endParaRPr lang="de-AT" sz="1400" b="0" i="0" u="none" strike="noStrike" dirty="0">
+                        <a:solidFill>
+                          <a:srgbClr val="000000"/>
+                        </a:solidFill>
+                        <a:effectLst/>
+                        <a:latin typeface="+mn-lt"/>
+                      </a:endParaRPr>
+                    </a:p>
+                    <a:p>
+                      <a:pPr algn="l" fontAlgn="t"/>
+                      <a:endParaRPr lang="de-AT" sz="1400" b="0" i="0" u="none" strike="noStrike" dirty="0">
+                        <a:solidFill>
+                          <a:srgbClr val="000000"/>
+                        </a:solidFill>
+                        <a:effectLst/>
+                        <a:latin typeface="+mn-lt"/>
+                      </a:endParaRPr>
+                    </a:p>
+                    <a:p>
+                      <a:pPr algn="l" fontAlgn="t"/>
+                      <a:r>
+                        <a:rPr lang="de-AT" sz="1400" b="0" i="0" u="none" strike="noStrike" dirty="0">
+                          <a:solidFill>
+                            <a:srgbClr val="000000"/>
+                          </a:solidFill>
+                          <a:effectLst/>
+                          <a:latin typeface="+mn-lt"/>
+                        </a:rPr>
+                        <a:t>Beide Funktionalitäten gegeben</a:t>
+                      </a:r>
+                    </a:p>
+                    <a:p>
+                      <a:pPr algn="l" fontAlgn="t"/>
+                      <a:r>
+                        <a:rPr lang="de-AT" sz="1400" b="0" i="0" u="none" strike="noStrike" dirty="0">
+                          <a:solidFill>
+                            <a:srgbClr val="000000"/>
+                          </a:solidFill>
+                          <a:effectLst/>
+                          <a:latin typeface="+mn-lt"/>
+                        </a:rPr>
+                        <a:t>Soll die Verwaltung von Einzelmails über das neue System erfolgen?</a:t>
+                      </a:r>
+                    </a:p>
+                  </a:txBody>
+                  <a:tcPr marL="9525" marR="9525" marT="9525" marB="0"/>
+                </a:tc>
+                <a:extLst>
+                  <a:ext uri="{0D108BD9-81ED-4DB2-BD59-A6C34878D82A}">
+                    <a16:rowId xmlns:a16="http://schemas.microsoft.com/office/drawing/2014/main" val="1893749344"/>
+                  </a:ext>
+                </a:extLst>
+              </a:tr>
+            </a:tbl>
+          </a:graphicData>
+        </a:graphic>
+      </p:graphicFrame>
+    </p:spTree>
+    <p:extLst>
+      <p:ext uri="{BB962C8B-B14F-4D97-AF65-F5344CB8AC3E}">
+        <p14:creationId xmlns:p14="http://schemas.microsoft.com/office/powerpoint/2010/main" val="1828517736"/>
+      </p:ext>
+    </p:extLst>
+  </p:cSld>
+  <p:clrMapOvr>
+    <a:masterClrMapping/>
+  </p:clrMapOvr>
+</p:sld>
+</file>
+
+<file path=ppt/slides/slide12.xml><?xml version="1.0" encoding="utf-8"?>
+<p:sld xmlns:a="http://schemas.openxmlformats.org/drawingml/2006/main" xmlns:r="http://schemas.openxmlformats.org/officeDocument/2006/relationships" xmlns:p="http://schemas.openxmlformats.org/presentationml/2006/main">
+  <p:cSld>
+    <p:spTree>
+      <p:nvGrpSpPr>
+        <p:cNvPr id="1" name=""/>
+        <p:cNvGrpSpPr/>
+        <p:nvPr/>
+      </p:nvGrpSpPr>
+      <p:grpSpPr>
+        <a:xfrm>
+          <a:off x="0" y="0"/>
+          <a:ext cx="0" cy="0"/>
+          <a:chOff x="0" y="0"/>
+          <a:chExt cx="0" cy="0"/>
+        </a:xfrm>
+      </p:grpSpPr>
+      <p:sp>
+        <p:nvSpPr>
+          <p:cNvPr id="2" name="Textplatzhalter 1">
+            <a:extLst>
+              <a:ext uri="{FF2B5EF4-FFF2-40B4-BE49-F238E27FC236}">
+                <a16:creationId xmlns:a16="http://schemas.microsoft.com/office/drawing/2014/main" id="{62C85FB2-1022-4081-ABAD-803398685F11}"/>
+              </a:ext>
+            </a:extLst>
+          </p:cNvPr>
+          <p:cNvSpPr>
+            <a:spLocks noGrp="1"/>
+          </p:cNvSpPr>
+          <p:nvPr>
+            <p:ph type="body" sz="quarter" idx="13"/>
+          </p:nvPr>
+        </p:nvSpPr>
+        <p:spPr>
+          <a:xfrm>
+            <a:off x="549322" y="1442838"/>
+            <a:ext cx="7938000" cy="4424400"/>
+          </a:xfrm>
+        </p:spPr>
+        <p:txBody>
+          <a:bodyPr/>
+          <a:lstStyle/>
+          <a:p>
+            <a:r>
+              <a:rPr lang="de-DE" u="sng" dirty="0"/>
+              <a:t> </a:t>
+            </a:r>
+          </a:p>
+        </p:txBody>
+      </p:sp>
+      <p:sp>
+        <p:nvSpPr>
+          <p:cNvPr id="4" name="Fußzeilenplatzhalter 3">
+            <a:extLst>
+              <a:ext uri="{FF2B5EF4-FFF2-40B4-BE49-F238E27FC236}">
+                <a16:creationId xmlns:a16="http://schemas.microsoft.com/office/drawing/2014/main" id="{506052DC-7049-4393-B1C5-754A14BCDAFA}"/>
+              </a:ext>
+            </a:extLst>
+          </p:cNvPr>
+          <p:cNvSpPr>
+            <a:spLocks noGrp="1"/>
+          </p:cNvSpPr>
+          <p:nvPr>
+            <p:ph type="ftr" sz="quarter" idx="16"/>
+          </p:nvPr>
+        </p:nvSpPr>
+        <p:spPr>
+          <a:xfrm>
+            <a:off x="4273550" y="6395540"/>
+            <a:ext cx="3086100" cy="365125"/>
+          </a:xfrm>
+        </p:spPr>
+        <p:txBody>
+          <a:bodyPr/>
+          <a:lstStyle/>
+          <a:p>
+            <a:r>
+              <a:rPr lang="de-AT" noProof="0" dirty="0"/>
+              <a:t>LVA-Nr.: 256.002</a:t>
+            </a:r>
+          </a:p>
+        </p:txBody>
+      </p:sp>
+      <p:sp>
+        <p:nvSpPr>
+          <p:cNvPr id="5" name="Foliennummernplatzhalter 4">
+            <a:extLst>
+              <a:ext uri="{FF2B5EF4-FFF2-40B4-BE49-F238E27FC236}">
+                <a16:creationId xmlns:a16="http://schemas.microsoft.com/office/drawing/2014/main" id="{5BE28071-B805-4E3A-8BBA-20469274180D}"/>
+              </a:ext>
+            </a:extLst>
+          </p:cNvPr>
+          <p:cNvSpPr>
+            <a:spLocks noGrp="1"/>
+          </p:cNvSpPr>
+          <p:nvPr>
+            <p:ph type="sldNum" sz="quarter" idx="17"/>
+          </p:nvPr>
+        </p:nvSpPr>
+        <p:spPr/>
+        <p:txBody>
+          <a:bodyPr/>
+          <a:lstStyle/>
+          <a:p>
+            <a:fld id="{68F3185B-C653-42AE-8B74-FF214C291574}" type="slidenum">
+              <a:rPr lang="en-US" smtClean="0"/>
+              <a:pPr/>
+              <a:t>12</a:t>
+            </a:fld>
+            <a:endParaRPr lang="en-US"/>
+          </a:p>
+        </p:txBody>
+      </p:sp>
+      <p:sp>
+        <p:nvSpPr>
+          <p:cNvPr id="6" name="Titel 5">
+            <a:extLst>
+              <a:ext uri="{FF2B5EF4-FFF2-40B4-BE49-F238E27FC236}">
+                <a16:creationId xmlns:a16="http://schemas.microsoft.com/office/drawing/2014/main" id="{ECD1BE86-B780-416C-8EAA-2B4B75B29378}"/>
+              </a:ext>
+            </a:extLst>
+          </p:cNvPr>
+          <p:cNvSpPr>
+            <a:spLocks noGrp="1"/>
+          </p:cNvSpPr>
+          <p:nvPr>
+            <p:ph type="title"/>
+          </p:nvPr>
+        </p:nvSpPr>
+        <p:spPr/>
+        <p:txBody>
+          <a:bodyPr/>
+          <a:lstStyle/>
+          <a:p>
+            <a:r>
+              <a:rPr lang="de-AT" sz="3200" dirty="0"/>
+              <a:t>Abstimmung erhobener Anforderungen</a:t>
+            </a:r>
+            <a:endParaRPr lang="de-AT" dirty="0"/>
+          </a:p>
+        </p:txBody>
+      </p:sp>
+      <p:graphicFrame>
+        <p:nvGraphicFramePr>
+          <p:cNvPr id="8" name="Tabelle 7">
+            <a:extLst>
+              <a:ext uri="{FF2B5EF4-FFF2-40B4-BE49-F238E27FC236}">
+                <a16:creationId xmlns:a16="http://schemas.microsoft.com/office/drawing/2014/main" id="{2856C229-9853-A047-8E63-4F7F06CA6C40}"/>
+              </a:ext>
+            </a:extLst>
+          </p:cNvPr>
+          <p:cNvGraphicFramePr>
+            <a:graphicFrameLocks noGrp="1"/>
+          </p:cNvGraphicFramePr>
+          <p:nvPr>
+            <p:extLst>
+              <p:ext uri="{D42A27DB-BD31-4B8C-83A1-F6EECF244321}">
+                <p14:modId xmlns:p14="http://schemas.microsoft.com/office/powerpoint/2010/main" val="4279944936"/>
+              </p:ext>
+            </p:extLst>
+          </p:nvPr>
+        </p:nvGraphicFramePr>
+        <p:xfrm>
+          <a:off x="340658" y="2075314"/>
+          <a:ext cx="8146663" cy="3423285"/>
+        </p:xfrm>
+        <a:graphic>
+          <a:graphicData uri="http://schemas.openxmlformats.org/drawingml/2006/table">
+            <a:tbl>
+              <a:tblPr>
+                <a:tableStyleId>{5C22544A-7EE6-4342-B048-85BDC9FD1C3A}</a:tableStyleId>
+              </a:tblPr>
+              <a:tblGrid>
+                <a:gridCol w="8146663">
+                  <a:extLst>
+                    <a:ext uri="{9D8B030D-6E8A-4147-A177-3AD203B41FA5}">
+                      <a16:colId xmlns:a16="http://schemas.microsoft.com/office/drawing/2014/main" val="1536547655"/>
+                    </a:ext>
+                  </a:extLst>
+                </a:gridCol>
+              </a:tblGrid>
+              <a:tr h="3098745">
+                <a:tc>
+                  <a:txBody>
+                    <a:bodyPr/>
+                    <a:lstStyle/>
+                    <a:p>
+                      <a:pPr algn="l" fontAlgn="t"/>
+                      <a:r>
+                        <a:rPr lang="de-AT" sz="1400" u="none" strike="noStrike" dirty="0">
+                          <a:effectLst/>
+                          <a:latin typeface="+mn-lt"/>
+                        </a:rPr>
+                        <a:t>Wie wird die Terminverwaltung realisiert?</a:t>
+                      </a:r>
+                    </a:p>
+                    <a:p>
+                      <a:pPr algn="l" fontAlgn="t"/>
+                      <a:endParaRPr lang="de-AT" sz="1400" b="0" i="0" u="none" strike="noStrike" dirty="0">
+                        <a:solidFill>
+                          <a:srgbClr val="000000"/>
+                        </a:solidFill>
+                        <a:effectLst/>
+                        <a:latin typeface="+mn-lt"/>
+                      </a:endParaRPr>
+                    </a:p>
+                    <a:p>
+                      <a:pPr algn="l" fontAlgn="t"/>
+                      <a:r>
+                        <a:rPr lang="de-AT" sz="1400" b="0" i="0" u="none" strike="noStrike" dirty="0">
+                          <a:solidFill>
+                            <a:srgbClr val="000000"/>
+                          </a:solidFill>
+                          <a:effectLst/>
+                          <a:latin typeface="+mn-lt"/>
+                        </a:rPr>
+                        <a:t>Angela:</a:t>
+                      </a:r>
+                    </a:p>
+                    <a:p>
+                      <a:pPr algn="l" fontAlgn="t"/>
+                      <a:r>
+                        <a:rPr lang="de-AT" sz="1400" b="0" i="0" u="none" strike="noStrike" dirty="0">
+                          <a:solidFill>
+                            <a:srgbClr val="000000"/>
+                          </a:solidFill>
+                          <a:effectLst/>
+                          <a:latin typeface="+mn-lt"/>
+                        </a:rPr>
+                        <a:t>Keine Kalenderfunktion, meistens fixieren Barbara und David den Termin und auf Basis dessen wird das gemacht. .. Relativ übersichtlich Stand jetzt</a:t>
+                      </a:r>
+                    </a:p>
+                    <a:p>
+                      <a:pPr algn="l" fontAlgn="t"/>
+                      <a:endParaRPr lang="de-AT" sz="1400" b="0" i="0" u="none" strike="noStrike" dirty="0">
+                        <a:solidFill>
+                          <a:srgbClr val="000000"/>
+                        </a:solidFill>
+                        <a:effectLst/>
+                        <a:latin typeface="+mn-lt"/>
+                      </a:endParaRPr>
+                    </a:p>
+                    <a:p>
+                      <a:pPr algn="l" fontAlgn="t"/>
+                      <a:r>
+                        <a:rPr lang="de-AT" sz="1400" b="0" i="0" u="none" strike="noStrike" dirty="0">
+                          <a:solidFill>
+                            <a:srgbClr val="000000"/>
+                          </a:solidFill>
+                          <a:effectLst/>
+                          <a:latin typeface="+mn-lt"/>
+                        </a:rPr>
+                        <a:t>Barbara:</a:t>
+                      </a:r>
+                    </a:p>
+                    <a:p>
+                      <a:pPr algn="l" fontAlgn="t"/>
+                      <a:r>
+                        <a:rPr lang="de-AT" sz="1400" b="0" i="0" u="none" strike="noStrike" dirty="0">
+                          <a:solidFill>
+                            <a:srgbClr val="000000"/>
+                          </a:solidFill>
+                          <a:effectLst/>
+                          <a:latin typeface="+mn-lt"/>
+                        </a:rPr>
+                        <a:t>Nicht im jetzigen Tool</a:t>
+                      </a:r>
+                    </a:p>
+                    <a:p>
+                      <a:pPr algn="l" fontAlgn="t"/>
+                      <a:endParaRPr lang="de-AT" sz="1400" b="0" i="0" u="none" strike="noStrike" dirty="0">
+                        <a:solidFill>
+                          <a:srgbClr val="000000"/>
+                        </a:solidFill>
+                        <a:effectLst/>
+                        <a:latin typeface="+mn-lt"/>
+                      </a:endParaRPr>
+                    </a:p>
+                    <a:p>
+                      <a:pPr algn="l" fontAlgn="t"/>
+                      <a:r>
+                        <a:rPr lang="de-AT" sz="1400" b="0" i="0" u="none" strike="noStrike" dirty="0">
+                          <a:solidFill>
+                            <a:srgbClr val="000000"/>
+                          </a:solidFill>
+                          <a:effectLst/>
+                          <a:latin typeface="+mn-lt"/>
+                        </a:rPr>
+                        <a:t>David:</a:t>
+                      </a:r>
+                    </a:p>
+                    <a:p>
+                      <a:pPr algn="l" fontAlgn="t"/>
+                      <a:r>
+                        <a:rPr lang="de-AT" sz="1400" b="0" i="0" u="none" strike="noStrike" dirty="0">
+                          <a:solidFill>
+                            <a:srgbClr val="000000"/>
+                          </a:solidFill>
+                          <a:effectLst/>
+                          <a:latin typeface="+mn-lt"/>
+                        </a:rPr>
+                        <a:t>Das weiß ich nicht und es gibt auch keine Schnittstelle zu persönlichen Kalender</a:t>
+                      </a:r>
+                    </a:p>
+                    <a:p>
+                      <a:pPr algn="l" fontAlgn="t"/>
+                      <a:endParaRPr lang="de-AT" sz="1400" b="0" i="0" u="none" strike="noStrike" dirty="0">
+                        <a:solidFill>
+                          <a:srgbClr val="000000"/>
+                        </a:solidFill>
+                        <a:effectLst/>
+                        <a:latin typeface="+mn-lt"/>
+                      </a:endParaRPr>
+                    </a:p>
+                    <a:p>
+                      <a:pPr algn="l" fontAlgn="t"/>
+                      <a:endParaRPr lang="de-AT" sz="1400" b="0" i="0" u="none" strike="noStrike" dirty="0">
+                        <a:solidFill>
+                          <a:srgbClr val="000000"/>
+                        </a:solidFill>
+                        <a:effectLst/>
+                        <a:latin typeface="+mn-lt"/>
+                      </a:endParaRPr>
+                    </a:p>
+                    <a:p>
+                      <a:pPr algn="l" fontAlgn="t"/>
+                      <a:endParaRPr lang="de-AT" sz="1400" b="0" i="0" u="none" strike="noStrike" dirty="0">
+                        <a:solidFill>
+                          <a:srgbClr val="000000"/>
+                        </a:solidFill>
+                        <a:effectLst/>
+                        <a:latin typeface="+mn-lt"/>
+                      </a:endParaRPr>
+                    </a:p>
+                    <a:p>
+                      <a:pPr algn="l" fontAlgn="t"/>
+                      <a:r>
+                        <a:rPr lang="de-AT" sz="1400" b="0" i="0" u="none" strike="noStrike" dirty="0">
+                          <a:solidFill>
+                            <a:srgbClr val="000000"/>
+                          </a:solidFill>
+                          <a:effectLst/>
+                          <a:latin typeface="+mn-lt"/>
+                        </a:rPr>
+                        <a:t>Modul der Terminverwaltung in Kalender möglich</a:t>
+                      </a:r>
+                    </a:p>
+                    <a:p>
+                      <a:pPr algn="l" fontAlgn="t"/>
+                      <a:r>
+                        <a:rPr lang="de-AT" sz="1400" b="0" i="0" u="none" strike="noStrike" dirty="0">
+                          <a:solidFill>
+                            <a:srgbClr val="000000"/>
+                          </a:solidFill>
+                          <a:effectLst/>
+                          <a:latin typeface="+mn-lt"/>
+                        </a:rPr>
+                        <a:t>Soll dieses Modul installiert werden?</a:t>
+                      </a:r>
+                    </a:p>
+                  </a:txBody>
+                  <a:tcPr marL="9525" marR="9525" marT="9525" marB="0"/>
+                </a:tc>
+                <a:extLst>
+                  <a:ext uri="{0D108BD9-81ED-4DB2-BD59-A6C34878D82A}">
+                    <a16:rowId xmlns:a16="http://schemas.microsoft.com/office/drawing/2014/main" val="1893749344"/>
+                  </a:ext>
+                </a:extLst>
+              </a:tr>
+            </a:tbl>
+          </a:graphicData>
+        </a:graphic>
+      </p:graphicFrame>
+    </p:spTree>
+    <p:extLst>
+      <p:ext uri="{BB962C8B-B14F-4D97-AF65-F5344CB8AC3E}">
+        <p14:creationId xmlns:p14="http://schemas.microsoft.com/office/powerpoint/2010/main" val="1567520131"/>
+      </p:ext>
+    </p:extLst>
+  </p:cSld>
+  <p:clrMapOvr>
+    <a:masterClrMapping/>
+  </p:clrMapOvr>
+</p:sld>
+</file>
+
+<file path=ppt/slides/slide13.xml><?xml version="1.0" encoding="utf-8"?>
+<p:sld xmlns:a="http://schemas.openxmlformats.org/drawingml/2006/main" xmlns:r="http://schemas.openxmlformats.org/officeDocument/2006/relationships" xmlns:p="http://schemas.openxmlformats.org/presentationml/2006/main">
+  <p:cSld>
+    <p:spTree>
+      <p:nvGrpSpPr>
+        <p:cNvPr id="1" name=""/>
+        <p:cNvGrpSpPr/>
+        <p:nvPr/>
+      </p:nvGrpSpPr>
+      <p:grpSpPr>
+        <a:xfrm>
+          <a:off x="0" y="0"/>
+          <a:ext cx="0" cy="0"/>
+          <a:chOff x="0" y="0"/>
+          <a:chExt cx="0" cy="0"/>
+        </a:xfrm>
+      </p:grpSpPr>
+      <p:sp>
+        <p:nvSpPr>
+          <p:cNvPr id="2" name="Textplatzhalter 1">
+            <a:extLst>
+              <a:ext uri="{FF2B5EF4-FFF2-40B4-BE49-F238E27FC236}">
+                <a16:creationId xmlns:a16="http://schemas.microsoft.com/office/drawing/2014/main" id="{62C85FB2-1022-4081-ABAD-803398685F11}"/>
+              </a:ext>
+            </a:extLst>
+          </p:cNvPr>
+          <p:cNvSpPr>
+            <a:spLocks noGrp="1"/>
+          </p:cNvSpPr>
+          <p:nvPr>
+            <p:ph type="body" sz="quarter" idx="13"/>
+          </p:nvPr>
+        </p:nvSpPr>
+        <p:spPr>
+          <a:xfrm>
+            <a:off x="549322" y="1442838"/>
+            <a:ext cx="7938000" cy="4424400"/>
+          </a:xfrm>
+        </p:spPr>
+        <p:txBody>
+          <a:bodyPr/>
+          <a:lstStyle/>
+          <a:p>
+            <a:r>
+              <a:rPr lang="de-DE" u="sng" dirty="0"/>
+              <a:t> </a:t>
+            </a:r>
+          </a:p>
+        </p:txBody>
+      </p:sp>
+      <p:sp>
+        <p:nvSpPr>
+          <p:cNvPr id="4" name="Fußzeilenplatzhalter 3">
+            <a:extLst>
+              <a:ext uri="{FF2B5EF4-FFF2-40B4-BE49-F238E27FC236}">
+                <a16:creationId xmlns:a16="http://schemas.microsoft.com/office/drawing/2014/main" id="{506052DC-7049-4393-B1C5-754A14BCDAFA}"/>
+              </a:ext>
+            </a:extLst>
+          </p:cNvPr>
+          <p:cNvSpPr>
+            <a:spLocks noGrp="1"/>
+          </p:cNvSpPr>
+          <p:nvPr>
+            <p:ph type="ftr" sz="quarter" idx="16"/>
+          </p:nvPr>
+        </p:nvSpPr>
+        <p:spPr>
+          <a:xfrm>
+            <a:off x="4273550" y="6395540"/>
+            <a:ext cx="3086100" cy="365125"/>
+          </a:xfrm>
+        </p:spPr>
+        <p:txBody>
+          <a:bodyPr/>
+          <a:lstStyle/>
+          <a:p>
+            <a:r>
+              <a:rPr lang="de-AT" noProof="0" dirty="0"/>
+              <a:t>LVA-Nr.: 256.002</a:t>
+            </a:r>
+          </a:p>
+        </p:txBody>
+      </p:sp>
+      <p:sp>
+        <p:nvSpPr>
+          <p:cNvPr id="5" name="Foliennummernplatzhalter 4">
+            <a:extLst>
+              <a:ext uri="{FF2B5EF4-FFF2-40B4-BE49-F238E27FC236}">
+                <a16:creationId xmlns:a16="http://schemas.microsoft.com/office/drawing/2014/main" id="{5BE28071-B805-4E3A-8BBA-20469274180D}"/>
+              </a:ext>
+            </a:extLst>
+          </p:cNvPr>
+          <p:cNvSpPr>
+            <a:spLocks noGrp="1"/>
+          </p:cNvSpPr>
+          <p:nvPr>
+            <p:ph type="sldNum" sz="quarter" idx="17"/>
+          </p:nvPr>
+        </p:nvSpPr>
+        <p:spPr/>
+        <p:txBody>
+          <a:bodyPr/>
+          <a:lstStyle/>
+          <a:p>
+            <a:fld id="{68F3185B-C653-42AE-8B74-FF214C291574}" type="slidenum">
+              <a:rPr lang="en-US" smtClean="0"/>
+              <a:pPr/>
+              <a:t>13</a:t>
+            </a:fld>
+            <a:endParaRPr lang="en-US"/>
+          </a:p>
+        </p:txBody>
+      </p:sp>
+      <p:sp>
+        <p:nvSpPr>
+          <p:cNvPr id="6" name="Titel 5">
+            <a:extLst>
+              <a:ext uri="{FF2B5EF4-FFF2-40B4-BE49-F238E27FC236}">
+                <a16:creationId xmlns:a16="http://schemas.microsoft.com/office/drawing/2014/main" id="{ECD1BE86-B780-416C-8EAA-2B4B75B29378}"/>
+              </a:ext>
+            </a:extLst>
+          </p:cNvPr>
+          <p:cNvSpPr>
+            <a:spLocks noGrp="1"/>
+          </p:cNvSpPr>
+          <p:nvPr>
+            <p:ph type="title"/>
+          </p:nvPr>
+        </p:nvSpPr>
+        <p:spPr>
+          <a:xfrm>
+            <a:off x="549322" y="151364"/>
+            <a:ext cx="7938194" cy="938696"/>
+          </a:xfrm>
+        </p:spPr>
+        <p:txBody>
+          <a:bodyPr/>
+          <a:lstStyle/>
+          <a:p>
+            <a:r>
+              <a:rPr lang="de-AT" sz="3200" dirty="0"/>
+              <a:t>Abstimmung erhobener Anforderungen</a:t>
+            </a:r>
+            <a:endParaRPr lang="de-AT" dirty="0"/>
+          </a:p>
+        </p:txBody>
+      </p:sp>
+      <p:graphicFrame>
+        <p:nvGraphicFramePr>
+          <p:cNvPr id="3" name="Tabelle 2">
+            <a:extLst>
+              <a:ext uri="{FF2B5EF4-FFF2-40B4-BE49-F238E27FC236}">
+                <a16:creationId xmlns:a16="http://schemas.microsoft.com/office/drawing/2014/main" id="{6668ACD5-0574-6443-A893-E4EE6DEE9A2C}"/>
+              </a:ext>
+            </a:extLst>
+          </p:cNvPr>
+          <p:cNvGraphicFramePr>
+            <a:graphicFrameLocks noGrp="1"/>
+          </p:cNvGraphicFramePr>
+          <p:nvPr>
+            <p:extLst>
+              <p:ext uri="{D42A27DB-BD31-4B8C-83A1-F6EECF244321}">
+                <p14:modId xmlns:p14="http://schemas.microsoft.com/office/powerpoint/2010/main" val="71438524"/>
+              </p:ext>
+            </p:extLst>
+          </p:nvPr>
+        </p:nvGraphicFramePr>
+        <p:xfrm>
+          <a:off x="520700" y="1152893"/>
+          <a:ext cx="7567136" cy="5130165"/>
+        </p:xfrm>
+        <a:graphic>
+          <a:graphicData uri="http://schemas.openxmlformats.org/drawingml/2006/table">
+            <a:tbl>
+              <a:tblPr>
+                <a:tableStyleId>{5C22544A-7EE6-4342-B048-85BDC9FD1C3A}</a:tableStyleId>
+              </a:tblPr>
+              <a:tblGrid>
+                <a:gridCol w="7567136">
+                  <a:extLst>
+                    <a:ext uri="{9D8B030D-6E8A-4147-A177-3AD203B41FA5}">
+                      <a16:colId xmlns:a16="http://schemas.microsoft.com/office/drawing/2014/main" val="613127955"/>
+                    </a:ext>
+                  </a:extLst>
+                </a:gridCol>
+              </a:tblGrid>
+              <a:tr h="4449553">
+                <a:tc>
+                  <a:txBody>
+                    <a:bodyPr/>
+                    <a:lstStyle/>
+                    <a:p>
+                      <a:pPr algn="l" fontAlgn="t"/>
+                      <a:r>
+                        <a:rPr lang="de-AT" sz="1400" u="none" strike="noStrike" dirty="0">
+                          <a:effectLst/>
+                          <a:latin typeface="+mn-lt"/>
+                        </a:rPr>
+                        <a:t>Zu welchen Systemen sind Schnittstellen vorhanden bzw. relevant?</a:t>
+                      </a:r>
+                    </a:p>
+                    <a:p>
+                      <a:pPr algn="l" fontAlgn="t"/>
+                      <a:endParaRPr lang="de-AT" sz="1400" b="0" i="0" u="none" strike="noStrike" dirty="0">
+                        <a:solidFill>
+                          <a:srgbClr val="000000"/>
+                        </a:solidFill>
+                        <a:effectLst/>
+                        <a:latin typeface="+mn-lt"/>
+                      </a:endParaRPr>
+                    </a:p>
+                    <a:p>
+                      <a:pPr algn="l" fontAlgn="t"/>
+                      <a:r>
+                        <a:rPr lang="de-AT" sz="1400" b="0" i="0" u="none" strike="noStrike" dirty="0">
+                          <a:solidFill>
+                            <a:srgbClr val="000000"/>
+                          </a:solidFill>
+                          <a:effectLst/>
+                          <a:latin typeface="+mn-lt"/>
+                        </a:rPr>
+                        <a:t>Angela: es wird alles nur noch händisch nachgepflegt, am wichtigsten wäre Excel</a:t>
+                      </a:r>
+                    </a:p>
+                    <a:p>
+                      <a:pPr algn="l" fontAlgn="t"/>
+                      <a:endParaRPr lang="de-AT" sz="1400" b="0" i="0" u="none" strike="noStrike" dirty="0">
+                        <a:solidFill>
+                          <a:srgbClr val="000000"/>
+                        </a:solidFill>
+                        <a:effectLst/>
+                        <a:latin typeface="+mn-lt"/>
+                      </a:endParaRPr>
+                    </a:p>
+                    <a:p>
+                      <a:pPr algn="l" fontAlgn="t"/>
+                      <a:r>
+                        <a:rPr lang="de-AT" sz="1400" b="0" i="0" u="none" strike="noStrike" dirty="0">
+                          <a:solidFill>
+                            <a:srgbClr val="000000"/>
+                          </a:solidFill>
+                          <a:effectLst/>
+                          <a:latin typeface="+mn-lt"/>
+                        </a:rPr>
+                        <a:t>Michael:</a:t>
+                      </a:r>
+                    </a:p>
+                    <a:p>
+                      <a:pPr algn="l" fontAlgn="t"/>
+                      <a:r>
+                        <a:rPr lang="de-AT" sz="1400" b="0" i="0" u="none" strike="noStrike" dirty="0">
+                          <a:solidFill>
+                            <a:srgbClr val="000000"/>
+                          </a:solidFill>
+                          <a:effectLst/>
+                          <a:latin typeface="+mn-lt"/>
+                        </a:rPr>
+                        <a:t>Module, die es mit irgendwelchen Shop Modulen und Shopsystemen verbinden, aber müssen wir nachschauen. Typischerweise CSV Dateien, Schnittstellen werden nicht unterstützt… wenn wir in dieses Eventmodul ein Event anlegen, wäre es nice to </a:t>
+                      </a:r>
+                      <a:r>
+                        <a:rPr lang="de-AT" sz="1400" b="0" i="0" u="none" strike="noStrike" dirty="0" err="1">
+                          <a:solidFill>
+                            <a:srgbClr val="000000"/>
+                          </a:solidFill>
+                          <a:effectLst/>
+                          <a:latin typeface="+mn-lt"/>
+                        </a:rPr>
+                        <a:t>have</a:t>
+                      </a:r>
+                      <a:r>
+                        <a:rPr lang="de-AT" sz="1400" b="0" i="0" u="none" strike="noStrike" dirty="0">
+                          <a:solidFill>
+                            <a:srgbClr val="000000"/>
+                          </a:solidFill>
+                          <a:effectLst/>
+                          <a:latin typeface="+mn-lt"/>
+                        </a:rPr>
+                        <a:t> wenn es automatisiert in der Facebook-Gruppe aufscheinen würde</a:t>
+                      </a:r>
+                    </a:p>
+                    <a:p>
+                      <a:pPr algn="l" fontAlgn="t"/>
+                      <a:endParaRPr lang="de-AT" sz="1400" b="0" i="0" u="none" strike="noStrike" dirty="0">
+                        <a:solidFill>
+                          <a:srgbClr val="000000"/>
+                        </a:solidFill>
+                        <a:effectLst/>
+                        <a:latin typeface="+mn-lt"/>
+                      </a:endParaRPr>
+                    </a:p>
+                    <a:p>
+                      <a:pPr algn="l" fontAlgn="t"/>
+                      <a:endParaRPr lang="de-AT" sz="1400" b="0" i="0" u="none" strike="noStrike" dirty="0">
+                        <a:solidFill>
+                          <a:srgbClr val="000000"/>
+                        </a:solidFill>
+                        <a:effectLst/>
+                        <a:latin typeface="+mn-lt"/>
+                      </a:endParaRPr>
+                    </a:p>
+                    <a:p>
+                      <a:pPr algn="l" fontAlgn="t"/>
+                      <a:r>
+                        <a:rPr lang="de-AT" sz="1400" b="0" i="0" u="none" strike="noStrike" dirty="0">
+                          <a:solidFill>
+                            <a:srgbClr val="000000"/>
+                          </a:solidFill>
+                          <a:effectLst/>
+                          <a:latin typeface="+mn-lt"/>
+                        </a:rPr>
+                        <a:t>Barbara:</a:t>
+                      </a:r>
+                    </a:p>
+                    <a:p>
+                      <a:pPr algn="l" fontAlgn="t"/>
+                      <a:r>
+                        <a:rPr lang="de-AT" sz="1400" b="0" i="0" u="none" strike="noStrike" dirty="0">
+                          <a:solidFill>
+                            <a:srgbClr val="000000"/>
+                          </a:solidFill>
+                          <a:effectLst/>
+                          <a:latin typeface="+mn-lt"/>
+                        </a:rPr>
+                        <a:t>Vorhanden --&gt; keine Information.. Relevant --&gt; Wünschenswert wäre Export ins Excel oder Word.. Echte Schnittstellen ans Mailsystem falls notwendig sonst wüsste ich keine</a:t>
+                      </a:r>
+                    </a:p>
+                    <a:p>
+                      <a:pPr algn="l" fontAlgn="t"/>
+                      <a:endParaRPr lang="de-AT" sz="1400" b="0" i="0" u="none" strike="noStrike" dirty="0">
+                        <a:solidFill>
+                          <a:srgbClr val="000000"/>
+                        </a:solidFill>
+                        <a:effectLst/>
+                        <a:latin typeface="+mn-lt"/>
+                      </a:endParaRPr>
+                    </a:p>
+                    <a:p>
+                      <a:pPr algn="l" fontAlgn="t"/>
+                      <a:endParaRPr lang="de-AT" sz="1400" b="0" i="0" u="none" strike="noStrike" dirty="0">
+                        <a:solidFill>
+                          <a:srgbClr val="000000"/>
+                        </a:solidFill>
+                        <a:effectLst/>
+                        <a:latin typeface="+mn-lt"/>
+                      </a:endParaRPr>
+                    </a:p>
+                    <a:p>
+                      <a:pPr algn="l" fontAlgn="t"/>
+                      <a:r>
+                        <a:rPr lang="de-AT" sz="1400" b="0" i="0" u="none" strike="noStrike" dirty="0">
+                          <a:solidFill>
+                            <a:srgbClr val="000000"/>
+                          </a:solidFill>
+                          <a:effectLst/>
+                          <a:latin typeface="+mn-lt"/>
+                        </a:rPr>
+                        <a:t>David:</a:t>
+                      </a:r>
+                    </a:p>
+                    <a:p>
+                      <a:pPr algn="l" fontAlgn="t"/>
+                      <a:r>
+                        <a:rPr lang="de-AT" sz="1400" b="0" i="0" u="none" strike="noStrike" dirty="0">
+                          <a:solidFill>
+                            <a:srgbClr val="000000"/>
+                          </a:solidFill>
+                          <a:effectLst/>
+                          <a:latin typeface="+mn-lt"/>
+                        </a:rPr>
+                        <a:t>Im Moment zu keinen Umfeldsystemen - Sinnvoll wäre es zu </a:t>
+                      </a:r>
+                      <a:r>
+                        <a:rPr lang="de-AT" sz="1400" b="0" i="0" u="none" strike="noStrike" dirty="0" err="1">
+                          <a:solidFill>
+                            <a:srgbClr val="000000"/>
+                          </a:solidFill>
+                          <a:effectLst/>
+                          <a:latin typeface="+mn-lt"/>
+                        </a:rPr>
+                        <a:t>groupWise</a:t>
+                      </a:r>
+                      <a:r>
+                        <a:rPr lang="de-AT" sz="1400" b="0" i="0" u="none" strike="noStrike" dirty="0">
+                          <a:solidFill>
+                            <a:srgbClr val="000000"/>
+                          </a:solidFill>
+                          <a:effectLst/>
+                          <a:latin typeface="+mn-lt"/>
+                        </a:rPr>
+                        <a:t> - Sprich Email-Verwaltung</a:t>
+                      </a:r>
+                    </a:p>
+                    <a:p>
+                      <a:pPr algn="l" fontAlgn="t"/>
+                      <a:endParaRPr lang="de-AT" sz="1400" b="0" i="0" u="none" strike="noStrike" dirty="0">
+                        <a:solidFill>
+                          <a:srgbClr val="000000"/>
+                        </a:solidFill>
+                        <a:effectLst/>
+                        <a:latin typeface="+mn-lt"/>
+                      </a:endParaRPr>
+                    </a:p>
+                    <a:p>
+                      <a:pPr algn="l" fontAlgn="t"/>
+                      <a:endParaRPr lang="de-AT" sz="1400" b="0" i="0" u="none" strike="noStrike" dirty="0">
+                        <a:solidFill>
+                          <a:srgbClr val="000000"/>
+                        </a:solidFill>
+                        <a:effectLst/>
+                        <a:latin typeface="+mn-lt"/>
+                      </a:endParaRPr>
+                    </a:p>
+                    <a:p>
+                      <a:pPr algn="l" fontAlgn="t"/>
+                      <a:r>
+                        <a:rPr lang="de-AT" sz="1400" b="0" i="0" u="none" strike="noStrike" dirty="0">
+                          <a:solidFill>
+                            <a:srgbClr val="000000"/>
+                          </a:solidFill>
+                          <a:effectLst/>
+                          <a:latin typeface="+mn-lt"/>
+                        </a:rPr>
+                        <a:t>Nach unserem Wissensstand nicht vorhanden</a:t>
+                      </a:r>
+                    </a:p>
+                    <a:p>
+                      <a:pPr algn="l" fontAlgn="t"/>
+                      <a:r>
+                        <a:rPr lang="de-AT" sz="1400" b="0" i="0" u="none" strike="noStrike" dirty="0">
+                          <a:solidFill>
+                            <a:srgbClr val="000000"/>
+                          </a:solidFill>
+                          <a:effectLst/>
+                          <a:latin typeface="+mn-lt"/>
+                        </a:rPr>
+                        <a:t>Wie relevant ist die Schnittstelle zum Email System? Bzw. die Möglichkeit nach Facebook zu exportieren?</a:t>
+                      </a:r>
+                    </a:p>
+                  </a:txBody>
+                  <a:tcPr marL="9525" marR="9525" marT="9525" marB="0"/>
+                </a:tc>
+                <a:extLst>
+                  <a:ext uri="{0D108BD9-81ED-4DB2-BD59-A6C34878D82A}">
+                    <a16:rowId xmlns:a16="http://schemas.microsoft.com/office/drawing/2014/main" val="3114284879"/>
+                  </a:ext>
+                </a:extLst>
+              </a:tr>
+            </a:tbl>
+          </a:graphicData>
+        </a:graphic>
+      </p:graphicFrame>
+    </p:spTree>
+    <p:extLst>
+      <p:ext uri="{BB962C8B-B14F-4D97-AF65-F5344CB8AC3E}">
+        <p14:creationId xmlns:p14="http://schemas.microsoft.com/office/powerpoint/2010/main" val="658307506"/>
+      </p:ext>
+    </p:extLst>
+  </p:cSld>
+  <p:clrMapOvr>
+    <a:masterClrMapping/>
+  </p:clrMapOvr>
+</p:sld>
+</file>
+
+<file path=ppt/slides/slide14.xml><?xml version="1.0" encoding="utf-8"?>
+<p:sld xmlns:a="http://schemas.openxmlformats.org/drawingml/2006/main" xmlns:r="http://schemas.openxmlformats.org/officeDocument/2006/relationships" xmlns:p="http://schemas.openxmlformats.org/presentationml/2006/main">
+  <p:cSld>
+    <p:spTree>
+      <p:nvGrpSpPr>
+        <p:cNvPr id="1" name=""/>
+        <p:cNvGrpSpPr/>
+        <p:nvPr/>
+      </p:nvGrpSpPr>
+      <p:grpSpPr>
+        <a:xfrm>
+          <a:off x="0" y="0"/>
+          <a:ext cx="0" cy="0"/>
+          <a:chOff x="0" y="0"/>
+          <a:chExt cx="0" cy="0"/>
+        </a:xfrm>
+      </p:grpSpPr>
+      <p:sp>
+        <p:nvSpPr>
+          <p:cNvPr id="2" name="Textplatzhalter 1">
+            <a:extLst>
+              <a:ext uri="{FF2B5EF4-FFF2-40B4-BE49-F238E27FC236}">
+                <a16:creationId xmlns:a16="http://schemas.microsoft.com/office/drawing/2014/main" id="{62C85FB2-1022-4081-ABAD-803398685F11}"/>
+              </a:ext>
+            </a:extLst>
+          </p:cNvPr>
+          <p:cNvSpPr>
+            <a:spLocks noGrp="1"/>
+          </p:cNvSpPr>
+          <p:nvPr>
+            <p:ph type="body" sz="quarter" idx="13"/>
+          </p:nvPr>
+        </p:nvSpPr>
+        <p:spPr>
+          <a:xfrm>
+            <a:off x="549322" y="1442838"/>
+            <a:ext cx="7938000" cy="4424400"/>
+          </a:xfrm>
+        </p:spPr>
+        <p:txBody>
+          <a:bodyPr/>
+          <a:lstStyle/>
+          <a:p>
+            <a:r>
+              <a:rPr lang="de-DE" u="sng" dirty="0"/>
+              <a:t> </a:t>
+            </a:r>
+          </a:p>
+        </p:txBody>
+      </p:sp>
+      <p:sp>
+        <p:nvSpPr>
+          <p:cNvPr id="4" name="Fußzeilenplatzhalter 3">
+            <a:extLst>
+              <a:ext uri="{FF2B5EF4-FFF2-40B4-BE49-F238E27FC236}">
+                <a16:creationId xmlns:a16="http://schemas.microsoft.com/office/drawing/2014/main" id="{506052DC-7049-4393-B1C5-754A14BCDAFA}"/>
+              </a:ext>
+            </a:extLst>
+          </p:cNvPr>
+          <p:cNvSpPr>
+            <a:spLocks noGrp="1"/>
+          </p:cNvSpPr>
+          <p:nvPr>
+            <p:ph type="ftr" sz="quarter" idx="16"/>
+          </p:nvPr>
+        </p:nvSpPr>
+        <p:spPr>
+          <a:xfrm>
+            <a:off x="4273550" y="6395540"/>
+            <a:ext cx="3086100" cy="365125"/>
+          </a:xfrm>
+        </p:spPr>
+        <p:txBody>
+          <a:bodyPr/>
+          <a:lstStyle/>
+          <a:p>
+            <a:r>
+              <a:rPr lang="de-AT" noProof="0" dirty="0"/>
+              <a:t>LVA-Nr.: 256.002</a:t>
+            </a:r>
+          </a:p>
+        </p:txBody>
+      </p:sp>
+      <p:sp>
+        <p:nvSpPr>
+          <p:cNvPr id="5" name="Foliennummernplatzhalter 4">
+            <a:extLst>
+              <a:ext uri="{FF2B5EF4-FFF2-40B4-BE49-F238E27FC236}">
+                <a16:creationId xmlns:a16="http://schemas.microsoft.com/office/drawing/2014/main" id="{5BE28071-B805-4E3A-8BBA-20469274180D}"/>
+              </a:ext>
+            </a:extLst>
+          </p:cNvPr>
+          <p:cNvSpPr>
+            <a:spLocks noGrp="1"/>
+          </p:cNvSpPr>
+          <p:nvPr>
+            <p:ph type="sldNum" sz="quarter" idx="17"/>
+          </p:nvPr>
+        </p:nvSpPr>
+        <p:spPr/>
+        <p:txBody>
+          <a:bodyPr/>
+          <a:lstStyle/>
+          <a:p>
+            <a:fld id="{68F3185B-C653-42AE-8B74-FF214C291574}" type="slidenum">
+              <a:rPr lang="en-US" smtClean="0"/>
+              <a:pPr/>
+              <a:t>14</a:t>
+            </a:fld>
+            <a:endParaRPr lang="en-US"/>
+          </a:p>
+        </p:txBody>
+      </p:sp>
+      <p:sp>
+        <p:nvSpPr>
+          <p:cNvPr id="6" name="Titel 5">
+            <a:extLst>
+              <a:ext uri="{FF2B5EF4-FFF2-40B4-BE49-F238E27FC236}">
+                <a16:creationId xmlns:a16="http://schemas.microsoft.com/office/drawing/2014/main" id="{ECD1BE86-B780-416C-8EAA-2B4B75B29378}"/>
+              </a:ext>
+            </a:extLst>
+          </p:cNvPr>
+          <p:cNvSpPr>
+            <a:spLocks noGrp="1"/>
+          </p:cNvSpPr>
+          <p:nvPr>
+            <p:ph type="title"/>
+          </p:nvPr>
+        </p:nvSpPr>
+        <p:spPr/>
+        <p:txBody>
+          <a:bodyPr/>
+          <a:lstStyle/>
+          <a:p>
+            <a:r>
+              <a:rPr lang="de-AT" sz="3200" dirty="0"/>
+              <a:t>Abstimmung erhobener Anforderungen</a:t>
+            </a:r>
+            <a:endParaRPr lang="de-AT" dirty="0"/>
+          </a:p>
+        </p:txBody>
+      </p:sp>
+      <p:graphicFrame>
+        <p:nvGraphicFramePr>
+          <p:cNvPr id="3" name="Tabelle 2">
+            <a:extLst>
+              <a:ext uri="{FF2B5EF4-FFF2-40B4-BE49-F238E27FC236}">
+                <a16:creationId xmlns:a16="http://schemas.microsoft.com/office/drawing/2014/main" id="{6668ACD5-0574-6443-A893-E4EE6DEE9A2C}"/>
+              </a:ext>
+            </a:extLst>
+          </p:cNvPr>
+          <p:cNvGraphicFramePr>
+            <a:graphicFrameLocks noGrp="1"/>
+          </p:cNvGraphicFramePr>
+          <p:nvPr>
+            <p:extLst>
+              <p:ext uri="{D42A27DB-BD31-4B8C-83A1-F6EECF244321}">
+                <p14:modId xmlns:p14="http://schemas.microsoft.com/office/powerpoint/2010/main" val="2584926139"/>
+              </p:ext>
+            </p:extLst>
+          </p:nvPr>
+        </p:nvGraphicFramePr>
+        <p:xfrm>
+          <a:off x="520700" y="1756747"/>
+          <a:ext cx="7567136" cy="4276725"/>
+        </p:xfrm>
+        <a:graphic>
+          <a:graphicData uri="http://schemas.openxmlformats.org/drawingml/2006/table">
+            <a:tbl>
+              <a:tblPr>
+                <a:tableStyleId>{5C22544A-7EE6-4342-B048-85BDC9FD1C3A}</a:tableStyleId>
+              </a:tblPr>
+              <a:tblGrid>
+                <a:gridCol w="7567136">
+                  <a:extLst>
+                    <a:ext uri="{9D8B030D-6E8A-4147-A177-3AD203B41FA5}">
+                      <a16:colId xmlns:a16="http://schemas.microsoft.com/office/drawing/2014/main" val="613127955"/>
+                    </a:ext>
+                  </a:extLst>
+                </a:gridCol>
+              </a:tblGrid>
+              <a:tr h="3819299">
+                <a:tc>
+                  <a:txBody>
+                    <a:bodyPr/>
+                    <a:lstStyle/>
+                    <a:p>
+                      <a:pPr algn="l" fontAlgn="t"/>
+                      <a:r>
+                        <a:rPr lang="de-AT" sz="1400" u="none" strike="noStrike" dirty="0">
+                          <a:effectLst/>
+                          <a:latin typeface="+mn-lt"/>
+                        </a:rPr>
+                        <a:t>Welche Berechtigungen und Rollen sind definiert?</a:t>
+                      </a:r>
+                    </a:p>
+                    <a:p>
+                      <a:pPr algn="l" fontAlgn="t"/>
+                      <a:endParaRPr lang="de-AT" sz="1400" b="0" i="0" u="none" strike="noStrike" dirty="0">
+                        <a:solidFill>
+                          <a:srgbClr val="000000"/>
+                        </a:solidFill>
+                        <a:effectLst/>
+                        <a:latin typeface="+mn-lt"/>
+                      </a:endParaRPr>
+                    </a:p>
+                    <a:p>
+                      <a:pPr algn="l" fontAlgn="t"/>
+                      <a:endParaRPr lang="de-AT" sz="1400" b="0" i="0" u="none" strike="noStrike" dirty="0">
+                        <a:solidFill>
+                          <a:srgbClr val="000000"/>
+                        </a:solidFill>
+                        <a:effectLst/>
+                        <a:latin typeface="+mn-lt"/>
+                      </a:endParaRPr>
+                    </a:p>
+                    <a:p>
+                      <a:pPr algn="l" fontAlgn="t"/>
+                      <a:r>
+                        <a:rPr lang="de-AT" sz="1400" b="0" i="0" u="none" strike="noStrike" dirty="0">
+                          <a:solidFill>
+                            <a:srgbClr val="000000"/>
+                          </a:solidFill>
+                          <a:effectLst/>
+                          <a:latin typeface="+mn-lt"/>
+                        </a:rPr>
+                        <a:t>Angela:</a:t>
+                      </a:r>
+                    </a:p>
+                    <a:p>
+                      <a:pPr algn="l" fontAlgn="t"/>
+                      <a:r>
+                        <a:rPr lang="de-AT" sz="1400" b="0" i="0" u="none" strike="noStrike" dirty="0">
+                          <a:solidFill>
+                            <a:srgbClr val="000000"/>
+                          </a:solidFill>
+                          <a:effectLst/>
+                          <a:latin typeface="+mn-lt"/>
+                        </a:rPr>
+                        <a:t>Michael und ich haben Adminrechte, der Rest nur Wahlrechte.</a:t>
+                      </a:r>
+                    </a:p>
+                    <a:p>
+                      <a:pPr algn="l" fontAlgn="t"/>
+                      <a:endParaRPr lang="de-AT" sz="1400" b="0" i="0" u="none" strike="noStrike" dirty="0">
+                        <a:solidFill>
+                          <a:srgbClr val="000000"/>
+                        </a:solidFill>
+                        <a:effectLst/>
+                        <a:latin typeface="+mn-lt"/>
+                      </a:endParaRPr>
+                    </a:p>
+                    <a:p>
+                      <a:pPr algn="l" fontAlgn="t"/>
+                      <a:r>
+                        <a:rPr lang="de-AT" sz="1400" b="0" i="0" u="none" strike="noStrike" dirty="0">
+                          <a:solidFill>
+                            <a:srgbClr val="000000"/>
+                          </a:solidFill>
+                          <a:effectLst/>
+                          <a:latin typeface="+mn-lt"/>
+                        </a:rPr>
+                        <a:t>Michael:</a:t>
+                      </a:r>
+                    </a:p>
+                    <a:p>
+                      <a:pPr algn="l" fontAlgn="t"/>
+                      <a:r>
+                        <a:rPr lang="de-AT" sz="1400" b="0" i="0" u="none" strike="noStrike" dirty="0">
+                          <a:solidFill>
+                            <a:srgbClr val="000000"/>
+                          </a:solidFill>
+                          <a:effectLst/>
+                          <a:latin typeface="+mn-lt"/>
+                        </a:rPr>
+                        <a:t>Administratoren, Editoren… für jedes Modul gibt es eigene Settings (nur lesen, nur schreiben..) .. Ich darf alles damit machen.. </a:t>
+                      </a:r>
+                      <a:r>
+                        <a:rPr lang="de-AT" sz="1400" b="0" i="0" u="none" strike="noStrike" dirty="0" err="1">
+                          <a:solidFill>
+                            <a:srgbClr val="000000"/>
+                          </a:solidFill>
+                          <a:effectLst/>
+                          <a:latin typeface="+mn-lt"/>
+                        </a:rPr>
+                        <a:t>Imprt</a:t>
+                      </a:r>
+                      <a:r>
+                        <a:rPr lang="de-AT" sz="1400" b="0" i="0" u="none" strike="noStrike" dirty="0">
+                          <a:solidFill>
+                            <a:srgbClr val="000000"/>
+                          </a:solidFill>
+                          <a:effectLst/>
+                          <a:latin typeface="+mn-lt"/>
+                        </a:rPr>
+                        <a:t>, Export.. Relativ fein einstellbar.. Ziemlich umfangreich</a:t>
+                      </a:r>
+                    </a:p>
+                    <a:p>
+                      <a:pPr algn="l" fontAlgn="t"/>
+                      <a:endParaRPr lang="de-AT" sz="1400" b="0" i="0" u="none" strike="noStrike" dirty="0">
+                        <a:solidFill>
+                          <a:srgbClr val="000000"/>
+                        </a:solidFill>
+                        <a:effectLst/>
+                        <a:latin typeface="+mn-lt"/>
+                      </a:endParaRPr>
+                    </a:p>
+                    <a:p>
+                      <a:pPr algn="l" fontAlgn="t"/>
+                      <a:r>
+                        <a:rPr lang="de-AT" sz="1400" b="0" i="0" u="none" strike="noStrike" dirty="0">
+                          <a:solidFill>
+                            <a:srgbClr val="000000"/>
+                          </a:solidFill>
+                          <a:effectLst/>
+                          <a:latin typeface="+mn-lt"/>
+                        </a:rPr>
+                        <a:t>Barbara:</a:t>
+                      </a:r>
+                    </a:p>
+                    <a:p>
+                      <a:pPr algn="l" fontAlgn="t"/>
+                      <a:r>
+                        <a:rPr lang="de-AT" sz="1400" b="0" i="0" u="none" strike="noStrike" dirty="0" err="1">
+                          <a:solidFill>
+                            <a:srgbClr val="000000"/>
+                          </a:solidFill>
+                          <a:effectLst/>
+                          <a:latin typeface="+mn-lt"/>
+                        </a:rPr>
+                        <a:t>Adminrolle</a:t>
+                      </a:r>
+                      <a:r>
+                        <a:rPr lang="de-AT" sz="1400" b="0" i="0" u="none" strike="noStrike" dirty="0">
+                          <a:solidFill>
+                            <a:srgbClr val="000000"/>
+                          </a:solidFill>
+                          <a:effectLst/>
+                          <a:latin typeface="+mn-lt"/>
+                        </a:rPr>
+                        <a:t>, sonst alle </a:t>
+                      </a:r>
+                      <a:r>
+                        <a:rPr lang="de-AT" sz="1400" b="0" i="0" u="none" strike="noStrike" dirty="0" err="1">
+                          <a:solidFill>
+                            <a:srgbClr val="000000"/>
+                          </a:solidFill>
+                          <a:effectLst/>
+                          <a:latin typeface="+mn-lt"/>
+                        </a:rPr>
+                        <a:t>User..glaube</a:t>
+                      </a:r>
+                      <a:r>
+                        <a:rPr lang="de-AT" sz="1400" b="0" i="0" u="none" strike="noStrike" dirty="0">
+                          <a:solidFill>
+                            <a:srgbClr val="000000"/>
+                          </a:solidFill>
+                          <a:effectLst/>
+                          <a:latin typeface="+mn-lt"/>
+                        </a:rPr>
+                        <a:t> ich.. Weiß nicht genau</a:t>
+                      </a:r>
+                    </a:p>
+                    <a:p>
+                      <a:pPr algn="l" fontAlgn="t"/>
+                      <a:endParaRPr lang="de-AT" sz="1400" b="0" i="0" u="none" strike="noStrike" dirty="0">
+                        <a:solidFill>
+                          <a:srgbClr val="000000"/>
+                        </a:solidFill>
+                        <a:effectLst/>
+                        <a:latin typeface="+mn-lt"/>
+                      </a:endParaRPr>
+                    </a:p>
+                    <a:p>
+                      <a:pPr algn="l" fontAlgn="t"/>
+                      <a:endParaRPr lang="de-AT" sz="1400" b="0" i="0" u="none" strike="noStrike" dirty="0">
+                        <a:solidFill>
+                          <a:srgbClr val="000000"/>
+                        </a:solidFill>
+                        <a:effectLst/>
+                        <a:latin typeface="+mn-lt"/>
+                      </a:endParaRPr>
+                    </a:p>
+                    <a:p>
+                      <a:pPr algn="l" fontAlgn="t"/>
+                      <a:endParaRPr lang="de-AT" sz="1400" b="0" i="0" u="none" strike="noStrike" dirty="0">
+                        <a:solidFill>
+                          <a:srgbClr val="000000"/>
+                        </a:solidFill>
+                        <a:effectLst/>
+                        <a:latin typeface="+mn-lt"/>
+                      </a:endParaRPr>
+                    </a:p>
+                    <a:p>
+                      <a:pPr algn="l" fontAlgn="t"/>
+                      <a:r>
+                        <a:rPr lang="de-AT" sz="1400" b="0" i="0" u="none" strike="noStrike" dirty="0">
+                          <a:solidFill>
+                            <a:srgbClr val="000000"/>
+                          </a:solidFill>
+                          <a:effectLst/>
+                          <a:latin typeface="+mn-lt"/>
+                        </a:rPr>
+                        <a:t>Möglichkeit allen Stakeholdern Adminrechte zu geben und somit vorher erwähnte Thematik mit Berechtigung zum Bearbeiten von Zusatzinfos bei Kontakten und Events zu lösen?</a:t>
+                      </a:r>
+                    </a:p>
+                    <a:p>
+                      <a:pPr algn="l" fontAlgn="t"/>
+                      <a:r>
+                        <a:rPr lang="de-AT" sz="1400" b="0" i="0" u="none" strike="noStrike" dirty="0">
+                          <a:solidFill>
+                            <a:srgbClr val="000000"/>
+                          </a:solidFill>
+                          <a:effectLst/>
+                          <a:latin typeface="+mn-lt"/>
+                        </a:rPr>
+                        <a:t>Sind konkrete Rollendefinitionen vorhanden? (Bsp.: Editor hat nur Schreib- und Leserecht)</a:t>
+                      </a:r>
+                    </a:p>
+                    <a:p>
+                      <a:pPr algn="l" fontAlgn="t"/>
+                      <a:endParaRPr lang="de-AT" sz="1400" b="0" i="0" u="none" strike="noStrike" dirty="0">
+                        <a:solidFill>
+                          <a:srgbClr val="000000"/>
+                        </a:solidFill>
+                        <a:effectLst/>
+                        <a:latin typeface="+mn-lt"/>
+                      </a:endParaRPr>
+                    </a:p>
+                    <a:p>
+                      <a:pPr algn="l" fontAlgn="t"/>
+                      <a:endParaRPr lang="de-AT" sz="1400" b="0" i="0" u="none" strike="noStrike" dirty="0">
+                        <a:solidFill>
+                          <a:srgbClr val="000000"/>
+                        </a:solidFill>
+                        <a:effectLst/>
+                        <a:latin typeface="+mn-lt"/>
+                      </a:endParaRPr>
+                    </a:p>
+                  </a:txBody>
+                  <a:tcPr marL="9525" marR="9525" marT="9525" marB="0"/>
+                </a:tc>
+                <a:extLst>
+                  <a:ext uri="{0D108BD9-81ED-4DB2-BD59-A6C34878D82A}">
+                    <a16:rowId xmlns:a16="http://schemas.microsoft.com/office/drawing/2014/main" val="3114284879"/>
+                  </a:ext>
+                </a:extLst>
+              </a:tr>
+            </a:tbl>
+          </a:graphicData>
+        </a:graphic>
+      </p:graphicFrame>
+    </p:spTree>
+    <p:extLst>
+      <p:ext uri="{BB962C8B-B14F-4D97-AF65-F5344CB8AC3E}">
+        <p14:creationId xmlns:p14="http://schemas.microsoft.com/office/powerpoint/2010/main" val="3364354548"/>
+      </p:ext>
+    </p:extLst>
+  </p:cSld>
+  <p:clrMapOvr>
+    <a:masterClrMapping/>
+  </p:clrMapOvr>
+</p:sld>
+</file>
+
+<file path=ppt/slides/slide15.xml><?xml version="1.0" encoding="utf-8"?>
+<p:sld xmlns:a="http://schemas.openxmlformats.org/drawingml/2006/main" xmlns:r="http://schemas.openxmlformats.org/officeDocument/2006/relationships" xmlns:p="http://schemas.openxmlformats.org/presentationml/2006/main">
+  <p:cSld>
+    <p:spTree>
+      <p:nvGrpSpPr>
+        <p:cNvPr id="1" name=""/>
+        <p:cNvGrpSpPr/>
+        <p:nvPr/>
+      </p:nvGrpSpPr>
+      <p:grpSpPr>
+        <a:xfrm>
+          <a:off x="0" y="0"/>
+          <a:ext cx="0" cy="0"/>
+          <a:chOff x="0" y="0"/>
+          <a:chExt cx="0" cy="0"/>
+        </a:xfrm>
+      </p:grpSpPr>
+      <p:sp>
+        <p:nvSpPr>
+          <p:cNvPr id="2" name="Textplatzhalter 1">
+            <a:extLst>
+              <a:ext uri="{FF2B5EF4-FFF2-40B4-BE49-F238E27FC236}">
+                <a16:creationId xmlns:a16="http://schemas.microsoft.com/office/drawing/2014/main" id="{62C85FB2-1022-4081-ABAD-803398685F11}"/>
+              </a:ext>
+            </a:extLst>
+          </p:cNvPr>
+          <p:cNvSpPr>
+            <a:spLocks noGrp="1"/>
+          </p:cNvSpPr>
+          <p:nvPr>
+            <p:ph type="body" sz="quarter" idx="13"/>
+          </p:nvPr>
+        </p:nvSpPr>
+        <p:spPr>
+          <a:xfrm>
+            <a:off x="549322" y="1442838"/>
+            <a:ext cx="7938000" cy="4424400"/>
+          </a:xfrm>
+        </p:spPr>
+        <p:txBody>
+          <a:bodyPr/>
+          <a:lstStyle/>
+          <a:p>
+            <a:r>
+              <a:rPr lang="de-DE" u="sng" dirty="0"/>
+              <a:t> </a:t>
+            </a:r>
+          </a:p>
+        </p:txBody>
+      </p:sp>
+      <p:sp>
+        <p:nvSpPr>
+          <p:cNvPr id="4" name="Fußzeilenplatzhalter 3">
+            <a:extLst>
+              <a:ext uri="{FF2B5EF4-FFF2-40B4-BE49-F238E27FC236}">
+                <a16:creationId xmlns:a16="http://schemas.microsoft.com/office/drawing/2014/main" id="{506052DC-7049-4393-B1C5-754A14BCDAFA}"/>
+              </a:ext>
+            </a:extLst>
+          </p:cNvPr>
+          <p:cNvSpPr>
+            <a:spLocks noGrp="1"/>
+          </p:cNvSpPr>
+          <p:nvPr>
+            <p:ph type="ftr" sz="quarter" idx="16"/>
+          </p:nvPr>
+        </p:nvSpPr>
+        <p:spPr>
+          <a:xfrm>
+            <a:off x="4273550" y="6395540"/>
+            <a:ext cx="3086100" cy="365125"/>
+          </a:xfrm>
+        </p:spPr>
+        <p:txBody>
+          <a:bodyPr/>
+          <a:lstStyle/>
+          <a:p>
+            <a:r>
+              <a:rPr lang="de-AT" noProof="0" dirty="0"/>
+              <a:t>LVA-Nr.: 256.002</a:t>
+            </a:r>
+          </a:p>
+        </p:txBody>
+      </p:sp>
+      <p:sp>
+        <p:nvSpPr>
+          <p:cNvPr id="5" name="Foliennummernplatzhalter 4">
+            <a:extLst>
+              <a:ext uri="{FF2B5EF4-FFF2-40B4-BE49-F238E27FC236}">
+                <a16:creationId xmlns:a16="http://schemas.microsoft.com/office/drawing/2014/main" id="{5BE28071-B805-4E3A-8BBA-20469274180D}"/>
+              </a:ext>
+            </a:extLst>
+          </p:cNvPr>
+          <p:cNvSpPr>
+            <a:spLocks noGrp="1"/>
+          </p:cNvSpPr>
+          <p:nvPr>
+            <p:ph type="sldNum" sz="quarter" idx="17"/>
+          </p:nvPr>
+        </p:nvSpPr>
+        <p:spPr/>
+        <p:txBody>
+          <a:bodyPr/>
+          <a:lstStyle/>
+          <a:p>
+            <a:fld id="{68F3185B-C653-42AE-8B74-FF214C291574}" type="slidenum">
+              <a:rPr lang="en-US" smtClean="0"/>
+              <a:pPr/>
+              <a:t>15</a:t>
+            </a:fld>
+            <a:endParaRPr lang="en-US"/>
+          </a:p>
+        </p:txBody>
+      </p:sp>
+      <p:sp>
+        <p:nvSpPr>
+          <p:cNvPr id="6" name="Titel 5">
+            <a:extLst>
+              <a:ext uri="{FF2B5EF4-FFF2-40B4-BE49-F238E27FC236}">
+                <a16:creationId xmlns:a16="http://schemas.microsoft.com/office/drawing/2014/main" id="{ECD1BE86-B780-416C-8EAA-2B4B75B29378}"/>
+              </a:ext>
+            </a:extLst>
+          </p:cNvPr>
+          <p:cNvSpPr>
+            <a:spLocks noGrp="1"/>
+          </p:cNvSpPr>
+          <p:nvPr>
+            <p:ph type="title"/>
+          </p:nvPr>
+        </p:nvSpPr>
+        <p:spPr/>
+        <p:txBody>
+          <a:bodyPr/>
+          <a:lstStyle/>
+          <a:p>
+            <a:r>
+              <a:rPr lang="de-AT" sz="3200" dirty="0"/>
+              <a:t>Abstimmung erhobener Anforderungen</a:t>
+            </a:r>
+            <a:endParaRPr lang="de-AT" dirty="0"/>
+          </a:p>
+        </p:txBody>
+      </p:sp>
+      <p:graphicFrame>
+        <p:nvGraphicFramePr>
+          <p:cNvPr id="3" name="Tabelle 2">
+            <a:extLst>
+              <a:ext uri="{FF2B5EF4-FFF2-40B4-BE49-F238E27FC236}">
+                <a16:creationId xmlns:a16="http://schemas.microsoft.com/office/drawing/2014/main" id="{6668ACD5-0574-6443-A893-E4EE6DEE9A2C}"/>
+              </a:ext>
+            </a:extLst>
+          </p:cNvPr>
+          <p:cNvGraphicFramePr>
+            <a:graphicFrameLocks noGrp="1"/>
+          </p:cNvGraphicFramePr>
+          <p:nvPr>
+            <p:extLst>
+              <p:ext uri="{D42A27DB-BD31-4B8C-83A1-F6EECF244321}">
+                <p14:modId xmlns:p14="http://schemas.microsoft.com/office/powerpoint/2010/main" val="58650652"/>
+              </p:ext>
+            </p:extLst>
+          </p:nvPr>
+        </p:nvGraphicFramePr>
+        <p:xfrm>
+          <a:off x="520700" y="1756747"/>
+          <a:ext cx="7567136" cy="4276725"/>
+        </p:xfrm>
+        <a:graphic>
+          <a:graphicData uri="http://schemas.openxmlformats.org/drawingml/2006/table">
+            <a:tbl>
+              <a:tblPr>
+                <a:tableStyleId>{5C22544A-7EE6-4342-B048-85BDC9FD1C3A}</a:tableStyleId>
+              </a:tblPr>
+              <a:tblGrid>
+                <a:gridCol w="7567136">
+                  <a:extLst>
+                    <a:ext uri="{9D8B030D-6E8A-4147-A177-3AD203B41FA5}">
+                      <a16:colId xmlns:a16="http://schemas.microsoft.com/office/drawing/2014/main" val="613127955"/>
+                    </a:ext>
+                  </a:extLst>
+                </a:gridCol>
+              </a:tblGrid>
+              <a:tr h="3819299">
+                <a:tc>
+                  <a:txBody>
+                    <a:bodyPr/>
+                    <a:lstStyle/>
+                    <a:p>
+                      <a:pPr marL="0" algn="l" defTabSz="914400" rtl="0" eaLnBrk="1" fontAlgn="t" latinLnBrk="0" hangingPunct="1"/>
+                      <a:r>
+                        <a:rPr lang="de-AT" sz="1400" u="none" strike="noStrike" kern="1200" dirty="0">
+                          <a:solidFill>
+                            <a:schemeClr val="dk1"/>
+                          </a:solidFill>
+                          <a:effectLst/>
+                          <a:latin typeface="+mn-lt"/>
+                          <a:ea typeface="+mn-ea"/>
+                          <a:cs typeface="+mn-cs"/>
+                        </a:rPr>
+                        <a:t>EINFÜHRUNG / IMPLEMENTIERUNG / DATENMIGRATION (inkl. Schulung)</a:t>
+                      </a:r>
+                    </a:p>
+                    <a:p>
+                      <a:pPr marL="0" algn="l" defTabSz="914400" rtl="0" eaLnBrk="1" fontAlgn="t" latinLnBrk="0" hangingPunct="1"/>
+                      <a:endParaRPr lang="de-AT" sz="1400" u="none" strike="noStrike" kern="1200" dirty="0">
+                        <a:solidFill>
+                          <a:schemeClr val="dk1"/>
+                        </a:solidFill>
+                        <a:effectLst/>
+                        <a:latin typeface="+mn-lt"/>
+                        <a:ea typeface="+mn-ea"/>
+                        <a:cs typeface="+mn-cs"/>
+                      </a:endParaRPr>
+                    </a:p>
+                    <a:p>
+                      <a:pPr marL="0" algn="l" defTabSz="914400" rtl="0" eaLnBrk="1" fontAlgn="t" latinLnBrk="0" hangingPunct="1"/>
+                      <a:r>
+                        <a:rPr lang="de-AT" sz="1400" u="none" strike="noStrike" kern="1200" dirty="0">
+                          <a:solidFill>
+                            <a:schemeClr val="dk1"/>
+                          </a:solidFill>
+                          <a:effectLst/>
+                          <a:latin typeface="+mn-lt"/>
+                          <a:ea typeface="+mn-ea"/>
+                          <a:cs typeface="+mn-cs"/>
+                        </a:rPr>
+                        <a:t>Angela:</a:t>
+                      </a:r>
+                    </a:p>
+                    <a:p>
+                      <a:pPr marL="0" algn="l" defTabSz="914400" rtl="0" eaLnBrk="1" fontAlgn="t" latinLnBrk="0" hangingPunct="1"/>
+                      <a:r>
+                        <a:rPr lang="de-AT" sz="1400" u="none" strike="noStrike" kern="1200" dirty="0">
+                          <a:solidFill>
+                            <a:schemeClr val="dk1"/>
+                          </a:solidFill>
+                          <a:effectLst/>
+                          <a:latin typeface="+mn-lt"/>
+                          <a:ea typeface="+mn-ea"/>
+                          <a:cs typeface="+mn-cs"/>
+                        </a:rPr>
+                        <a:t>nicht so tragisch wenn es mal ausfällt, außer wenn es vor der Veranstaltung wäre dann wäre es  schlecht.. CRM ist seit Oktober 2018 vorhanden</a:t>
+                      </a:r>
+                    </a:p>
+                    <a:p>
+                      <a:pPr marL="0" algn="l" defTabSz="914400" rtl="0" eaLnBrk="1" fontAlgn="t" latinLnBrk="0" hangingPunct="1"/>
+                      <a:endParaRPr lang="de-AT" sz="1400" u="none" strike="noStrike" kern="1200" dirty="0">
+                        <a:solidFill>
+                          <a:schemeClr val="dk1"/>
+                        </a:solidFill>
+                        <a:effectLst/>
+                        <a:latin typeface="+mn-lt"/>
+                        <a:ea typeface="+mn-ea"/>
+                        <a:cs typeface="+mn-cs"/>
+                      </a:endParaRPr>
+                    </a:p>
+                    <a:p>
+                      <a:pPr marL="0" algn="l" defTabSz="914400" rtl="0" eaLnBrk="1" fontAlgn="t" latinLnBrk="0" hangingPunct="1"/>
+                      <a:r>
+                        <a:rPr lang="de-AT" sz="1400" u="none" strike="noStrike" kern="1200" dirty="0">
+                          <a:solidFill>
+                            <a:schemeClr val="dk1"/>
+                          </a:solidFill>
+                          <a:effectLst/>
+                          <a:latin typeface="+mn-lt"/>
+                          <a:ea typeface="+mn-ea"/>
+                          <a:cs typeface="+mn-cs"/>
+                        </a:rPr>
+                        <a:t>Michael:</a:t>
+                      </a:r>
+                    </a:p>
+                    <a:p>
+                      <a:pPr marL="0" algn="l" defTabSz="914400" rtl="0" eaLnBrk="1" fontAlgn="t" latinLnBrk="0" hangingPunct="1"/>
+                      <a:r>
+                        <a:rPr lang="de-AT" sz="1400" u="none" strike="noStrike" kern="1200" dirty="0">
+                          <a:solidFill>
+                            <a:schemeClr val="dk1"/>
+                          </a:solidFill>
+                          <a:effectLst/>
+                          <a:latin typeface="+mn-lt"/>
+                          <a:ea typeface="+mn-ea"/>
+                          <a:cs typeface="+mn-cs"/>
+                        </a:rPr>
+                        <a:t>in der LVA freien Zeit sollten die Schulungen gemacht werden, wo nicht gerade eine LVA ansteht, sonst eigentlich keine Problematik</a:t>
+                      </a:r>
+                    </a:p>
+                    <a:p>
+                      <a:pPr marL="0" algn="l" defTabSz="914400" rtl="0" eaLnBrk="1" fontAlgn="t" latinLnBrk="0" hangingPunct="1"/>
+                      <a:endParaRPr lang="de-AT" sz="1400" u="none" strike="noStrike" kern="1200" dirty="0">
+                        <a:solidFill>
+                          <a:schemeClr val="dk1"/>
+                        </a:solidFill>
+                        <a:effectLst/>
+                        <a:latin typeface="+mn-lt"/>
+                        <a:ea typeface="+mn-ea"/>
+                        <a:cs typeface="+mn-cs"/>
+                      </a:endParaRPr>
+                    </a:p>
+                    <a:p>
+                      <a:pPr marL="0" algn="l" defTabSz="914400" rtl="0" eaLnBrk="1" fontAlgn="t" latinLnBrk="0" hangingPunct="1"/>
+                      <a:r>
+                        <a:rPr lang="de-AT" sz="1400" u="none" strike="noStrike" kern="1200" dirty="0">
+                          <a:solidFill>
+                            <a:schemeClr val="dk1"/>
+                          </a:solidFill>
+                          <a:effectLst/>
+                          <a:latin typeface="+mn-lt"/>
+                          <a:ea typeface="+mn-ea"/>
+                          <a:cs typeface="+mn-cs"/>
+                        </a:rPr>
+                        <a:t>Barbara:</a:t>
+                      </a:r>
+                    </a:p>
+                    <a:p>
+                      <a:pPr marL="0" algn="l" defTabSz="914400" rtl="0" eaLnBrk="1" fontAlgn="t" latinLnBrk="0" hangingPunct="1"/>
+                      <a:r>
+                        <a:rPr lang="de-AT" sz="1400" u="none" strike="noStrike" kern="1200" dirty="0">
+                          <a:solidFill>
+                            <a:schemeClr val="dk1"/>
+                          </a:solidFill>
+                          <a:effectLst/>
+                          <a:latin typeface="+mn-lt"/>
+                          <a:ea typeface="+mn-ea"/>
+                          <a:cs typeface="+mn-cs"/>
+                        </a:rPr>
+                        <a:t>1 Monat vor Event sollte es nicht ausfallen.. Ab Anfang Juni und Ende Mai sollte es nicht mehr ausfallen..</a:t>
+                      </a:r>
+                    </a:p>
+                    <a:p>
+                      <a:pPr marL="0" algn="l" defTabSz="914400" rtl="0" eaLnBrk="1" fontAlgn="t" latinLnBrk="0" hangingPunct="1"/>
+                      <a:endParaRPr lang="de-AT" sz="1400" u="none" strike="noStrike" kern="1200" dirty="0">
+                        <a:solidFill>
+                          <a:schemeClr val="dk1"/>
+                        </a:solidFill>
+                        <a:effectLst/>
+                        <a:latin typeface="+mn-lt"/>
+                        <a:ea typeface="+mn-ea"/>
+                        <a:cs typeface="+mn-cs"/>
+                      </a:endParaRPr>
+                    </a:p>
+                    <a:p>
+                      <a:pPr marL="0" algn="l" defTabSz="914400" rtl="0" eaLnBrk="1" fontAlgn="t" latinLnBrk="0" hangingPunct="1"/>
+                      <a:r>
+                        <a:rPr lang="de-AT" sz="1400" u="none" strike="noStrike" kern="1200" dirty="0">
+                          <a:solidFill>
+                            <a:schemeClr val="dk1"/>
+                          </a:solidFill>
+                          <a:effectLst/>
+                          <a:latin typeface="+mn-lt"/>
+                          <a:ea typeface="+mn-ea"/>
+                          <a:cs typeface="+mn-cs"/>
+                        </a:rPr>
+                        <a:t>David:</a:t>
+                      </a:r>
+                    </a:p>
+                    <a:p>
+                      <a:pPr marL="0" algn="l" defTabSz="914400" rtl="0" eaLnBrk="1" fontAlgn="t" latinLnBrk="0" hangingPunct="1"/>
+                      <a:r>
+                        <a:rPr lang="de-AT" sz="1400" u="none" strike="noStrike" kern="1200" dirty="0">
+                          <a:solidFill>
+                            <a:schemeClr val="dk1"/>
+                          </a:solidFill>
+                          <a:effectLst/>
+                          <a:latin typeface="+mn-lt"/>
+                          <a:ea typeface="+mn-ea"/>
+                          <a:cs typeface="+mn-cs"/>
+                        </a:rPr>
+                        <a:t>Wenn wir eine Datenmigration machen müssen --&gt; kein Problem wenn das System kurzzeitig nicht geht. </a:t>
+                      </a:r>
+                    </a:p>
+                    <a:p>
+                      <a:pPr marL="0" algn="l" defTabSz="914400" rtl="0" eaLnBrk="1" fontAlgn="t" latinLnBrk="0" hangingPunct="1"/>
+                      <a:endParaRPr lang="de-AT" sz="1400" u="none" strike="noStrike" kern="1200" dirty="0">
+                        <a:solidFill>
+                          <a:schemeClr val="dk1"/>
+                        </a:solidFill>
+                        <a:effectLst/>
+                        <a:latin typeface="+mn-lt"/>
+                        <a:ea typeface="+mn-ea"/>
+                        <a:cs typeface="+mn-cs"/>
+                      </a:endParaRPr>
+                    </a:p>
+                    <a:p>
+                      <a:pPr marL="0" algn="l" defTabSz="914400" rtl="0" eaLnBrk="1" fontAlgn="t" latinLnBrk="0" hangingPunct="1"/>
+                      <a:endParaRPr lang="de-AT" sz="1400" u="none" strike="noStrike" kern="1200" dirty="0">
+                        <a:solidFill>
+                          <a:schemeClr val="dk1"/>
+                        </a:solidFill>
+                        <a:effectLst/>
+                        <a:latin typeface="+mn-lt"/>
+                        <a:ea typeface="+mn-ea"/>
+                        <a:cs typeface="+mn-cs"/>
+                      </a:endParaRPr>
+                    </a:p>
+                    <a:p>
+                      <a:pPr marL="0" algn="l" defTabSz="914400" rtl="0" eaLnBrk="1" fontAlgn="t" latinLnBrk="0" hangingPunct="1"/>
+                      <a:r>
+                        <a:rPr lang="de-AT" sz="1400" u="none" strike="noStrike" kern="1200" dirty="0">
+                          <a:solidFill>
+                            <a:schemeClr val="dk1"/>
+                          </a:solidFill>
+                          <a:effectLst/>
+                          <a:latin typeface="+mn-lt"/>
+                          <a:ea typeface="+mn-ea"/>
+                          <a:cs typeface="+mn-cs"/>
+                        </a:rPr>
+                        <a:t>Vorschlag der finalen Implementierung </a:t>
+                      </a:r>
+                      <a:r>
+                        <a:rPr lang="de-AT" sz="1400" u="none" strike="noStrike" kern="1200" dirty="0">
+                          <a:solidFill>
+                            <a:schemeClr val="dk1"/>
+                          </a:solidFill>
+                          <a:effectLst/>
+                          <a:latin typeface="+mn-lt"/>
+                          <a:ea typeface="+mn-ea"/>
+                          <a:cs typeface="+mn-cs"/>
+                          <a:sym typeface="Wingdings" panose="05000000000000000000" pitchFamily="2" charset="2"/>
+                        </a:rPr>
+                        <a:t> Erste Juli Woche bzw. LVA-freie Zeit</a:t>
+                      </a:r>
+                    </a:p>
+                  </a:txBody>
+                  <a:tcPr marL="9525" marR="9525" marT="9525" marB="0"/>
+                </a:tc>
+                <a:extLst>
+                  <a:ext uri="{0D108BD9-81ED-4DB2-BD59-A6C34878D82A}">
+                    <a16:rowId xmlns:a16="http://schemas.microsoft.com/office/drawing/2014/main" val="3114284879"/>
+                  </a:ext>
+                </a:extLst>
+              </a:tr>
+            </a:tbl>
+          </a:graphicData>
+        </a:graphic>
+      </p:graphicFrame>
+    </p:spTree>
+    <p:extLst>
+      <p:ext uri="{BB962C8B-B14F-4D97-AF65-F5344CB8AC3E}">
+        <p14:creationId xmlns:p14="http://schemas.microsoft.com/office/powerpoint/2010/main" val="582089863"/>
+      </p:ext>
+    </p:extLst>
+  </p:cSld>
+  <p:clrMapOvr>
+    <a:masterClrMapping/>
+  </p:clrMapOvr>
+</p:sld>
+</file>
+
+<file path=ppt/slides/slide16.xml><?xml version="1.0" encoding="utf-8"?>
+<p:sld xmlns:a="http://schemas.openxmlformats.org/drawingml/2006/main" xmlns:r="http://schemas.openxmlformats.org/officeDocument/2006/relationships" xmlns:p="http://schemas.openxmlformats.org/presentationml/2006/main">
+  <p:cSld>
+    <p:spTree>
+      <p:nvGrpSpPr>
+        <p:cNvPr id="1" name=""/>
+        <p:cNvGrpSpPr/>
+        <p:nvPr/>
+      </p:nvGrpSpPr>
+      <p:grpSpPr>
+        <a:xfrm>
+          <a:off x="0" y="0"/>
+          <a:ext cx="0" cy="0"/>
+          <a:chOff x="0" y="0"/>
+          <a:chExt cx="0" cy="0"/>
+        </a:xfrm>
+      </p:grpSpPr>
+      <p:sp>
+        <p:nvSpPr>
+          <p:cNvPr id="2" name="Textplatzhalter 1">
+            <a:extLst>
+              <a:ext uri="{FF2B5EF4-FFF2-40B4-BE49-F238E27FC236}">
+                <a16:creationId xmlns:a16="http://schemas.microsoft.com/office/drawing/2014/main" id="{62C85FB2-1022-4081-ABAD-803398685F11}"/>
+              </a:ext>
+            </a:extLst>
+          </p:cNvPr>
+          <p:cNvSpPr>
+            <a:spLocks noGrp="1"/>
+          </p:cNvSpPr>
+          <p:nvPr>
+            <p:ph type="body" sz="quarter" idx="13"/>
+          </p:nvPr>
+        </p:nvSpPr>
+        <p:spPr>
+          <a:xfrm>
+            <a:off x="549322" y="1442838"/>
+            <a:ext cx="7938000" cy="4424400"/>
+          </a:xfrm>
+        </p:spPr>
+        <p:txBody>
+          <a:bodyPr/>
+          <a:lstStyle/>
+          <a:p>
+            <a:r>
+              <a:rPr lang="de-DE" sz="1800" dirty="0"/>
+              <a:t>Vorgehensweise bei Implementierung</a:t>
+            </a:r>
+          </a:p>
+          <a:p>
+            <a:pPr lvl="1"/>
+            <a:r>
+              <a:rPr lang="de-DE" sz="1600" dirty="0"/>
+              <a:t>Abstimmung &amp; Unterstützung durch Stakeholder</a:t>
+            </a:r>
+          </a:p>
+          <a:p>
+            <a:pPr lvl="2"/>
+            <a:r>
+              <a:rPr lang="de-DE" sz="1700" dirty="0"/>
+              <a:t>Zeitliche Verfügbarkeit &amp; Hilfestellung</a:t>
+            </a:r>
+          </a:p>
+          <a:p>
+            <a:endParaRPr lang="de-DE" sz="1800" dirty="0"/>
+          </a:p>
+          <a:p>
+            <a:r>
+              <a:rPr lang="de-DE" sz="1800" dirty="0"/>
+              <a:t>Zusätzliche Anforderungen nach ersten Testphase</a:t>
+            </a:r>
+          </a:p>
+          <a:p>
+            <a:pPr lvl="1"/>
+            <a:r>
+              <a:rPr lang="de-DE" sz="1600" dirty="0"/>
+              <a:t>Funktionale Anforderungen</a:t>
+            </a:r>
+          </a:p>
+          <a:p>
+            <a:pPr lvl="1"/>
+            <a:r>
+              <a:rPr lang="de-DE" sz="1600" dirty="0"/>
+              <a:t>Nicht funktionale Anforderungen</a:t>
+            </a:r>
+          </a:p>
+          <a:p>
+            <a:pPr lvl="2"/>
+            <a:r>
+              <a:rPr lang="de-DE" sz="1700" dirty="0"/>
+              <a:t>Deadline für erheben neuer Anforderungen setzen</a:t>
+            </a:r>
+          </a:p>
+          <a:p>
+            <a:endParaRPr lang="de-DE" sz="1800" dirty="0"/>
+          </a:p>
+          <a:p>
+            <a:r>
+              <a:rPr lang="de-DE" sz="1800" dirty="0" err="1"/>
+              <a:t>Inakzeptanz</a:t>
+            </a:r>
+            <a:r>
+              <a:rPr lang="de-DE" sz="1800" dirty="0"/>
+              <a:t> des System nach Erstkontakt</a:t>
+            </a:r>
+          </a:p>
+          <a:p>
+            <a:pPr lvl="1"/>
+            <a:r>
+              <a:rPr lang="de-DE" sz="1600" dirty="0"/>
+              <a:t>Tendenz der Stakeholder zu Altsystem</a:t>
+            </a:r>
+          </a:p>
+          <a:p>
+            <a:pPr lvl="2"/>
+            <a:r>
+              <a:rPr lang="de-DE" sz="1700" dirty="0"/>
+              <a:t>Möglichkeit das Altsystem zu erweitern bieten</a:t>
+            </a:r>
+          </a:p>
+          <a:p>
+            <a:endParaRPr lang="de-DE" sz="1800" dirty="0"/>
+          </a:p>
+          <a:p>
+            <a:endParaRPr lang="de-DE" sz="1800" dirty="0"/>
+          </a:p>
+          <a:p>
+            <a:endParaRPr lang="de-DE" sz="1800" dirty="0"/>
+          </a:p>
+          <a:p>
+            <a:endParaRPr lang="de-DE" sz="1800" dirty="0"/>
+          </a:p>
+          <a:p>
+            <a:endParaRPr lang="de-DE" sz="1800" dirty="0"/>
+          </a:p>
+        </p:txBody>
+      </p:sp>
+      <p:sp>
+        <p:nvSpPr>
+          <p:cNvPr id="4" name="Fußzeilenplatzhalter 3">
+            <a:extLst>
+              <a:ext uri="{FF2B5EF4-FFF2-40B4-BE49-F238E27FC236}">
+                <a16:creationId xmlns:a16="http://schemas.microsoft.com/office/drawing/2014/main" id="{506052DC-7049-4393-B1C5-754A14BCDAFA}"/>
+              </a:ext>
+            </a:extLst>
+          </p:cNvPr>
+          <p:cNvSpPr>
+            <a:spLocks noGrp="1"/>
+          </p:cNvSpPr>
+          <p:nvPr>
+            <p:ph type="ftr" sz="quarter" idx="16"/>
+          </p:nvPr>
+        </p:nvSpPr>
+        <p:spPr>
+          <a:xfrm>
+            <a:off x="4273550" y="6395540"/>
+            <a:ext cx="3086100" cy="365125"/>
+          </a:xfrm>
+        </p:spPr>
+        <p:txBody>
+          <a:bodyPr/>
+          <a:lstStyle/>
+          <a:p>
+            <a:r>
+              <a:rPr lang="de-AT" noProof="0" dirty="0"/>
+              <a:t>LVA-Nr.: 256.002</a:t>
+            </a:r>
+          </a:p>
+        </p:txBody>
+      </p:sp>
+      <p:sp>
+        <p:nvSpPr>
+          <p:cNvPr id="5" name="Foliennummernplatzhalter 4">
+            <a:extLst>
+              <a:ext uri="{FF2B5EF4-FFF2-40B4-BE49-F238E27FC236}">
+                <a16:creationId xmlns:a16="http://schemas.microsoft.com/office/drawing/2014/main" id="{5BE28071-B805-4E3A-8BBA-20469274180D}"/>
+              </a:ext>
+            </a:extLst>
+          </p:cNvPr>
+          <p:cNvSpPr>
+            <a:spLocks noGrp="1"/>
+          </p:cNvSpPr>
+          <p:nvPr>
+            <p:ph type="sldNum" sz="quarter" idx="17"/>
+          </p:nvPr>
+        </p:nvSpPr>
+        <p:spPr/>
+        <p:txBody>
+          <a:bodyPr/>
+          <a:lstStyle/>
+          <a:p>
+            <a:fld id="{68F3185B-C653-42AE-8B74-FF214C291574}" type="slidenum">
+              <a:rPr lang="en-US" smtClean="0"/>
+              <a:pPr/>
+              <a:t>16</a:t>
+            </a:fld>
+            <a:endParaRPr lang="en-US"/>
+          </a:p>
+        </p:txBody>
+      </p:sp>
+      <p:sp>
+        <p:nvSpPr>
+          <p:cNvPr id="6" name="Titel 5">
+            <a:extLst>
+              <a:ext uri="{FF2B5EF4-FFF2-40B4-BE49-F238E27FC236}">
+                <a16:creationId xmlns:a16="http://schemas.microsoft.com/office/drawing/2014/main" id="{ECD1BE86-B780-416C-8EAA-2B4B75B29378}"/>
+              </a:ext>
+            </a:extLst>
+          </p:cNvPr>
+          <p:cNvSpPr>
+            <a:spLocks noGrp="1"/>
+          </p:cNvSpPr>
+          <p:nvPr>
+            <p:ph type="title"/>
+          </p:nvPr>
+        </p:nvSpPr>
+        <p:spPr>
+          <a:xfrm>
+            <a:off x="549322" y="323896"/>
+            <a:ext cx="7938194" cy="938696"/>
+          </a:xfrm>
+        </p:spPr>
+        <p:txBody>
+          <a:bodyPr/>
+          <a:lstStyle/>
+          <a:p>
+            <a:r>
+              <a:rPr lang="de-AT" sz="3200" dirty="0"/>
+              <a:t>Potenzielle Nebenschauplätze &amp; Risiken</a:t>
+            </a:r>
+            <a:endParaRPr lang="de-AT" dirty="0"/>
+          </a:p>
+        </p:txBody>
+      </p:sp>
+    </p:spTree>
+    <p:extLst>
+      <p:ext uri="{BB962C8B-B14F-4D97-AF65-F5344CB8AC3E}">
+        <p14:creationId xmlns:p14="http://schemas.microsoft.com/office/powerpoint/2010/main" val="2345525023"/>
+      </p:ext>
+    </p:extLst>
+  </p:cSld>
+  <p:clrMapOvr>
+    <a:masterClrMapping/>
+  </p:clrMapOvr>
+</p:sld>
+</file>
+
+<file path=ppt/slides/slide17.xml><?xml version="1.0" encoding="utf-8"?>
+<p:sld xmlns:a="http://schemas.openxmlformats.org/drawingml/2006/main" xmlns:r="http://schemas.openxmlformats.org/officeDocument/2006/relationships" xmlns:p="http://schemas.openxmlformats.org/presentationml/2006/main">
+  <p:cSld>
+    <p:spTree>
+      <p:nvGrpSpPr>
+        <p:cNvPr id="1" name=""/>
+        <p:cNvGrpSpPr/>
+        <p:nvPr/>
+      </p:nvGrpSpPr>
+      <p:grpSpPr>
+        <a:xfrm>
+          <a:off x="0" y="0"/>
+          <a:ext cx="0" cy="0"/>
+          <a:chOff x="0" y="0"/>
+          <a:chExt cx="0" cy="0"/>
+        </a:xfrm>
+      </p:grpSpPr>
       <p:graphicFrame>
         <p:nvGraphicFramePr>
           <p:cNvPr id="7" name="Diagramm 6">
@@ -12427,7 +15954,7 @@
           <p:nvPr>
             <p:extLst>
               <p:ext uri="{D42A27DB-BD31-4B8C-83A1-F6EECF244321}">
-                <p14:modId xmlns:p14="http://schemas.microsoft.com/office/powerpoint/2010/main" val="3360995038"/>
+                <p14:modId xmlns:p14="http://schemas.microsoft.com/office/powerpoint/2010/main" val="2875315063"/>
               </p:ext>
             </p:extLst>
           </p:nvPr>
@@ -12499,7 +16026,7 @@
             <a:fld id="{68F3185B-C653-42AE-8B74-FF214C291574}" type="slidenum">
               <a:rPr lang="en-US" smtClean="0"/>
               <a:pPr/>
-              <a:t>10</a:t>
+              <a:t>17</a:t>
             </a:fld>
             <a:endParaRPr lang="en-US"/>
           </a:p>
@@ -12551,7 +16078,7 @@
 </p:sld>
 </file>
 
-<file path=ppt/slides/slide11.xml><?xml version="1.0" encoding="utf-8"?>
+<file path=ppt/slides/slide18.xml><?xml version="1.0" encoding="utf-8"?>
 <p:sld xmlns:a="http://schemas.openxmlformats.org/drawingml/2006/main" xmlns:r="http://schemas.openxmlformats.org/officeDocument/2006/relationships" xmlns:p="http://schemas.openxmlformats.org/presentationml/2006/main" show="0">
   <p:cSld>
     <p:spTree>
@@ -12625,7 +16152,7 @@
             <a:fld id="{68F3185B-C653-42AE-8B74-FF214C291574}" type="slidenum">
               <a:rPr lang="en-US" smtClean="0"/>
               <a:pPr/>
-              <a:t>11</a:t>
+              <a:t>18</a:t>
             </a:fld>
             <a:endParaRPr lang="en-US"/>
           </a:p>
@@ -12988,7 +16515,7 @@
 </p:sld>
 </file>
 
-<file path=ppt/slides/slide12.xml><?xml version="1.0" encoding="utf-8"?>
+<file path=ppt/slides/slide19.xml><?xml version="1.0" encoding="utf-8"?>
 <p:sld xmlns:a="http://schemas.openxmlformats.org/drawingml/2006/main" xmlns:r="http://schemas.openxmlformats.org/officeDocument/2006/relationships" xmlns:p="http://schemas.openxmlformats.org/presentationml/2006/main">
   <p:cSld>
     <p:spTree>
@@ -13095,7 +16622,7 @@
             <a:fld id="{68F3185B-C653-42AE-8B74-FF214C291574}" type="slidenum">
               <a:rPr lang="en-US" smtClean="0"/>
               <a:pPr/>
-              <a:t>12</a:t>
+              <a:t>19</a:t>
             </a:fld>
             <a:endParaRPr lang="en-US"/>
           </a:p>
@@ -13133,503 +16660,6 @@
     <p:extLst>
       <p:ext uri="{BB962C8B-B14F-4D97-AF65-F5344CB8AC3E}">
         <p14:creationId xmlns:p14="http://schemas.microsoft.com/office/powerpoint/2010/main" val="4195376834"/>
-      </p:ext>
-    </p:extLst>
-  </p:cSld>
-  <p:clrMapOvr>
-    <a:masterClrMapping/>
-  </p:clrMapOvr>
-</p:sld>
-</file>
-
-<file path=ppt/slides/slide13.xml><?xml version="1.0" encoding="utf-8"?>
-<p:sld xmlns:a="http://schemas.openxmlformats.org/drawingml/2006/main" xmlns:r="http://schemas.openxmlformats.org/officeDocument/2006/relationships" xmlns:p="http://schemas.openxmlformats.org/presentationml/2006/main">
-  <p:cSld>
-    <p:spTree>
-      <p:nvGrpSpPr>
-        <p:cNvPr id="1" name=""/>
-        <p:cNvGrpSpPr/>
-        <p:nvPr/>
-      </p:nvGrpSpPr>
-      <p:grpSpPr>
-        <a:xfrm>
-          <a:off x="0" y="0"/>
-          <a:ext cx="0" cy="0"/>
-          <a:chOff x="0" y="0"/>
-          <a:chExt cx="0" cy="0"/>
-        </a:xfrm>
-      </p:grpSpPr>
-      <p:sp>
-        <p:nvSpPr>
-          <p:cNvPr id="2" name="Textplatzhalter 1">
-            <a:extLst>
-              <a:ext uri="{FF2B5EF4-FFF2-40B4-BE49-F238E27FC236}">
-                <a16:creationId xmlns:a16="http://schemas.microsoft.com/office/drawing/2014/main" id="{62C85FB2-1022-4081-ABAD-803398685F11}"/>
-              </a:ext>
-            </a:extLst>
-          </p:cNvPr>
-          <p:cNvSpPr>
-            <a:spLocks noGrp="1"/>
-          </p:cNvSpPr>
-          <p:nvPr>
-            <p:ph type="body" sz="quarter" idx="13"/>
-          </p:nvPr>
-        </p:nvSpPr>
-        <p:spPr>
-          <a:xfrm>
-            <a:off x="549322" y="1448637"/>
-            <a:ext cx="7938000" cy="4757663"/>
-          </a:xfrm>
-        </p:spPr>
-        <p:txBody>
-          <a:bodyPr/>
-          <a:lstStyle/>
-          <a:p>
-            <a:r>
-              <a:rPr lang="de-AT" sz="1800" dirty="0"/>
-              <a:t>Planung der Umsetzung (Installation und Datenübernahme bzw. Erweiterung des aktuellen Tools)</a:t>
-            </a:r>
-          </a:p>
-          <a:p>
-            <a:pPr marL="285750" indent="-285750">
-              <a:buFont typeface="Wingdings" panose="05000000000000000000" pitchFamily="2" charset="2"/>
-              <a:buChar char="§"/>
-            </a:pPr>
-            <a:endParaRPr lang="de-AT" sz="1800" dirty="0"/>
-          </a:p>
-          <a:p>
-            <a:r>
-              <a:rPr lang="de-AT" sz="1800" dirty="0"/>
-              <a:t>Umsetzungsphase</a:t>
-            </a:r>
-          </a:p>
-          <a:p>
-            <a:pPr marL="552450" lvl="1" indent="-285750">
-              <a:buFont typeface="Wingdings" panose="05000000000000000000" pitchFamily="2" charset="2"/>
-              <a:buChar char="§"/>
-            </a:pPr>
-            <a:r>
-              <a:rPr lang="de-AT" sz="1600" dirty="0"/>
-              <a:t>Abstimmung mit Stakeholder</a:t>
-            </a:r>
-          </a:p>
-          <a:p>
-            <a:pPr marL="552450" lvl="1" indent="-285750">
-              <a:buFont typeface="Wingdings" panose="05000000000000000000" pitchFamily="2" charset="2"/>
-              <a:buChar char="§"/>
-            </a:pPr>
-            <a:r>
-              <a:rPr lang="de-AT" sz="1600" dirty="0"/>
-              <a:t>Test- &amp; Review Phase</a:t>
-            </a:r>
-          </a:p>
-          <a:p>
-            <a:pPr marL="285750" indent="-285750">
-              <a:buFont typeface="Wingdings" panose="05000000000000000000" pitchFamily="2" charset="2"/>
-              <a:buChar char="§"/>
-            </a:pPr>
-            <a:endParaRPr lang="de-AT" sz="1800" dirty="0"/>
-          </a:p>
-          <a:p>
-            <a:pPr marL="285750" indent="-285750">
-              <a:buFont typeface="Wingdings" panose="05000000000000000000" pitchFamily="2" charset="2"/>
-              <a:buChar char="§"/>
-            </a:pPr>
-            <a:r>
-              <a:rPr lang="de-AT" sz="1800" dirty="0"/>
-              <a:t>Weiterentwicklung der Seminararbeit</a:t>
-            </a:r>
-          </a:p>
-          <a:p>
-            <a:pPr marL="285750" indent="-285750">
-              <a:buFont typeface="Wingdings" panose="05000000000000000000" pitchFamily="2" charset="2"/>
-              <a:buChar char="§"/>
-            </a:pPr>
-            <a:r>
-              <a:rPr lang="de-AT" sz="1800" dirty="0"/>
-              <a:t>Roadmap</a:t>
-            </a:r>
-          </a:p>
-          <a:p>
-            <a:pPr marL="552450" lvl="1" indent="-285750">
-              <a:buFont typeface="Wingdings" panose="05000000000000000000" pitchFamily="2" charset="2"/>
-              <a:buChar char="§"/>
-            </a:pPr>
-            <a:r>
-              <a:rPr lang="de-AT" sz="1600" dirty="0"/>
-              <a:t>2 Wochen: Aktuelle Version der Arbeit inkl. Projektplan &amp; Zeitaufzeichnungen</a:t>
-            </a:r>
-          </a:p>
-          <a:p>
-            <a:pPr marL="552450" lvl="1" indent="-285750">
-              <a:buFont typeface="Wingdings" panose="05000000000000000000" pitchFamily="2" charset="2"/>
-              <a:buChar char="§"/>
-            </a:pPr>
-            <a:r>
-              <a:rPr lang="de-AT" sz="1600" dirty="0"/>
-              <a:t>4 Wochen: Konzept für Management Paper &amp; Poster</a:t>
-            </a:r>
-          </a:p>
-        </p:txBody>
-      </p:sp>
-      <p:sp>
-        <p:nvSpPr>
-          <p:cNvPr id="4" name="Fußzeilenplatzhalter 3">
-            <a:extLst>
-              <a:ext uri="{FF2B5EF4-FFF2-40B4-BE49-F238E27FC236}">
-                <a16:creationId xmlns:a16="http://schemas.microsoft.com/office/drawing/2014/main" id="{506052DC-7049-4393-B1C5-754A14BCDAFA}"/>
-              </a:ext>
-            </a:extLst>
-          </p:cNvPr>
-          <p:cNvSpPr>
-            <a:spLocks noGrp="1"/>
-          </p:cNvSpPr>
-          <p:nvPr>
-            <p:ph type="ftr" sz="quarter" idx="16"/>
-          </p:nvPr>
-        </p:nvSpPr>
-        <p:spPr>
-          <a:xfrm>
-            <a:off x="4273550" y="6395540"/>
-            <a:ext cx="3086100" cy="365125"/>
-          </a:xfrm>
-        </p:spPr>
-        <p:txBody>
-          <a:bodyPr/>
-          <a:lstStyle/>
-          <a:p>
-            <a:r>
-              <a:rPr lang="de-AT" noProof="0" dirty="0"/>
-              <a:t>LVA-Nr.: 256.002</a:t>
-            </a:r>
-          </a:p>
-        </p:txBody>
-      </p:sp>
-      <p:sp>
-        <p:nvSpPr>
-          <p:cNvPr id="5" name="Foliennummernplatzhalter 4">
-            <a:extLst>
-              <a:ext uri="{FF2B5EF4-FFF2-40B4-BE49-F238E27FC236}">
-                <a16:creationId xmlns:a16="http://schemas.microsoft.com/office/drawing/2014/main" id="{5BE28071-B805-4E3A-8BBA-20469274180D}"/>
-              </a:ext>
-            </a:extLst>
-          </p:cNvPr>
-          <p:cNvSpPr>
-            <a:spLocks noGrp="1"/>
-          </p:cNvSpPr>
-          <p:nvPr>
-            <p:ph type="sldNum" sz="quarter" idx="17"/>
-          </p:nvPr>
-        </p:nvSpPr>
-        <p:spPr/>
-        <p:txBody>
-          <a:bodyPr/>
-          <a:lstStyle/>
-          <a:p>
-            <a:fld id="{68F3185B-C653-42AE-8B74-FF214C291574}" type="slidenum">
-              <a:rPr lang="en-US" smtClean="0"/>
-              <a:pPr/>
-              <a:t>13</a:t>
-            </a:fld>
-            <a:endParaRPr lang="en-US"/>
-          </a:p>
-        </p:txBody>
-      </p:sp>
-      <p:sp>
-        <p:nvSpPr>
-          <p:cNvPr id="6" name="Titel 5">
-            <a:extLst>
-              <a:ext uri="{FF2B5EF4-FFF2-40B4-BE49-F238E27FC236}">
-                <a16:creationId xmlns:a16="http://schemas.microsoft.com/office/drawing/2014/main" id="{ECD1BE86-B780-416C-8EAA-2B4B75B29378}"/>
-              </a:ext>
-            </a:extLst>
-          </p:cNvPr>
-          <p:cNvSpPr>
-            <a:spLocks noGrp="1"/>
-          </p:cNvSpPr>
-          <p:nvPr>
-            <p:ph type="title"/>
-          </p:nvPr>
-        </p:nvSpPr>
-        <p:spPr>
-          <a:xfrm>
-            <a:off x="549322" y="651700"/>
-            <a:ext cx="7938194" cy="938696"/>
-          </a:xfrm>
-        </p:spPr>
-        <p:txBody>
-          <a:bodyPr/>
-          <a:lstStyle/>
-          <a:p>
-            <a:r>
-              <a:rPr lang="de-AT" dirty="0"/>
-              <a:t>Nächste schritte</a:t>
-            </a:r>
-          </a:p>
-        </p:txBody>
-      </p:sp>
-    </p:spTree>
-    <p:extLst>
-      <p:ext uri="{BB962C8B-B14F-4D97-AF65-F5344CB8AC3E}">
-        <p14:creationId xmlns:p14="http://schemas.microsoft.com/office/powerpoint/2010/main" val="1798544119"/>
-      </p:ext>
-    </p:extLst>
-  </p:cSld>
-  <p:clrMapOvr>
-    <a:masterClrMapping/>
-  </p:clrMapOvr>
-</p:sld>
-</file>
-
-<file path=ppt/slides/slide14.xml><?xml version="1.0" encoding="utf-8"?>
-<p:sld xmlns:a="http://schemas.openxmlformats.org/drawingml/2006/main" xmlns:r="http://schemas.openxmlformats.org/officeDocument/2006/relationships" xmlns:p="http://schemas.openxmlformats.org/presentationml/2006/main">
-  <p:cSld>
-    <p:spTree>
-      <p:nvGrpSpPr>
-        <p:cNvPr id="1" name=""/>
-        <p:cNvGrpSpPr/>
-        <p:nvPr/>
-      </p:nvGrpSpPr>
-      <p:grpSpPr>
-        <a:xfrm>
-          <a:off x="0" y="0"/>
-          <a:ext cx="0" cy="0"/>
-          <a:chOff x="0" y="0"/>
-          <a:chExt cx="0" cy="0"/>
-        </a:xfrm>
-      </p:grpSpPr>
-      <p:sp>
-        <p:nvSpPr>
-          <p:cNvPr id="4" name="Fußzeilenplatzhalter 3">
-            <a:extLst>
-              <a:ext uri="{FF2B5EF4-FFF2-40B4-BE49-F238E27FC236}">
-                <a16:creationId xmlns:a16="http://schemas.microsoft.com/office/drawing/2014/main" id="{506052DC-7049-4393-B1C5-754A14BCDAFA}"/>
-              </a:ext>
-            </a:extLst>
-          </p:cNvPr>
-          <p:cNvSpPr>
-            <a:spLocks noGrp="1"/>
-          </p:cNvSpPr>
-          <p:nvPr>
-            <p:ph type="ftr" sz="quarter" idx="16"/>
-          </p:nvPr>
-        </p:nvSpPr>
-        <p:spPr>
-          <a:xfrm>
-            <a:off x="4273550" y="6395540"/>
-            <a:ext cx="3086100" cy="365125"/>
-          </a:xfrm>
-        </p:spPr>
-        <p:txBody>
-          <a:bodyPr/>
-          <a:lstStyle/>
-          <a:p>
-            <a:r>
-              <a:rPr lang="de-AT" noProof="0" dirty="0"/>
-              <a:t>LVA-Nr.: 256.002</a:t>
-            </a:r>
-          </a:p>
-        </p:txBody>
-      </p:sp>
-      <p:sp>
-        <p:nvSpPr>
-          <p:cNvPr id="5" name="Foliennummernplatzhalter 4">
-            <a:extLst>
-              <a:ext uri="{FF2B5EF4-FFF2-40B4-BE49-F238E27FC236}">
-                <a16:creationId xmlns:a16="http://schemas.microsoft.com/office/drawing/2014/main" id="{5BE28071-B805-4E3A-8BBA-20469274180D}"/>
-              </a:ext>
-            </a:extLst>
-          </p:cNvPr>
-          <p:cNvSpPr>
-            <a:spLocks noGrp="1"/>
-          </p:cNvSpPr>
-          <p:nvPr>
-            <p:ph type="sldNum" sz="quarter" idx="17"/>
-          </p:nvPr>
-        </p:nvSpPr>
-        <p:spPr/>
-        <p:txBody>
-          <a:bodyPr/>
-          <a:lstStyle/>
-          <a:p>
-            <a:fld id="{68F3185B-C653-42AE-8B74-FF214C291574}" type="slidenum">
-              <a:rPr lang="en-US" smtClean="0"/>
-              <a:pPr/>
-              <a:t>14</a:t>
-            </a:fld>
-            <a:endParaRPr lang="en-US"/>
-          </a:p>
-        </p:txBody>
-      </p:sp>
-      <p:sp>
-        <p:nvSpPr>
-          <p:cNvPr id="6" name="Titel 5">
-            <a:extLst>
-              <a:ext uri="{FF2B5EF4-FFF2-40B4-BE49-F238E27FC236}">
-                <a16:creationId xmlns:a16="http://schemas.microsoft.com/office/drawing/2014/main" id="{ECD1BE86-B780-416C-8EAA-2B4B75B29378}"/>
-              </a:ext>
-            </a:extLst>
-          </p:cNvPr>
-          <p:cNvSpPr>
-            <a:spLocks noGrp="1"/>
-          </p:cNvSpPr>
-          <p:nvPr>
-            <p:ph type="title"/>
-          </p:nvPr>
-        </p:nvSpPr>
-        <p:spPr/>
-        <p:txBody>
-          <a:bodyPr/>
-          <a:lstStyle/>
-          <a:p>
-            <a:r>
-              <a:rPr lang="de-AT" dirty="0"/>
-              <a:t>Diskussionsrunde</a:t>
-            </a:r>
-          </a:p>
-        </p:txBody>
-      </p:sp>
-      <p:sp>
-        <p:nvSpPr>
-          <p:cNvPr id="8" name="Denkblase: wolkenförmig 7">
-            <a:extLst>
-              <a:ext uri="{FF2B5EF4-FFF2-40B4-BE49-F238E27FC236}">
-                <a16:creationId xmlns:a16="http://schemas.microsoft.com/office/drawing/2014/main" id="{FC0FF954-C3F9-4434-AC69-3D1CF3CA01D6}"/>
-              </a:ext>
-            </a:extLst>
-          </p:cNvPr>
-          <p:cNvSpPr/>
-          <p:nvPr/>
-        </p:nvSpPr>
-        <p:spPr>
-          <a:xfrm>
-            <a:off x="2015087" y="1971675"/>
-            <a:ext cx="5151131" cy="2914650"/>
-          </a:xfrm>
-          <a:prstGeom prst="cloudCallout">
-            <a:avLst/>
-          </a:prstGeom>
-        </p:spPr>
-        <p:style>
-          <a:lnRef idx="2">
-            <a:schemeClr val="dk1"/>
-          </a:lnRef>
-          <a:fillRef idx="1">
-            <a:schemeClr val="lt1"/>
-          </a:fillRef>
-          <a:effectRef idx="0">
-            <a:schemeClr val="dk1"/>
-          </a:effectRef>
-          <a:fontRef idx="minor">
-            <a:schemeClr val="dk1"/>
-          </a:fontRef>
-        </p:style>
-        <p:txBody>
-          <a:bodyPr rtlCol="0" anchor="ctr"/>
-          <a:lstStyle/>
-          <a:p>
-            <a:pPr algn="ctr"/>
-            <a:endParaRPr lang="de-AT"/>
-          </a:p>
-        </p:txBody>
-      </p:sp>
-    </p:spTree>
-    <p:extLst>
-      <p:ext uri="{BB962C8B-B14F-4D97-AF65-F5344CB8AC3E}">
-        <p14:creationId xmlns:p14="http://schemas.microsoft.com/office/powerpoint/2010/main" val="602237671"/>
-      </p:ext>
-    </p:extLst>
-  </p:cSld>
-  <p:clrMapOvr>
-    <a:masterClrMapping/>
-  </p:clrMapOvr>
-</p:sld>
-</file>
-
-<file path=ppt/slides/slide15.xml><?xml version="1.0" encoding="utf-8"?>
-<p:sld xmlns:a="http://schemas.openxmlformats.org/drawingml/2006/main" xmlns:r="http://schemas.openxmlformats.org/officeDocument/2006/relationships" xmlns:p="http://schemas.openxmlformats.org/presentationml/2006/main">
-  <p:cSld>
-    <p:spTree>
-      <p:nvGrpSpPr>
-        <p:cNvPr id="1" name=""/>
-        <p:cNvGrpSpPr/>
-        <p:nvPr/>
-      </p:nvGrpSpPr>
-      <p:grpSpPr>
-        <a:xfrm>
-          <a:off x="0" y="0"/>
-          <a:ext cx="0" cy="0"/>
-          <a:chOff x="0" y="0"/>
-          <a:chExt cx="0" cy="0"/>
-        </a:xfrm>
-      </p:grpSpPr>
-      <p:sp>
-        <p:nvSpPr>
-          <p:cNvPr id="3" name="Titel 2">
-            <a:extLst>
-              <a:ext uri="{FF2B5EF4-FFF2-40B4-BE49-F238E27FC236}">
-                <a16:creationId xmlns:a16="http://schemas.microsoft.com/office/drawing/2014/main" id="{F0A5B016-FE18-424A-964E-526BBEAB641C}"/>
-              </a:ext>
-            </a:extLst>
-          </p:cNvPr>
-          <p:cNvSpPr>
-            <a:spLocks noGrp="1"/>
-          </p:cNvSpPr>
-          <p:nvPr>
-            <p:ph type="title"/>
-          </p:nvPr>
-        </p:nvSpPr>
-        <p:spPr>
-          <a:xfrm>
-            <a:off x="543600" y="1181193"/>
-            <a:ext cx="6493304" cy="2226283"/>
-          </a:xfrm>
-        </p:spPr>
-        <p:txBody>
-          <a:bodyPr/>
-          <a:lstStyle/>
-          <a:p>
-            <a:r>
-              <a:rPr lang="de-AT" dirty="0"/>
-              <a:t>Vielen dank für die Aufmerksamkeit!</a:t>
-            </a:r>
-          </a:p>
-        </p:txBody>
-      </p:sp>
-    </p:spTree>
-    <p:extLst>
-      <p:ext uri="{BB962C8B-B14F-4D97-AF65-F5344CB8AC3E}">
-        <p14:creationId xmlns:p14="http://schemas.microsoft.com/office/powerpoint/2010/main" val="4161702816"/>
-      </p:ext>
-    </p:extLst>
-  </p:cSld>
-  <p:clrMapOvr>
-    <a:masterClrMapping/>
-  </p:clrMapOvr>
-</p:sld>
-</file>
-
-<file path=ppt/slides/slide16.xml><?xml version="1.0" encoding="utf-8"?>
-<p:sld xmlns:a="http://schemas.openxmlformats.org/drawingml/2006/main" xmlns:r="http://schemas.openxmlformats.org/officeDocument/2006/relationships" xmlns:p="http://schemas.openxmlformats.org/presentationml/2006/main">
-  <p:cSld>
-    <p:spTree>
-      <p:nvGrpSpPr>
-        <p:cNvPr id="1" name=""/>
-        <p:cNvGrpSpPr/>
-        <p:nvPr/>
-      </p:nvGrpSpPr>
-      <p:grpSpPr>
-        <a:xfrm>
-          <a:off x="0" y="0"/>
-          <a:ext cx="0" cy="0"/>
-          <a:chOff x="0" y="0"/>
-          <a:chExt cx="0" cy="0"/>
-        </a:xfrm>
-      </p:grpSpPr>
-    </p:spTree>
-    <p:extLst>
-      <p:ext uri="{BB962C8B-B14F-4D97-AF65-F5344CB8AC3E}">
-        <p14:creationId xmlns:p14="http://schemas.microsoft.com/office/powerpoint/2010/main" val="3003608835"/>
       </p:ext>
     </p:extLst>
   </p:cSld>
@@ -13825,6 +16855,503 @@
     <p:extLst>
       <p:ext uri="{BB962C8B-B14F-4D97-AF65-F5344CB8AC3E}">
         <p14:creationId xmlns:p14="http://schemas.microsoft.com/office/powerpoint/2010/main" val="157076941"/>
+      </p:ext>
+    </p:extLst>
+  </p:cSld>
+  <p:clrMapOvr>
+    <a:masterClrMapping/>
+  </p:clrMapOvr>
+</p:sld>
+</file>
+
+<file path=ppt/slides/slide20.xml><?xml version="1.0" encoding="utf-8"?>
+<p:sld xmlns:a="http://schemas.openxmlformats.org/drawingml/2006/main" xmlns:r="http://schemas.openxmlformats.org/officeDocument/2006/relationships" xmlns:p="http://schemas.openxmlformats.org/presentationml/2006/main">
+  <p:cSld>
+    <p:spTree>
+      <p:nvGrpSpPr>
+        <p:cNvPr id="1" name=""/>
+        <p:cNvGrpSpPr/>
+        <p:nvPr/>
+      </p:nvGrpSpPr>
+      <p:grpSpPr>
+        <a:xfrm>
+          <a:off x="0" y="0"/>
+          <a:ext cx="0" cy="0"/>
+          <a:chOff x="0" y="0"/>
+          <a:chExt cx="0" cy="0"/>
+        </a:xfrm>
+      </p:grpSpPr>
+      <p:sp>
+        <p:nvSpPr>
+          <p:cNvPr id="2" name="Textplatzhalter 1">
+            <a:extLst>
+              <a:ext uri="{FF2B5EF4-FFF2-40B4-BE49-F238E27FC236}">
+                <a16:creationId xmlns:a16="http://schemas.microsoft.com/office/drawing/2014/main" id="{62C85FB2-1022-4081-ABAD-803398685F11}"/>
+              </a:ext>
+            </a:extLst>
+          </p:cNvPr>
+          <p:cNvSpPr>
+            <a:spLocks noGrp="1"/>
+          </p:cNvSpPr>
+          <p:nvPr>
+            <p:ph type="body" sz="quarter" idx="13"/>
+          </p:nvPr>
+        </p:nvSpPr>
+        <p:spPr>
+          <a:xfrm>
+            <a:off x="549322" y="1448637"/>
+            <a:ext cx="7938000" cy="4757663"/>
+          </a:xfrm>
+        </p:spPr>
+        <p:txBody>
+          <a:bodyPr/>
+          <a:lstStyle/>
+          <a:p>
+            <a:r>
+              <a:rPr lang="de-AT" sz="1800" dirty="0"/>
+              <a:t>Planung der Umsetzung (Installation und Datenübernahme bzw. Erweiterung des aktuellen Tools)</a:t>
+            </a:r>
+          </a:p>
+          <a:p>
+            <a:pPr marL="285750" indent="-285750">
+              <a:buFont typeface="Wingdings" panose="05000000000000000000" pitchFamily="2" charset="2"/>
+              <a:buChar char="§"/>
+            </a:pPr>
+            <a:endParaRPr lang="de-AT" sz="1800" dirty="0"/>
+          </a:p>
+          <a:p>
+            <a:r>
+              <a:rPr lang="de-AT" sz="1800" dirty="0"/>
+              <a:t>Umsetzungsphase</a:t>
+            </a:r>
+          </a:p>
+          <a:p>
+            <a:pPr marL="552450" lvl="1" indent="-285750">
+              <a:buFont typeface="Wingdings" panose="05000000000000000000" pitchFamily="2" charset="2"/>
+              <a:buChar char="§"/>
+            </a:pPr>
+            <a:r>
+              <a:rPr lang="de-AT" sz="1600" dirty="0"/>
+              <a:t>Abstimmung mit Stakeholder</a:t>
+            </a:r>
+          </a:p>
+          <a:p>
+            <a:pPr marL="552450" lvl="1" indent="-285750">
+              <a:buFont typeface="Wingdings" panose="05000000000000000000" pitchFamily="2" charset="2"/>
+              <a:buChar char="§"/>
+            </a:pPr>
+            <a:r>
+              <a:rPr lang="de-AT" sz="1600" dirty="0"/>
+              <a:t>Test- &amp; Review Phase</a:t>
+            </a:r>
+          </a:p>
+          <a:p>
+            <a:pPr marL="285750" indent="-285750">
+              <a:buFont typeface="Wingdings" panose="05000000000000000000" pitchFamily="2" charset="2"/>
+              <a:buChar char="§"/>
+            </a:pPr>
+            <a:endParaRPr lang="de-AT" sz="1800" dirty="0"/>
+          </a:p>
+          <a:p>
+            <a:pPr marL="285750" indent="-285750">
+              <a:buFont typeface="Wingdings" panose="05000000000000000000" pitchFamily="2" charset="2"/>
+              <a:buChar char="§"/>
+            </a:pPr>
+            <a:r>
+              <a:rPr lang="de-AT" sz="1800" dirty="0"/>
+              <a:t>Weiterentwicklung der Seminararbeit</a:t>
+            </a:r>
+          </a:p>
+          <a:p>
+            <a:pPr marL="285750" indent="-285750">
+              <a:buFont typeface="Wingdings" panose="05000000000000000000" pitchFamily="2" charset="2"/>
+              <a:buChar char="§"/>
+            </a:pPr>
+            <a:r>
+              <a:rPr lang="de-AT" sz="1800" dirty="0"/>
+              <a:t>Roadmap</a:t>
+            </a:r>
+          </a:p>
+          <a:p>
+            <a:pPr marL="552450" lvl="1" indent="-285750">
+              <a:buFont typeface="Wingdings" panose="05000000000000000000" pitchFamily="2" charset="2"/>
+              <a:buChar char="§"/>
+            </a:pPr>
+            <a:r>
+              <a:rPr lang="de-AT" sz="1600" dirty="0"/>
+              <a:t>2 Wochen: Aktuelle Version der Arbeit inkl. Projektplan &amp; Zeitaufzeichnungen</a:t>
+            </a:r>
+          </a:p>
+          <a:p>
+            <a:pPr marL="552450" lvl="1" indent="-285750">
+              <a:buFont typeface="Wingdings" panose="05000000000000000000" pitchFamily="2" charset="2"/>
+              <a:buChar char="§"/>
+            </a:pPr>
+            <a:r>
+              <a:rPr lang="de-AT" sz="1600" dirty="0"/>
+              <a:t>4 Wochen: Konzept für Management Paper &amp; Poster</a:t>
+            </a:r>
+          </a:p>
+        </p:txBody>
+      </p:sp>
+      <p:sp>
+        <p:nvSpPr>
+          <p:cNvPr id="4" name="Fußzeilenplatzhalter 3">
+            <a:extLst>
+              <a:ext uri="{FF2B5EF4-FFF2-40B4-BE49-F238E27FC236}">
+                <a16:creationId xmlns:a16="http://schemas.microsoft.com/office/drawing/2014/main" id="{506052DC-7049-4393-B1C5-754A14BCDAFA}"/>
+              </a:ext>
+            </a:extLst>
+          </p:cNvPr>
+          <p:cNvSpPr>
+            <a:spLocks noGrp="1"/>
+          </p:cNvSpPr>
+          <p:nvPr>
+            <p:ph type="ftr" sz="quarter" idx="16"/>
+          </p:nvPr>
+        </p:nvSpPr>
+        <p:spPr>
+          <a:xfrm>
+            <a:off x="4273550" y="6395540"/>
+            <a:ext cx="3086100" cy="365125"/>
+          </a:xfrm>
+        </p:spPr>
+        <p:txBody>
+          <a:bodyPr/>
+          <a:lstStyle/>
+          <a:p>
+            <a:r>
+              <a:rPr lang="de-AT" noProof="0" dirty="0"/>
+              <a:t>LVA-Nr.: 256.002</a:t>
+            </a:r>
+          </a:p>
+        </p:txBody>
+      </p:sp>
+      <p:sp>
+        <p:nvSpPr>
+          <p:cNvPr id="5" name="Foliennummernplatzhalter 4">
+            <a:extLst>
+              <a:ext uri="{FF2B5EF4-FFF2-40B4-BE49-F238E27FC236}">
+                <a16:creationId xmlns:a16="http://schemas.microsoft.com/office/drawing/2014/main" id="{5BE28071-B805-4E3A-8BBA-20469274180D}"/>
+              </a:ext>
+            </a:extLst>
+          </p:cNvPr>
+          <p:cNvSpPr>
+            <a:spLocks noGrp="1"/>
+          </p:cNvSpPr>
+          <p:nvPr>
+            <p:ph type="sldNum" sz="quarter" idx="17"/>
+          </p:nvPr>
+        </p:nvSpPr>
+        <p:spPr/>
+        <p:txBody>
+          <a:bodyPr/>
+          <a:lstStyle/>
+          <a:p>
+            <a:fld id="{68F3185B-C653-42AE-8B74-FF214C291574}" type="slidenum">
+              <a:rPr lang="en-US" smtClean="0"/>
+              <a:pPr/>
+              <a:t>20</a:t>
+            </a:fld>
+            <a:endParaRPr lang="en-US"/>
+          </a:p>
+        </p:txBody>
+      </p:sp>
+      <p:sp>
+        <p:nvSpPr>
+          <p:cNvPr id="6" name="Titel 5">
+            <a:extLst>
+              <a:ext uri="{FF2B5EF4-FFF2-40B4-BE49-F238E27FC236}">
+                <a16:creationId xmlns:a16="http://schemas.microsoft.com/office/drawing/2014/main" id="{ECD1BE86-B780-416C-8EAA-2B4B75B29378}"/>
+              </a:ext>
+            </a:extLst>
+          </p:cNvPr>
+          <p:cNvSpPr>
+            <a:spLocks noGrp="1"/>
+          </p:cNvSpPr>
+          <p:nvPr>
+            <p:ph type="title"/>
+          </p:nvPr>
+        </p:nvSpPr>
+        <p:spPr>
+          <a:xfrm>
+            <a:off x="549322" y="651700"/>
+            <a:ext cx="7938194" cy="938696"/>
+          </a:xfrm>
+        </p:spPr>
+        <p:txBody>
+          <a:bodyPr/>
+          <a:lstStyle/>
+          <a:p>
+            <a:r>
+              <a:rPr lang="de-AT" dirty="0"/>
+              <a:t>Nächste schritte</a:t>
+            </a:r>
+          </a:p>
+        </p:txBody>
+      </p:sp>
+    </p:spTree>
+    <p:extLst>
+      <p:ext uri="{BB962C8B-B14F-4D97-AF65-F5344CB8AC3E}">
+        <p14:creationId xmlns:p14="http://schemas.microsoft.com/office/powerpoint/2010/main" val="1798544119"/>
+      </p:ext>
+    </p:extLst>
+  </p:cSld>
+  <p:clrMapOvr>
+    <a:masterClrMapping/>
+  </p:clrMapOvr>
+</p:sld>
+</file>
+
+<file path=ppt/slides/slide21.xml><?xml version="1.0" encoding="utf-8"?>
+<p:sld xmlns:a="http://schemas.openxmlformats.org/drawingml/2006/main" xmlns:r="http://schemas.openxmlformats.org/officeDocument/2006/relationships" xmlns:p="http://schemas.openxmlformats.org/presentationml/2006/main">
+  <p:cSld>
+    <p:spTree>
+      <p:nvGrpSpPr>
+        <p:cNvPr id="1" name=""/>
+        <p:cNvGrpSpPr/>
+        <p:nvPr/>
+      </p:nvGrpSpPr>
+      <p:grpSpPr>
+        <a:xfrm>
+          <a:off x="0" y="0"/>
+          <a:ext cx="0" cy="0"/>
+          <a:chOff x="0" y="0"/>
+          <a:chExt cx="0" cy="0"/>
+        </a:xfrm>
+      </p:grpSpPr>
+      <p:sp>
+        <p:nvSpPr>
+          <p:cNvPr id="4" name="Fußzeilenplatzhalter 3">
+            <a:extLst>
+              <a:ext uri="{FF2B5EF4-FFF2-40B4-BE49-F238E27FC236}">
+                <a16:creationId xmlns:a16="http://schemas.microsoft.com/office/drawing/2014/main" id="{506052DC-7049-4393-B1C5-754A14BCDAFA}"/>
+              </a:ext>
+            </a:extLst>
+          </p:cNvPr>
+          <p:cNvSpPr>
+            <a:spLocks noGrp="1"/>
+          </p:cNvSpPr>
+          <p:nvPr>
+            <p:ph type="ftr" sz="quarter" idx="16"/>
+          </p:nvPr>
+        </p:nvSpPr>
+        <p:spPr>
+          <a:xfrm>
+            <a:off x="4273550" y="6395540"/>
+            <a:ext cx="3086100" cy="365125"/>
+          </a:xfrm>
+        </p:spPr>
+        <p:txBody>
+          <a:bodyPr/>
+          <a:lstStyle/>
+          <a:p>
+            <a:r>
+              <a:rPr lang="de-AT" noProof="0" dirty="0"/>
+              <a:t>LVA-Nr.: 256.002</a:t>
+            </a:r>
+          </a:p>
+        </p:txBody>
+      </p:sp>
+      <p:sp>
+        <p:nvSpPr>
+          <p:cNvPr id="5" name="Foliennummernplatzhalter 4">
+            <a:extLst>
+              <a:ext uri="{FF2B5EF4-FFF2-40B4-BE49-F238E27FC236}">
+                <a16:creationId xmlns:a16="http://schemas.microsoft.com/office/drawing/2014/main" id="{5BE28071-B805-4E3A-8BBA-20469274180D}"/>
+              </a:ext>
+            </a:extLst>
+          </p:cNvPr>
+          <p:cNvSpPr>
+            <a:spLocks noGrp="1"/>
+          </p:cNvSpPr>
+          <p:nvPr>
+            <p:ph type="sldNum" sz="quarter" idx="17"/>
+          </p:nvPr>
+        </p:nvSpPr>
+        <p:spPr/>
+        <p:txBody>
+          <a:bodyPr/>
+          <a:lstStyle/>
+          <a:p>
+            <a:fld id="{68F3185B-C653-42AE-8B74-FF214C291574}" type="slidenum">
+              <a:rPr lang="en-US" smtClean="0"/>
+              <a:pPr/>
+              <a:t>21</a:t>
+            </a:fld>
+            <a:endParaRPr lang="en-US"/>
+          </a:p>
+        </p:txBody>
+      </p:sp>
+      <p:sp>
+        <p:nvSpPr>
+          <p:cNvPr id="6" name="Titel 5">
+            <a:extLst>
+              <a:ext uri="{FF2B5EF4-FFF2-40B4-BE49-F238E27FC236}">
+                <a16:creationId xmlns:a16="http://schemas.microsoft.com/office/drawing/2014/main" id="{ECD1BE86-B780-416C-8EAA-2B4B75B29378}"/>
+              </a:ext>
+            </a:extLst>
+          </p:cNvPr>
+          <p:cNvSpPr>
+            <a:spLocks noGrp="1"/>
+          </p:cNvSpPr>
+          <p:nvPr>
+            <p:ph type="title"/>
+          </p:nvPr>
+        </p:nvSpPr>
+        <p:spPr/>
+        <p:txBody>
+          <a:bodyPr/>
+          <a:lstStyle/>
+          <a:p>
+            <a:r>
+              <a:rPr lang="de-AT" dirty="0"/>
+              <a:t>Diskussionsrunde</a:t>
+            </a:r>
+          </a:p>
+        </p:txBody>
+      </p:sp>
+      <p:sp>
+        <p:nvSpPr>
+          <p:cNvPr id="8" name="Denkblase: wolkenförmig 7">
+            <a:extLst>
+              <a:ext uri="{FF2B5EF4-FFF2-40B4-BE49-F238E27FC236}">
+                <a16:creationId xmlns:a16="http://schemas.microsoft.com/office/drawing/2014/main" id="{FC0FF954-C3F9-4434-AC69-3D1CF3CA01D6}"/>
+              </a:ext>
+            </a:extLst>
+          </p:cNvPr>
+          <p:cNvSpPr/>
+          <p:nvPr/>
+        </p:nvSpPr>
+        <p:spPr>
+          <a:xfrm>
+            <a:off x="2015087" y="1971675"/>
+            <a:ext cx="5151131" cy="2914650"/>
+          </a:xfrm>
+          <a:prstGeom prst="cloudCallout">
+            <a:avLst/>
+          </a:prstGeom>
+        </p:spPr>
+        <p:style>
+          <a:lnRef idx="2">
+            <a:schemeClr val="dk1"/>
+          </a:lnRef>
+          <a:fillRef idx="1">
+            <a:schemeClr val="lt1"/>
+          </a:fillRef>
+          <a:effectRef idx="0">
+            <a:schemeClr val="dk1"/>
+          </a:effectRef>
+          <a:fontRef idx="minor">
+            <a:schemeClr val="dk1"/>
+          </a:fontRef>
+        </p:style>
+        <p:txBody>
+          <a:bodyPr rtlCol="0" anchor="ctr"/>
+          <a:lstStyle/>
+          <a:p>
+            <a:pPr algn="ctr"/>
+            <a:endParaRPr lang="de-AT"/>
+          </a:p>
+        </p:txBody>
+      </p:sp>
+    </p:spTree>
+    <p:extLst>
+      <p:ext uri="{BB962C8B-B14F-4D97-AF65-F5344CB8AC3E}">
+        <p14:creationId xmlns:p14="http://schemas.microsoft.com/office/powerpoint/2010/main" val="602237671"/>
+      </p:ext>
+    </p:extLst>
+  </p:cSld>
+  <p:clrMapOvr>
+    <a:masterClrMapping/>
+  </p:clrMapOvr>
+</p:sld>
+</file>
+
+<file path=ppt/slides/slide22.xml><?xml version="1.0" encoding="utf-8"?>
+<p:sld xmlns:a="http://schemas.openxmlformats.org/drawingml/2006/main" xmlns:r="http://schemas.openxmlformats.org/officeDocument/2006/relationships" xmlns:p="http://schemas.openxmlformats.org/presentationml/2006/main">
+  <p:cSld>
+    <p:spTree>
+      <p:nvGrpSpPr>
+        <p:cNvPr id="1" name=""/>
+        <p:cNvGrpSpPr/>
+        <p:nvPr/>
+      </p:nvGrpSpPr>
+      <p:grpSpPr>
+        <a:xfrm>
+          <a:off x="0" y="0"/>
+          <a:ext cx="0" cy="0"/>
+          <a:chOff x="0" y="0"/>
+          <a:chExt cx="0" cy="0"/>
+        </a:xfrm>
+      </p:grpSpPr>
+      <p:sp>
+        <p:nvSpPr>
+          <p:cNvPr id="3" name="Titel 2">
+            <a:extLst>
+              <a:ext uri="{FF2B5EF4-FFF2-40B4-BE49-F238E27FC236}">
+                <a16:creationId xmlns:a16="http://schemas.microsoft.com/office/drawing/2014/main" id="{F0A5B016-FE18-424A-964E-526BBEAB641C}"/>
+              </a:ext>
+            </a:extLst>
+          </p:cNvPr>
+          <p:cNvSpPr>
+            <a:spLocks noGrp="1"/>
+          </p:cNvSpPr>
+          <p:nvPr>
+            <p:ph type="title"/>
+          </p:nvPr>
+        </p:nvSpPr>
+        <p:spPr>
+          <a:xfrm>
+            <a:off x="543600" y="1181193"/>
+            <a:ext cx="6493304" cy="2226283"/>
+          </a:xfrm>
+        </p:spPr>
+        <p:txBody>
+          <a:bodyPr/>
+          <a:lstStyle/>
+          <a:p>
+            <a:r>
+              <a:rPr lang="de-AT" dirty="0"/>
+              <a:t>Vielen dank für die Aufmerksamkeit!</a:t>
+            </a:r>
+          </a:p>
+        </p:txBody>
+      </p:sp>
+    </p:spTree>
+    <p:extLst>
+      <p:ext uri="{BB962C8B-B14F-4D97-AF65-F5344CB8AC3E}">
+        <p14:creationId xmlns:p14="http://schemas.microsoft.com/office/powerpoint/2010/main" val="4161702816"/>
+      </p:ext>
+    </p:extLst>
+  </p:cSld>
+  <p:clrMapOvr>
+    <a:masterClrMapping/>
+  </p:clrMapOvr>
+</p:sld>
+</file>
+
+<file path=ppt/slides/slide23.xml><?xml version="1.0" encoding="utf-8"?>
+<p:sld xmlns:a="http://schemas.openxmlformats.org/drawingml/2006/main" xmlns:r="http://schemas.openxmlformats.org/officeDocument/2006/relationships" xmlns:p="http://schemas.openxmlformats.org/presentationml/2006/main">
+  <p:cSld>
+    <p:spTree>
+      <p:nvGrpSpPr>
+        <p:cNvPr id="1" name=""/>
+        <p:cNvGrpSpPr/>
+        <p:nvPr/>
+      </p:nvGrpSpPr>
+      <p:grpSpPr>
+        <a:xfrm>
+          <a:off x="0" y="0"/>
+          <a:ext cx="0" cy="0"/>
+          <a:chOff x="0" y="0"/>
+          <a:chExt cx="0" cy="0"/>
+        </a:xfrm>
+      </p:grpSpPr>
+    </p:spTree>
+    <p:extLst>
+      <p:ext uri="{BB962C8B-B14F-4D97-AF65-F5344CB8AC3E}">
+        <p14:creationId xmlns:p14="http://schemas.microsoft.com/office/powerpoint/2010/main" val="3003608835"/>
       </p:ext>
     </p:extLst>
   </p:cSld>
@@ -14645,14 +18172,14 @@
           <p:nvPr>
             <p:extLst>
               <p:ext uri="{D42A27DB-BD31-4B8C-83A1-F6EECF244321}">
-                <p14:modId xmlns:p14="http://schemas.microsoft.com/office/powerpoint/2010/main" val="4145958121"/>
+                <p14:modId xmlns:p14="http://schemas.microsoft.com/office/powerpoint/2010/main" val="1386077341"/>
               </p:ext>
             </p:extLst>
           </p:nvPr>
         </p:nvGraphicFramePr>
         <p:xfrm>
-          <a:off x="304006" y="2015725"/>
-          <a:ext cx="8183316" cy="1653734"/>
+          <a:off x="304006" y="2015726"/>
+          <a:ext cx="8183316" cy="2711550"/>
         </p:xfrm>
         <a:graphic>
           <a:graphicData uri="http://schemas.openxmlformats.org/drawingml/2006/table">
@@ -14669,113 +18196,149 @@
                   </a:extLst>
                 </a:gridCol>
               </a:tblGrid>
-              <a:tr h="1623945">
+              <a:tr h="2711550">
                 <a:tc>
                   <a:txBody>
                     <a:bodyPr/>
                     <a:lstStyle/>
                     <a:p>
-                      <a:pPr algn="l" fontAlgn="t"/>
-                      <a:endParaRPr lang="de-AT" sz="800" u="none" strike="noStrike" dirty="0">
-                        <a:effectLst/>
-                      </a:endParaRPr>
+                      <a:pPr marL="0" marR="0" lvl="0" indent="0" algn="l" defTabSz="914400" rtl="0" eaLnBrk="1" fontAlgn="t" latinLnBrk="0" hangingPunct="1">
+                        <a:lnSpc>
+                          <a:spcPct val="100000"/>
+                        </a:lnSpc>
+                        <a:spcBef>
+                          <a:spcPts val="0"/>
+                        </a:spcBef>
+                        <a:spcAft>
+                          <a:spcPts val="0"/>
+                        </a:spcAft>
+                        <a:buClrTx/>
+                        <a:buSzTx/>
+                        <a:buFontTx/>
+                        <a:buNone/>
+                        <a:tabLst/>
+                        <a:defRPr/>
+                      </a:pPr>
+                      <a:r>
+                        <a:rPr lang="de-AT" sz="1400" u="none" strike="noStrike" kern="1200" dirty="0">
+                          <a:solidFill>
+                            <a:schemeClr val="dk1"/>
+                          </a:solidFill>
+                          <a:effectLst/>
+                          <a:latin typeface="+mn-lt"/>
+                          <a:ea typeface="+mn-ea"/>
+                          <a:cs typeface="+mn-cs"/>
+                        </a:rPr>
+                        <a:t>Welche Funktionen/Möglichkeiten vermissen Sie im derzeitigen CRM-System? --&gt;welche Funktionen werden genutzt? </a:t>
+                      </a:r>
                     </a:p>
                     <a:p>
                       <a:pPr algn="l" fontAlgn="t"/>
-                      <a:endParaRPr lang="de-AT" sz="800" u="none" strike="noStrike" dirty="0">
+                      <a:endParaRPr lang="de-AT" sz="1400" u="none" strike="noStrike" kern="1200" dirty="0">
+                        <a:solidFill>
+                          <a:schemeClr val="dk1"/>
+                        </a:solidFill>
                         <a:effectLst/>
+                        <a:latin typeface="+mn-lt"/>
+                        <a:ea typeface="+mn-ea"/>
+                        <a:cs typeface="+mn-cs"/>
                       </a:endParaRPr>
                     </a:p>
                     <a:p>
                       <a:pPr algn="l" fontAlgn="t"/>
                       <a:r>
-                        <a:rPr lang="de-AT" sz="1400" u="none" strike="noStrike" dirty="0">
+                        <a:rPr lang="de-AT" sz="1400" u="none" strike="noStrike" kern="1200" dirty="0">
+                          <a:solidFill>
+                            <a:schemeClr val="dk1"/>
+                          </a:solidFill>
                           <a:effectLst/>
+                          <a:latin typeface="+mn-lt"/>
+                          <a:ea typeface="+mn-ea"/>
+                          <a:cs typeface="+mn-cs"/>
                         </a:rPr>
-                        <a:t>Was wäre ein Knock-Out-Kriterium, bei dem Sie das CRM-System nicht nutzen würden?</a:t>
+                        <a:t>David:</a:t>
                       </a:r>
                     </a:p>
                     <a:p>
                       <a:pPr algn="l" fontAlgn="t"/>
-                      <a:endParaRPr lang="de-AT" sz="800" u="none" strike="noStrike" dirty="0">
+                      <a:r>
+                        <a:rPr lang="de-AT" sz="1400" u="none" strike="noStrike" kern="1200" dirty="0">
+                          <a:solidFill>
+                            <a:schemeClr val="dk1"/>
+                          </a:solidFill>
+                          <a:effectLst/>
+                          <a:latin typeface="+mn-lt"/>
+                          <a:ea typeface="+mn-ea"/>
+                          <a:cs typeface="+mn-cs"/>
+                        </a:rPr>
+                        <a:t>Ich vermisse genau, dass ich Dinge selber machen kann, dass ich Kontakte schnell anlegen kann und Kontaktzuweisungen ändern kann --&gt;wenn jemand Unternehmen wechselt.. Mailadresse ändern etc. Vermisse auch ein gutes Eventmanagement.</a:t>
+                      </a:r>
+                    </a:p>
+                    <a:p>
+                      <a:pPr algn="l" fontAlgn="t"/>
+                      <a:endParaRPr lang="de-AT" sz="1400" u="none" strike="noStrike" kern="1200" dirty="0">
+                        <a:solidFill>
+                          <a:schemeClr val="dk1"/>
+                        </a:solidFill>
                         <a:effectLst/>
+                        <a:latin typeface="+mn-lt"/>
+                        <a:ea typeface="+mn-ea"/>
+                        <a:cs typeface="+mn-cs"/>
+                      </a:endParaRPr>
+                    </a:p>
+                    <a:p>
+                      <a:pPr algn="l" fontAlgn="t"/>
+                      <a:endParaRPr lang="de-AT" sz="1400" u="none" strike="noStrike" kern="1200" dirty="0">
+                        <a:solidFill>
+                          <a:schemeClr val="dk1"/>
+                        </a:solidFill>
+                        <a:effectLst/>
+                        <a:latin typeface="+mn-lt"/>
+                        <a:ea typeface="+mn-ea"/>
+                        <a:cs typeface="+mn-cs"/>
+                      </a:endParaRPr>
+                    </a:p>
+                    <a:p>
+                      <a:pPr algn="l" fontAlgn="t"/>
+                      <a:endParaRPr lang="de-AT" sz="1400" u="none" strike="noStrike" kern="1200" dirty="0">
+                        <a:solidFill>
+                          <a:schemeClr val="dk1"/>
+                        </a:solidFill>
+                        <a:effectLst/>
+                        <a:latin typeface="+mn-lt"/>
+                        <a:ea typeface="+mn-ea"/>
+                        <a:cs typeface="+mn-cs"/>
+                      </a:endParaRPr>
+                    </a:p>
+                    <a:p>
+                      <a:pPr algn="l" fontAlgn="t"/>
+                      <a:endParaRPr lang="de-AT" sz="1400" u="none" strike="noStrike" kern="1200" dirty="0">
+                        <a:solidFill>
+                          <a:schemeClr val="dk1"/>
+                        </a:solidFill>
+                        <a:effectLst/>
+                        <a:latin typeface="+mn-lt"/>
+                        <a:ea typeface="+mn-ea"/>
+                        <a:cs typeface="+mn-cs"/>
                       </a:endParaRPr>
                     </a:p>
                     <a:p>
                       <a:pPr algn="l" fontAlgn="t"/>
                       <a:r>
-                        <a:rPr lang="de-AT" sz="1400" u="none" strike="noStrike" dirty="0">
-                          <a:effectLst/>
-                        </a:rPr>
-                        <a:t>Barbara: </a:t>
-                      </a:r>
-                    </a:p>
-                    <a:p>
-                      <a:pPr algn="l" fontAlgn="t"/>
-                      <a:r>
-                        <a:rPr lang="de-AT" sz="1400" u="none" strike="noStrike" dirty="0">
-                          <a:effectLst/>
-                        </a:rPr>
-                        <a:t>wenn es nicht auf Mobilgeräten gut funktioniert.. Es wäre sehr gut wenn es auf Mobilgeräten funktioniert wie auf Standrechnern.. Kein Cloudbasiertes </a:t>
-                      </a:r>
-                      <a:r>
-                        <a:rPr lang="de-AT" sz="1400" u="none" strike="noStrike" dirty="0" err="1">
-                          <a:effectLst/>
-                        </a:rPr>
-                        <a:t>CRMSystem</a:t>
-                      </a:r>
-                      <a:r>
-                        <a:rPr lang="de-AT" sz="1400" u="none" strike="noStrike" dirty="0">
-                          <a:effectLst/>
-                        </a:rPr>
-                        <a:t>, sonst bin ich anpassungsfähig..</a:t>
-                      </a:r>
-                    </a:p>
-                    <a:p>
-                      <a:pPr algn="l" fontAlgn="t"/>
-                      <a:endParaRPr lang="de-AT" sz="1400" b="0" i="0" u="none" strike="noStrike" dirty="0">
-                        <a:solidFill>
-                          <a:srgbClr val="000000"/>
-                        </a:solidFill>
-                        <a:effectLst/>
-                        <a:latin typeface="Arial" panose="020B0604020202020204" pitchFamily="34" charset="0"/>
-                      </a:endParaRPr>
-                    </a:p>
-                    <a:p>
-                      <a:pPr algn="l" fontAlgn="t"/>
-                      <a:r>
-                        <a:rPr lang="de-AT" sz="1400" b="0" i="0" u="none" strike="noStrike" dirty="0">
+                        <a:rPr lang="de-AT" sz="1400" u="none" strike="noStrike" kern="1200" dirty="0">
                           <a:solidFill>
-                            <a:srgbClr val="000000"/>
+                            <a:schemeClr val="dk1"/>
                           </a:solidFill>
                           <a:effectLst/>
-                          <a:latin typeface="Arial" panose="020B0604020202020204" pitchFamily="34" charset="0"/>
+                          <a:latin typeface="+mn-lt"/>
+                          <a:ea typeface="+mn-ea"/>
+                          <a:cs typeface="+mn-cs"/>
                         </a:rPr>
-                        <a:t>Frage: App installieren, oder über </a:t>
-                      </a:r>
-                      <a:r>
-                        <a:rPr lang="de-AT" sz="1400" b="0" i="0" u="none" strike="noStrike" dirty="0" err="1">
-                          <a:solidFill>
-                            <a:srgbClr val="000000"/>
-                          </a:solidFill>
-                          <a:effectLst/>
-                          <a:latin typeface="Arial" panose="020B0604020202020204" pitchFamily="34" charset="0"/>
-                        </a:rPr>
-                        <a:t>WebBrowser</a:t>
-                      </a:r>
-                      <a:r>
-                        <a:rPr lang="de-AT" sz="1400" b="0" i="0" u="none" strike="noStrike" dirty="0">
-                          <a:solidFill>
-                            <a:srgbClr val="000000"/>
-                          </a:solidFill>
-                          <a:effectLst/>
-                          <a:latin typeface="Arial" panose="020B0604020202020204" pitchFamily="34" charset="0"/>
-                        </a:rPr>
-                        <a:t> am Handy?</a:t>
+                        <a:t>Aspekt der Rollenzuweisung &amp; Berechtigungen</a:t>
                       </a:r>
                     </a:p>
                   </a:txBody>
-                  <a:tcPr marL="7814" marR="7814" marT="7814" marB="0"/>
+                  <a:tcPr marL="9525" marR="9525" marT="9525" marB="0"/>
                 </a:tc>
                 <a:extLst>
                   <a:ext uri="{0D108BD9-81ED-4DB2-BD59-A6C34878D82A}">
@@ -14947,7 +18510,7 @@
           <p:cNvPr id="8" name="Tabelle 7">
             <a:extLst>
               <a:ext uri="{FF2B5EF4-FFF2-40B4-BE49-F238E27FC236}">
-                <a16:creationId xmlns:a16="http://schemas.microsoft.com/office/drawing/2014/main" id="{2856C229-9853-A047-8E63-4F7F06CA6C40}"/>
+                <a16:creationId xmlns:a16="http://schemas.microsoft.com/office/drawing/2014/main" id="{331FEEE3-19CB-D743-9CAB-D460F7FC9EB0}"/>
               </a:ext>
             </a:extLst>
           </p:cNvPr>
@@ -14957,14 +18520,14 @@
           <p:nvPr>
             <p:extLst>
               <p:ext uri="{D42A27DB-BD31-4B8C-83A1-F6EECF244321}">
-                <p14:modId xmlns:p14="http://schemas.microsoft.com/office/powerpoint/2010/main" val="29630885"/>
+                <p14:modId xmlns:p14="http://schemas.microsoft.com/office/powerpoint/2010/main" val="4260016138"/>
               </p:ext>
             </p:extLst>
           </p:nvPr>
         </p:nvGraphicFramePr>
         <p:xfrm>
-          <a:off x="340659" y="2008093"/>
-          <a:ext cx="6042212" cy="2097741"/>
+          <a:off x="304006" y="2015725"/>
+          <a:ext cx="8183316" cy="3423285"/>
         </p:xfrm>
         <a:graphic>
           <a:graphicData uri="http://schemas.openxmlformats.org/drawingml/2006/table">
@@ -14973,127 +18536,234 @@
                 <a:tableStyleId>{5C22544A-7EE6-4342-B048-85BDC9FD1C3A}</a:tableStyleId>
               </a:tblPr>
               <a:tblGrid>
-                <a:gridCol w="6042212">
+                <a:gridCol w="8183316">
                   <a:extLst>
                     <a:ext uri="{9D8B030D-6E8A-4147-A177-3AD203B41FA5}">
-                      <a16:colId xmlns:a16="http://schemas.microsoft.com/office/drawing/2014/main" val="1536547655"/>
+                      <a16:colId xmlns:a16="http://schemas.microsoft.com/office/drawing/2014/main" val="318561346"/>
                     </a:ext>
                   </a:extLst>
                 </a:gridCol>
               </a:tblGrid>
-              <a:tr h="2097741">
+              <a:tr h="1623945">
                 <a:tc>
                   <a:txBody>
                     <a:bodyPr/>
                     <a:lstStyle/>
                     <a:p>
-                      <a:pPr algn="l" fontAlgn="t"/>
                       <a:r>
-                        <a:rPr lang="de-AT" sz="1200" u="none" strike="noStrike" dirty="0">
-                          <a:effectLst/>
+                        <a:rPr lang="de-AT" sz="1400" dirty="0">
+                          <a:solidFill>
+                            <a:srgbClr val="000000"/>
+                          </a:solidFill>
+                          <a:latin typeface="+mn-lt"/>
                         </a:rPr>
-                        <a:t>Welche Arten ausgehender E-Mails werden unterstützt? (einzeln, </a:t>
+                        <a:t>Welche Abteilungen/Stakeholder/Personen sollten Ihrer Meinung nach Zugang zum CRM-System haben?</a:t>
                       </a:r>
                       <a:r>
-                        <a:rPr lang="de-AT" sz="1200" u="none" strike="noStrike" dirty="0" err="1">
-                          <a:effectLst/>
+                        <a:rPr lang="de-AT" sz="1400" dirty="0">
+                          <a:latin typeface="+mn-lt"/>
                         </a:rPr>
-                        <a:t>massenmails</a:t>
-                      </a:r>
-                      <a:r>
-                        <a:rPr lang="de-AT" sz="1200" u="none" strike="noStrike" dirty="0">
-                          <a:effectLst/>
-                        </a:rPr>
-                        <a:t>?)</a:t>
+                        <a:t> </a:t>
                       </a:r>
                     </a:p>
                     <a:p>
                       <a:pPr algn="l" fontAlgn="t"/>
-                      <a:endParaRPr lang="de-AT" sz="1200" b="0" i="0" u="none" strike="noStrike" dirty="0">
+                      <a:endParaRPr lang="de-AT" sz="1400" u="none" strike="noStrike" kern="1200" dirty="0">
                         <a:solidFill>
-                          <a:srgbClr val="000000"/>
+                          <a:schemeClr val="dk1"/>
                         </a:solidFill>
                         <a:effectLst/>
-                        <a:latin typeface="Arial" panose="020B0604020202020204" pitchFamily="34" charset="0"/>
+                        <a:latin typeface="+mn-lt"/>
+                        <a:ea typeface="+mn-ea"/>
+                        <a:cs typeface="+mn-cs"/>
+                      </a:endParaRPr>
+                    </a:p>
+                    <a:p>
+                      <a:pPr marL="0" marR="0" lvl="0" indent="0" algn="l" defTabSz="914400" rtl="0" eaLnBrk="1" fontAlgn="t" latinLnBrk="0" hangingPunct="1">
+                        <a:lnSpc>
+                          <a:spcPct val="100000"/>
+                        </a:lnSpc>
+                        <a:spcBef>
+                          <a:spcPts val="0"/>
+                        </a:spcBef>
+                        <a:spcAft>
+                          <a:spcPts val="0"/>
+                        </a:spcAft>
+                        <a:buClrTx/>
+                        <a:buSzTx/>
+                        <a:buFontTx/>
+                        <a:buNone/>
+                        <a:tabLst/>
+                        <a:defRPr/>
+                      </a:pPr>
+                      <a:r>
+                        <a:rPr lang="de-AT" sz="1400" dirty="0">
+                          <a:latin typeface="+mn-lt"/>
+                        </a:rPr>
+                        <a:t>Michael:</a:t>
+                      </a:r>
+                    </a:p>
+                    <a:p>
+                      <a:pPr marL="0" marR="0" lvl="0" indent="0" algn="l" defTabSz="914400" rtl="0" eaLnBrk="1" fontAlgn="t" latinLnBrk="0" hangingPunct="1">
+                        <a:lnSpc>
+                          <a:spcPct val="100000"/>
+                        </a:lnSpc>
+                        <a:spcBef>
+                          <a:spcPts val="0"/>
+                        </a:spcBef>
+                        <a:spcAft>
+                          <a:spcPts val="0"/>
+                        </a:spcAft>
+                        <a:buClrTx/>
+                        <a:buSzTx/>
+                        <a:buFontTx/>
+                        <a:buNone/>
+                        <a:tabLst/>
+                        <a:defRPr/>
+                      </a:pPr>
+                      <a:r>
+                        <a:rPr lang="de-AT" sz="1400" dirty="0">
+                          <a:latin typeface="+mn-lt"/>
+                        </a:rPr>
+                        <a:t>Chef, Angela, David, Barbara und ich </a:t>
+                      </a:r>
+                    </a:p>
+                    <a:p>
+                      <a:pPr algn="l" fontAlgn="t"/>
+                      <a:endParaRPr lang="de-AT" sz="1400" u="none" strike="noStrike" kern="1200" dirty="0">
+                        <a:solidFill>
+                          <a:schemeClr val="dk1"/>
+                        </a:solidFill>
+                        <a:effectLst/>
+                        <a:latin typeface="+mn-lt"/>
+                        <a:ea typeface="+mn-ea"/>
+                        <a:cs typeface="+mn-cs"/>
                       </a:endParaRPr>
                     </a:p>
                     <a:p>
                       <a:pPr algn="l" fontAlgn="t"/>
                       <a:r>
-                        <a:rPr lang="de-AT" sz="1200" b="0" i="0" u="none" strike="noStrike" dirty="0">
+                        <a:rPr lang="de-AT" sz="1400" u="none" strike="noStrike" kern="1200" dirty="0">
                           <a:solidFill>
-                            <a:srgbClr val="000000"/>
+                            <a:schemeClr val="dk1"/>
                           </a:solidFill>
                           <a:effectLst/>
-                          <a:latin typeface="Arial" panose="020B0604020202020204" pitchFamily="34" charset="0"/>
+                          <a:latin typeface="+mn-lt"/>
+                          <a:ea typeface="+mn-ea"/>
+                          <a:cs typeface="+mn-cs"/>
                         </a:rPr>
-                        <a:t>Barbara: nur Einzelmails.. Und mit einem Trick macht Michael </a:t>
-                      </a:r>
-                      <a:r>
-                        <a:rPr lang="de-AT" sz="1200" b="0" i="0" u="none" strike="noStrike" dirty="0" err="1">
-                          <a:solidFill>
-                            <a:srgbClr val="000000"/>
-                          </a:solidFill>
-                          <a:effectLst/>
-                          <a:latin typeface="Arial" panose="020B0604020202020204" pitchFamily="34" charset="0"/>
-                        </a:rPr>
-                        <a:t>Holubek</a:t>
-                      </a:r>
-                      <a:r>
-                        <a:rPr lang="de-AT" sz="1200" b="0" i="0" u="none" strike="noStrike" dirty="0">
-                          <a:solidFill>
-                            <a:srgbClr val="000000"/>
-                          </a:solidFill>
-                          <a:effectLst/>
-                          <a:latin typeface="Arial" panose="020B0604020202020204" pitchFamily="34" charset="0"/>
-                        </a:rPr>
-                        <a:t> daraus Massenmails..</a:t>
+                        <a:t>Barbara:</a:t>
                       </a:r>
                     </a:p>
                     <a:p>
                       <a:pPr algn="l" fontAlgn="t"/>
-                      <a:endParaRPr lang="de-AT" sz="1200" b="0" i="0" u="none" strike="noStrike" dirty="0">
+                      <a:r>
+                        <a:rPr lang="de-AT" sz="1400" u="none" strike="noStrike" kern="1200" dirty="0">
+                          <a:solidFill>
+                            <a:schemeClr val="dk1"/>
+                          </a:solidFill>
+                          <a:effectLst/>
+                          <a:latin typeface="+mn-lt"/>
+                          <a:ea typeface="+mn-ea"/>
+                          <a:cs typeface="+mn-cs"/>
+                        </a:rPr>
+                        <a:t>Sekretariat, Techniker, 3-4 Personen, die für die Events verantwortlich sind.. Zukünftig maximal 15 Leute</a:t>
+                      </a:r>
+                    </a:p>
+                    <a:p>
+                      <a:pPr algn="l" fontAlgn="t"/>
+                      <a:endParaRPr lang="de-AT" sz="1400" u="none" strike="noStrike" kern="1200" dirty="0">
                         <a:solidFill>
-                          <a:srgbClr val="000000"/>
+                          <a:schemeClr val="dk1"/>
                         </a:solidFill>
                         <a:effectLst/>
-                        <a:latin typeface="Arial" panose="020B0604020202020204" pitchFamily="34" charset="0"/>
+                        <a:latin typeface="+mn-lt"/>
+                        <a:ea typeface="+mn-ea"/>
+                        <a:cs typeface="+mn-cs"/>
                       </a:endParaRPr>
                     </a:p>
                     <a:p>
                       <a:pPr algn="l" fontAlgn="t"/>
                       <a:r>
-                        <a:rPr lang="de-AT" sz="1200" b="0" i="0" u="none" strike="noStrike" dirty="0">
+                        <a:rPr lang="de-AT" sz="1400" u="none" strike="noStrike" kern="1200" dirty="0">
                           <a:solidFill>
-                            <a:srgbClr val="000000"/>
+                            <a:schemeClr val="dk1"/>
                           </a:solidFill>
                           <a:effectLst/>
-                          <a:latin typeface="Arial" panose="020B0604020202020204" pitchFamily="34" charset="0"/>
+                          <a:latin typeface="+mn-lt"/>
+                          <a:ea typeface="+mn-ea"/>
+                          <a:cs typeface="+mn-cs"/>
                         </a:rPr>
-                        <a:t>David: Nur Einzelmails..</a:t>
+                        <a:t>David:</a:t>
                       </a:r>
                     </a:p>
                     <a:p>
                       <a:pPr algn="l" fontAlgn="t"/>
-                      <a:endParaRPr lang="de-AT" sz="1200" b="0" i="0" u="none" strike="noStrike" dirty="0">
+                      <a:r>
+                        <a:rPr lang="de-AT" sz="1400" u="none" strike="noStrike" kern="1200" dirty="0">
+                          <a:solidFill>
+                            <a:schemeClr val="dk1"/>
+                          </a:solidFill>
+                          <a:effectLst/>
+                          <a:latin typeface="+mn-lt"/>
+                          <a:ea typeface="+mn-ea"/>
+                          <a:cs typeface="+mn-cs"/>
+                        </a:rPr>
+                        <a:t>Veranstalter der Events (LVA-Leiter) Studentische Hilfskräfte und Administration...</a:t>
+                      </a:r>
+                    </a:p>
+                    <a:p>
+                      <a:pPr algn="l" fontAlgn="t"/>
+                      <a:endParaRPr lang="de-AT" sz="1400" u="none" strike="noStrike" kern="1200" dirty="0">
                         <a:solidFill>
-                          <a:srgbClr val="000000"/>
+                          <a:schemeClr val="dk1"/>
                         </a:solidFill>
                         <a:effectLst/>
-                        <a:latin typeface="Arial" panose="020B0604020202020204" pitchFamily="34" charset="0"/>
+                        <a:latin typeface="+mn-lt"/>
+                        <a:ea typeface="+mn-ea"/>
+                        <a:cs typeface="+mn-cs"/>
+                      </a:endParaRPr>
+                    </a:p>
+                    <a:p>
+                      <a:pPr algn="l" fontAlgn="t"/>
+                      <a:endParaRPr lang="de-AT" sz="1400" u="none" strike="noStrike" kern="1200" dirty="0">
+                        <a:solidFill>
+                          <a:schemeClr val="dk1"/>
+                        </a:solidFill>
+                        <a:effectLst/>
+                        <a:latin typeface="+mn-lt"/>
+                        <a:ea typeface="+mn-ea"/>
+                        <a:cs typeface="+mn-cs"/>
                       </a:endParaRPr>
                     </a:p>
                     <a:p>
                       <a:pPr algn="l" fontAlgn="t"/>
                       <a:r>
-                        <a:rPr lang="de-AT" sz="1200" b="0" i="0" u="none" strike="noStrike" dirty="0">
+                        <a:rPr lang="de-AT" sz="1400" u="none" strike="noStrike" kern="1200" dirty="0">
                           <a:solidFill>
-                            <a:srgbClr val="000000"/>
+                            <a:schemeClr val="dk1"/>
                           </a:solidFill>
                           <a:effectLst/>
-                          <a:latin typeface="Arial" panose="020B0604020202020204" pitchFamily="34" charset="0"/>
+                          <a:latin typeface="+mn-lt"/>
+                          <a:ea typeface="+mn-ea"/>
+                          <a:cs typeface="+mn-cs"/>
                         </a:rPr>
-                        <a:t>Angela: man kann beides --&gt; Serienbrief wäre gut..</a:t>
+                        <a:t>Auswirkung auf Betrachtung des Rollenkonzepts</a:t>
+                      </a:r>
+                    </a:p>
+                    <a:p>
+                      <a:pPr algn="l" fontAlgn="t"/>
+                      <a:r>
+                        <a:rPr lang="de-AT" sz="1400" u="none" strike="noStrike" kern="1200" dirty="0">
+                          <a:solidFill>
+                            <a:schemeClr val="dk1"/>
+                          </a:solidFill>
+                          <a:effectLst/>
+                          <a:latin typeface="+mn-lt"/>
+                          <a:ea typeface="+mn-ea"/>
+                          <a:cs typeface="+mn-cs"/>
+                        </a:rPr>
+                        <a:t>Definition von Berechtigungen</a:t>
                       </a:r>
                     </a:p>
                   </a:txBody>
@@ -15101,7 +18771,7 @@
                 </a:tc>
                 <a:extLst>
                   <a:ext uri="{0D108BD9-81ED-4DB2-BD59-A6C34878D82A}">
-                    <a16:rowId xmlns:a16="http://schemas.microsoft.com/office/drawing/2014/main" val="1893749344"/>
+                    <a16:rowId xmlns:a16="http://schemas.microsoft.com/office/drawing/2014/main" val="1853564704"/>
                   </a:ext>
                 </a:extLst>
               </a:tr>
@@ -15112,7 +18782,7 @@
     </p:spTree>
     <p:extLst>
       <p:ext uri="{BB962C8B-B14F-4D97-AF65-F5344CB8AC3E}">
-        <p14:creationId xmlns:p14="http://schemas.microsoft.com/office/powerpoint/2010/main" val="1828517736"/>
+        <p14:creationId xmlns:p14="http://schemas.microsoft.com/office/powerpoint/2010/main" val="1031044204"/>
       </p:ext>
     </p:extLst>
   </p:cSld>
@@ -15266,10 +18936,10 @@
       </p:sp>
       <p:graphicFrame>
         <p:nvGraphicFramePr>
-          <p:cNvPr id="3" name="Tabelle 2">
+          <p:cNvPr id="8" name="Tabelle 7">
             <a:extLst>
               <a:ext uri="{FF2B5EF4-FFF2-40B4-BE49-F238E27FC236}">
-                <a16:creationId xmlns:a16="http://schemas.microsoft.com/office/drawing/2014/main" id="{6668ACD5-0574-6443-A893-E4EE6DEE9A2C}"/>
+                <a16:creationId xmlns:a16="http://schemas.microsoft.com/office/drawing/2014/main" id="{331FEEE3-19CB-D743-9CAB-D460F7FC9EB0}"/>
               </a:ext>
             </a:extLst>
           </p:cNvPr>
@@ -15279,14 +18949,14 @@
           <p:nvPr>
             <p:extLst>
               <p:ext uri="{D42A27DB-BD31-4B8C-83A1-F6EECF244321}">
-                <p14:modId xmlns:p14="http://schemas.microsoft.com/office/powerpoint/2010/main" val="2121892746"/>
+                <p14:modId xmlns:p14="http://schemas.microsoft.com/office/powerpoint/2010/main" val="3065714179"/>
               </p:ext>
             </p:extLst>
           </p:nvPr>
         </p:nvGraphicFramePr>
         <p:xfrm>
-          <a:off x="520700" y="1756747"/>
-          <a:ext cx="7567136" cy="3819299"/>
+          <a:off x="304006" y="2015725"/>
+          <a:ext cx="8183316" cy="2354774"/>
         </p:xfrm>
         <a:graphic>
           <a:graphicData uri="http://schemas.openxmlformats.org/drawingml/2006/table">
@@ -15295,15 +18965,15 @@
                 <a:tableStyleId>{5C22544A-7EE6-4342-B048-85BDC9FD1C3A}</a:tableStyleId>
               </a:tblPr>
               <a:tblGrid>
-                <a:gridCol w="7567136">
+                <a:gridCol w="8183316">
                   <a:extLst>
                     <a:ext uri="{9D8B030D-6E8A-4147-A177-3AD203B41FA5}">
-                      <a16:colId xmlns:a16="http://schemas.microsoft.com/office/drawing/2014/main" val="613127955"/>
+                      <a16:colId xmlns:a16="http://schemas.microsoft.com/office/drawing/2014/main" val="318561346"/>
                     </a:ext>
                   </a:extLst>
                 </a:gridCol>
               </a:tblGrid>
-              <a:tr h="3819299">
+              <a:tr h="1623945">
                 <a:tc>
                   <a:txBody>
                     <a:bodyPr/>
@@ -15313,8 +18983,53 @@
                       <a:r>
                         <a:rPr lang="de-AT" sz="1400" u="none" strike="noStrike" dirty="0">
                           <a:effectLst/>
+                          <a:latin typeface="+mn-lt"/>
                         </a:rPr>
-                        <a:t>Zu welchen Systemen sind Schnittstellen vorhanden bzw. relevant?</a:t>
+                        <a:t>Was wäre ein Knock-Out-Kriterium, bei dem Sie das CRM-System nicht nutzen würden?</a:t>
+                      </a:r>
+                    </a:p>
+                    <a:p>
+                      <a:pPr algn="l" fontAlgn="t"/>
+                      <a:endParaRPr lang="de-AT" sz="1400" u="none" strike="noStrike" dirty="0">
+                        <a:effectLst/>
+                        <a:latin typeface="+mn-lt"/>
+                      </a:endParaRPr>
+                    </a:p>
+                    <a:p>
+                      <a:pPr algn="l" fontAlgn="t"/>
+                      <a:endParaRPr lang="de-AT" sz="1400" u="none" strike="noStrike" dirty="0">
+                        <a:effectLst/>
+                        <a:latin typeface="+mn-lt"/>
+                      </a:endParaRPr>
+                    </a:p>
+                    <a:p>
+                      <a:pPr algn="l" fontAlgn="t"/>
+                      <a:r>
+                        <a:rPr lang="de-AT" sz="1400" u="none" strike="noStrike" dirty="0">
+                          <a:effectLst/>
+                          <a:latin typeface="+mn-lt"/>
+                        </a:rPr>
+                        <a:t>Barbara: </a:t>
+                      </a:r>
+                    </a:p>
+                    <a:p>
+                      <a:pPr algn="l" fontAlgn="t"/>
+                      <a:r>
+                        <a:rPr lang="de-AT" sz="1400" u="none" strike="noStrike" dirty="0">
+                          <a:effectLst/>
+                          <a:latin typeface="+mn-lt"/>
+                        </a:rPr>
+                        <a:t>wenn es nicht auf Mobilgeräten gut funktioniert.. Es wäre sehr gut wenn es auf Mobilgeräten funktioniert</a:t>
+                      </a:r>
+                    </a:p>
+                    <a:p>
+                      <a:pPr algn="l" fontAlgn="t"/>
+                      <a:r>
+                        <a:rPr lang="de-AT" sz="1400" u="none" strike="noStrike" dirty="0">
+                          <a:effectLst/>
+                          <a:latin typeface="+mn-lt"/>
+                        </a:rPr>
+                        <a:t>Kein Cloudbasiertes CRM System, sonst bin ich anpassungsfähig..</a:t>
                       </a:r>
                     </a:p>
                     <a:p>
@@ -15324,7 +19039,37 @@
                           <a:srgbClr val="000000"/>
                         </a:solidFill>
                         <a:effectLst/>
-                        <a:latin typeface="Arial" panose="020B0604020202020204" pitchFamily="34" charset="0"/>
+                        <a:latin typeface="+mn-lt"/>
+                      </a:endParaRPr>
+                    </a:p>
+                    <a:p>
+                      <a:pPr algn="l" fontAlgn="t"/>
+                      <a:endParaRPr lang="de-AT" sz="1400" b="0" i="0" u="none" strike="noStrike" dirty="0">
+                        <a:solidFill>
+                          <a:srgbClr val="000000"/>
+                        </a:solidFill>
+                        <a:effectLst/>
+                        <a:latin typeface="+mn-lt"/>
+                      </a:endParaRPr>
+                    </a:p>
+                    <a:p>
+                      <a:pPr algn="l" fontAlgn="t"/>
+                      <a:endParaRPr lang="de-AT" sz="1400" b="0" i="0" u="none" strike="noStrike" dirty="0">
+                        <a:solidFill>
+                          <a:srgbClr val="000000"/>
+                        </a:solidFill>
+                        <a:effectLst/>
+                        <a:latin typeface="+mn-lt"/>
+                      </a:endParaRPr>
+                    </a:p>
+                    <a:p>
+                      <a:pPr algn="l" fontAlgn="t"/>
+                      <a:endParaRPr lang="de-AT" sz="1400" b="0" i="0" u="none" strike="noStrike" dirty="0">
+                        <a:solidFill>
+                          <a:srgbClr val="000000"/>
+                        </a:solidFill>
+                        <a:effectLst/>
+                        <a:latin typeface="+mn-lt"/>
                       </a:endParaRPr>
                     </a:p>
                     <a:p>
@@ -15335,253 +19080,17 @@
                             <a:srgbClr val="000000"/>
                           </a:solidFill>
                           <a:effectLst/>
-                          <a:latin typeface="Arial" panose="020B0604020202020204" pitchFamily="34" charset="0"/>
+                          <a:latin typeface="+mn-lt"/>
                         </a:rPr>
-                        <a:t>Angela: es wird alles nur noch händisch nachgepflegt, am wichtigsten wäre Excel</a:t>
+                        <a:t>In der Community Version (Open Source) ist derzeit nur eine Webanwendung vorhanden.</a:t>
                       </a:r>
                     </a:p>
-                    <a:p>
-                      <a:pPr algn="l" fontAlgn="t"/>
-                      <a:endParaRPr lang="de-AT" sz="1400" b="0" i="0" u="none" strike="noStrike" dirty="0">
-                        <a:solidFill>
-                          <a:srgbClr val="000000"/>
-                        </a:solidFill>
-                        <a:effectLst/>
-                        <a:latin typeface="Arial" panose="020B0604020202020204" pitchFamily="34" charset="0"/>
-                      </a:endParaRPr>
-                    </a:p>
-                    <a:p>
-                      <a:pPr algn="l" fontAlgn="t"/>
-                      <a:r>
-                        <a:rPr lang="de-AT" sz="1400" b="0" i="0" u="none" strike="noStrike" dirty="0">
-                          <a:solidFill>
-                            <a:srgbClr val="000000"/>
-                          </a:solidFill>
-                          <a:effectLst/>
-                          <a:latin typeface="Arial" panose="020B0604020202020204" pitchFamily="34" charset="0"/>
-                        </a:rPr>
-                        <a:t>Michael: Module, die es mit irgendwelchen Shop Modulen und Shopsystemen verbinden, aber müssen wir nachschauen. Typischerweise CSV Dateien, Schnittstellen werden nicht unterstützt… wenn wir in dieses Eventmodul ein Event anlegen, wäre es </a:t>
-                      </a:r>
-                      <a:r>
-                        <a:rPr lang="de-AT" sz="1400" b="0" i="0" u="none" strike="noStrike" dirty="0" err="1">
-                          <a:solidFill>
-                            <a:srgbClr val="000000"/>
-                          </a:solidFill>
-                          <a:effectLst/>
-                          <a:latin typeface="Arial" panose="020B0604020202020204" pitchFamily="34" charset="0"/>
-                        </a:rPr>
-                        <a:t>nice</a:t>
-                      </a:r>
-                      <a:r>
-                        <a:rPr lang="de-AT" sz="1400" b="0" i="0" u="none" strike="noStrike" dirty="0">
-                          <a:solidFill>
-                            <a:srgbClr val="000000"/>
-                          </a:solidFill>
-                          <a:effectLst/>
-                          <a:latin typeface="Arial" panose="020B0604020202020204" pitchFamily="34" charset="0"/>
-                        </a:rPr>
-                        <a:t> </a:t>
-                      </a:r>
-                      <a:r>
-                        <a:rPr lang="de-AT" sz="1400" b="0" i="0" u="none" strike="noStrike" dirty="0" err="1">
-                          <a:solidFill>
-                            <a:srgbClr val="000000"/>
-                          </a:solidFill>
-                          <a:effectLst/>
-                          <a:latin typeface="Arial" panose="020B0604020202020204" pitchFamily="34" charset="0"/>
-                        </a:rPr>
-                        <a:t>to</a:t>
-                      </a:r>
-                      <a:r>
-                        <a:rPr lang="de-AT" sz="1400" b="0" i="0" u="none" strike="noStrike" dirty="0">
-                          <a:solidFill>
-                            <a:srgbClr val="000000"/>
-                          </a:solidFill>
-                          <a:effectLst/>
-                          <a:latin typeface="Arial" panose="020B0604020202020204" pitchFamily="34" charset="0"/>
-                        </a:rPr>
-                        <a:t> </a:t>
-                      </a:r>
-                      <a:r>
-                        <a:rPr lang="de-AT" sz="1400" b="0" i="0" u="none" strike="noStrike" dirty="0" err="1">
-                          <a:solidFill>
-                            <a:srgbClr val="000000"/>
-                          </a:solidFill>
-                          <a:effectLst/>
-                          <a:latin typeface="Arial" panose="020B0604020202020204" pitchFamily="34" charset="0"/>
-                        </a:rPr>
-                        <a:t>have</a:t>
-                      </a:r>
-                      <a:r>
-                        <a:rPr lang="de-AT" sz="1400" b="0" i="0" u="none" strike="noStrike" dirty="0">
-                          <a:solidFill>
-                            <a:srgbClr val="000000"/>
-                          </a:solidFill>
-                          <a:effectLst/>
-                          <a:latin typeface="Arial" panose="020B0604020202020204" pitchFamily="34" charset="0"/>
-                        </a:rPr>
-                        <a:t> wenn es automatisiert in die Facebook-Gruppe aufscheinen würde..</a:t>
-                      </a:r>
-                    </a:p>
-                    <a:p>
-                      <a:pPr algn="l" fontAlgn="t"/>
-                      <a:endParaRPr lang="de-AT" sz="1000" b="0" i="0" u="none" strike="noStrike" dirty="0">
-                        <a:solidFill>
-                          <a:srgbClr val="000000"/>
-                        </a:solidFill>
-                        <a:effectLst/>
-                        <a:latin typeface="Arial" panose="020B0604020202020204" pitchFamily="34" charset="0"/>
-                      </a:endParaRPr>
-                    </a:p>
-                    <a:p>
-                      <a:pPr algn="l" fontAlgn="t"/>
-                      <a:endParaRPr lang="de-AT" sz="1000" b="0" i="0" u="none" strike="noStrike" dirty="0">
-                        <a:solidFill>
-                          <a:srgbClr val="000000"/>
-                        </a:solidFill>
-                        <a:effectLst/>
-                        <a:latin typeface="Arial" panose="020B0604020202020204" pitchFamily="34" charset="0"/>
-                      </a:endParaRPr>
-                    </a:p>
-                    <a:p>
-                      <a:pPr algn="l" fontAlgn="t"/>
-                      <a:r>
-                        <a:rPr lang="de-AT" sz="1200" b="0" i="0" u="none" strike="noStrike" dirty="0" err="1">
-                          <a:solidFill>
-                            <a:srgbClr val="000000"/>
-                          </a:solidFill>
-                          <a:effectLst/>
-                          <a:latin typeface="Arial" panose="020B0604020202020204" pitchFamily="34" charset="0"/>
-                        </a:rPr>
-                        <a:t>Barbara:vorhanden</a:t>
-                      </a:r>
-                      <a:r>
-                        <a:rPr lang="de-AT" sz="1200" b="0" i="0" u="none" strike="noStrike" dirty="0">
-                          <a:solidFill>
-                            <a:srgbClr val="000000"/>
-                          </a:solidFill>
-                          <a:effectLst/>
-                          <a:latin typeface="Arial" panose="020B0604020202020204" pitchFamily="34" charset="0"/>
-                        </a:rPr>
-                        <a:t> --&gt; keine Ahnung.. Relevant --&gt; wünschenswert wäre Export ins Excel oder Word.. Echte Schnittstellen ans Mailsystem falls notwendig sonst wüsste ich keine</a:t>
-                      </a:r>
-                    </a:p>
-                    <a:p>
-                      <a:pPr algn="l" fontAlgn="t"/>
-                      <a:endParaRPr lang="de-AT" sz="1200" b="0" i="0" u="none" strike="noStrike" dirty="0">
-                        <a:solidFill>
-                          <a:srgbClr val="000000"/>
-                        </a:solidFill>
-                        <a:effectLst/>
-                        <a:latin typeface="Arial" panose="020B0604020202020204" pitchFamily="34" charset="0"/>
-                      </a:endParaRPr>
-                    </a:p>
-                    <a:p>
-                      <a:pPr algn="l" fontAlgn="t"/>
-                      <a:endParaRPr lang="de-AT" sz="1200" b="0" i="0" u="none" strike="noStrike" dirty="0">
-                        <a:solidFill>
-                          <a:srgbClr val="000000"/>
-                        </a:solidFill>
-                        <a:effectLst/>
-                        <a:latin typeface="Arial" panose="020B0604020202020204" pitchFamily="34" charset="0"/>
-                      </a:endParaRPr>
-                    </a:p>
-                    <a:p>
-                      <a:pPr algn="l" fontAlgn="t"/>
-                      <a:r>
-                        <a:rPr lang="de-AT" sz="1200" b="0" i="0" u="none" strike="noStrike" dirty="0">
-                          <a:solidFill>
-                            <a:srgbClr val="000000"/>
-                          </a:solidFill>
-                          <a:effectLst/>
-                          <a:latin typeface="Arial" panose="020B0604020202020204" pitchFamily="34" charset="0"/>
-                        </a:rPr>
-                        <a:t>David: im </a:t>
-                      </a:r>
-                      <a:r>
-                        <a:rPr lang="de-AT" sz="1200" b="0" i="0" u="none" strike="noStrike" dirty="0" err="1">
-                          <a:solidFill>
-                            <a:srgbClr val="000000"/>
-                          </a:solidFill>
-                          <a:effectLst/>
-                          <a:latin typeface="Arial" panose="020B0604020202020204" pitchFamily="34" charset="0"/>
-                        </a:rPr>
-                        <a:t>Momn</a:t>
-                      </a:r>
-                      <a:r>
-                        <a:rPr lang="de-AT" sz="1200" b="0" i="0" u="none" strike="noStrike" dirty="0">
-                          <a:solidFill>
-                            <a:srgbClr val="000000"/>
-                          </a:solidFill>
-                          <a:effectLst/>
-                          <a:latin typeface="Arial" panose="020B0604020202020204" pitchFamily="34" charset="0"/>
-                        </a:rPr>
-                        <a:t> zu </a:t>
-                      </a:r>
-                      <a:r>
-                        <a:rPr lang="de-AT" sz="1200" b="0" i="0" u="none" strike="noStrike" dirty="0" err="1">
-                          <a:solidFill>
-                            <a:srgbClr val="000000"/>
-                          </a:solidFill>
-                          <a:effectLst/>
-                          <a:latin typeface="Arial" panose="020B0604020202020204" pitchFamily="34" charset="0"/>
-                        </a:rPr>
-                        <a:t>keinen..sinnvoll</a:t>
-                      </a:r>
-                      <a:r>
-                        <a:rPr lang="de-AT" sz="1200" b="0" i="0" u="none" strike="noStrike" dirty="0">
-                          <a:solidFill>
-                            <a:srgbClr val="000000"/>
-                          </a:solidFill>
-                          <a:effectLst/>
-                          <a:latin typeface="Arial" panose="020B0604020202020204" pitchFamily="34" charset="0"/>
-                        </a:rPr>
-                        <a:t> wäre es zur Gruppe.. Sprich E-Mail-</a:t>
-                      </a:r>
-                      <a:r>
-                        <a:rPr lang="de-AT" sz="1200" b="0" i="0" u="none" strike="noStrike" dirty="0" err="1">
-                          <a:solidFill>
-                            <a:srgbClr val="000000"/>
-                          </a:solidFill>
-                          <a:effectLst/>
-                          <a:latin typeface="Arial" panose="020B0604020202020204" pitchFamily="34" charset="0"/>
-                        </a:rPr>
-                        <a:t>Kalendar</a:t>
-                      </a:r>
-                      <a:endParaRPr lang="de-AT" sz="1200" b="0" i="0" u="none" strike="noStrike" dirty="0">
-                        <a:solidFill>
-                          <a:srgbClr val="000000"/>
-                        </a:solidFill>
-                        <a:effectLst/>
-                        <a:latin typeface="Arial" panose="020B0604020202020204" pitchFamily="34" charset="0"/>
-                      </a:endParaRPr>
-                    </a:p>
-                    <a:p>
-                      <a:pPr algn="l" fontAlgn="t"/>
-                      <a:endParaRPr lang="de-AT" sz="1000" b="0" i="0" u="none" strike="noStrike" dirty="0">
-                        <a:solidFill>
-                          <a:srgbClr val="000000"/>
-                        </a:solidFill>
-                        <a:effectLst/>
-                        <a:latin typeface="Arial" panose="020B0604020202020204" pitchFamily="34" charset="0"/>
-                      </a:endParaRPr>
-                    </a:p>
-                    <a:p>
-                      <a:pPr algn="l" fontAlgn="t"/>
-                      <a:endParaRPr lang="de-AT" sz="1000" b="0" i="0" u="none" strike="noStrike" dirty="0">
-                        <a:solidFill>
-                          <a:srgbClr val="000000"/>
-                        </a:solidFill>
-                        <a:effectLst/>
-                        <a:latin typeface="Arial" panose="020B0604020202020204" pitchFamily="34" charset="0"/>
-                      </a:endParaRPr>
-                    </a:p>
                   </a:txBody>
-                  <a:tcPr marL="9525" marR="9525" marT="9525" marB="0"/>
+                  <a:tcPr marL="7814" marR="7814" marT="7814" marB="0"/>
                 </a:tc>
                 <a:extLst>
                   <a:ext uri="{0D108BD9-81ED-4DB2-BD59-A6C34878D82A}">
-                    <a16:rowId xmlns:a16="http://schemas.microsoft.com/office/drawing/2014/main" val="3114284879"/>
+                    <a16:rowId xmlns:a16="http://schemas.microsoft.com/office/drawing/2014/main" val="1853564704"/>
                   </a:ext>
                 </a:extLst>
               </a:tr>
@@ -15592,7 +19101,7 @@
     </p:spTree>
     <p:extLst>
       <p:ext uri="{BB962C8B-B14F-4D97-AF65-F5344CB8AC3E}">
-        <p14:creationId xmlns:p14="http://schemas.microsoft.com/office/powerpoint/2010/main" val="658307506"/>
+        <p14:creationId xmlns:p14="http://schemas.microsoft.com/office/powerpoint/2010/main" val="1744998810"/>
       </p:ext>
     </p:extLst>
   </p:cSld>
@@ -15646,95 +19155,9 @@
           <a:lstStyle/>
           <a:p>
             <a:r>
-              <a:rPr lang="de-DE" sz="1800" dirty="0"/>
-              <a:t>Vorgehensweise bei Implementierung</a:t>
-            </a:r>
-          </a:p>
-          <a:p>
-            <a:pPr lvl="1"/>
-            <a:r>
-              <a:rPr lang="de-DE" sz="1600" dirty="0"/>
-              <a:t>Abstimmung &amp; Unterstützung durch Stakeholder</a:t>
-            </a:r>
-          </a:p>
-          <a:p>
-            <a:pPr lvl="2"/>
-            <a:r>
-              <a:rPr lang="de-DE" sz="1700" dirty="0"/>
-              <a:t>Zeitliche Verfügbarkeit &amp; Hilfestellung</a:t>
-            </a:r>
-          </a:p>
-          <a:p>
-            <a:endParaRPr lang="de-DE" sz="1800" dirty="0"/>
-          </a:p>
-          <a:p>
-            <a:r>
-              <a:rPr lang="de-DE" sz="1800" dirty="0"/>
-              <a:t>Zusätzliche Anforderungen nach ersten Testphase</a:t>
-            </a:r>
-          </a:p>
-          <a:p>
-            <a:pPr lvl="1"/>
-            <a:r>
-              <a:rPr lang="de-DE" sz="1600" dirty="0"/>
-              <a:t>Funktionale Anforderungen</a:t>
-            </a:r>
-          </a:p>
-          <a:p>
-            <a:pPr lvl="1"/>
-            <a:r>
-              <a:rPr lang="de-DE" sz="1600" dirty="0"/>
-              <a:t>Nicht funktionale Anforderungen</a:t>
-            </a:r>
-          </a:p>
-          <a:p>
-            <a:pPr lvl="2"/>
-            <a:r>
-              <a:rPr lang="de-DE" sz="1700" dirty="0"/>
-              <a:t>Deadline für erheben neuer Anforderungen setzen</a:t>
-            </a:r>
-          </a:p>
-          <a:p>
-            <a:endParaRPr lang="de-DE" sz="1800" dirty="0"/>
-          </a:p>
-          <a:p>
-            <a:r>
-              <a:rPr lang="de-DE" sz="1800" dirty="0" err="1"/>
-              <a:t>Inakzeptanz</a:t>
-            </a:r>
-            <a:r>
-              <a:rPr lang="de-DE" sz="1800" dirty="0"/>
-              <a:t> des System nach Erstkontakt</a:t>
-            </a:r>
-          </a:p>
-          <a:p>
-            <a:pPr lvl="1"/>
-            <a:r>
-              <a:rPr lang="de-DE" sz="1600" dirty="0"/>
-              <a:t>Tendenz der Stakeholder zu Altsystem</a:t>
-            </a:r>
-          </a:p>
-          <a:p>
-            <a:pPr lvl="2"/>
-            <a:r>
-              <a:rPr lang="de-DE" sz="1700" dirty="0"/>
-              <a:t>Möglichkeit das Altsystem zu erweitern bieten</a:t>
-            </a:r>
-          </a:p>
-          <a:p>
-            <a:endParaRPr lang="de-DE" sz="1800" dirty="0"/>
-          </a:p>
-          <a:p>
-            <a:endParaRPr lang="de-DE" sz="1800" dirty="0"/>
-          </a:p>
-          <a:p>
-            <a:endParaRPr lang="de-DE" sz="1800" dirty="0"/>
-          </a:p>
-          <a:p>
-            <a:endParaRPr lang="de-DE" sz="1800" dirty="0"/>
-          </a:p>
-          <a:p>
-            <a:endParaRPr lang="de-DE" sz="1800" dirty="0"/>
+              <a:rPr lang="de-DE" u="sng" dirty="0"/>
+              <a:t> </a:t>
+            </a:r>
           </a:p>
         </p:txBody>
       </p:sp>
@@ -15817,28 +19240,220 @@
             <p:ph type="title"/>
           </p:nvPr>
         </p:nvSpPr>
-        <p:spPr>
-          <a:xfrm>
-            <a:off x="549322" y="323896"/>
-            <a:ext cx="7938194" cy="938696"/>
-          </a:xfrm>
-        </p:spPr>
+        <p:spPr/>
         <p:txBody>
           <a:bodyPr/>
           <a:lstStyle/>
           <a:p>
             <a:r>
               <a:rPr lang="de-AT" sz="3200" dirty="0"/>
-              <a:t>Potenzielle Nebenschauplätze &amp; Risiken</a:t>
+              <a:t>Abstimmung erhobener Anforderungen</a:t>
             </a:r>
             <a:endParaRPr lang="de-AT" dirty="0"/>
           </a:p>
         </p:txBody>
       </p:sp>
+      <p:graphicFrame>
+        <p:nvGraphicFramePr>
+          <p:cNvPr id="8" name="Tabelle 7">
+            <a:extLst>
+              <a:ext uri="{FF2B5EF4-FFF2-40B4-BE49-F238E27FC236}">
+                <a16:creationId xmlns:a16="http://schemas.microsoft.com/office/drawing/2014/main" id="{331FEEE3-19CB-D743-9CAB-D460F7FC9EB0}"/>
+              </a:ext>
+            </a:extLst>
+          </p:cNvPr>
+          <p:cNvGraphicFramePr>
+            <a:graphicFrameLocks noGrp="1"/>
+          </p:cNvGraphicFramePr>
+          <p:nvPr>
+            <p:extLst>
+              <p:ext uri="{D42A27DB-BD31-4B8C-83A1-F6EECF244321}">
+                <p14:modId xmlns:p14="http://schemas.microsoft.com/office/powerpoint/2010/main" val="90748999"/>
+              </p:ext>
+            </p:extLst>
+          </p:nvPr>
+        </p:nvGraphicFramePr>
+        <p:xfrm>
+          <a:off x="304006" y="2015725"/>
+          <a:ext cx="8183316" cy="2568134"/>
+        </p:xfrm>
+        <a:graphic>
+          <a:graphicData uri="http://schemas.openxmlformats.org/drawingml/2006/table">
+            <a:tbl>
+              <a:tblPr>
+                <a:tableStyleId>{5C22544A-7EE6-4342-B048-85BDC9FD1C3A}</a:tableStyleId>
+              </a:tblPr>
+              <a:tblGrid>
+                <a:gridCol w="8183316">
+                  <a:extLst>
+                    <a:ext uri="{9D8B030D-6E8A-4147-A177-3AD203B41FA5}">
+                      <a16:colId xmlns:a16="http://schemas.microsoft.com/office/drawing/2014/main" val="318561346"/>
+                    </a:ext>
+                  </a:extLst>
+                </a:gridCol>
+              </a:tblGrid>
+              <a:tr h="1623945">
+                <a:tc>
+                  <a:txBody>
+                    <a:bodyPr/>
+                    <a:lstStyle/>
+                    <a:p>
+                      <a:pPr algn="l" fontAlgn="t"/>
+                      <a:r>
+                        <a:rPr lang="de-AT" sz="1400" u="none" strike="noStrike" dirty="0">
+                          <a:effectLst/>
+                          <a:latin typeface="+mn-lt"/>
+                        </a:rPr>
+                        <a:t>Welche Möglichkeiten zur Zeiterfassung bietet das System?</a:t>
+                      </a:r>
+                    </a:p>
+                    <a:p>
+                      <a:pPr algn="l" fontAlgn="t"/>
+                      <a:endParaRPr lang="de-AT" sz="1400" u="none" strike="noStrike" dirty="0">
+                        <a:effectLst/>
+                        <a:latin typeface="+mn-lt"/>
+                      </a:endParaRPr>
+                    </a:p>
+                    <a:p>
+                      <a:pPr algn="l" fontAlgn="t"/>
+                      <a:r>
+                        <a:rPr lang="de-AT" sz="1400" u="none" strike="noStrike" dirty="0">
+                          <a:effectLst/>
+                          <a:latin typeface="+mn-lt"/>
+                        </a:rPr>
+                        <a:t>Angela: </a:t>
+                      </a:r>
+                    </a:p>
+                    <a:p>
+                      <a:pPr algn="l" fontAlgn="t"/>
+                      <a:r>
+                        <a:rPr lang="de-AT" sz="1400" u="none" strike="noStrike" dirty="0">
+                          <a:effectLst/>
+                          <a:latin typeface="+mn-lt"/>
+                        </a:rPr>
+                        <a:t>ist nicht im aktuellen System--&gt; wenn es nicht so mühsam ist dann nice to </a:t>
+                      </a:r>
+                      <a:r>
+                        <a:rPr lang="de-AT" sz="1400" u="none" strike="noStrike" dirty="0" err="1">
+                          <a:effectLst/>
+                          <a:latin typeface="+mn-lt"/>
+                        </a:rPr>
+                        <a:t>have</a:t>
+                      </a:r>
+                      <a:endParaRPr lang="de-AT" sz="1400" u="none" strike="noStrike" dirty="0">
+                        <a:effectLst/>
+                        <a:latin typeface="+mn-lt"/>
+                      </a:endParaRPr>
+                    </a:p>
+                    <a:p>
+                      <a:pPr algn="l" fontAlgn="t"/>
+                      <a:endParaRPr lang="de-AT" sz="1400" b="0" i="0" u="none" strike="noStrike" dirty="0">
+                        <a:solidFill>
+                          <a:srgbClr val="000000"/>
+                        </a:solidFill>
+                        <a:effectLst/>
+                        <a:latin typeface="+mn-lt"/>
+                      </a:endParaRPr>
+                    </a:p>
+                    <a:p>
+                      <a:pPr algn="l" fontAlgn="t"/>
+                      <a:r>
+                        <a:rPr lang="de-AT" sz="1400" b="0" i="0" u="none" strike="noStrike" dirty="0">
+                          <a:solidFill>
+                            <a:srgbClr val="000000"/>
+                          </a:solidFill>
+                          <a:effectLst/>
+                          <a:latin typeface="+mn-lt"/>
+                        </a:rPr>
+                        <a:t>Barbara / David:</a:t>
+                      </a:r>
+                    </a:p>
+                    <a:p>
+                      <a:pPr algn="l" fontAlgn="t"/>
+                      <a:r>
+                        <a:rPr lang="de-AT" sz="1400" b="0" i="0" u="none" strike="noStrike" dirty="0">
+                          <a:solidFill>
+                            <a:srgbClr val="000000"/>
+                          </a:solidFill>
+                          <a:effectLst/>
+                          <a:latin typeface="+mn-lt"/>
+                        </a:rPr>
+                        <a:t>Nicht relevant</a:t>
+                      </a:r>
+                    </a:p>
+                    <a:p>
+                      <a:pPr algn="l" fontAlgn="t"/>
+                      <a:endParaRPr lang="de-AT" sz="1400" b="0" i="0" u="none" strike="noStrike" dirty="0">
+                        <a:solidFill>
+                          <a:srgbClr val="000000"/>
+                        </a:solidFill>
+                        <a:effectLst/>
+                        <a:latin typeface="+mn-lt"/>
+                      </a:endParaRPr>
+                    </a:p>
+                    <a:p>
+                      <a:pPr algn="l" fontAlgn="t"/>
+                      <a:endParaRPr lang="de-AT" sz="1400" b="0" i="0" u="none" strike="noStrike" dirty="0">
+                        <a:solidFill>
+                          <a:srgbClr val="000000"/>
+                        </a:solidFill>
+                        <a:effectLst/>
+                        <a:latin typeface="+mn-lt"/>
+                      </a:endParaRPr>
+                    </a:p>
+                    <a:p>
+                      <a:pPr algn="l" fontAlgn="t"/>
+                      <a:endParaRPr lang="de-AT" sz="1400" b="0" i="0" u="none" strike="noStrike" dirty="0">
+                        <a:solidFill>
+                          <a:srgbClr val="000000"/>
+                        </a:solidFill>
+                        <a:effectLst/>
+                        <a:latin typeface="+mn-lt"/>
+                      </a:endParaRPr>
+                    </a:p>
+                    <a:p>
+                      <a:pPr algn="l" fontAlgn="t"/>
+                      <a:r>
+                        <a:rPr lang="de-AT" sz="1400" b="0" i="0" u="none" strike="noStrike" dirty="0">
+                          <a:solidFill>
+                            <a:srgbClr val="000000"/>
+                          </a:solidFill>
+                          <a:effectLst/>
+                          <a:latin typeface="+mn-lt"/>
+                        </a:rPr>
+                        <a:t>Möglichkeit der Zeiterfassung besteht ; Ersichtlich wer im Dienst ist</a:t>
+                      </a:r>
+                    </a:p>
+                    <a:p>
+                      <a:pPr algn="l" fontAlgn="t"/>
+                      <a:r>
+                        <a:rPr lang="de-AT" sz="1400" b="0" i="0" u="none" strike="noStrike" dirty="0">
+                          <a:solidFill>
+                            <a:srgbClr val="000000"/>
+                          </a:solidFill>
+                          <a:effectLst/>
+                          <a:latin typeface="+mn-lt"/>
+                        </a:rPr>
+                        <a:t>Soll dieses Modul installiert werden?</a:t>
+                      </a:r>
+                    </a:p>
+                  </a:txBody>
+                  <a:tcPr marL="7814" marR="7814" marT="7814" marB="0"/>
+                </a:tc>
+                <a:extLst>
+                  <a:ext uri="{0D108BD9-81ED-4DB2-BD59-A6C34878D82A}">
+                    <a16:rowId xmlns:a16="http://schemas.microsoft.com/office/drawing/2014/main" val="1853564704"/>
+                  </a:ext>
+                </a:extLst>
+              </a:tr>
+            </a:tbl>
+          </a:graphicData>
+        </a:graphic>
+      </p:graphicFrame>
     </p:spTree>
     <p:extLst>
       <p:ext uri="{BB962C8B-B14F-4D97-AF65-F5344CB8AC3E}">
-        <p14:creationId xmlns:p14="http://schemas.microsoft.com/office/powerpoint/2010/main" val="2345525023"/>
+        <p14:creationId xmlns:p14="http://schemas.microsoft.com/office/powerpoint/2010/main" val="1914572945"/>
       </p:ext>
     </p:extLst>
   </p:cSld>

--- a/Arbeitsdokumente/190522_Workshop.pptx
+++ b/Arbeitsdokumente/190522_Workshop.pptx
@@ -2116,17 +2116,17 @@
     <dgm:cxn modelId="{D81EF134-4BEE-44F6-A063-C0D61D228898}" type="presOf" srcId="{8FD0F5D2-8283-4F14-B1C2-15762A25285E}" destId="{51320853-D365-4246-A8E1-89D2F971A78D}" srcOrd="0" destOrd="1" presId="urn:microsoft.com/office/officeart/2005/8/layout/bProcess3"/>
     <dgm:cxn modelId="{3AB13D3B-718A-48E5-8C60-FE80B6E6631F}" srcId="{C3384F2C-B9B1-468C-B1AD-2E2DB8B0E921}" destId="{54B236AE-150A-4B02-86BF-09E296FFF534}" srcOrd="2" destOrd="0" parTransId="{EB242F47-2E84-4ED4-9DD4-8FAA77F0C6D2}" sibTransId="{4E119AF9-DC62-4C66-8769-901070593311}"/>
     <dgm:cxn modelId="{112DAA40-7E07-4456-A3D4-F125C9A11613}" type="presOf" srcId="{F8D4544B-E42C-44EC-AB60-C19D5637860A}" destId="{51320853-D365-4246-A8E1-89D2F971A78D}" srcOrd="0" destOrd="2" presId="urn:microsoft.com/office/officeart/2005/8/layout/bProcess3"/>
-    <dgm:cxn modelId="{BF5AB55B-273A-4C12-9691-B47A0E277A89}" type="presOf" srcId="{308CBBD2-9DBF-4153-AA0D-2D479EB3A82B}" destId="{5245DA9C-9F06-40B5-97B1-8783F3D80ECA}" srcOrd="0" destOrd="1" presId="urn:microsoft.com/office/officeart/2005/8/layout/bProcess3"/>
-    <dgm:cxn modelId="{1990D660-8872-48B4-8695-1D9FCFB04963}" type="presOf" srcId="{8AE4A30B-3690-4E22-BE82-A891ECAD4558}" destId="{59B165E3-FB2C-4A0D-B975-4478EBD9372C}" srcOrd="1" destOrd="0" presId="urn:microsoft.com/office/officeart/2005/8/layout/bProcess3"/>
     <dgm:cxn modelId="{3466DD44-18DB-4A0C-AB73-E1D7F9E55580}" srcId="{396CC4BF-2947-44CC-BFAD-F9F084E89A35}" destId="{8FD0F5D2-8283-4F14-B1C2-15762A25285E}" srcOrd="0" destOrd="0" parTransId="{47EF4356-E61B-42E6-B1CC-4F690E4FCA63}" sibTransId="{9307AEC8-ACA4-4F6E-B97D-C11231D819D4}"/>
-    <dgm:cxn modelId="{2EB0C666-8547-44BC-AE99-14B63A5309B7}" type="presOf" srcId="{A34D2546-2DD5-4F56-BF14-ED913464D104}" destId="{252EC2D4-5252-484E-B10E-57403BFD947C}" srcOrd="0" destOrd="1" presId="urn:microsoft.com/office/officeart/2005/8/layout/bProcess3"/>
-    <dgm:cxn modelId="{A38F2167-23AE-4632-AEF7-3BDFBE39910C}" type="presOf" srcId="{396CC4BF-2947-44CC-BFAD-F9F084E89A35}" destId="{51320853-D365-4246-A8E1-89D2F971A78D}" srcOrd="0" destOrd="0" presId="urn:microsoft.com/office/officeart/2005/8/layout/bProcess3"/>
     <dgm:cxn modelId="{F4970E49-39D4-43A9-83C6-0EAB87D10259}" srcId="{4B23925D-839C-46CD-9567-9CC5CB4CEA35}" destId="{B54BF1CE-F054-4587-AA1E-9475A57193B7}" srcOrd="0" destOrd="0" parTransId="{0085AA0A-4003-444A-BE79-3D2CC5CC7239}" sibTransId="{A878AEEB-C6C2-446F-847E-A93791C764F3}"/>
-    <dgm:cxn modelId="{4B4DE971-5F44-4C6E-9501-EFAC4A726BA7}" type="presOf" srcId="{D7FF9834-A014-4848-A6D0-0FBE77325B00}" destId="{E60D213F-4268-49EE-B355-3F4BCFE3B1B8}" srcOrd="0" destOrd="0" presId="urn:microsoft.com/office/officeart/2005/8/layout/bProcess3"/>
     <dgm:cxn modelId="{7AC9A855-11A2-409C-9B0E-92B1B428263D}" srcId="{AFF2F0AF-46E3-4E03-B187-D71F20AA29F2}" destId="{969EBCC0-F144-476F-828C-8C3F9C494859}" srcOrd="0" destOrd="0" parTransId="{AA334262-DD5A-4D71-9169-B04C047640FA}" sibTransId="{69D94F15-4610-4008-A6EE-7A35B51FDCBF}"/>
     <dgm:cxn modelId="{48039856-B1D3-49E2-B3DC-EB71CEDA92DE}" type="presOf" srcId="{397D4B77-4C5C-4458-B099-A86FC35E1019}" destId="{40C4E524-67A3-4792-A438-B5BBB83CA9B8}" srcOrd="1" destOrd="0" presId="urn:microsoft.com/office/officeart/2005/8/layout/bProcess3"/>
     <dgm:cxn modelId="{FBA25157-C49D-4A51-900B-0E345C2F3690}" type="presOf" srcId="{327F6373-A7DF-4375-916F-6DB05539983B}" destId="{FD380630-627A-4B4A-8E79-A2F4FFBA621E}" srcOrd="0" destOrd="2" presId="urn:microsoft.com/office/officeart/2005/8/layout/bProcess3"/>
     <dgm:cxn modelId="{DC299557-F8F9-4E37-893A-023E73A87E8E}" type="presOf" srcId="{ECCCE3B7-870C-4BC4-BB65-B630577AF802}" destId="{1962B294-97E5-4D58-B16F-E0637ED4012A}" srcOrd="1" destOrd="0" presId="urn:microsoft.com/office/officeart/2005/8/layout/bProcess3"/>
+    <dgm:cxn modelId="{BF5AB55B-273A-4C12-9691-B47A0E277A89}" type="presOf" srcId="{308CBBD2-9DBF-4153-AA0D-2D479EB3A82B}" destId="{5245DA9C-9F06-40B5-97B1-8783F3D80ECA}" srcOrd="0" destOrd="1" presId="urn:microsoft.com/office/officeart/2005/8/layout/bProcess3"/>
+    <dgm:cxn modelId="{1990D660-8872-48B4-8695-1D9FCFB04963}" type="presOf" srcId="{8AE4A30B-3690-4E22-BE82-A891ECAD4558}" destId="{59B165E3-FB2C-4A0D-B975-4478EBD9372C}" srcOrd="1" destOrd="0" presId="urn:microsoft.com/office/officeart/2005/8/layout/bProcess3"/>
+    <dgm:cxn modelId="{2EB0C666-8547-44BC-AE99-14B63A5309B7}" type="presOf" srcId="{A34D2546-2DD5-4F56-BF14-ED913464D104}" destId="{252EC2D4-5252-484E-B10E-57403BFD947C}" srcOrd="0" destOrd="1" presId="urn:microsoft.com/office/officeart/2005/8/layout/bProcess3"/>
+    <dgm:cxn modelId="{A38F2167-23AE-4632-AEF7-3BDFBE39910C}" type="presOf" srcId="{396CC4BF-2947-44CC-BFAD-F9F084E89A35}" destId="{51320853-D365-4246-A8E1-89D2F971A78D}" srcOrd="0" destOrd="0" presId="urn:microsoft.com/office/officeart/2005/8/layout/bProcess3"/>
+    <dgm:cxn modelId="{4B4DE971-5F44-4C6E-9501-EFAC4A726BA7}" type="presOf" srcId="{D7FF9834-A014-4848-A6D0-0FBE77325B00}" destId="{E60D213F-4268-49EE-B355-3F4BCFE3B1B8}" srcOrd="0" destOrd="0" presId="urn:microsoft.com/office/officeart/2005/8/layout/bProcess3"/>
     <dgm:cxn modelId="{D63E6C79-1C2F-4587-92B0-7E6F5EB47FA9}" srcId="{4B23925D-839C-46CD-9567-9CC5CB4CEA35}" destId="{4142FBA2-EF45-4843-821D-04D00794C61D}" srcOrd="1" destOrd="0" parTransId="{DA8BEEFC-40C7-4D08-A568-3BAFA46F01FA}" sibTransId="{79EF8EB2-20B9-4BE2-8B89-F6CF2B8D0199}"/>
     <dgm:cxn modelId="{2D9C8D7B-D5CD-49C4-8B49-65FB3BD85A9B}" srcId="{4B23925D-839C-46CD-9567-9CC5CB4CEA35}" destId="{C3384F2C-B9B1-468C-B1AD-2E2DB8B0E921}" srcOrd="8" destOrd="0" parTransId="{0633BC68-4A22-4062-B797-B4200CA32E91}" sibTransId="{AAF2546C-2F01-4517-AA3D-EE7CFE937FB0}"/>
     <dgm:cxn modelId="{4A5FD87B-1C55-4DDC-88FE-752BD8537956}" srcId="{5DE81BC6-D9ED-4CFE-BFB4-FFB680C2A188}" destId="{35D0A281-C278-4122-BC82-CA51CBA0273F}" srcOrd="0" destOrd="0" parTransId="{68547EED-ED5E-4999-AAFC-48DA5922C06B}" sibTransId="{1AA7BCDE-9DA3-40CF-90DA-2D8A35718D96}"/>
@@ -5201,7 +5201,7 @@
           <a:p>
             <a:fld id="{05E02316-A3A9-40CE-8399-988D8D269502}" type="datetimeFigureOut">
               <a:rPr lang="de-AT" smtClean="0"/>
-              <a:t>23.05.2019</a:t>
+              <a:t>23.05.19</a:t>
             </a:fld>
             <a:endParaRPr lang="de-AT"/>
           </a:p>
@@ -5366,7 +5366,7 @@
           <a:p>
             <a:fld id="{F5E89DEF-C035-41A2-9AFE-A6026D4C04BE}" type="datetimeFigureOut">
               <a:rPr lang="de-AT" smtClean="0"/>
-              <a:t>23.05.2019</a:t>
+              <a:t>23.05.19</a:t>
             </a:fld>
             <a:endParaRPr lang="de-AT"/>
           </a:p>
@@ -16656,6 +16656,42 @@
           </a:p>
         </p:txBody>
       </p:sp>
+      <p:pic>
+        <p:nvPicPr>
+          <p:cNvPr id="7" name="Grafik 6">
+            <a:extLst>
+              <a:ext uri="{FF2B5EF4-FFF2-40B4-BE49-F238E27FC236}">
+                <a16:creationId xmlns:a16="http://schemas.microsoft.com/office/drawing/2014/main" id="{78AAA529-2A02-9748-89BC-F58FF2998C69}"/>
+              </a:ext>
+            </a:extLst>
+          </p:cNvPr>
+          <p:cNvPicPr>
+            <a:picLocks noChangeAspect="1"/>
+          </p:cNvPicPr>
+          <p:nvPr/>
+        </p:nvPicPr>
+        <p:blipFill>
+          <a:blip r:embed="rId3">
+            <a:extLst>
+              <a:ext uri="{28A0092B-C50C-407E-A947-70E740481C1C}">
+                <a14:useLocalDpi xmlns:a14="http://schemas.microsoft.com/office/drawing/2010/main" val="0"/>
+              </a:ext>
+            </a:extLst>
+          </a:blip>
+          <a:stretch>
+            <a:fillRect/>
+          </a:stretch>
+        </p:blipFill>
+        <p:spPr>
+          <a:xfrm>
+            <a:off x="331627" y="2414606"/>
+            <a:ext cx="8373389" cy="1578362"/>
+          </a:xfrm>
+          <a:prstGeom prst="rect">
+            <a:avLst/>
+          </a:prstGeom>
+        </p:spPr>
+      </p:pic>
     </p:spTree>
     <p:extLst>
       <p:ext uri="{BB962C8B-B14F-4D97-AF65-F5344CB8AC3E}">

--- a/Arbeitsdokumente/190522_Workshop.pptx
+++ b/Arbeitsdokumente/190522_Workshop.pptx
@@ -144,20 +144,30 @@
 </file>
 
 <file path=ppt/diagrams/colors1.xml><?xml version="1.0" encoding="utf-8"?>
-<dgm:colorsDef xmlns:dgm="http://schemas.openxmlformats.org/drawingml/2006/diagram" xmlns:a="http://schemas.openxmlformats.org/drawingml/2006/main" uniqueId="urn:microsoft.com/office/officeart/2005/8/colors/accent1_4">
+<dgm:colorsDef xmlns:dgm="http://schemas.openxmlformats.org/drawingml/2006/diagram" xmlns:a="http://schemas.openxmlformats.org/drawingml/2006/main" uniqueId="urn:microsoft.com/office/officeart/2005/8/colors/accent0_3">
   <dgm:title val=""/>
   <dgm:desc val=""/>
   <dgm:catLst>
-    <dgm:cat type="accent1" pri="11400"/>
+    <dgm:cat type="mainScheme" pri="10300"/>
   </dgm:catLst>
   <dgm:styleLbl name="node0">
-    <dgm:fillClrLst meth="cycle">
-      <a:schemeClr val="accent1">
-        <a:shade val="60000"/>
-      </a:schemeClr>
+    <dgm:fillClrLst meth="repeat">
+      <a:schemeClr val="dk2"/>
     </dgm:fillClrLst>
     <dgm:linClrLst meth="repeat">
-      <a:schemeClr val="lt1"/>
+      <a:schemeClr val="lt2"/>
+    </dgm:linClrLst>
+    <dgm:effectClrLst/>
+    <dgm:txLinClrLst/>
+    <dgm:txFillClrLst/>
+    <dgm:txEffectClrLst/>
+  </dgm:styleLbl>
+  <dgm:styleLbl name="alignNode1">
+    <dgm:fillClrLst meth="repeat">
+      <a:schemeClr val="dk2"/>
+    </dgm:fillClrLst>
+    <dgm:linClrLst meth="repeat">
+      <a:schemeClr val="dk2"/>
     </dgm:linClrLst>
     <dgm:effectClrLst/>
     <dgm:txLinClrLst/>
@@ -165,38 +175,11 @@
     <dgm:txEffectClrLst/>
   </dgm:styleLbl>
   <dgm:styleLbl name="node1">
-    <dgm:fillClrLst meth="cycle">
-      <a:schemeClr val="accent1">
-        <a:shade val="50000"/>
-      </a:schemeClr>
-      <a:schemeClr val="accent1">
-        <a:tint val="55000"/>
-      </a:schemeClr>
+    <dgm:fillClrLst meth="repeat">
+      <a:schemeClr val="dk2"/>
     </dgm:fillClrLst>
     <dgm:linClrLst meth="repeat">
-      <a:schemeClr val="lt1"/>
-    </dgm:linClrLst>
-    <dgm:effectClrLst/>
-    <dgm:txLinClrLst/>
-    <dgm:txFillClrLst/>
-    <dgm:txEffectClrLst/>
-  </dgm:styleLbl>
-  <dgm:styleLbl name="alignNode1">
-    <dgm:fillClrLst meth="cycle">
-      <a:schemeClr val="accent1">
-        <a:shade val="50000"/>
-      </a:schemeClr>
-      <a:schemeClr val="accent1">
-        <a:tint val="55000"/>
-      </a:schemeClr>
-    </dgm:fillClrLst>
-    <dgm:linClrLst meth="cycle">
-      <a:schemeClr val="accent1">
-        <a:shade val="50000"/>
-      </a:schemeClr>
-      <a:schemeClr val="accent1">
-        <a:tint val="55000"/>
-      </a:schemeClr>
+      <a:schemeClr val="lt2"/>
     </dgm:linClrLst>
     <dgm:effectClrLst/>
     <dgm:txLinClrLst/>
@@ -204,16 +187,11 @@
     <dgm:txEffectClrLst/>
   </dgm:styleLbl>
   <dgm:styleLbl name="lnNode1">
-    <dgm:fillClrLst meth="cycle">
-      <a:schemeClr val="accent1">
-        <a:shade val="50000"/>
-      </a:schemeClr>
-      <a:schemeClr val="accent1">
-        <a:tint val="55000"/>
-      </a:schemeClr>
+    <dgm:fillClrLst meth="repeat">
+      <a:schemeClr val="dk2"/>
     </dgm:fillClrLst>
     <dgm:linClrLst meth="repeat">
-      <a:schemeClr val="lt1"/>
+      <a:schemeClr val="lt2"/>
     </dgm:linClrLst>
     <dgm:effectClrLst/>
     <dgm:txLinClrLst/>
@@ -221,18 +199,13 @@
     <dgm:txEffectClrLst/>
   </dgm:styleLbl>
   <dgm:styleLbl name="vennNode1">
-    <dgm:fillClrLst meth="cycle">
-      <a:schemeClr val="accent1">
-        <a:shade val="80000"/>
-        <a:alpha val="50000"/>
-      </a:schemeClr>
-      <a:schemeClr val="accent1">
-        <a:tint val="50000"/>
+    <dgm:fillClrLst meth="repeat">
+      <a:schemeClr val="dk2">
         <a:alpha val="50000"/>
       </a:schemeClr>
     </dgm:fillClrLst>
     <dgm:linClrLst meth="repeat">
-      <a:schemeClr val="lt1"/>
+      <a:schemeClr val="lt2"/>
     </dgm:linClrLst>
     <dgm:effectClrLst/>
     <dgm:txLinClrLst/>
@@ -240,13 +213,11 @@
     <dgm:txEffectClrLst/>
   </dgm:styleLbl>
   <dgm:styleLbl name="node2">
-    <dgm:fillClrLst>
-      <a:schemeClr val="accent1">
-        <a:shade val="80000"/>
-      </a:schemeClr>
+    <dgm:fillClrLst meth="repeat">
+      <a:schemeClr val="dk2"/>
     </dgm:fillClrLst>
     <dgm:linClrLst meth="repeat">
-      <a:schemeClr val="lt1"/>
+      <a:schemeClr val="lt2"/>
     </dgm:linClrLst>
     <dgm:effectClrLst/>
     <dgm:txLinClrLst/>
@@ -254,13 +225,11 @@
     <dgm:txEffectClrLst/>
   </dgm:styleLbl>
   <dgm:styleLbl name="node3">
-    <dgm:fillClrLst>
-      <a:schemeClr val="accent1">
-        <a:tint val="99000"/>
-      </a:schemeClr>
+    <dgm:fillClrLst meth="repeat">
+      <a:schemeClr val="dk2"/>
     </dgm:fillClrLst>
     <dgm:linClrLst meth="repeat">
-      <a:schemeClr val="lt1"/>
+      <a:schemeClr val="lt2"/>
     </dgm:linClrLst>
     <dgm:effectClrLst/>
     <dgm:txLinClrLst/>
@@ -268,13 +237,11 @@
     <dgm:txEffectClrLst/>
   </dgm:styleLbl>
   <dgm:styleLbl name="node4">
-    <dgm:fillClrLst>
-      <a:schemeClr val="accent1">
-        <a:tint val="70000"/>
-      </a:schemeClr>
+    <dgm:fillClrLst meth="repeat">
+      <a:schemeClr val="dk2"/>
     </dgm:fillClrLst>
     <dgm:linClrLst meth="repeat">
-      <a:schemeClr val="lt1"/>
+      <a:schemeClr val="lt2"/>
     </dgm:linClrLst>
     <dgm:effectClrLst/>
     <dgm:txLinClrLst/>
@@ -282,77 +249,66 @@
     <dgm:txEffectClrLst/>
   </dgm:styleLbl>
   <dgm:styleLbl name="fgImgPlace1">
-    <dgm:fillClrLst>
-      <a:schemeClr val="accent1">
+    <dgm:fillClrLst meth="repeat">
+      <a:schemeClr val="dk2">
         <a:tint val="50000"/>
-      </a:schemeClr>
-      <a:schemeClr val="accent1">
-        <a:tint val="55000"/>
       </a:schemeClr>
     </dgm:fillClrLst>
     <dgm:linClrLst meth="repeat">
-      <a:schemeClr val="lt1"/>
+      <a:schemeClr val="lt2"/>
     </dgm:linClrLst>
     <dgm:effectClrLst/>
     <dgm:txLinClrLst/>
     <dgm:txFillClrLst meth="repeat">
-      <a:schemeClr val="lt1"/>
+      <a:schemeClr val="lt2"/>
     </dgm:txFillClrLst>
     <dgm:txEffectClrLst/>
   </dgm:styleLbl>
   <dgm:styleLbl name="alignImgPlace1">
-    <dgm:fillClrLst>
-      <a:schemeClr val="accent1">
+    <dgm:fillClrLst meth="repeat">
+      <a:schemeClr val="dk2">
         <a:tint val="50000"/>
-      </a:schemeClr>
-      <a:schemeClr val="accent1">
-        <a:tint val="55000"/>
       </a:schemeClr>
     </dgm:fillClrLst>
     <dgm:linClrLst meth="repeat">
-      <a:schemeClr val="lt1"/>
+      <a:schemeClr val="dk2">
+        <a:shade val="80000"/>
+      </a:schemeClr>
     </dgm:linClrLst>
     <dgm:effectClrLst/>
     <dgm:txLinClrLst/>
     <dgm:txFillClrLst meth="repeat">
-      <a:schemeClr val="lt1"/>
+      <a:schemeClr val="lt2"/>
     </dgm:txFillClrLst>
     <dgm:txEffectClrLst/>
   </dgm:styleLbl>
   <dgm:styleLbl name="bgImgPlace1">
-    <dgm:fillClrLst>
-      <a:schemeClr val="accent1">
+    <dgm:fillClrLst meth="repeat">
+      <a:schemeClr val="dk2">
         <a:tint val="50000"/>
-      </a:schemeClr>
-      <a:schemeClr val="accent1">
-        <a:tint val="55000"/>
       </a:schemeClr>
     </dgm:fillClrLst>
     <dgm:linClrLst meth="repeat">
-      <a:schemeClr val="lt1"/>
+      <a:schemeClr val="dk2">
+        <a:shade val="80000"/>
+      </a:schemeClr>
     </dgm:linClrLst>
     <dgm:effectClrLst/>
     <dgm:txLinClrLst/>
     <dgm:txFillClrLst meth="repeat">
-      <a:schemeClr val="lt1"/>
+      <a:schemeClr val="lt2"/>
     </dgm:txFillClrLst>
     <dgm:txEffectClrLst/>
   </dgm:styleLbl>
   <dgm:styleLbl name="sibTrans2D1">
-    <dgm:fillClrLst meth="cycle">
-      <a:schemeClr val="accent1">
-        <a:shade val="90000"/>
-      </a:schemeClr>
-      <a:schemeClr val="accent1">
-        <a:tint val="50000"/>
+    <dgm:fillClrLst meth="repeat">
+      <a:schemeClr val="dk2">
+        <a:tint val="60000"/>
       </a:schemeClr>
     </dgm:fillClrLst>
-    <dgm:linClrLst meth="cycle">
-      <a:schemeClr val="accent1">
-        <a:shade val="90000"/>
-      </a:schemeClr>
-      <a:schemeClr val="accent1">
-        <a:tint val="50000"/>
+    <dgm:linClrLst meth="repeat">
+      <a:schemeClr val="dk2">
+        <a:tint val="60000"/>
       </a:schemeClr>
     </dgm:linClrLst>
     <dgm:effectClrLst/>
@@ -361,20 +317,14 @@
     <dgm:txEffectClrLst/>
   </dgm:styleLbl>
   <dgm:styleLbl name="fgSibTrans2D1">
-    <dgm:fillClrLst meth="cycle">
-      <a:schemeClr val="accent1">
-        <a:shade val="90000"/>
-      </a:schemeClr>
-      <a:schemeClr val="accent1">
-        <a:tint val="50000"/>
+    <dgm:fillClrLst meth="repeat">
+      <a:schemeClr val="dk2">
+        <a:tint val="60000"/>
       </a:schemeClr>
     </dgm:fillClrLst>
-    <dgm:linClrLst meth="cycle">
-      <a:schemeClr val="accent1">
-        <a:shade val="90000"/>
-      </a:schemeClr>
-      <a:schemeClr val="accent1">
-        <a:tint val="50000"/>
+    <dgm:linClrLst meth="repeat">
+      <a:schemeClr val="dk2">
+        <a:tint val="60000"/>
       </a:schemeClr>
     </dgm:linClrLst>
     <dgm:effectClrLst/>
@@ -383,20 +333,14 @@
     <dgm:txEffectClrLst/>
   </dgm:styleLbl>
   <dgm:styleLbl name="bgSibTrans2D1">
-    <dgm:fillClrLst meth="cycle">
-      <a:schemeClr val="accent1">
-        <a:shade val="90000"/>
-      </a:schemeClr>
-      <a:schemeClr val="accent1">
-        <a:tint val="50000"/>
+    <dgm:fillClrLst meth="repeat">
+      <a:schemeClr val="dk2">
+        <a:tint val="60000"/>
       </a:schemeClr>
     </dgm:fillClrLst>
-    <dgm:linClrLst meth="cycle">
-      <a:schemeClr val="accent1">
-        <a:shade val="90000"/>
-      </a:schemeClr>
-      <a:schemeClr val="accent1">
-        <a:tint val="50000"/>
+    <dgm:linClrLst meth="repeat">
+      <a:schemeClr val="dk2">
+        <a:tint val="60000"/>
       </a:schemeClr>
     </dgm:linClrLst>
     <dgm:effectClrLst/>
@@ -405,51 +349,41 @@
     <dgm:txEffectClrLst/>
   </dgm:styleLbl>
   <dgm:styleLbl name="sibTrans1D1">
-    <dgm:fillClrLst meth="cycle">
-      <a:schemeClr val="accent1">
-        <a:shade val="90000"/>
-      </a:schemeClr>
-      <a:schemeClr val="accent1">
-        <a:tint val="50000"/>
-      </a:schemeClr>
+    <dgm:fillClrLst meth="repeat">
+      <a:schemeClr val="dk2"/>
     </dgm:fillClrLst>
-    <dgm:linClrLst meth="cycle">
-      <a:schemeClr val="accent1">
-        <a:shade val="90000"/>
-      </a:schemeClr>
-      <a:schemeClr val="accent1">
+    <dgm:linClrLst meth="repeat">
+      <a:schemeClr val="dk2"/>
+    </dgm:linClrLst>
+    <dgm:effectClrLst/>
+    <dgm:txLinClrLst/>
+    <dgm:txFillClrLst meth="repeat">
+      <a:schemeClr val="lt2"/>
+    </dgm:txFillClrLst>
+    <dgm:txEffectClrLst/>
+  </dgm:styleLbl>
+  <dgm:styleLbl name="callout">
+    <dgm:fillClrLst meth="repeat">
+      <a:schemeClr val="dk2"/>
+    </dgm:fillClrLst>
+    <dgm:linClrLst meth="repeat">
+      <a:schemeClr val="dk2">
         <a:tint val="50000"/>
       </a:schemeClr>
     </dgm:linClrLst>
     <dgm:effectClrLst/>
     <dgm:txLinClrLst/>
     <dgm:txFillClrLst meth="repeat">
-      <a:schemeClr val="tx1"/>
-    </dgm:txFillClrLst>
-    <dgm:txEffectClrLst/>
-  </dgm:styleLbl>
-  <dgm:styleLbl name="callout">
-    <dgm:fillClrLst meth="repeat">
-      <a:schemeClr val="accent1"/>
-    </dgm:fillClrLst>
-    <dgm:linClrLst meth="repeat">
-      <a:schemeClr val="accent1"/>
-    </dgm:linClrLst>
-    <dgm:effectClrLst/>
-    <dgm:txLinClrLst/>
-    <dgm:txFillClrLst meth="repeat">
-      <a:schemeClr val="tx1"/>
+      <a:schemeClr val="lt2"/>
     </dgm:txFillClrLst>
     <dgm:txEffectClrLst/>
   </dgm:styleLbl>
   <dgm:styleLbl name="asst0">
     <dgm:fillClrLst meth="repeat">
-      <a:schemeClr val="accent1">
-        <a:shade val="80000"/>
-      </a:schemeClr>
+      <a:schemeClr val="dk2"/>
     </dgm:fillClrLst>
     <dgm:linClrLst meth="repeat">
-      <a:schemeClr val="lt1"/>
+      <a:schemeClr val="lt2"/>
     </dgm:linClrLst>
     <dgm:effectClrLst/>
     <dgm:txLinClrLst/>
@@ -458,12 +392,10 @@
   </dgm:styleLbl>
   <dgm:styleLbl name="asst1">
     <dgm:fillClrLst meth="repeat">
-      <a:schemeClr val="accent1">
-        <a:shade val="80000"/>
-      </a:schemeClr>
+      <a:schemeClr val="dk2"/>
     </dgm:fillClrLst>
     <dgm:linClrLst meth="repeat">
-      <a:schemeClr val="lt1"/>
+      <a:schemeClr val="lt2"/>
     </dgm:linClrLst>
     <dgm:effectClrLst/>
     <dgm:txLinClrLst/>
@@ -471,13 +403,11 @@
     <dgm:txEffectClrLst/>
   </dgm:styleLbl>
   <dgm:styleLbl name="asst2">
-    <dgm:fillClrLst>
-      <a:schemeClr val="accent1">
-        <a:tint val="90000"/>
-      </a:schemeClr>
+    <dgm:fillClrLst meth="repeat">
+      <a:schemeClr val="dk2"/>
     </dgm:fillClrLst>
     <dgm:linClrLst meth="repeat">
-      <a:schemeClr val="lt1"/>
+      <a:schemeClr val="lt2"/>
     </dgm:linClrLst>
     <dgm:effectClrLst/>
     <dgm:txLinClrLst/>
@@ -485,13 +415,11 @@
     <dgm:txEffectClrLst/>
   </dgm:styleLbl>
   <dgm:styleLbl name="asst3">
-    <dgm:fillClrLst>
-      <a:schemeClr val="accent1">
-        <a:tint val="70000"/>
-      </a:schemeClr>
+    <dgm:fillClrLst meth="repeat">
+      <a:schemeClr val="dk2"/>
     </dgm:fillClrLst>
     <dgm:linClrLst meth="repeat">
-      <a:schemeClr val="lt1"/>
+      <a:schemeClr val="lt2"/>
     </dgm:linClrLst>
     <dgm:effectClrLst/>
     <dgm:txLinClrLst/>
@@ -499,13 +427,11 @@
     <dgm:txEffectClrLst/>
   </dgm:styleLbl>
   <dgm:styleLbl name="asst4">
-    <dgm:fillClrLst>
-      <a:schemeClr val="accent1">
-        <a:tint val="50000"/>
-      </a:schemeClr>
+    <dgm:fillClrLst meth="repeat">
+      <a:schemeClr val="dk2"/>
     </dgm:fillClrLst>
     <dgm:linClrLst meth="repeat">
-      <a:schemeClr val="lt1"/>
+      <a:schemeClr val="lt2"/>
     </dgm:linClrLst>
     <dgm:effectClrLst/>
     <dgm:txLinClrLst/>
@@ -514,79 +440,71 @@
   </dgm:styleLbl>
   <dgm:styleLbl name="parChTrans2D1">
     <dgm:fillClrLst meth="repeat">
-      <a:schemeClr val="accent1">
+      <a:schemeClr val="dk2">
         <a:tint val="60000"/>
       </a:schemeClr>
     </dgm:fillClrLst>
     <dgm:linClrLst meth="repeat">
-      <a:schemeClr val="accent1">
-        <a:shade val="80000"/>
-      </a:schemeClr>
-    </dgm:linClrLst>
-    <dgm:effectClrLst/>
-    <dgm:txLinClrLst/>
-    <dgm:txFillClrLst/>
-    <dgm:txEffectClrLst/>
-  </dgm:styleLbl>
-  <dgm:styleLbl name="parChTrans2D2">
-    <dgm:fillClrLst meth="repeat">
-      <a:schemeClr val="accent1">
-        <a:tint val="90000"/>
-      </a:schemeClr>
-    </dgm:fillClrLst>
-    <dgm:linClrLst meth="repeat">
-      <a:schemeClr val="accent1">
-        <a:tint val="90000"/>
-      </a:schemeClr>
-    </dgm:linClrLst>
-    <dgm:effectClrLst/>
-    <dgm:txLinClrLst/>
-    <dgm:txFillClrLst/>
-    <dgm:txEffectClrLst/>
-  </dgm:styleLbl>
-  <dgm:styleLbl name="parChTrans2D3">
-    <dgm:fillClrLst meth="repeat">
-      <a:schemeClr val="accent1">
-        <a:tint val="70000"/>
-      </a:schemeClr>
-    </dgm:fillClrLst>
-    <dgm:linClrLst meth="repeat">
-      <a:schemeClr val="accent1">
-        <a:tint val="70000"/>
-      </a:schemeClr>
-    </dgm:linClrLst>
-    <dgm:effectClrLst/>
-    <dgm:txLinClrLst/>
-    <dgm:txFillClrLst/>
-    <dgm:txEffectClrLst/>
-  </dgm:styleLbl>
-  <dgm:styleLbl name="parChTrans2D4">
-    <dgm:fillClrLst meth="repeat">
-      <a:schemeClr val="accent1">
-        <a:tint val="50000"/>
-      </a:schemeClr>
-    </dgm:fillClrLst>
-    <dgm:linClrLst meth="repeat">
-      <a:schemeClr val="accent1">
-        <a:tint val="50000"/>
+      <a:schemeClr val="dk2">
+        <a:tint val="60000"/>
       </a:schemeClr>
     </dgm:linClrLst>
     <dgm:effectClrLst/>
     <dgm:txLinClrLst/>
     <dgm:txFillClrLst meth="repeat">
-      <a:schemeClr val="dk1"/>
+      <a:schemeClr val="lt2"/>
+    </dgm:txFillClrLst>
+    <dgm:txEffectClrLst/>
+  </dgm:styleLbl>
+  <dgm:styleLbl name="parChTrans2D2">
+    <dgm:fillClrLst meth="repeat">
+      <a:schemeClr val="dk2"/>
+    </dgm:fillClrLst>
+    <dgm:linClrLst meth="repeat">
+      <a:schemeClr val="dk2"/>
+    </dgm:linClrLst>
+    <dgm:effectClrLst/>
+    <dgm:txLinClrLst/>
+    <dgm:txFillClrLst meth="repeat">
+      <a:schemeClr val="lt2"/>
+    </dgm:txFillClrLst>
+    <dgm:txEffectClrLst/>
+  </dgm:styleLbl>
+  <dgm:styleLbl name="parChTrans2D3">
+    <dgm:fillClrLst meth="repeat">
+      <a:schemeClr val="dk2"/>
+    </dgm:fillClrLst>
+    <dgm:linClrLst meth="repeat">
+      <a:schemeClr val="dk2"/>
+    </dgm:linClrLst>
+    <dgm:effectClrLst/>
+    <dgm:txLinClrLst/>
+    <dgm:txFillClrLst meth="repeat">
+      <a:schemeClr val="lt2"/>
+    </dgm:txFillClrLst>
+    <dgm:txEffectClrLst/>
+  </dgm:styleLbl>
+  <dgm:styleLbl name="parChTrans2D4">
+    <dgm:fillClrLst meth="repeat">
+      <a:schemeClr val="dk2"/>
+    </dgm:fillClrLst>
+    <dgm:linClrLst meth="repeat">
+      <a:schemeClr val="dk2"/>
+    </dgm:linClrLst>
+    <dgm:effectClrLst/>
+    <dgm:txLinClrLst/>
+    <dgm:txFillClrLst meth="repeat">
+      <a:schemeClr val="lt2"/>
     </dgm:txFillClrLst>
     <dgm:txEffectClrLst/>
   </dgm:styleLbl>
   <dgm:styleLbl name="parChTrans1D1">
     <dgm:fillClrLst meth="repeat">
-      <a:schemeClr val="accent1">
-        <a:shade val="80000"/>
-      </a:schemeClr>
+      <a:schemeClr val="dk2"/>
     </dgm:fillClrLst>
     <dgm:linClrLst meth="repeat">
-      <a:schemeClr val="accent1">
-        <a:shade val="80000"/>
+      <a:schemeClr val="dk2">
+        <a:shade val="60000"/>
       </a:schemeClr>
     </dgm:linClrLst>
     <dgm:effectClrLst/>
@@ -598,13 +516,11 @@
   </dgm:styleLbl>
   <dgm:styleLbl name="parChTrans1D2">
     <dgm:fillClrLst meth="repeat">
-      <a:schemeClr val="accent1">
-        <a:tint val="90000"/>
-      </a:schemeClr>
+      <a:schemeClr val="dk2"/>
     </dgm:fillClrLst>
     <dgm:linClrLst meth="repeat">
-      <a:schemeClr val="accent1">
-        <a:tint val="90000"/>
+      <a:schemeClr val="dk2">
+        <a:shade val="60000"/>
       </a:schemeClr>
     </dgm:linClrLst>
     <dgm:effectClrLst/>
@@ -616,13 +532,11 @@
   </dgm:styleLbl>
   <dgm:styleLbl name="parChTrans1D3">
     <dgm:fillClrLst meth="repeat">
-      <a:schemeClr val="accent1">
-        <a:tint val="70000"/>
-      </a:schemeClr>
+      <a:schemeClr val="dk2"/>
     </dgm:fillClrLst>
     <dgm:linClrLst meth="repeat">
-      <a:schemeClr val="accent1">
-        <a:tint val="70000"/>
+      <a:schemeClr val="dk2">
+        <a:shade val="80000"/>
       </a:schemeClr>
     </dgm:linClrLst>
     <dgm:effectClrLst/>
@@ -634,13 +548,11 @@
   </dgm:styleLbl>
   <dgm:styleLbl name="parChTrans1D4">
     <dgm:fillClrLst meth="repeat">
-      <a:schemeClr val="accent1">
-        <a:tint val="50000"/>
-      </a:schemeClr>
+      <a:schemeClr val="dk2"/>
     </dgm:fillClrLst>
     <dgm:linClrLst meth="repeat">
-      <a:schemeClr val="accent1">
-        <a:tint val="50000"/>
+      <a:schemeClr val="dk2">
+        <a:shade val="80000"/>
       </a:schemeClr>
     </dgm:linClrLst>
     <dgm:effectClrLst/>
@@ -652,17 +564,12 @@
   </dgm:styleLbl>
   <dgm:styleLbl name="fgAcc1">
     <dgm:fillClrLst meth="repeat">
-      <a:schemeClr val="lt1">
+      <a:schemeClr val="lt2">
         <a:alpha val="90000"/>
       </a:schemeClr>
     </dgm:fillClrLst>
-    <dgm:linClrLst meth="cycle">
-      <a:schemeClr val="accent1">
-        <a:shade val="50000"/>
-      </a:schemeClr>
-      <a:schemeClr val="accent1">
-        <a:tint val="55000"/>
-      </a:schemeClr>
+    <dgm:linClrLst meth="repeat">
+      <a:schemeClr val="dk2"/>
     </dgm:linClrLst>
     <dgm:effectClrLst/>
     <dgm:txLinClrLst/>
@@ -673,17 +580,12 @@
   </dgm:styleLbl>
   <dgm:styleLbl name="conFgAcc1">
     <dgm:fillClrLst meth="repeat">
-      <a:schemeClr val="lt1">
+      <a:schemeClr val="lt2">
         <a:alpha val="90000"/>
       </a:schemeClr>
     </dgm:fillClrLst>
-    <dgm:linClrLst meth="cycle">
-      <a:schemeClr val="accent1">
-        <a:shade val="50000"/>
-      </a:schemeClr>
-      <a:schemeClr val="accent1">
-        <a:tint val="55000"/>
-      </a:schemeClr>
+    <dgm:linClrLst meth="repeat">
+      <a:schemeClr val="dk2"/>
     </dgm:linClrLst>
     <dgm:effectClrLst/>
     <dgm:txLinClrLst/>
@@ -694,17 +596,12 @@
   </dgm:styleLbl>
   <dgm:styleLbl name="alignAcc1">
     <dgm:fillClrLst meth="repeat">
-      <a:schemeClr val="lt1">
+      <a:schemeClr val="lt2">
         <a:alpha val="90000"/>
       </a:schemeClr>
     </dgm:fillClrLst>
-    <dgm:linClrLst meth="cycle">
-      <a:schemeClr val="accent1">
-        <a:shade val="50000"/>
-      </a:schemeClr>
-      <a:schemeClr val="accent1">
-        <a:tint val="55000"/>
-      </a:schemeClr>
+    <dgm:linClrLst meth="repeat">
+      <a:schemeClr val="dk2"/>
     </dgm:linClrLst>
     <dgm:effectClrLst/>
     <dgm:txLinClrLst/>
@@ -715,12 +612,12 @@
   </dgm:styleLbl>
   <dgm:styleLbl name="trAlignAcc1">
     <dgm:fillClrLst meth="repeat">
-      <a:schemeClr val="lt1">
-        <a:alpha val="55000"/>
+      <a:schemeClr val="lt2">
+        <a:alpha val="40000"/>
       </a:schemeClr>
     </dgm:fillClrLst>
     <dgm:linClrLst meth="repeat">
-      <a:schemeClr val="accent1"/>
+      <a:schemeClr val="dk2"/>
     </dgm:linClrLst>
     <dgm:effectClrLst/>
     <dgm:txLinClrLst/>
@@ -731,17 +628,12 @@
   </dgm:styleLbl>
   <dgm:styleLbl name="bgAcc1">
     <dgm:fillClrLst meth="repeat">
-      <a:schemeClr val="lt1">
+      <a:schemeClr val="lt2">
         <a:alpha val="90000"/>
       </a:schemeClr>
     </dgm:fillClrLst>
-    <dgm:linClrLst meth="cycle">
-      <a:schemeClr val="accent1">
-        <a:shade val="50000"/>
-      </a:schemeClr>
-      <a:schemeClr val="accent1">
-        <a:tint val="55000"/>
-      </a:schemeClr>
+    <dgm:linClrLst meth="repeat">
+      <a:schemeClr val="dk2"/>
     </dgm:linClrLst>
     <dgm:effectClrLst/>
     <dgm:txLinClrLst/>
@@ -752,15 +644,10 @@
   </dgm:styleLbl>
   <dgm:styleLbl name="solidFgAcc1">
     <dgm:fillClrLst meth="repeat">
-      <a:schemeClr val="lt1"/>
+      <a:schemeClr val="lt2"/>
     </dgm:fillClrLst>
-    <dgm:linClrLst meth="cycle">
-      <a:schemeClr val="accent1">
-        <a:shade val="50000"/>
-      </a:schemeClr>
-      <a:schemeClr val="accent1">
-        <a:tint val="55000"/>
-      </a:schemeClr>
+    <dgm:linClrLst meth="repeat">
+      <a:schemeClr val="dk2"/>
     </dgm:linClrLst>
     <dgm:effectClrLst/>
     <dgm:txLinClrLst/>
@@ -771,10 +658,10 @@
   </dgm:styleLbl>
   <dgm:styleLbl name="solidAlignAcc1">
     <dgm:fillClrLst meth="repeat">
-      <a:schemeClr val="lt1"/>
+      <a:schemeClr val="lt2"/>
     </dgm:fillClrLst>
     <dgm:linClrLst meth="repeat">
-      <a:schemeClr val="accent1"/>
+      <a:schemeClr val="dk2"/>
     </dgm:linClrLst>
     <dgm:effectClrLst/>
     <dgm:txLinClrLst/>
@@ -785,10 +672,10 @@
   </dgm:styleLbl>
   <dgm:styleLbl name="solidBgAcc1">
     <dgm:fillClrLst meth="repeat">
-      <a:schemeClr val="lt1"/>
+      <a:schemeClr val="lt2"/>
     </dgm:fillClrLst>
     <dgm:linClrLst meth="repeat">
-      <a:schemeClr val="accent1"/>
+      <a:schemeClr val="dk2"/>
     </dgm:linClrLst>
     <dgm:effectClrLst/>
     <dgm:txLinClrLst/>
@@ -799,15 +686,15 @@
   </dgm:styleLbl>
   <dgm:styleLbl name="fgAccFollowNode1">
     <dgm:fillClrLst meth="repeat">
-      <a:schemeClr val="accent1">
+      <a:schemeClr val="dk2">
         <a:alpha val="90000"/>
-        <a:tint val="55000"/>
+        <a:tint val="40000"/>
       </a:schemeClr>
     </dgm:fillClrLst>
     <dgm:linClrLst meth="repeat">
-      <a:schemeClr val="accent1">
+      <a:schemeClr val="dk2">
         <a:alpha val="90000"/>
-        <a:tint val="55000"/>
+        <a:tint val="40000"/>
       </a:schemeClr>
     </dgm:linClrLst>
     <dgm:effectClrLst/>
@@ -819,15 +706,15 @@
   </dgm:styleLbl>
   <dgm:styleLbl name="alignAccFollowNode1">
     <dgm:fillClrLst meth="repeat">
-      <a:schemeClr val="accent1">
+      <a:schemeClr val="dk2">
         <a:alpha val="90000"/>
-        <a:tint val="55000"/>
+        <a:tint val="40000"/>
       </a:schemeClr>
     </dgm:fillClrLst>
     <dgm:linClrLst meth="repeat">
-      <a:schemeClr val="accent1">
+      <a:schemeClr val="dk2">
         <a:alpha val="90000"/>
-        <a:tint val="55000"/>
+        <a:tint val="40000"/>
       </a:schemeClr>
     </dgm:linClrLst>
     <dgm:effectClrLst/>
@@ -839,13 +726,16 @@
   </dgm:styleLbl>
   <dgm:styleLbl name="bgAccFollowNode1">
     <dgm:fillClrLst meth="repeat">
-      <a:schemeClr val="accent1">
+      <a:schemeClr val="dk2">
         <a:alpha val="90000"/>
-        <a:tint val="55000"/>
+        <a:tint val="40000"/>
       </a:schemeClr>
     </dgm:fillClrLst>
     <dgm:linClrLst meth="repeat">
-      <a:schemeClr val="lt1"/>
+      <a:schemeClr val="dk2">
+        <a:alpha val="90000"/>
+        <a:tint val="40000"/>
+      </a:schemeClr>
     </dgm:linClrLst>
     <dgm:effectClrLst/>
     <dgm:txLinClrLst/>
@@ -856,14 +746,12 @@
   </dgm:styleLbl>
   <dgm:styleLbl name="fgAcc0">
     <dgm:fillClrLst meth="repeat">
-      <a:schemeClr val="lt1">
+      <a:schemeClr val="lt2">
         <a:alpha val="90000"/>
       </a:schemeClr>
     </dgm:fillClrLst>
     <dgm:linClrLst meth="repeat">
-      <a:schemeClr val="accent1">
-        <a:shade val="80000"/>
-      </a:schemeClr>
+      <a:schemeClr val="dk2"/>
     </dgm:linClrLst>
     <dgm:effectClrLst/>
     <dgm:txLinClrLst/>
@@ -874,14 +762,12 @@
   </dgm:styleLbl>
   <dgm:styleLbl name="fgAcc2">
     <dgm:fillClrLst meth="repeat">
-      <a:schemeClr val="lt1">
+      <a:schemeClr val="lt2">
         <a:alpha val="90000"/>
       </a:schemeClr>
     </dgm:fillClrLst>
     <dgm:linClrLst meth="repeat">
-      <a:schemeClr val="accent1">
-        <a:tint val="90000"/>
-      </a:schemeClr>
+      <a:schemeClr val="dk2"/>
     </dgm:linClrLst>
     <dgm:effectClrLst/>
     <dgm:txLinClrLst/>
@@ -892,14 +778,12 @@
   </dgm:styleLbl>
   <dgm:styleLbl name="fgAcc3">
     <dgm:fillClrLst meth="repeat">
-      <a:schemeClr val="lt1">
+      <a:schemeClr val="lt2">
         <a:alpha val="90000"/>
       </a:schemeClr>
     </dgm:fillClrLst>
     <dgm:linClrLst meth="repeat">
-      <a:schemeClr val="accent1">
-        <a:tint val="70000"/>
-      </a:schemeClr>
+      <a:schemeClr val="dk2"/>
     </dgm:linClrLst>
     <dgm:effectClrLst/>
     <dgm:txLinClrLst/>
@@ -910,14 +794,12 @@
   </dgm:styleLbl>
   <dgm:styleLbl name="fgAcc4">
     <dgm:fillClrLst meth="repeat">
-      <a:schemeClr val="lt1">
+      <a:schemeClr val="lt2">
         <a:alpha val="90000"/>
       </a:schemeClr>
     </dgm:fillClrLst>
     <dgm:linClrLst meth="repeat">
-      <a:schemeClr val="accent1">
-        <a:tint val="50000"/>
-      </a:schemeClr>
+      <a:schemeClr val="dk2"/>
     </dgm:linClrLst>
     <dgm:effectClrLst/>
     <dgm:txLinClrLst/>
@@ -928,12 +810,12 @@
   </dgm:styleLbl>
   <dgm:styleLbl name="bgShp">
     <dgm:fillClrLst meth="repeat">
-      <a:schemeClr val="accent1">
-        <a:tint val="55000"/>
+      <a:schemeClr val="dk2">
+        <a:tint val="40000"/>
       </a:schemeClr>
     </dgm:fillClrLst>
     <dgm:linClrLst meth="repeat">
-      <a:schemeClr val="dk1"/>
+      <a:schemeClr val="dk2"/>
     </dgm:linClrLst>
     <dgm:effectClrLst/>
     <dgm:txLinClrLst/>
@@ -944,12 +826,12 @@
   </dgm:styleLbl>
   <dgm:styleLbl name="dkBgShp">
     <dgm:fillClrLst meth="repeat">
-      <a:schemeClr val="accent1">
-        <a:shade val="90000"/>
+      <a:schemeClr val="dk2">
+        <a:shade val="80000"/>
       </a:schemeClr>
     </dgm:fillClrLst>
     <dgm:linClrLst meth="repeat">
-      <a:schemeClr val="dk1"/>
+      <a:schemeClr val="dk2"/>
     </dgm:linClrLst>
     <dgm:effectClrLst/>
     <dgm:txLinClrLst/>
@@ -960,13 +842,13 @@
   </dgm:styleLbl>
   <dgm:styleLbl name="trBgShp">
     <dgm:fillClrLst meth="repeat">
-      <a:schemeClr val="accent1">
+      <a:schemeClr val="dk2">
         <a:tint val="50000"/>
-        <a:alpha val="55000"/>
+        <a:alpha val="40000"/>
       </a:schemeClr>
     </dgm:fillClrLst>
     <dgm:linClrLst meth="repeat">
-      <a:schemeClr val="accent1"/>
+      <a:schemeClr val="dk2"/>
     </dgm:linClrLst>
     <dgm:effectClrLst/>
     <dgm:txLinClrLst/>
@@ -977,12 +859,12 @@
   </dgm:styleLbl>
   <dgm:styleLbl name="fgShp">
     <dgm:fillClrLst meth="repeat">
-      <a:schemeClr val="accent1">
-        <a:tint val="55000"/>
+      <a:schemeClr val="dk2">
+        <a:tint val="60000"/>
       </a:schemeClr>
     </dgm:fillClrLst>
     <dgm:linClrLst meth="repeat">
-      <a:schemeClr val="lt1"/>
+      <a:schemeClr val="lt2"/>
     </dgm:linClrLst>
     <dgm:effectClrLst/>
     <dgm:txLinClrLst/>
@@ -993,7 +875,7 @@
   </dgm:styleLbl>
   <dgm:styleLbl name="revTx">
     <dgm:fillClrLst meth="repeat">
-      <a:schemeClr val="lt1">
+      <a:schemeClr val="lt2">
         <a:alpha val="0"/>
       </a:schemeClr>
     </dgm:fillClrLst>
@@ -1016,7 +898,7 @@
 <dgm:dataModel xmlns:dgm="http://schemas.openxmlformats.org/drawingml/2006/diagram" xmlns:a="http://schemas.openxmlformats.org/drawingml/2006/main">
   <dgm:ptLst>
     <dgm:pt modelId="{4B23925D-839C-46CD-9567-9CC5CB4CEA35}" type="doc">
-      <dgm:prSet loTypeId="urn:microsoft.com/office/officeart/2005/8/layout/bProcess3" loCatId="process" qsTypeId="urn:microsoft.com/office/officeart/2005/8/quickstyle/simple1" qsCatId="simple" csTypeId="urn:microsoft.com/office/officeart/2005/8/colors/accent1_4" csCatId="accent1" phldr="1"/>
+      <dgm:prSet loTypeId="urn:microsoft.com/office/officeart/2005/8/layout/bProcess3" loCatId="process" qsTypeId="urn:microsoft.com/office/officeart/2005/8/quickstyle/simple1" qsCatId="simple" csTypeId="urn:microsoft.com/office/officeart/2005/8/colors/accent0_3" csCatId="mainScheme" phldr="1"/>
       <dgm:spPr/>
       <dgm:t>
         <a:bodyPr/>
@@ -2116,17 +1998,17 @@
     <dgm:cxn modelId="{D81EF134-4BEE-44F6-A063-C0D61D228898}" type="presOf" srcId="{8FD0F5D2-8283-4F14-B1C2-15762A25285E}" destId="{51320853-D365-4246-A8E1-89D2F971A78D}" srcOrd="0" destOrd="1" presId="urn:microsoft.com/office/officeart/2005/8/layout/bProcess3"/>
     <dgm:cxn modelId="{3AB13D3B-718A-48E5-8C60-FE80B6E6631F}" srcId="{C3384F2C-B9B1-468C-B1AD-2E2DB8B0E921}" destId="{54B236AE-150A-4B02-86BF-09E296FFF534}" srcOrd="2" destOrd="0" parTransId="{EB242F47-2E84-4ED4-9DD4-8FAA77F0C6D2}" sibTransId="{4E119AF9-DC62-4C66-8769-901070593311}"/>
     <dgm:cxn modelId="{112DAA40-7E07-4456-A3D4-F125C9A11613}" type="presOf" srcId="{F8D4544B-E42C-44EC-AB60-C19D5637860A}" destId="{51320853-D365-4246-A8E1-89D2F971A78D}" srcOrd="0" destOrd="2" presId="urn:microsoft.com/office/officeart/2005/8/layout/bProcess3"/>
+    <dgm:cxn modelId="{BF5AB55B-273A-4C12-9691-B47A0E277A89}" type="presOf" srcId="{308CBBD2-9DBF-4153-AA0D-2D479EB3A82B}" destId="{5245DA9C-9F06-40B5-97B1-8783F3D80ECA}" srcOrd="0" destOrd="1" presId="urn:microsoft.com/office/officeart/2005/8/layout/bProcess3"/>
+    <dgm:cxn modelId="{1990D660-8872-48B4-8695-1D9FCFB04963}" type="presOf" srcId="{8AE4A30B-3690-4E22-BE82-A891ECAD4558}" destId="{59B165E3-FB2C-4A0D-B975-4478EBD9372C}" srcOrd="1" destOrd="0" presId="urn:microsoft.com/office/officeart/2005/8/layout/bProcess3"/>
     <dgm:cxn modelId="{3466DD44-18DB-4A0C-AB73-E1D7F9E55580}" srcId="{396CC4BF-2947-44CC-BFAD-F9F084E89A35}" destId="{8FD0F5D2-8283-4F14-B1C2-15762A25285E}" srcOrd="0" destOrd="0" parTransId="{47EF4356-E61B-42E6-B1CC-4F690E4FCA63}" sibTransId="{9307AEC8-ACA4-4F6E-B97D-C11231D819D4}"/>
+    <dgm:cxn modelId="{2EB0C666-8547-44BC-AE99-14B63A5309B7}" type="presOf" srcId="{A34D2546-2DD5-4F56-BF14-ED913464D104}" destId="{252EC2D4-5252-484E-B10E-57403BFD947C}" srcOrd="0" destOrd="1" presId="urn:microsoft.com/office/officeart/2005/8/layout/bProcess3"/>
+    <dgm:cxn modelId="{A38F2167-23AE-4632-AEF7-3BDFBE39910C}" type="presOf" srcId="{396CC4BF-2947-44CC-BFAD-F9F084E89A35}" destId="{51320853-D365-4246-A8E1-89D2F971A78D}" srcOrd="0" destOrd="0" presId="urn:microsoft.com/office/officeart/2005/8/layout/bProcess3"/>
     <dgm:cxn modelId="{F4970E49-39D4-43A9-83C6-0EAB87D10259}" srcId="{4B23925D-839C-46CD-9567-9CC5CB4CEA35}" destId="{B54BF1CE-F054-4587-AA1E-9475A57193B7}" srcOrd="0" destOrd="0" parTransId="{0085AA0A-4003-444A-BE79-3D2CC5CC7239}" sibTransId="{A878AEEB-C6C2-446F-847E-A93791C764F3}"/>
+    <dgm:cxn modelId="{4B4DE971-5F44-4C6E-9501-EFAC4A726BA7}" type="presOf" srcId="{D7FF9834-A014-4848-A6D0-0FBE77325B00}" destId="{E60D213F-4268-49EE-B355-3F4BCFE3B1B8}" srcOrd="0" destOrd="0" presId="urn:microsoft.com/office/officeart/2005/8/layout/bProcess3"/>
     <dgm:cxn modelId="{7AC9A855-11A2-409C-9B0E-92B1B428263D}" srcId="{AFF2F0AF-46E3-4E03-B187-D71F20AA29F2}" destId="{969EBCC0-F144-476F-828C-8C3F9C494859}" srcOrd="0" destOrd="0" parTransId="{AA334262-DD5A-4D71-9169-B04C047640FA}" sibTransId="{69D94F15-4610-4008-A6EE-7A35B51FDCBF}"/>
     <dgm:cxn modelId="{48039856-B1D3-49E2-B3DC-EB71CEDA92DE}" type="presOf" srcId="{397D4B77-4C5C-4458-B099-A86FC35E1019}" destId="{40C4E524-67A3-4792-A438-B5BBB83CA9B8}" srcOrd="1" destOrd="0" presId="urn:microsoft.com/office/officeart/2005/8/layout/bProcess3"/>
     <dgm:cxn modelId="{FBA25157-C49D-4A51-900B-0E345C2F3690}" type="presOf" srcId="{327F6373-A7DF-4375-916F-6DB05539983B}" destId="{FD380630-627A-4B4A-8E79-A2F4FFBA621E}" srcOrd="0" destOrd="2" presId="urn:microsoft.com/office/officeart/2005/8/layout/bProcess3"/>
     <dgm:cxn modelId="{DC299557-F8F9-4E37-893A-023E73A87E8E}" type="presOf" srcId="{ECCCE3B7-870C-4BC4-BB65-B630577AF802}" destId="{1962B294-97E5-4D58-B16F-E0637ED4012A}" srcOrd="1" destOrd="0" presId="urn:microsoft.com/office/officeart/2005/8/layout/bProcess3"/>
-    <dgm:cxn modelId="{BF5AB55B-273A-4C12-9691-B47A0E277A89}" type="presOf" srcId="{308CBBD2-9DBF-4153-AA0D-2D479EB3A82B}" destId="{5245DA9C-9F06-40B5-97B1-8783F3D80ECA}" srcOrd="0" destOrd="1" presId="urn:microsoft.com/office/officeart/2005/8/layout/bProcess3"/>
-    <dgm:cxn modelId="{1990D660-8872-48B4-8695-1D9FCFB04963}" type="presOf" srcId="{8AE4A30B-3690-4E22-BE82-A891ECAD4558}" destId="{59B165E3-FB2C-4A0D-B975-4478EBD9372C}" srcOrd="1" destOrd="0" presId="urn:microsoft.com/office/officeart/2005/8/layout/bProcess3"/>
-    <dgm:cxn modelId="{2EB0C666-8547-44BC-AE99-14B63A5309B7}" type="presOf" srcId="{A34D2546-2DD5-4F56-BF14-ED913464D104}" destId="{252EC2D4-5252-484E-B10E-57403BFD947C}" srcOrd="0" destOrd="1" presId="urn:microsoft.com/office/officeart/2005/8/layout/bProcess3"/>
-    <dgm:cxn modelId="{A38F2167-23AE-4632-AEF7-3BDFBE39910C}" type="presOf" srcId="{396CC4BF-2947-44CC-BFAD-F9F084E89A35}" destId="{51320853-D365-4246-A8E1-89D2F971A78D}" srcOrd="0" destOrd="0" presId="urn:microsoft.com/office/officeart/2005/8/layout/bProcess3"/>
-    <dgm:cxn modelId="{4B4DE971-5F44-4C6E-9501-EFAC4A726BA7}" type="presOf" srcId="{D7FF9834-A014-4848-A6D0-0FBE77325B00}" destId="{E60D213F-4268-49EE-B355-3F4BCFE3B1B8}" srcOrd="0" destOrd="0" presId="urn:microsoft.com/office/officeart/2005/8/layout/bProcess3"/>
     <dgm:cxn modelId="{D63E6C79-1C2F-4587-92B0-7E6F5EB47FA9}" srcId="{4B23925D-839C-46CD-9567-9CC5CB4CEA35}" destId="{4142FBA2-EF45-4843-821D-04D00794C61D}" srcOrd="1" destOrd="0" parTransId="{DA8BEEFC-40C7-4D08-A568-3BAFA46F01FA}" sibTransId="{79EF8EB2-20B9-4BE2-8B89-F6CF2B8D0199}"/>
     <dgm:cxn modelId="{2D9C8D7B-D5CD-49C4-8B49-65FB3BD85A9B}" srcId="{4B23925D-839C-46CD-9567-9CC5CB4CEA35}" destId="{C3384F2C-B9B1-468C-B1AD-2E2DB8B0E921}" srcOrd="8" destOrd="0" parTransId="{0633BC68-4A22-4062-B797-B4200CA32E91}" sibTransId="{AAF2546C-2F01-4517-AA3D-EE7CFE937FB0}"/>
     <dgm:cxn modelId="{4A5FD87B-1C55-4DDC-88FE-752BD8537956}" srcId="{5DE81BC6-D9ED-4CFE-BFB4-FFB680C2A188}" destId="{35D0A281-C278-4122-BC82-CA51CBA0273F}" srcOrd="0" destOrd="0" parTransId="{68547EED-ED5E-4999-AAFC-48DA5922C06B}" sibTransId="{1AA7BCDE-9DA3-40CF-90DA-2D8A35718D96}"/>
@@ -2235,8 +2117,7 @@
         <a:noFill/>
         <a:ln w="6350" cap="flat" cmpd="sng" algn="ctr">
           <a:solidFill>
-            <a:schemeClr val="accent1">
-              <a:shade val="90000"/>
+            <a:schemeClr val="dk2">
               <a:hueOff val="0"/>
               <a:satOff val="0"/>
               <a:lumOff val="0"/>
@@ -2301,8 +2182,7 @@
           <a:avLst/>
         </a:prstGeom>
         <a:solidFill>
-          <a:schemeClr val="accent1">
-            <a:shade val="50000"/>
+          <a:schemeClr val="dk2">
             <a:hueOff val="0"/>
             <a:satOff val="0"/>
             <a:lumOff val="0"/>
@@ -2311,7 +2191,7 @@
         </a:solidFill>
         <a:ln w="12700" cap="flat" cmpd="sng" algn="ctr">
           <a:solidFill>
-            <a:schemeClr val="lt1">
+            <a:schemeClr val="lt2">
               <a:hueOff val="0"/>
               <a:satOff val="0"/>
               <a:lumOff val="0"/>
@@ -2415,11 +2295,10 @@
         <a:noFill/>
         <a:ln w="6350" cap="flat" cmpd="sng" algn="ctr">
           <a:solidFill>
-            <a:schemeClr val="accent1">
-              <a:shade val="90000"/>
-              <a:hueOff val="5175"/>
-              <a:satOff val="-188"/>
-              <a:lumOff val="7845"/>
+            <a:schemeClr val="dk2">
+              <a:hueOff val="0"/>
+              <a:satOff val="0"/>
+              <a:lumOff val="0"/>
               <a:alphaOff val="0"/>
             </a:schemeClr>
           </a:solidFill>
@@ -2481,17 +2360,16 @@
           <a:avLst/>
         </a:prstGeom>
         <a:solidFill>
-          <a:schemeClr val="accent1">
-            <a:shade val="50000"/>
-            <a:hueOff val="4480"/>
-            <a:satOff val="-178"/>
-            <a:lumOff val="9111"/>
+          <a:schemeClr val="dk2">
+            <a:hueOff val="0"/>
+            <a:satOff val="0"/>
+            <a:lumOff val="0"/>
             <a:alphaOff val="0"/>
           </a:schemeClr>
         </a:solidFill>
         <a:ln w="12700" cap="flat" cmpd="sng" algn="ctr">
           <a:solidFill>
-            <a:schemeClr val="lt1">
+            <a:schemeClr val="lt2">
               <a:hueOff val="0"/>
               <a:satOff val="0"/>
               <a:lumOff val="0"/>
@@ -2628,11 +2506,10 @@
         <a:noFill/>
         <a:ln w="6350" cap="flat" cmpd="sng" algn="ctr">
           <a:solidFill>
-            <a:schemeClr val="accent1">
-              <a:shade val="90000"/>
-              <a:hueOff val="10350"/>
-              <a:satOff val="-377"/>
-              <a:lumOff val="15689"/>
+            <a:schemeClr val="dk2">
+              <a:hueOff val="0"/>
+              <a:satOff val="0"/>
+              <a:lumOff val="0"/>
               <a:alphaOff val="0"/>
             </a:schemeClr>
           </a:solidFill>
@@ -2694,17 +2571,16 @@
           <a:avLst/>
         </a:prstGeom>
         <a:solidFill>
-          <a:schemeClr val="accent1">
-            <a:shade val="50000"/>
-            <a:hueOff val="8960"/>
-            <a:satOff val="-356"/>
-            <a:lumOff val="18221"/>
+          <a:schemeClr val="dk2">
+            <a:hueOff val="0"/>
+            <a:satOff val="0"/>
+            <a:lumOff val="0"/>
             <a:alphaOff val="0"/>
           </a:schemeClr>
         </a:solidFill>
         <a:ln w="12700" cap="flat" cmpd="sng" algn="ctr">
           <a:solidFill>
-            <a:schemeClr val="lt1">
+            <a:schemeClr val="lt2">
               <a:hueOff val="0"/>
               <a:satOff val="0"/>
               <a:lumOff val="0"/>
@@ -2826,11 +2702,10 @@
         <a:noFill/>
         <a:ln w="6350" cap="flat" cmpd="sng" algn="ctr">
           <a:solidFill>
-            <a:schemeClr val="accent1">
-              <a:shade val="90000"/>
-              <a:hueOff val="15525"/>
-              <a:satOff val="-565"/>
-              <a:lumOff val="23534"/>
+            <a:schemeClr val="dk2">
+              <a:hueOff val="0"/>
+              <a:satOff val="0"/>
+              <a:lumOff val="0"/>
               <a:alphaOff val="0"/>
             </a:schemeClr>
           </a:solidFill>
@@ -2892,17 +2767,16 @@
           <a:avLst/>
         </a:prstGeom>
         <a:solidFill>
-          <a:schemeClr val="accent1">
-            <a:shade val="50000"/>
-            <a:hueOff val="13440"/>
-            <a:satOff val="-535"/>
-            <a:lumOff val="27332"/>
+          <a:schemeClr val="dk2">
+            <a:hueOff val="0"/>
+            <a:satOff val="0"/>
+            <a:lumOff val="0"/>
             <a:alphaOff val="0"/>
           </a:schemeClr>
         </a:solidFill>
         <a:ln w="12700" cap="flat" cmpd="sng" algn="ctr">
           <a:solidFill>
-            <a:schemeClr val="lt1">
+            <a:schemeClr val="lt2">
               <a:hueOff val="0"/>
               <a:satOff val="0"/>
               <a:lumOff val="0"/>
@@ -3006,11 +2880,10 @@
         <a:noFill/>
         <a:ln w="6350" cap="flat" cmpd="sng" algn="ctr">
           <a:solidFill>
-            <a:schemeClr val="accent1">
-              <a:shade val="90000"/>
-              <a:hueOff val="20700"/>
-              <a:satOff val="-754"/>
-              <a:lumOff val="31379"/>
+            <a:schemeClr val="dk2">
+              <a:hueOff val="0"/>
+              <a:satOff val="0"/>
+              <a:lumOff val="0"/>
               <a:alphaOff val="0"/>
             </a:schemeClr>
           </a:solidFill>
@@ -3072,17 +2945,16 @@
           <a:avLst/>
         </a:prstGeom>
         <a:solidFill>
-          <a:schemeClr val="accent1">
-            <a:shade val="50000"/>
-            <a:hueOff val="17920"/>
-            <a:satOff val="-713"/>
-            <a:lumOff val="36443"/>
+          <a:schemeClr val="dk2">
+            <a:hueOff val="0"/>
+            <a:satOff val="0"/>
+            <a:lumOff val="0"/>
             <a:alphaOff val="0"/>
           </a:schemeClr>
         </a:solidFill>
         <a:ln w="12700" cap="flat" cmpd="sng" algn="ctr">
           <a:solidFill>
-            <a:schemeClr val="lt1">
+            <a:schemeClr val="lt2">
               <a:hueOff val="0"/>
               <a:satOff val="0"/>
               <a:lumOff val="0"/>
@@ -3192,11 +3064,10 @@
         <a:noFill/>
         <a:ln w="6350" cap="flat" cmpd="sng" algn="ctr">
           <a:solidFill>
-            <a:schemeClr val="accent1">
-              <a:shade val="90000"/>
-              <a:hueOff val="15525"/>
-              <a:satOff val="-565"/>
-              <a:lumOff val="23534"/>
+            <a:schemeClr val="dk2">
+              <a:hueOff val="0"/>
+              <a:satOff val="0"/>
+              <a:lumOff val="0"/>
               <a:alphaOff val="0"/>
             </a:schemeClr>
           </a:solidFill>
@@ -3258,17 +3129,16 @@
           <a:avLst/>
         </a:prstGeom>
         <a:solidFill>
-          <a:schemeClr val="accent1">
-            <a:shade val="50000"/>
-            <a:hueOff val="17920"/>
-            <a:satOff val="-713"/>
-            <a:lumOff val="36443"/>
+          <a:schemeClr val="dk2">
+            <a:hueOff val="0"/>
+            <a:satOff val="0"/>
+            <a:lumOff val="0"/>
             <a:alphaOff val="0"/>
           </a:schemeClr>
         </a:solidFill>
         <a:ln w="12700" cap="flat" cmpd="sng" algn="ctr">
           <a:solidFill>
-            <a:schemeClr val="lt1">
+            <a:schemeClr val="lt2">
               <a:hueOff val="0"/>
               <a:satOff val="0"/>
               <a:lumOff val="0"/>
@@ -3394,11 +3264,10 @@
         <a:noFill/>
         <a:ln w="6350" cap="flat" cmpd="sng" algn="ctr">
           <a:solidFill>
-            <a:schemeClr val="accent1">
-              <a:shade val="90000"/>
-              <a:hueOff val="10350"/>
-              <a:satOff val="-377"/>
-              <a:lumOff val="15689"/>
+            <a:schemeClr val="dk2">
+              <a:hueOff val="0"/>
+              <a:satOff val="0"/>
+              <a:lumOff val="0"/>
               <a:alphaOff val="0"/>
             </a:schemeClr>
           </a:solidFill>
@@ -3460,17 +3329,16 @@
           <a:avLst/>
         </a:prstGeom>
         <a:solidFill>
-          <a:schemeClr val="accent1">
-            <a:shade val="50000"/>
-            <a:hueOff val="13440"/>
-            <a:satOff val="-535"/>
-            <a:lumOff val="27332"/>
+          <a:schemeClr val="dk2">
+            <a:hueOff val="0"/>
+            <a:satOff val="0"/>
+            <a:lumOff val="0"/>
             <a:alphaOff val="0"/>
           </a:schemeClr>
         </a:solidFill>
         <a:ln w="12700" cap="flat" cmpd="sng" algn="ctr">
           <a:solidFill>
-            <a:schemeClr val="lt1">
+            <a:schemeClr val="lt2">
               <a:hueOff val="0"/>
               <a:satOff val="0"/>
               <a:lumOff val="0"/>
@@ -3592,11 +3460,10 @@
         <a:noFill/>
         <a:ln w="6350" cap="flat" cmpd="sng" algn="ctr">
           <a:solidFill>
-            <a:schemeClr val="accent1">
-              <a:shade val="90000"/>
-              <a:hueOff val="5175"/>
-              <a:satOff val="-188"/>
-              <a:lumOff val="7845"/>
+            <a:schemeClr val="dk2">
+              <a:hueOff val="0"/>
+              <a:satOff val="0"/>
+              <a:lumOff val="0"/>
               <a:alphaOff val="0"/>
             </a:schemeClr>
           </a:solidFill>
@@ -3658,17 +3525,16 @@
           <a:avLst/>
         </a:prstGeom>
         <a:solidFill>
-          <a:schemeClr val="accent1">
-            <a:shade val="50000"/>
-            <a:hueOff val="8960"/>
-            <a:satOff val="-356"/>
-            <a:lumOff val="18221"/>
+          <a:schemeClr val="dk2">
+            <a:hueOff val="0"/>
+            <a:satOff val="0"/>
+            <a:lumOff val="0"/>
             <a:alphaOff val="0"/>
           </a:schemeClr>
         </a:solidFill>
         <a:ln w="12700" cap="flat" cmpd="sng" algn="ctr">
           <a:solidFill>
-            <a:schemeClr val="lt1">
+            <a:schemeClr val="lt2">
               <a:hueOff val="0"/>
               <a:satOff val="0"/>
               <a:lumOff val="0"/>
@@ -3774,17 +3640,16 @@
           <a:avLst/>
         </a:prstGeom>
         <a:solidFill>
-          <a:schemeClr val="accent1">
-            <a:shade val="50000"/>
-            <a:hueOff val="4480"/>
-            <a:satOff val="-178"/>
-            <a:lumOff val="9111"/>
+          <a:schemeClr val="dk2">
+            <a:hueOff val="0"/>
+            <a:satOff val="0"/>
+            <a:lumOff val="0"/>
             <a:alphaOff val="0"/>
           </a:schemeClr>
         </a:solidFill>
         <a:ln w="12700" cap="flat" cmpd="sng" algn="ctr">
           <a:solidFill>
-            <a:schemeClr val="lt1">
+            <a:schemeClr val="lt2">
               <a:hueOff val="0"/>
               <a:satOff val="0"/>
               <a:lumOff val="0"/>
@@ -5201,7 +5066,7 @@
           <a:p>
             <a:fld id="{05E02316-A3A9-40CE-8399-988D8D269502}" type="datetimeFigureOut">
               <a:rPr lang="de-AT" smtClean="0"/>
-              <a:t>23.05.19</a:t>
+              <a:t>12.06.2019</a:t>
             </a:fld>
             <a:endParaRPr lang="de-AT"/>
           </a:p>
@@ -5366,7 +5231,7 @@
           <a:p>
             <a:fld id="{F5E89DEF-C035-41A2-9AFE-A6026D4C04BE}" type="datetimeFigureOut">
               <a:rPr lang="de-AT" smtClean="0"/>
-              <a:t>23.05.19</a:t>
+              <a:t>12.06.2019</a:t>
             </a:fld>
             <a:endParaRPr lang="de-AT"/>
           </a:p>
@@ -15767,7 +15632,7 @@
             <a:pPr lvl="2"/>
             <a:r>
               <a:rPr lang="de-DE" sz="1700" dirty="0"/>
-              <a:t>Deadline für erheben neuer Anforderungen setzen</a:t>
+              <a:t>Deadline fürs Erheben neuer Anforderungen setzen</a:t>
             </a:r>
           </a:p>
           <a:p>
@@ -15954,7 +15819,7 @@
           <p:nvPr>
             <p:extLst>
               <p:ext uri="{D42A27DB-BD31-4B8C-83A1-F6EECF244321}">
-                <p14:modId xmlns:p14="http://schemas.microsoft.com/office/powerpoint/2010/main" val="2875315063"/>
+                <p14:modId xmlns:p14="http://schemas.microsoft.com/office/powerpoint/2010/main" val="525121905"/>
               </p:ext>
             </p:extLst>
           </p:nvPr>
